--- a/figures/source-code-plot/timeseries-frame.pptx
+++ b/figures/source-code-plot/timeseries-frame.pptx
@@ -382,11 +382,11 @@
           <c:showBubbleSize val="0"/>
         </c:dLbls>
         <c:smooth val="0"/>
-        <c:axId val="60135808"/>
-        <c:axId val="60136368"/>
+        <c:axId val="117722032"/>
+        <c:axId val="117722592"/>
       </c:lineChart>
       <c:catAx>
-        <c:axId val="60135808"/>
+        <c:axId val="117722032"/>
         <c:scaling>
           <c:orientation val="minMax"/>
         </c:scaling>
@@ -426,7 +426,7 @@
             <a:endParaRPr lang="en-US"/>
           </a:p>
         </c:txPr>
-        <c:crossAx val="60136368"/>
+        <c:crossAx val="117722592"/>
         <c:crosses val="autoZero"/>
         <c:auto val="1"/>
         <c:lblAlgn val="ctr"/>
@@ -434,7 +434,7 @@
         <c:noMultiLvlLbl val="0"/>
       </c:catAx>
       <c:valAx>
-        <c:axId val="60136368"/>
+        <c:axId val="117722592"/>
         <c:scaling>
           <c:orientation val="minMax"/>
         </c:scaling>
@@ -482,7 +482,7 @@
             <a:endParaRPr lang="en-US"/>
           </a:p>
         </c:txPr>
-        <c:crossAx val="60135808"/>
+        <c:crossAx val="117722032"/>
         <c:crosses val="autoZero"/>
         <c:crossBetween val="between"/>
       </c:valAx>
@@ -794,11 +794,11 @@
         </c:dLbls>
         <c:marker val="1"/>
         <c:smooth val="0"/>
-        <c:axId val="60138608"/>
-        <c:axId val="120930064"/>
+        <c:axId val="117724832"/>
+        <c:axId val="117725392"/>
       </c:lineChart>
       <c:catAx>
-        <c:axId val="60138608"/>
+        <c:axId val="117724832"/>
         <c:scaling>
           <c:orientation val="minMax"/>
         </c:scaling>
@@ -838,7 +838,7 @@
             <a:endParaRPr lang="en-US"/>
           </a:p>
         </c:txPr>
-        <c:crossAx val="120930064"/>
+        <c:crossAx val="117725392"/>
         <c:crosses val="autoZero"/>
         <c:auto val="1"/>
         <c:lblAlgn val="ctr"/>
@@ -848,7 +848,7 @@
         <c:noMultiLvlLbl val="0"/>
       </c:catAx>
       <c:valAx>
-        <c:axId val="120930064"/>
+        <c:axId val="117725392"/>
         <c:scaling>
           <c:orientation val="minMax"/>
         </c:scaling>
@@ -902,7 +902,7 @@
             <a:endParaRPr lang="en-US"/>
           </a:p>
         </c:txPr>
-        <c:crossAx val="60138608"/>
+        <c:crossAx val="117724832"/>
         <c:crossesAt val="1"/>
         <c:crossBetween val="between"/>
       </c:valAx>
@@ -1211,11 +1211,11 @@
         </c:dLbls>
         <c:marker val="1"/>
         <c:smooth val="0"/>
-        <c:axId val="120932304"/>
-        <c:axId val="120932864"/>
+        <c:axId val="173557920"/>
+        <c:axId val="173558480"/>
       </c:lineChart>
       <c:catAx>
-        <c:axId val="120932304"/>
+        <c:axId val="173557920"/>
         <c:scaling>
           <c:orientation val="minMax"/>
         </c:scaling>
@@ -1255,7 +1255,7 @@
             <a:endParaRPr lang="en-US"/>
           </a:p>
         </c:txPr>
-        <c:crossAx val="120932864"/>
+        <c:crossAx val="173558480"/>
         <c:crosses val="autoZero"/>
         <c:auto val="1"/>
         <c:lblAlgn val="ctr"/>
@@ -1264,7 +1264,7 @@
         <c:noMultiLvlLbl val="0"/>
       </c:catAx>
       <c:valAx>
-        <c:axId val="120932864"/>
+        <c:axId val="173558480"/>
         <c:scaling>
           <c:orientation val="minMax"/>
         </c:scaling>
@@ -1312,7 +1312,7 @@
             <a:endParaRPr lang="en-US"/>
           </a:p>
         </c:txPr>
-        <c:crossAx val="120932304"/>
+        <c:crossAx val="173557920"/>
         <c:crosses val="autoZero"/>
         <c:crossBetween val="between"/>
       </c:valAx>
@@ -3106,7 +3106,7 @@
           <a:p>
             <a:fld id="{BD95DEEB-EB1A-4DBE-9A02-CCA516C4307E}" type="datetimeFigureOut">
               <a:rPr lang="en-US" smtClean="0"/>
-              <a:t>4/28/2016</a:t>
+              <a:t>4/30/2016</a:t>
             </a:fld>
             <a:endParaRPr lang="en-US"/>
           </a:p>
@@ -3673,7 +3673,7 @@
           <a:p>
             <a:fld id="{2DD4BC02-C082-4D59-A56C-B836D2E803E4}" type="datetimeFigureOut">
               <a:rPr lang="en-US" smtClean="0"/>
-              <a:t>4/28/2016</a:t>
+              <a:t>4/30/2016</a:t>
             </a:fld>
             <a:endParaRPr lang="en-US"/>
           </a:p>
@@ -3843,7 +3843,7 @@
           <a:p>
             <a:fld id="{2DD4BC02-C082-4D59-A56C-B836D2E803E4}" type="datetimeFigureOut">
               <a:rPr lang="en-US" smtClean="0"/>
-              <a:t>4/28/2016</a:t>
+              <a:t>4/30/2016</a:t>
             </a:fld>
             <a:endParaRPr lang="en-US"/>
           </a:p>
@@ -4023,7 +4023,7 @@
           <a:p>
             <a:fld id="{2DD4BC02-C082-4D59-A56C-B836D2E803E4}" type="datetimeFigureOut">
               <a:rPr lang="en-US" smtClean="0"/>
-              <a:t>4/28/2016</a:t>
+              <a:t>4/30/2016</a:t>
             </a:fld>
             <a:endParaRPr lang="en-US"/>
           </a:p>
@@ -4193,7 +4193,7 @@
           <a:p>
             <a:fld id="{2DD4BC02-C082-4D59-A56C-B836D2E803E4}" type="datetimeFigureOut">
               <a:rPr lang="en-US" smtClean="0"/>
-              <a:t>4/28/2016</a:t>
+              <a:t>4/30/2016</a:t>
             </a:fld>
             <a:endParaRPr lang="en-US"/>
           </a:p>
@@ -4439,7 +4439,7 @@
           <a:p>
             <a:fld id="{2DD4BC02-C082-4D59-A56C-B836D2E803E4}" type="datetimeFigureOut">
               <a:rPr lang="en-US" smtClean="0"/>
-              <a:t>4/28/2016</a:t>
+              <a:t>4/30/2016</a:t>
             </a:fld>
             <a:endParaRPr lang="en-US"/>
           </a:p>
@@ -4671,7 +4671,7 @@
           <a:p>
             <a:fld id="{2DD4BC02-C082-4D59-A56C-B836D2E803E4}" type="datetimeFigureOut">
               <a:rPr lang="en-US" smtClean="0"/>
-              <a:t>4/28/2016</a:t>
+              <a:t>4/30/2016</a:t>
             </a:fld>
             <a:endParaRPr lang="en-US"/>
           </a:p>
@@ -5038,7 +5038,7 @@
           <a:p>
             <a:fld id="{2DD4BC02-C082-4D59-A56C-B836D2E803E4}" type="datetimeFigureOut">
               <a:rPr lang="en-US" smtClean="0"/>
-              <a:t>4/28/2016</a:t>
+              <a:t>4/30/2016</a:t>
             </a:fld>
             <a:endParaRPr lang="en-US"/>
           </a:p>
@@ -5156,7 +5156,7 @@
           <a:p>
             <a:fld id="{2DD4BC02-C082-4D59-A56C-B836D2E803E4}" type="datetimeFigureOut">
               <a:rPr lang="en-US" smtClean="0"/>
-              <a:t>4/28/2016</a:t>
+              <a:t>4/30/2016</a:t>
             </a:fld>
             <a:endParaRPr lang="en-US"/>
           </a:p>
@@ -5251,7 +5251,7 @@
           <a:p>
             <a:fld id="{2DD4BC02-C082-4D59-A56C-B836D2E803E4}" type="datetimeFigureOut">
               <a:rPr lang="en-US" smtClean="0"/>
-              <a:t>4/28/2016</a:t>
+              <a:t>4/30/2016</a:t>
             </a:fld>
             <a:endParaRPr lang="en-US"/>
           </a:p>
@@ -5528,7 +5528,7 @@
           <a:p>
             <a:fld id="{2DD4BC02-C082-4D59-A56C-B836D2E803E4}" type="datetimeFigureOut">
               <a:rPr lang="en-US" smtClean="0"/>
-              <a:t>4/28/2016</a:t>
+              <a:t>4/30/2016</a:t>
             </a:fld>
             <a:endParaRPr lang="en-US"/>
           </a:p>
@@ -5781,7 +5781,7 @@
           <a:p>
             <a:fld id="{2DD4BC02-C082-4D59-A56C-B836D2E803E4}" type="datetimeFigureOut">
               <a:rPr lang="en-US" smtClean="0"/>
-              <a:t>4/28/2016</a:t>
+              <a:t>4/30/2016</a:t>
             </a:fld>
             <a:endParaRPr lang="en-US"/>
           </a:p>
@@ -5994,7 +5994,7 @@
           <a:p>
             <a:fld id="{2DD4BC02-C082-4D59-A56C-B836D2E803E4}" type="datetimeFigureOut">
               <a:rPr lang="en-US" smtClean="0"/>
-              <a:t>4/28/2016</a:t>
+              <a:t>4/30/2016</a:t>
             </a:fld>
             <a:endParaRPr lang="en-US"/>
           </a:p>
@@ -12860,19 +12860,12 @@
             </a:pPr>
             <a:r>
               <a:rPr lang="en-US" sz="2400" dirty="0" smtClean="0">
-                <a:solidFill>
-                  <a:schemeClr val="bg1"/>
-                </a:solidFill>
                 <a:latin typeface="Times New Roman" panose="02020603050405020304" pitchFamily="18" charset="0"/>
                 <a:cs typeface="Times New Roman" panose="02020603050405020304" pitchFamily="18" charset="0"/>
               </a:rPr>
               <a:t>Lack of water</a:t>
             </a:r>
-            <a:endParaRPr lang="en-US" sz="2400" dirty="0">
-              <a:solidFill>
-                <a:schemeClr val="bg1"/>
-              </a:solidFill>
-            </a:endParaRPr>
+            <a:endParaRPr lang="en-US" sz="2400" dirty="0"/>
           </a:p>
         </p:txBody>
       </p:sp>
@@ -13117,19 +13110,12 @@
             </a:pPr>
             <a:r>
               <a:rPr lang="en-US" sz="2400" dirty="0" smtClean="0">
-                <a:solidFill>
-                  <a:schemeClr val="bg1"/>
-                </a:solidFill>
                 <a:latin typeface="Times New Roman" panose="02020603050405020304" pitchFamily="18" charset="0"/>
                 <a:cs typeface="Times New Roman" panose="02020603050405020304" pitchFamily="18" charset="0"/>
               </a:rPr>
               <a:t>Gas shortage</a:t>
             </a:r>
-            <a:endParaRPr lang="en-US" sz="2400" dirty="0">
-              <a:solidFill>
-                <a:schemeClr val="bg1"/>
-              </a:solidFill>
-            </a:endParaRPr>
+            <a:endParaRPr lang="en-US" sz="2400" dirty="0"/>
           </a:p>
         </p:txBody>
       </p:sp>
@@ -13371,19 +13357,12 @@
             </a:pPr>
             <a:r>
               <a:rPr lang="en-US" sz="2400" dirty="0" smtClean="0">
-                <a:solidFill>
-                  <a:schemeClr val="bg1"/>
-                </a:solidFill>
                 <a:latin typeface="Times New Roman" panose="02020603050405020304" pitchFamily="18" charset="0"/>
                 <a:cs typeface="Times New Roman" panose="02020603050405020304" pitchFamily="18" charset="0"/>
               </a:rPr>
               <a:t>Other supply</a:t>
             </a:r>
-            <a:endParaRPr lang="en-US" sz="2400" dirty="0">
-              <a:solidFill>
-                <a:schemeClr val="bg1"/>
-              </a:solidFill>
-            </a:endParaRPr>
+            <a:endParaRPr lang="en-US" sz="2400" dirty="0"/>
           </a:p>
         </p:txBody>
       </p:sp>
@@ -13636,18 +13615,12 @@
             </a:pPr>
             <a:r>
               <a:rPr lang="en-US" sz="2400" dirty="0" smtClean="0">
-                <a:solidFill>
-                  <a:schemeClr val="bg1"/>
-                </a:solidFill>
                 <a:latin typeface="Arial" panose="020B0604020202020204" pitchFamily="34" charset="0"/>
                 <a:cs typeface="Arial" panose="020B0604020202020204" pitchFamily="34" charset="0"/>
               </a:rPr>
               <a:t>Power outage</a:t>
             </a:r>
             <a:endParaRPr lang="en-US" sz="2400" dirty="0">
-              <a:solidFill>
-                <a:schemeClr val="bg1"/>
-              </a:solidFill>
               <a:latin typeface="Arial" panose="020B0604020202020204" pitchFamily="34" charset="0"/>
               <a:cs typeface="Arial" panose="020B0604020202020204" pitchFamily="34" charset="0"/>
             </a:endParaRPr>

--- a/figures/source-code-plot/timeseries-frame.pptx
+++ b/figures/source-code-plot/timeseries-frame.pptx
@@ -5,7 +5,7 @@
     <p:sldMasterId id="2147483648" r:id="rId1"/>
   </p:sldMasterIdLst>
   <p:notesMasterIdLst>
-    <p:notesMasterId r:id="rId11"/>
+    <p:notesMasterId r:id="rId13"/>
   </p:notesMasterIdLst>
   <p:sldIdLst>
     <p:sldId id="256" r:id="rId2"/>
@@ -17,6 +17,8 @@
     <p:sldId id="261" r:id="rId8"/>
     <p:sldId id="263" r:id="rId9"/>
     <p:sldId id="264" r:id="rId10"/>
+    <p:sldId id="265" r:id="rId11"/>
+    <p:sldId id="266" r:id="rId12"/>
   </p:sldIdLst>
   <p:sldSz cx="12192000" cy="6858000"/>
   <p:notesSz cx="6858000" cy="9144000"/>
@@ -382,11 +384,11 @@
           <c:showBubbleSize val="0"/>
         </c:dLbls>
         <c:smooth val="0"/>
-        <c:axId val="117722032"/>
-        <c:axId val="117722592"/>
+        <c:axId val="71351616"/>
+        <c:axId val="169181360"/>
       </c:lineChart>
       <c:catAx>
-        <c:axId val="117722032"/>
+        <c:axId val="71351616"/>
         <c:scaling>
           <c:orientation val="minMax"/>
         </c:scaling>
@@ -426,7 +428,7 @@
             <a:endParaRPr lang="en-US"/>
           </a:p>
         </c:txPr>
-        <c:crossAx val="117722592"/>
+        <c:crossAx val="169181360"/>
         <c:crosses val="autoZero"/>
         <c:auto val="1"/>
         <c:lblAlgn val="ctr"/>
@@ -434,7 +436,7 @@
         <c:noMultiLvlLbl val="0"/>
       </c:catAx>
       <c:valAx>
-        <c:axId val="117722592"/>
+        <c:axId val="169181360"/>
         <c:scaling>
           <c:orientation val="minMax"/>
         </c:scaling>
@@ -482,7 +484,7 @@
             <a:endParaRPr lang="en-US"/>
           </a:p>
         </c:txPr>
-        <c:crossAx val="117722032"/>
+        <c:crossAx val="71351616"/>
         <c:crosses val="autoZero"/>
         <c:crossBetween val="between"/>
       </c:valAx>
@@ -794,11 +796,11 @@
         </c:dLbls>
         <c:marker val="1"/>
         <c:smooth val="0"/>
-        <c:axId val="117724832"/>
-        <c:axId val="117725392"/>
+        <c:axId val="169183600"/>
+        <c:axId val="169184160"/>
       </c:lineChart>
       <c:catAx>
-        <c:axId val="117724832"/>
+        <c:axId val="169183600"/>
         <c:scaling>
           <c:orientation val="minMax"/>
         </c:scaling>
@@ -838,7 +840,7 @@
             <a:endParaRPr lang="en-US"/>
           </a:p>
         </c:txPr>
-        <c:crossAx val="117725392"/>
+        <c:crossAx val="169184160"/>
         <c:crosses val="autoZero"/>
         <c:auto val="1"/>
         <c:lblAlgn val="ctr"/>
@@ -848,7 +850,7 @@
         <c:noMultiLvlLbl val="0"/>
       </c:catAx>
       <c:valAx>
-        <c:axId val="117725392"/>
+        <c:axId val="169184160"/>
         <c:scaling>
           <c:orientation val="minMax"/>
         </c:scaling>
@@ -902,7 +904,7 @@
             <a:endParaRPr lang="en-US"/>
           </a:p>
         </c:txPr>
-        <c:crossAx val="117724832"/>
+        <c:crossAx val="169183600"/>
         <c:crossesAt val="1"/>
         <c:crossBetween val="between"/>
       </c:valAx>
@@ -1211,11 +1213,11 @@
         </c:dLbls>
         <c:marker val="1"/>
         <c:smooth val="0"/>
-        <c:axId val="173557920"/>
-        <c:axId val="173558480"/>
+        <c:axId val="169186400"/>
+        <c:axId val="169186960"/>
       </c:lineChart>
       <c:catAx>
-        <c:axId val="173557920"/>
+        <c:axId val="169186400"/>
         <c:scaling>
           <c:orientation val="minMax"/>
         </c:scaling>
@@ -1255,7 +1257,7 @@
             <a:endParaRPr lang="en-US"/>
           </a:p>
         </c:txPr>
-        <c:crossAx val="173558480"/>
+        <c:crossAx val="169186960"/>
         <c:crosses val="autoZero"/>
         <c:auto val="1"/>
         <c:lblAlgn val="ctr"/>
@@ -1264,7 +1266,7 @@
         <c:noMultiLvlLbl val="0"/>
       </c:catAx>
       <c:valAx>
-        <c:axId val="173558480"/>
+        <c:axId val="169186960"/>
         <c:scaling>
           <c:orientation val="minMax"/>
         </c:scaling>
@@ -1312,7 +1314,7 @@
             <a:endParaRPr lang="en-US"/>
           </a:p>
         </c:txPr>
-        <c:crossAx val="173557920"/>
+        <c:crossAx val="169186400"/>
         <c:crosses val="autoZero"/>
         <c:crossBetween val="between"/>
       </c:valAx>
@@ -6463,6 +6465,3596 @@
 </p:sld>
 </file>
 
+<file path=ppt/slides/slide10.xml><?xml version="1.0" encoding="utf-8"?>
+<p:sld xmlns:a="http://schemas.openxmlformats.org/drawingml/2006/main" xmlns:r="http://schemas.openxmlformats.org/officeDocument/2006/relationships" xmlns:p="http://schemas.openxmlformats.org/presentationml/2006/main">
+  <p:cSld>
+    <p:spTree>
+      <p:nvGrpSpPr>
+        <p:cNvPr id="1" name=""/>
+        <p:cNvGrpSpPr/>
+        <p:nvPr/>
+      </p:nvGrpSpPr>
+      <p:grpSpPr>
+        <a:xfrm>
+          <a:off x="0" y="0"/>
+          <a:ext cx="0" cy="0"/>
+          <a:chOff x="0" y="0"/>
+          <a:chExt cx="0" cy="0"/>
+        </a:xfrm>
+      </p:grpSpPr>
+      <p:pic>
+        <p:nvPicPr>
+          <p:cNvPr id="3" name="Picture 2"/>
+          <p:cNvPicPr>
+            <a:picLocks noChangeAspect="1"/>
+          </p:cNvPicPr>
+          <p:nvPr/>
+        </p:nvPicPr>
+        <p:blipFill>
+          <a:blip r:embed="rId2">
+            <a:extLst>
+              <a:ext uri="{28A0092B-C50C-407E-A947-70E740481C1C}">
+                <a14:useLocalDpi xmlns:a14="http://schemas.microsoft.com/office/drawing/2010/main" val="0"/>
+              </a:ext>
+            </a:extLst>
+          </a:blip>
+          <a:stretch>
+            <a:fillRect/>
+          </a:stretch>
+        </p:blipFill>
+        <p:spPr>
+          <a:xfrm>
+            <a:off x="2234039" y="81982"/>
+            <a:ext cx="6858000" cy="6858000"/>
+          </a:xfrm>
+          <a:prstGeom prst="rect">
+            <a:avLst/>
+          </a:prstGeom>
+        </p:spPr>
+      </p:pic>
+      <p:sp>
+        <p:nvSpPr>
+          <p:cNvPr id="5" name="Subtitle 2"/>
+          <p:cNvSpPr txBox="1">
+            <a:spLocks/>
+          </p:cNvSpPr>
+          <p:nvPr/>
+        </p:nvSpPr>
+        <p:spPr>
+          <a:xfrm>
+            <a:off x="1289721" y="5866745"/>
+            <a:ext cx="1888636" cy="455034"/>
+          </a:xfrm>
+          <a:prstGeom prst="rect">
+            <a:avLst/>
+          </a:prstGeom>
+          <a:solidFill>
+            <a:srgbClr val="92D050"/>
+          </a:solidFill>
+          <a:ln w="38100">
+            <a:solidFill>
+              <a:srgbClr val="92D050"/>
+            </a:solidFill>
+          </a:ln>
+        </p:spPr>
+        <p:txBody>
+          <a:bodyPr vert="horz" lIns="91440" tIns="45720" rIns="91440" bIns="45720" rtlCol="0">
+            <a:noAutofit/>
+          </a:bodyPr>
+          <a:lstStyle>
+            <a:lvl1pPr marL="228600" indent="-228600" algn="l" defTabSz="914400" rtl="0" eaLnBrk="1" latinLnBrk="0" hangingPunct="1">
+              <a:lnSpc>
+                <a:spcPct val="90000"/>
+              </a:lnSpc>
+              <a:spcBef>
+                <a:spcPts val="1000"/>
+              </a:spcBef>
+              <a:buFont typeface="Arial" panose="020B0604020202020204" pitchFamily="34" charset="0"/>
+              <a:buChar char="•"/>
+              <a:defRPr sz="2800" kern="1200">
+                <a:solidFill>
+                  <a:schemeClr val="tx1"/>
+                </a:solidFill>
+                <a:latin typeface="+mn-lt"/>
+                <a:ea typeface="+mn-ea"/>
+                <a:cs typeface="+mn-cs"/>
+              </a:defRPr>
+            </a:lvl1pPr>
+            <a:lvl2pPr marL="685800" indent="-228600" algn="l" defTabSz="914400" rtl="0" eaLnBrk="1" latinLnBrk="0" hangingPunct="1">
+              <a:lnSpc>
+                <a:spcPct val="90000"/>
+              </a:lnSpc>
+              <a:spcBef>
+                <a:spcPts val="500"/>
+              </a:spcBef>
+              <a:buFont typeface="Arial" panose="020B0604020202020204" pitchFamily="34" charset="0"/>
+              <a:buChar char="•"/>
+              <a:defRPr sz="2400" kern="1200">
+                <a:solidFill>
+                  <a:schemeClr val="tx1"/>
+                </a:solidFill>
+                <a:latin typeface="+mn-lt"/>
+                <a:ea typeface="+mn-ea"/>
+                <a:cs typeface="+mn-cs"/>
+              </a:defRPr>
+            </a:lvl2pPr>
+            <a:lvl3pPr marL="1143000" indent="-228600" algn="l" defTabSz="914400" rtl="0" eaLnBrk="1" latinLnBrk="0" hangingPunct="1">
+              <a:lnSpc>
+                <a:spcPct val="90000"/>
+              </a:lnSpc>
+              <a:spcBef>
+                <a:spcPts val="500"/>
+              </a:spcBef>
+              <a:buFont typeface="Arial" panose="020B0604020202020204" pitchFamily="34" charset="0"/>
+              <a:buChar char="•"/>
+              <a:defRPr sz="2000" kern="1200">
+                <a:solidFill>
+                  <a:schemeClr val="tx1"/>
+                </a:solidFill>
+                <a:latin typeface="+mn-lt"/>
+                <a:ea typeface="+mn-ea"/>
+                <a:cs typeface="+mn-cs"/>
+              </a:defRPr>
+            </a:lvl3pPr>
+            <a:lvl4pPr marL="1600200" indent="-228600" algn="l" defTabSz="914400" rtl="0" eaLnBrk="1" latinLnBrk="0" hangingPunct="1">
+              <a:lnSpc>
+                <a:spcPct val="90000"/>
+              </a:lnSpc>
+              <a:spcBef>
+                <a:spcPts val="500"/>
+              </a:spcBef>
+              <a:buFont typeface="Arial" panose="020B0604020202020204" pitchFamily="34" charset="0"/>
+              <a:buChar char="•"/>
+              <a:defRPr sz="1800" kern="1200">
+                <a:solidFill>
+                  <a:schemeClr val="tx1"/>
+                </a:solidFill>
+                <a:latin typeface="+mn-lt"/>
+                <a:ea typeface="+mn-ea"/>
+                <a:cs typeface="+mn-cs"/>
+              </a:defRPr>
+            </a:lvl4pPr>
+            <a:lvl5pPr marL="2057400" indent="-228600" algn="l" defTabSz="914400" rtl="0" eaLnBrk="1" latinLnBrk="0" hangingPunct="1">
+              <a:lnSpc>
+                <a:spcPct val="90000"/>
+              </a:lnSpc>
+              <a:spcBef>
+                <a:spcPts val="500"/>
+              </a:spcBef>
+              <a:buFont typeface="Arial" panose="020B0604020202020204" pitchFamily="34" charset="0"/>
+              <a:buChar char="•"/>
+              <a:defRPr sz="1800" kern="1200">
+                <a:solidFill>
+                  <a:schemeClr val="tx1"/>
+                </a:solidFill>
+                <a:latin typeface="+mn-lt"/>
+                <a:ea typeface="+mn-ea"/>
+                <a:cs typeface="+mn-cs"/>
+              </a:defRPr>
+            </a:lvl5pPr>
+            <a:lvl6pPr marL="2514600" indent="-228600" algn="l" defTabSz="914400" rtl="0" eaLnBrk="1" latinLnBrk="0" hangingPunct="1">
+              <a:lnSpc>
+                <a:spcPct val="90000"/>
+              </a:lnSpc>
+              <a:spcBef>
+                <a:spcPts val="500"/>
+              </a:spcBef>
+              <a:buFont typeface="Arial" panose="020B0604020202020204" pitchFamily="34" charset="0"/>
+              <a:buChar char="•"/>
+              <a:defRPr sz="1800" kern="1200">
+                <a:solidFill>
+                  <a:schemeClr val="tx1"/>
+                </a:solidFill>
+                <a:latin typeface="+mn-lt"/>
+                <a:ea typeface="+mn-ea"/>
+                <a:cs typeface="+mn-cs"/>
+              </a:defRPr>
+            </a:lvl6pPr>
+            <a:lvl7pPr marL="2971800" indent="-228600" algn="l" defTabSz="914400" rtl="0" eaLnBrk="1" latinLnBrk="0" hangingPunct="1">
+              <a:lnSpc>
+                <a:spcPct val="90000"/>
+              </a:lnSpc>
+              <a:spcBef>
+                <a:spcPts val="500"/>
+              </a:spcBef>
+              <a:buFont typeface="Arial" panose="020B0604020202020204" pitchFamily="34" charset="0"/>
+              <a:buChar char="•"/>
+              <a:defRPr sz="1800" kern="1200">
+                <a:solidFill>
+                  <a:schemeClr val="tx1"/>
+                </a:solidFill>
+                <a:latin typeface="+mn-lt"/>
+                <a:ea typeface="+mn-ea"/>
+                <a:cs typeface="+mn-cs"/>
+              </a:defRPr>
+            </a:lvl7pPr>
+            <a:lvl8pPr marL="3429000" indent="-228600" algn="l" defTabSz="914400" rtl="0" eaLnBrk="1" latinLnBrk="0" hangingPunct="1">
+              <a:lnSpc>
+                <a:spcPct val="90000"/>
+              </a:lnSpc>
+              <a:spcBef>
+                <a:spcPts val="500"/>
+              </a:spcBef>
+              <a:buFont typeface="Arial" panose="020B0604020202020204" pitchFamily="34" charset="0"/>
+              <a:buChar char="•"/>
+              <a:defRPr sz="1800" kern="1200">
+                <a:solidFill>
+                  <a:schemeClr val="tx1"/>
+                </a:solidFill>
+                <a:latin typeface="+mn-lt"/>
+                <a:ea typeface="+mn-ea"/>
+                <a:cs typeface="+mn-cs"/>
+              </a:defRPr>
+            </a:lvl8pPr>
+            <a:lvl9pPr marL="3886200" indent="-228600" algn="l" defTabSz="914400" rtl="0" eaLnBrk="1" latinLnBrk="0" hangingPunct="1">
+              <a:lnSpc>
+                <a:spcPct val="90000"/>
+              </a:lnSpc>
+              <a:spcBef>
+                <a:spcPts val="500"/>
+              </a:spcBef>
+              <a:buFont typeface="Arial" panose="020B0604020202020204" pitchFamily="34" charset="0"/>
+              <a:buChar char="•"/>
+              <a:defRPr sz="1800" kern="1200">
+                <a:solidFill>
+                  <a:schemeClr val="tx1"/>
+                </a:solidFill>
+                <a:latin typeface="+mn-lt"/>
+                <a:ea typeface="+mn-ea"/>
+                <a:cs typeface="+mn-cs"/>
+              </a:defRPr>
+            </a:lvl9pPr>
+          </a:lstStyle>
+          <a:p>
+            <a:pPr marL="0" indent="0">
+              <a:buNone/>
+            </a:pPr>
+            <a:r>
+              <a:rPr lang="en-US" sz="2400" dirty="0" smtClean="0">
+                <a:latin typeface="Times New Roman" panose="02020603050405020304" pitchFamily="18" charset="0"/>
+                <a:cs typeface="Times New Roman" panose="02020603050405020304" pitchFamily="18" charset="0"/>
+              </a:rPr>
+              <a:t>Lack of water</a:t>
+            </a:r>
+            <a:endParaRPr lang="en-US" sz="2400" dirty="0"/>
+          </a:p>
+        </p:txBody>
+      </p:sp>
+      <p:cxnSp>
+        <p:nvCxnSpPr>
+          <p:cNvPr id="6" name="Straight Arrow Connector 5"/>
+          <p:cNvCxnSpPr>
+            <a:stCxn id="5" idx="0"/>
+          </p:cNvCxnSpPr>
+          <p:nvPr/>
+        </p:nvCxnSpPr>
+        <p:spPr>
+          <a:xfrm flipV="1">
+            <a:off x="2234039" y="5044580"/>
+            <a:ext cx="319778" cy="822165"/>
+          </a:xfrm>
+          <a:prstGeom prst="straightConnector1">
+            <a:avLst/>
+          </a:prstGeom>
+          <a:ln w="38100">
+            <a:solidFill>
+              <a:srgbClr val="92D050"/>
+            </a:solidFill>
+            <a:tailEnd type="triangle"/>
+          </a:ln>
+        </p:spPr>
+        <p:style>
+          <a:lnRef idx="1">
+            <a:schemeClr val="accent1"/>
+          </a:lnRef>
+          <a:fillRef idx="0">
+            <a:schemeClr val="accent1"/>
+          </a:fillRef>
+          <a:effectRef idx="0">
+            <a:schemeClr val="accent1"/>
+          </a:effectRef>
+          <a:fontRef idx="minor">
+            <a:schemeClr val="tx1"/>
+          </a:fontRef>
+        </p:style>
+      </p:cxnSp>
+      <p:sp>
+        <p:nvSpPr>
+          <p:cNvPr id="9" name="Subtitle 2"/>
+          <p:cNvSpPr txBox="1">
+            <a:spLocks/>
+          </p:cNvSpPr>
+          <p:nvPr/>
+        </p:nvSpPr>
+        <p:spPr>
+          <a:xfrm>
+            <a:off x="7415577" y="295116"/>
+            <a:ext cx="2246527" cy="455034"/>
+          </a:xfrm>
+          <a:prstGeom prst="rect">
+            <a:avLst/>
+          </a:prstGeom>
+          <a:solidFill>
+            <a:srgbClr val="E0A8D4"/>
+          </a:solidFill>
+          <a:ln w="38100">
+            <a:solidFill>
+              <a:srgbClr val="E0A8D4"/>
+            </a:solidFill>
+          </a:ln>
+        </p:spPr>
+        <p:txBody>
+          <a:bodyPr vert="horz" lIns="91440" tIns="45720" rIns="91440" bIns="45720" rtlCol="0">
+            <a:noAutofit/>
+          </a:bodyPr>
+          <a:lstStyle>
+            <a:lvl1pPr marL="228600" indent="-228600" algn="l" defTabSz="914400" rtl="0" eaLnBrk="1" latinLnBrk="0" hangingPunct="1">
+              <a:lnSpc>
+                <a:spcPct val="90000"/>
+              </a:lnSpc>
+              <a:spcBef>
+                <a:spcPts val="1000"/>
+              </a:spcBef>
+              <a:buFont typeface="Arial" panose="020B0604020202020204" pitchFamily="34" charset="0"/>
+              <a:buChar char="•"/>
+              <a:defRPr sz="2800" kern="1200">
+                <a:solidFill>
+                  <a:schemeClr val="tx1"/>
+                </a:solidFill>
+                <a:latin typeface="+mn-lt"/>
+                <a:ea typeface="+mn-ea"/>
+                <a:cs typeface="+mn-cs"/>
+              </a:defRPr>
+            </a:lvl1pPr>
+            <a:lvl2pPr marL="685800" indent="-228600" algn="l" defTabSz="914400" rtl="0" eaLnBrk="1" latinLnBrk="0" hangingPunct="1">
+              <a:lnSpc>
+                <a:spcPct val="90000"/>
+              </a:lnSpc>
+              <a:spcBef>
+                <a:spcPts val="500"/>
+              </a:spcBef>
+              <a:buFont typeface="Arial" panose="020B0604020202020204" pitchFamily="34" charset="0"/>
+              <a:buChar char="•"/>
+              <a:defRPr sz="2400" kern="1200">
+                <a:solidFill>
+                  <a:schemeClr val="tx1"/>
+                </a:solidFill>
+                <a:latin typeface="+mn-lt"/>
+                <a:ea typeface="+mn-ea"/>
+                <a:cs typeface="+mn-cs"/>
+              </a:defRPr>
+            </a:lvl2pPr>
+            <a:lvl3pPr marL="1143000" indent="-228600" algn="l" defTabSz="914400" rtl="0" eaLnBrk="1" latinLnBrk="0" hangingPunct="1">
+              <a:lnSpc>
+                <a:spcPct val="90000"/>
+              </a:lnSpc>
+              <a:spcBef>
+                <a:spcPts val="500"/>
+              </a:spcBef>
+              <a:buFont typeface="Arial" panose="020B0604020202020204" pitchFamily="34" charset="0"/>
+              <a:buChar char="•"/>
+              <a:defRPr sz="2000" kern="1200">
+                <a:solidFill>
+                  <a:schemeClr val="tx1"/>
+                </a:solidFill>
+                <a:latin typeface="+mn-lt"/>
+                <a:ea typeface="+mn-ea"/>
+                <a:cs typeface="+mn-cs"/>
+              </a:defRPr>
+            </a:lvl3pPr>
+            <a:lvl4pPr marL="1600200" indent="-228600" algn="l" defTabSz="914400" rtl="0" eaLnBrk="1" latinLnBrk="0" hangingPunct="1">
+              <a:lnSpc>
+                <a:spcPct val="90000"/>
+              </a:lnSpc>
+              <a:spcBef>
+                <a:spcPts val="500"/>
+              </a:spcBef>
+              <a:buFont typeface="Arial" panose="020B0604020202020204" pitchFamily="34" charset="0"/>
+              <a:buChar char="•"/>
+              <a:defRPr sz="1800" kern="1200">
+                <a:solidFill>
+                  <a:schemeClr val="tx1"/>
+                </a:solidFill>
+                <a:latin typeface="+mn-lt"/>
+                <a:ea typeface="+mn-ea"/>
+                <a:cs typeface="+mn-cs"/>
+              </a:defRPr>
+            </a:lvl4pPr>
+            <a:lvl5pPr marL="2057400" indent="-228600" algn="l" defTabSz="914400" rtl="0" eaLnBrk="1" latinLnBrk="0" hangingPunct="1">
+              <a:lnSpc>
+                <a:spcPct val="90000"/>
+              </a:lnSpc>
+              <a:spcBef>
+                <a:spcPts val="500"/>
+              </a:spcBef>
+              <a:buFont typeface="Arial" panose="020B0604020202020204" pitchFamily="34" charset="0"/>
+              <a:buChar char="•"/>
+              <a:defRPr sz="1800" kern="1200">
+                <a:solidFill>
+                  <a:schemeClr val="tx1"/>
+                </a:solidFill>
+                <a:latin typeface="+mn-lt"/>
+                <a:ea typeface="+mn-ea"/>
+                <a:cs typeface="+mn-cs"/>
+              </a:defRPr>
+            </a:lvl5pPr>
+            <a:lvl6pPr marL="2514600" indent="-228600" algn="l" defTabSz="914400" rtl="0" eaLnBrk="1" latinLnBrk="0" hangingPunct="1">
+              <a:lnSpc>
+                <a:spcPct val="90000"/>
+              </a:lnSpc>
+              <a:spcBef>
+                <a:spcPts val="500"/>
+              </a:spcBef>
+              <a:buFont typeface="Arial" panose="020B0604020202020204" pitchFamily="34" charset="0"/>
+              <a:buChar char="•"/>
+              <a:defRPr sz="1800" kern="1200">
+                <a:solidFill>
+                  <a:schemeClr val="tx1"/>
+                </a:solidFill>
+                <a:latin typeface="+mn-lt"/>
+                <a:ea typeface="+mn-ea"/>
+                <a:cs typeface="+mn-cs"/>
+              </a:defRPr>
+            </a:lvl6pPr>
+            <a:lvl7pPr marL="2971800" indent="-228600" algn="l" defTabSz="914400" rtl="0" eaLnBrk="1" latinLnBrk="0" hangingPunct="1">
+              <a:lnSpc>
+                <a:spcPct val="90000"/>
+              </a:lnSpc>
+              <a:spcBef>
+                <a:spcPts val="500"/>
+              </a:spcBef>
+              <a:buFont typeface="Arial" panose="020B0604020202020204" pitchFamily="34" charset="0"/>
+              <a:buChar char="•"/>
+              <a:defRPr sz="1800" kern="1200">
+                <a:solidFill>
+                  <a:schemeClr val="tx1"/>
+                </a:solidFill>
+                <a:latin typeface="+mn-lt"/>
+                <a:ea typeface="+mn-ea"/>
+                <a:cs typeface="+mn-cs"/>
+              </a:defRPr>
+            </a:lvl7pPr>
+            <a:lvl8pPr marL="3429000" indent="-228600" algn="l" defTabSz="914400" rtl="0" eaLnBrk="1" latinLnBrk="0" hangingPunct="1">
+              <a:lnSpc>
+                <a:spcPct val="90000"/>
+              </a:lnSpc>
+              <a:spcBef>
+                <a:spcPts val="500"/>
+              </a:spcBef>
+              <a:buFont typeface="Arial" panose="020B0604020202020204" pitchFamily="34" charset="0"/>
+              <a:buChar char="•"/>
+              <a:defRPr sz="1800" kern="1200">
+                <a:solidFill>
+                  <a:schemeClr val="tx1"/>
+                </a:solidFill>
+                <a:latin typeface="+mn-lt"/>
+                <a:ea typeface="+mn-ea"/>
+                <a:cs typeface="+mn-cs"/>
+              </a:defRPr>
+            </a:lvl8pPr>
+            <a:lvl9pPr marL="3886200" indent="-228600" algn="l" defTabSz="914400" rtl="0" eaLnBrk="1" latinLnBrk="0" hangingPunct="1">
+              <a:lnSpc>
+                <a:spcPct val="90000"/>
+              </a:lnSpc>
+              <a:spcBef>
+                <a:spcPts val="500"/>
+              </a:spcBef>
+              <a:buFont typeface="Arial" panose="020B0604020202020204" pitchFamily="34" charset="0"/>
+              <a:buChar char="•"/>
+              <a:defRPr sz="1800" kern="1200">
+                <a:solidFill>
+                  <a:schemeClr val="tx1"/>
+                </a:solidFill>
+                <a:latin typeface="+mn-lt"/>
+                <a:ea typeface="+mn-ea"/>
+                <a:cs typeface="+mn-cs"/>
+              </a:defRPr>
+            </a:lvl9pPr>
+          </a:lstStyle>
+          <a:p>
+            <a:pPr marL="0" indent="0">
+              <a:buNone/>
+            </a:pPr>
+            <a:r>
+              <a:rPr lang="en-US" sz="2400" dirty="0" smtClean="0">
+                <a:latin typeface="Times New Roman" panose="02020603050405020304" pitchFamily="18" charset="0"/>
+                <a:cs typeface="Times New Roman" panose="02020603050405020304" pitchFamily="18" charset="0"/>
+              </a:rPr>
+              <a:t>Land ownership</a:t>
+            </a:r>
+            <a:endParaRPr lang="en-US" sz="2400" dirty="0"/>
+          </a:p>
+        </p:txBody>
+      </p:sp>
+      <p:cxnSp>
+        <p:nvCxnSpPr>
+          <p:cNvPr id="10" name="Straight Arrow Connector 9"/>
+          <p:cNvCxnSpPr/>
+          <p:nvPr/>
+        </p:nvCxnSpPr>
+        <p:spPr>
+          <a:xfrm flipH="1">
+            <a:off x="8297840" y="756770"/>
+            <a:ext cx="172760" cy="995776"/>
+          </a:xfrm>
+          <a:prstGeom prst="straightConnector1">
+            <a:avLst/>
+          </a:prstGeom>
+          <a:ln w="38100">
+            <a:solidFill>
+              <a:srgbClr val="E0A8D4"/>
+            </a:solidFill>
+            <a:tailEnd type="triangle"/>
+          </a:ln>
+        </p:spPr>
+        <p:style>
+          <a:lnRef idx="1">
+            <a:schemeClr val="accent1"/>
+          </a:lnRef>
+          <a:fillRef idx="0">
+            <a:schemeClr val="accent1"/>
+          </a:fillRef>
+          <a:effectRef idx="0">
+            <a:schemeClr val="accent1"/>
+          </a:effectRef>
+          <a:fontRef idx="minor">
+            <a:schemeClr val="tx1"/>
+          </a:fontRef>
+        </p:style>
+      </p:cxnSp>
+      <p:sp>
+        <p:nvSpPr>
+          <p:cNvPr id="15" name="Subtitle 2"/>
+          <p:cNvSpPr txBox="1">
+            <a:spLocks/>
+          </p:cNvSpPr>
+          <p:nvPr/>
+        </p:nvSpPr>
+        <p:spPr>
+          <a:xfrm>
+            <a:off x="1289721" y="1108060"/>
+            <a:ext cx="1184681" cy="455034"/>
+          </a:xfrm>
+          <a:prstGeom prst="rect">
+            <a:avLst/>
+          </a:prstGeom>
+          <a:solidFill>
+            <a:srgbClr val="00B0F0"/>
+          </a:solidFill>
+          <a:ln w="38100">
+            <a:solidFill>
+              <a:srgbClr val="00B0F0"/>
+            </a:solidFill>
+          </a:ln>
+        </p:spPr>
+        <p:txBody>
+          <a:bodyPr vert="horz" lIns="91440" tIns="45720" rIns="91440" bIns="45720" rtlCol="0">
+            <a:noAutofit/>
+          </a:bodyPr>
+          <a:lstStyle>
+            <a:lvl1pPr marL="228600" indent="-228600" algn="l" defTabSz="914400" rtl="0" eaLnBrk="1" latinLnBrk="0" hangingPunct="1">
+              <a:lnSpc>
+                <a:spcPct val="90000"/>
+              </a:lnSpc>
+              <a:spcBef>
+                <a:spcPts val="1000"/>
+              </a:spcBef>
+              <a:buFont typeface="Arial" panose="020B0604020202020204" pitchFamily="34" charset="0"/>
+              <a:buChar char="•"/>
+              <a:defRPr sz="2800" kern="1200">
+                <a:solidFill>
+                  <a:schemeClr val="tx1"/>
+                </a:solidFill>
+                <a:latin typeface="+mn-lt"/>
+                <a:ea typeface="+mn-ea"/>
+                <a:cs typeface="+mn-cs"/>
+              </a:defRPr>
+            </a:lvl1pPr>
+            <a:lvl2pPr marL="685800" indent="-228600" algn="l" defTabSz="914400" rtl="0" eaLnBrk="1" latinLnBrk="0" hangingPunct="1">
+              <a:lnSpc>
+                <a:spcPct val="90000"/>
+              </a:lnSpc>
+              <a:spcBef>
+                <a:spcPts val="500"/>
+              </a:spcBef>
+              <a:buFont typeface="Arial" panose="020B0604020202020204" pitchFamily="34" charset="0"/>
+              <a:buChar char="•"/>
+              <a:defRPr sz="2400" kern="1200">
+                <a:solidFill>
+                  <a:schemeClr val="tx1"/>
+                </a:solidFill>
+                <a:latin typeface="+mn-lt"/>
+                <a:ea typeface="+mn-ea"/>
+                <a:cs typeface="+mn-cs"/>
+              </a:defRPr>
+            </a:lvl2pPr>
+            <a:lvl3pPr marL="1143000" indent="-228600" algn="l" defTabSz="914400" rtl="0" eaLnBrk="1" latinLnBrk="0" hangingPunct="1">
+              <a:lnSpc>
+                <a:spcPct val="90000"/>
+              </a:lnSpc>
+              <a:spcBef>
+                <a:spcPts val="500"/>
+              </a:spcBef>
+              <a:buFont typeface="Arial" panose="020B0604020202020204" pitchFamily="34" charset="0"/>
+              <a:buChar char="•"/>
+              <a:defRPr sz="2000" kern="1200">
+                <a:solidFill>
+                  <a:schemeClr val="tx1"/>
+                </a:solidFill>
+                <a:latin typeface="+mn-lt"/>
+                <a:ea typeface="+mn-ea"/>
+                <a:cs typeface="+mn-cs"/>
+              </a:defRPr>
+            </a:lvl3pPr>
+            <a:lvl4pPr marL="1600200" indent="-228600" algn="l" defTabSz="914400" rtl="0" eaLnBrk="1" latinLnBrk="0" hangingPunct="1">
+              <a:lnSpc>
+                <a:spcPct val="90000"/>
+              </a:lnSpc>
+              <a:spcBef>
+                <a:spcPts val="500"/>
+              </a:spcBef>
+              <a:buFont typeface="Arial" panose="020B0604020202020204" pitchFamily="34" charset="0"/>
+              <a:buChar char="•"/>
+              <a:defRPr sz="1800" kern="1200">
+                <a:solidFill>
+                  <a:schemeClr val="tx1"/>
+                </a:solidFill>
+                <a:latin typeface="+mn-lt"/>
+                <a:ea typeface="+mn-ea"/>
+                <a:cs typeface="+mn-cs"/>
+              </a:defRPr>
+            </a:lvl4pPr>
+            <a:lvl5pPr marL="2057400" indent="-228600" algn="l" defTabSz="914400" rtl="0" eaLnBrk="1" latinLnBrk="0" hangingPunct="1">
+              <a:lnSpc>
+                <a:spcPct val="90000"/>
+              </a:lnSpc>
+              <a:spcBef>
+                <a:spcPts val="500"/>
+              </a:spcBef>
+              <a:buFont typeface="Arial" panose="020B0604020202020204" pitchFamily="34" charset="0"/>
+              <a:buChar char="•"/>
+              <a:defRPr sz="1800" kern="1200">
+                <a:solidFill>
+                  <a:schemeClr val="tx1"/>
+                </a:solidFill>
+                <a:latin typeface="+mn-lt"/>
+                <a:ea typeface="+mn-ea"/>
+                <a:cs typeface="+mn-cs"/>
+              </a:defRPr>
+            </a:lvl5pPr>
+            <a:lvl6pPr marL="2514600" indent="-228600" algn="l" defTabSz="914400" rtl="0" eaLnBrk="1" latinLnBrk="0" hangingPunct="1">
+              <a:lnSpc>
+                <a:spcPct val="90000"/>
+              </a:lnSpc>
+              <a:spcBef>
+                <a:spcPts val="500"/>
+              </a:spcBef>
+              <a:buFont typeface="Arial" panose="020B0604020202020204" pitchFamily="34" charset="0"/>
+              <a:buChar char="•"/>
+              <a:defRPr sz="1800" kern="1200">
+                <a:solidFill>
+                  <a:schemeClr val="tx1"/>
+                </a:solidFill>
+                <a:latin typeface="+mn-lt"/>
+                <a:ea typeface="+mn-ea"/>
+                <a:cs typeface="+mn-cs"/>
+              </a:defRPr>
+            </a:lvl6pPr>
+            <a:lvl7pPr marL="2971800" indent="-228600" algn="l" defTabSz="914400" rtl="0" eaLnBrk="1" latinLnBrk="0" hangingPunct="1">
+              <a:lnSpc>
+                <a:spcPct val="90000"/>
+              </a:lnSpc>
+              <a:spcBef>
+                <a:spcPts val="500"/>
+              </a:spcBef>
+              <a:buFont typeface="Arial" panose="020B0604020202020204" pitchFamily="34" charset="0"/>
+              <a:buChar char="•"/>
+              <a:defRPr sz="1800" kern="1200">
+                <a:solidFill>
+                  <a:schemeClr val="tx1"/>
+                </a:solidFill>
+                <a:latin typeface="+mn-lt"/>
+                <a:ea typeface="+mn-ea"/>
+                <a:cs typeface="+mn-cs"/>
+              </a:defRPr>
+            </a:lvl7pPr>
+            <a:lvl8pPr marL="3429000" indent="-228600" algn="l" defTabSz="914400" rtl="0" eaLnBrk="1" latinLnBrk="0" hangingPunct="1">
+              <a:lnSpc>
+                <a:spcPct val="90000"/>
+              </a:lnSpc>
+              <a:spcBef>
+                <a:spcPts val="500"/>
+              </a:spcBef>
+              <a:buFont typeface="Arial" panose="020B0604020202020204" pitchFamily="34" charset="0"/>
+              <a:buChar char="•"/>
+              <a:defRPr sz="1800" kern="1200">
+                <a:solidFill>
+                  <a:schemeClr val="tx1"/>
+                </a:solidFill>
+                <a:latin typeface="+mn-lt"/>
+                <a:ea typeface="+mn-ea"/>
+                <a:cs typeface="+mn-cs"/>
+              </a:defRPr>
+            </a:lvl8pPr>
+            <a:lvl9pPr marL="3886200" indent="-228600" algn="l" defTabSz="914400" rtl="0" eaLnBrk="1" latinLnBrk="0" hangingPunct="1">
+              <a:lnSpc>
+                <a:spcPct val="90000"/>
+              </a:lnSpc>
+              <a:spcBef>
+                <a:spcPts val="500"/>
+              </a:spcBef>
+              <a:buFont typeface="Arial" panose="020B0604020202020204" pitchFamily="34" charset="0"/>
+              <a:buChar char="•"/>
+              <a:defRPr sz="1800" kern="1200">
+                <a:solidFill>
+                  <a:schemeClr val="tx1"/>
+                </a:solidFill>
+                <a:latin typeface="+mn-lt"/>
+                <a:ea typeface="+mn-ea"/>
+                <a:cs typeface="+mn-cs"/>
+              </a:defRPr>
+            </a:lvl9pPr>
+          </a:lstStyle>
+          <a:p>
+            <a:pPr marL="0" indent="0">
+              <a:buNone/>
+            </a:pPr>
+            <a:r>
+              <a:rPr lang="en-US" sz="2400" dirty="0" smtClean="0">
+                <a:latin typeface="Times New Roman" panose="02020603050405020304" pitchFamily="18" charset="0"/>
+                <a:cs typeface="Times New Roman" panose="02020603050405020304" pitchFamily="18" charset="0"/>
+              </a:rPr>
+              <a:t>Others</a:t>
+            </a:r>
+            <a:endParaRPr lang="en-US" sz="2400" dirty="0"/>
+          </a:p>
+        </p:txBody>
+      </p:sp>
+      <p:cxnSp>
+        <p:nvCxnSpPr>
+          <p:cNvPr id="16" name="Straight Arrow Connector 15"/>
+          <p:cNvCxnSpPr/>
+          <p:nvPr/>
+        </p:nvCxnSpPr>
+        <p:spPr>
+          <a:xfrm>
+            <a:off x="1952906" y="1563094"/>
+            <a:ext cx="776646" cy="491916"/>
+          </a:xfrm>
+          <a:prstGeom prst="straightConnector1">
+            <a:avLst/>
+          </a:prstGeom>
+          <a:ln w="38100">
+            <a:solidFill>
+              <a:srgbClr val="00B0F0"/>
+            </a:solidFill>
+            <a:tailEnd type="triangle"/>
+          </a:ln>
+        </p:spPr>
+        <p:style>
+          <a:lnRef idx="1">
+            <a:schemeClr val="accent1"/>
+          </a:lnRef>
+          <a:fillRef idx="0">
+            <a:schemeClr val="accent1"/>
+          </a:fillRef>
+          <a:effectRef idx="0">
+            <a:schemeClr val="accent1"/>
+          </a:effectRef>
+          <a:fontRef idx="minor">
+            <a:schemeClr val="tx1"/>
+          </a:fontRef>
+        </p:style>
+      </p:cxnSp>
+      <p:sp>
+        <p:nvSpPr>
+          <p:cNvPr id="22" name="Subtitle 2"/>
+          <p:cNvSpPr txBox="1">
+            <a:spLocks/>
+          </p:cNvSpPr>
+          <p:nvPr/>
+        </p:nvSpPr>
+        <p:spPr>
+          <a:xfrm>
+            <a:off x="6334497" y="5930513"/>
+            <a:ext cx="1514280" cy="455034"/>
+          </a:xfrm>
+          <a:prstGeom prst="rect">
+            <a:avLst/>
+          </a:prstGeom>
+          <a:solidFill>
+            <a:srgbClr val="FFC000"/>
+          </a:solidFill>
+          <a:ln>
+            <a:solidFill>
+              <a:srgbClr val="B88C00"/>
+            </a:solidFill>
+          </a:ln>
+        </p:spPr>
+        <p:style>
+          <a:lnRef idx="1">
+            <a:schemeClr val="accent6"/>
+          </a:lnRef>
+          <a:fillRef idx="3">
+            <a:schemeClr val="accent6"/>
+          </a:fillRef>
+          <a:effectRef idx="2">
+            <a:schemeClr val="accent6"/>
+          </a:effectRef>
+          <a:fontRef idx="minor">
+            <a:schemeClr val="lt1"/>
+          </a:fontRef>
+        </p:style>
+        <p:txBody>
+          <a:bodyPr vert="horz" lIns="91440" tIns="45720" rIns="91440" bIns="45720" rtlCol="0">
+            <a:noAutofit/>
+          </a:bodyPr>
+          <a:lstStyle>
+            <a:lvl1pPr marL="228600" indent="-228600" algn="l" defTabSz="914400" rtl="0" eaLnBrk="1" latinLnBrk="0" hangingPunct="1">
+              <a:lnSpc>
+                <a:spcPct val="90000"/>
+              </a:lnSpc>
+              <a:spcBef>
+                <a:spcPts val="1000"/>
+              </a:spcBef>
+              <a:buFont typeface="Arial" panose="020B0604020202020204" pitchFamily="34" charset="0"/>
+              <a:buChar char="•"/>
+              <a:defRPr sz="2800" kern="1200">
+                <a:solidFill>
+                  <a:schemeClr val="tx1"/>
+                </a:solidFill>
+                <a:latin typeface="+mn-lt"/>
+                <a:ea typeface="+mn-ea"/>
+                <a:cs typeface="+mn-cs"/>
+              </a:defRPr>
+            </a:lvl1pPr>
+            <a:lvl2pPr marL="685800" indent="-228600" algn="l" defTabSz="914400" rtl="0" eaLnBrk="1" latinLnBrk="0" hangingPunct="1">
+              <a:lnSpc>
+                <a:spcPct val="90000"/>
+              </a:lnSpc>
+              <a:spcBef>
+                <a:spcPts val="500"/>
+              </a:spcBef>
+              <a:buFont typeface="Arial" panose="020B0604020202020204" pitchFamily="34" charset="0"/>
+              <a:buChar char="•"/>
+              <a:defRPr sz="2400" kern="1200">
+                <a:solidFill>
+                  <a:schemeClr val="tx1"/>
+                </a:solidFill>
+                <a:latin typeface="+mn-lt"/>
+                <a:ea typeface="+mn-ea"/>
+                <a:cs typeface="+mn-cs"/>
+              </a:defRPr>
+            </a:lvl2pPr>
+            <a:lvl3pPr marL="1143000" indent="-228600" algn="l" defTabSz="914400" rtl="0" eaLnBrk="1" latinLnBrk="0" hangingPunct="1">
+              <a:lnSpc>
+                <a:spcPct val="90000"/>
+              </a:lnSpc>
+              <a:spcBef>
+                <a:spcPts val="500"/>
+              </a:spcBef>
+              <a:buFont typeface="Arial" panose="020B0604020202020204" pitchFamily="34" charset="0"/>
+              <a:buChar char="•"/>
+              <a:defRPr sz="2000" kern="1200">
+                <a:solidFill>
+                  <a:schemeClr val="tx1"/>
+                </a:solidFill>
+                <a:latin typeface="+mn-lt"/>
+                <a:ea typeface="+mn-ea"/>
+                <a:cs typeface="+mn-cs"/>
+              </a:defRPr>
+            </a:lvl3pPr>
+            <a:lvl4pPr marL="1600200" indent="-228600" algn="l" defTabSz="914400" rtl="0" eaLnBrk="1" latinLnBrk="0" hangingPunct="1">
+              <a:lnSpc>
+                <a:spcPct val="90000"/>
+              </a:lnSpc>
+              <a:spcBef>
+                <a:spcPts val="500"/>
+              </a:spcBef>
+              <a:buFont typeface="Arial" panose="020B0604020202020204" pitchFamily="34" charset="0"/>
+              <a:buChar char="•"/>
+              <a:defRPr sz="1800" kern="1200">
+                <a:solidFill>
+                  <a:schemeClr val="tx1"/>
+                </a:solidFill>
+                <a:latin typeface="+mn-lt"/>
+                <a:ea typeface="+mn-ea"/>
+                <a:cs typeface="+mn-cs"/>
+              </a:defRPr>
+            </a:lvl4pPr>
+            <a:lvl5pPr marL="2057400" indent="-228600" algn="l" defTabSz="914400" rtl="0" eaLnBrk="1" latinLnBrk="0" hangingPunct="1">
+              <a:lnSpc>
+                <a:spcPct val="90000"/>
+              </a:lnSpc>
+              <a:spcBef>
+                <a:spcPts val="500"/>
+              </a:spcBef>
+              <a:buFont typeface="Arial" panose="020B0604020202020204" pitchFamily="34" charset="0"/>
+              <a:buChar char="•"/>
+              <a:defRPr sz="1800" kern="1200">
+                <a:solidFill>
+                  <a:schemeClr val="tx1"/>
+                </a:solidFill>
+                <a:latin typeface="+mn-lt"/>
+                <a:ea typeface="+mn-ea"/>
+                <a:cs typeface="+mn-cs"/>
+              </a:defRPr>
+            </a:lvl5pPr>
+            <a:lvl6pPr marL="2514600" indent="-228600" algn="l" defTabSz="914400" rtl="0" eaLnBrk="1" latinLnBrk="0" hangingPunct="1">
+              <a:lnSpc>
+                <a:spcPct val="90000"/>
+              </a:lnSpc>
+              <a:spcBef>
+                <a:spcPts val="500"/>
+              </a:spcBef>
+              <a:buFont typeface="Arial" panose="020B0604020202020204" pitchFamily="34" charset="0"/>
+              <a:buChar char="•"/>
+              <a:defRPr sz="1800" kern="1200">
+                <a:solidFill>
+                  <a:schemeClr val="tx1"/>
+                </a:solidFill>
+                <a:latin typeface="+mn-lt"/>
+                <a:ea typeface="+mn-ea"/>
+                <a:cs typeface="+mn-cs"/>
+              </a:defRPr>
+            </a:lvl6pPr>
+            <a:lvl7pPr marL="2971800" indent="-228600" algn="l" defTabSz="914400" rtl="0" eaLnBrk="1" latinLnBrk="0" hangingPunct="1">
+              <a:lnSpc>
+                <a:spcPct val="90000"/>
+              </a:lnSpc>
+              <a:spcBef>
+                <a:spcPts val="500"/>
+              </a:spcBef>
+              <a:buFont typeface="Arial" panose="020B0604020202020204" pitchFamily="34" charset="0"/>
+              <a:buChar char="•"/>
+              <a:defRPr sz="1800" kern="1200">
+                <a:solidFill>
+                  <a:schemeClr val="tx1"/>
+                </a:solidFill>
+                <a:latin typeface="+mn-lt"/>
+                <a:ea typeface="+mn-ea"/>
+                <a:cs typeface="+mn-cs"/>
+              </a:defRPr>
+            </a:lvl7pPr>
+            <a:lvl8pPr marL="3429000" indent="-228600" algn="l" defTabSz="914400" rtl="0" eaLnBrk="1" latinLnBrk="0" hangingPunct="1">
+              <a:lnSpc>
+                <a:spcPct val="90000"/>
+              </a:lnSpc>
+              <a:spcBef>
+                <a:spcPts val="500"/>
+              </a:spcBef>
+              <a:buFont typeface="Arial" panose="020B0604020202020204" pitchFamily="34" charset="0"/>
+              <a:buChar char="•"/>
+              <a:defRPr sz="1800" kern="1200">
+                <a:solidFill>
+                  <a:schemeClr val="tx1"/>
+                </a:solidFill>
+                <a:latin typeface="+mn-lt"/>
+                <a:ea typeface="+mn-ea"/>
+                <a:cs typeface="+mn-cs"/>
+              </a:defRPr>
+            </a:lvl8pPr>
+            <a:lvl9pPr marL="3886200" indent="-228600" algn="l" defTabSz="914400" rtl="0" eaLnBrk="1" latinLnBrk="0" hangingPunct="1">
+              <a:lnSpc>
+                <a:spcPct val="90000"/>
+              </a:lnSpc>
+              <a:spcBef>
+                <a:spcPts val="500"/>
+              </a:spcBef>
+              <a:buFont typeface="Arial" panose="020B0604020202020204" pitchFamily="34" charset="0"/>
+              <a:buChar char="•"/>
+              <a:defRPr sz="1800" kern="1200">
+                <a:solidFill>
+                  <a:schemeClr val="tx1"/>
+                </a:solidFill>
+                <a:latin typeface="+mn-lt"/>
+                <a:ea typeface="+mn-ea"/>
+                <a:cs typeface="+mn-cs"/>
+              </a:defRPr>
+            </a:lvl9pPr>
+          </a:lstStyle>
+          <a:p>
+            <a:pPr marL="0" indent="0" algn="ctr">
+              <a:buNone/>
+            </a:pPr>
+            <a:r>
+              <a:rPr lang="en-US" sz="2400" dirty="0">
+                <a:latin typeface="Times New Roman" panose="02020603050405020304" pitchFamily="18" charset="0"/>
+                <a:cs typeface="Times New Roman" panose="02020603050405020304" pitchFamily="18" charset="0"/>
+              </a:rPr>
+              <a:t>F</a:t>
+            </a:r>
+            <a:r>
+              <a:rPr lang="en-US" sz="2400" dirty="0" smtClean="0">
+                <a:latin typeface="Times New Roman" panose="02020603050405020304" pitchFamily="18" charset="0"/>
+                <a:cs typeface="Times New Roman" panose="02020603050405020304" pitchFamily="18" charset="0"/>
+              </a:rPr>
+              <a:t>armers</a:t>
+            </a:r>
+            <a:endParaRPr lang="en-US" sz="2400" dirty="0">
+              <a:latin typeface="Times New Roman" panose="02020603050405020304" pitchFamily="18" charset="0"/>
+              <a:cs typeface="Times New Roman" panose="02020603050405020304" pitchFamily="18" charset="0"/>
+            </a:endParaRPr>
+          </a:p>
+        </p:txBody>
+      </p:sp>
+      <p:cxnSp>
+        <p:nvCxnSpPr>
+          <p:cNvPr id="23" name="Straight Arrow Connector 22"/>
+          <p:cNvCxnSpPr/>
+          <p:nvPr/>
+        </p:nvCxnSpPr>
+        <p:spPr>
+          <a:xfrm flipH="1" flipV="1">
+            <a:off x="6239186" y="5568287"/>
+            <a:ext cx="721172" cy="362226"/>
+          </a:xfrm>
+          <a:prstGeom prst="straightConnector1">
+            <a:avLst/>
+          </a:prstGeom>
+          <a:ln w="38100">
+            <a:solidFill>
+              <a:srgbClr val="B88C00"/>
+            </a:solidFill>
+            <a:tailEnd type="triangle"/>
+          </a:ln>
+        </p:spPr>
+        <p:style>
+          <a:lnRef idx="1">
+            <a:schemeClr val="accent1"/>
+          </a:lnRef>
+          <a:fillRef idx="0">
+            <a:schemeClr val="accent1"/>
+          </a:fillRef>
+          <a:effectRef idx="0">
+            <a:schemeClr val="accent1"/>
+          </a:effectRef>
+          <a:fontRef idx="minor">
+            <a:schemeClr val="tx1"/>
+          </a:fontRef>
+        </p:style>
+      </p:cxnSp>
+      <p:sp>
+        <p:nvSpPr>
+          <p:cNvPr id="17" name="Subtitle 2"/>
+          <p:cNvSpPr txBox="1">
+            <a:spLocks/>
+          </p:cNvSpPr>
+          <p:nvPr/>
+        </p:nvSpPr>
+        <p:spPr>
+          <a:xfrm>
+            <a:off x="3285811" y="295116"/>
+            <a:ext cx="2556051" cy="455034"/>
+          </a:xfrm>
+          <a:prstGeom prst="rect">
+            <a:avLst/>
+          </a:prstGeom>
+          <a:solidFill>
+            <a:srgbClr val="009999"/>
+          </a:solidFill>
+          <a:ln w="38100">
+            <a:solidFill>
+              <a:srgbClr val="009999"/>
+            </a:solidFill>
+          </a:ln>
+        </p:spPr>
+        <p:txBody>
+          <a:bodyPr vert="horz" lIns="91440" tIns="45720" rIns="91440" bIns="45720" rtlCol="0">
+            <a:noAutofit/>
+          </a:bodyPr>
+          <a:lstStyle>
+            <a:lvl1pPr marL="228600" indent="-228600" algn="l" defTabSz="914400" rtl="0" eaLnBrk="1" latinLnBrk="0" hangingPunct="1">
+              <a:lnSpc>
+                <a:spcPct val="90000"/>
+              </a:lnSpc>
+              <a:spcBef>
+                <a:spcPts val="1000"/>
+              </a:spcBef>
+              <a:buFont typeface="Arial" panose="020B0604020202020204" pitchFamily="34" charset="0"/>
+              <a:buChar char="•"/>
+              <a:defRPr sz="2800" kern="1200">
+                <a:solidFill>
+                  <a:schemeClr val="tx1"/>
+                </a:solidFill>
+                <a:latin typeface="+mn-lt"/>
+                <a:ea typeface="+mn-ea"/>
+                <a:cs typeface="+mn-cs"/>
+              </a:defRPr>
+            </a:lvl1pPr>
+            <a:lvl2pPr marL="685800" indent="-228600" algn="l" defTabSz="914400" rtl="0" eaLnBrk="1" latinLnBrk="0" hangingPunct="1">
+              <a:lnSpc>
+                <a:spcPct val="90000"/>
+              </a:lnSpc>
+              <a:spcBef>
+                <a:spcPts val="500"/>
+              </a:spcBef>
+              <a:buFont typeface="Arial" panose="020B0604020202020204" pitchFamily="34" charset="0"/>
+              <a:buChar char="•"/>
+              <a:defRPr sz="2400" kern="1200">
+                <a:solidFill>
+                  <a:schemeClr val="tx1"/>
+                </a:solidFill>
+                <a:latin typeface="+mn-lt"/>
+                <a:ea typeface="+mn-ea"/>
+                <a:cs typeface="+mn-cs"/>
+              </a:defRPr>
+            </a:lvl2pPr>
+            <a:lvl3pPr marL="1143000" indent="-228600" algn="l" defTabSz="914400" rtl="0" eaLnBrk="1" latinLnBrk="0" hangingPunct="1">
+              <a:lnSpc>
+                <a:spcPct val="90000"/>
+              </a:lnSpc>
+              <a:spcBef>
+                <a:spcPts val="500"/>
+              </a:spcBef>
+              <a:buFont typeface="Arial" panose="020B0604020202020204" pitchFamily="34" charset="0"/>
+              <a:buChar char="•"/>
+              <a:defRPr sz="2000" kern="1200">
+                <a:solidFill>
+                  <a:schemeClr val="tx1"/>
+                </a:solidFill>
+                <a:latin typeface="+mn-lt"/>
+                <a:ea typeface="+mn-ea"/>
+                <a:cs typeface="+mn-cs"/>
+              </a:defRPr>
+            </a:lvl3pPr>
+            <a:lvl4pPr marL="1600200" indent="-228600" algn="l" defTabSz="914400" rtl="0" eaLnBrk="1" latinLnBrk="0" hangingPunct="1">
+              <a:lnSpc>
+                <a:spcPct val="90000"/>
+              </a:lnSpc>
+              <a:spcBef>
+                <a:spcPts val="500"/>
+              </a:spcBef>
+              <a:buFont typeface="Arial" panose="020B0604020202020204" pitchFamily="34" charset="0"/>
+              <a:buChar char="•"/>
+              <a:defRPr sz="1800" kern="1200">
+                <a:solidFill>
+                  <a:schemeClr val="tx1"/>
+                </a:solidFill>
+                <a:latin typeface="+mn-lt"/>
+                <a:ea typeface="+mn-ea"/>
+                <a:cs typeface="+mn-cs"/>
+              </a:defRPr>
+            </a:lvl4pPr>
+            <a:lvl5pPr marL="2057400" indent="-228600" algn="l" defTabSz="914400" rtl="0" eaLnBrk="1" latinLnBrk="0" hangingPunct="1">
+              <a:lnSpc>
+                <a:spcPct val="90000"/>
+              </a:lnSpc>
+              <a:spcBef>
+                <a:spcPts val="500"/>
+              </a:spcBef>
+              <a:buFont typeface="Arial" panose="020B0604020202020204" pitchFamily="34" charset="0"/>
+              <a:buChar char="•"/>
+              <a:defRPr sz="1800" kern="1200">
+                <a:solidFill>
+                  <a:schemeClr val="tx1"/>
+                </a:solidFill>
+                <a:latin typeface="+mn-lt"/>
+                <a:ea typeface="+mn-ea"/>
+                <a:cs typeface="+mn-cs"/>
+              </a:defRPr>
+            </a:lvl5pPr>
+            <a:lvl6pPr marL="2514600" indent="-228600" algn="l" defTabSz="914400" rtl="0" eaLnBrk="1" latinLnBrk="0" hangingPunct="1">
+              <a:lnSpc>
+                <a:spcPct val="90000"/>
+              </a:lnSpc>
+              <a:spcBef>
+                <a:spcPts val="500"/>
+              </a:spcBef>
+              <a:buFont typeface="Arial" panose="020B0604020202020204" pitchFamily="34" charset="0"/>
+              <a:buChar char="•"/>
+              <a:defRPr sz="1800" kern="1200">
+                <a:solidFill>
+                  <a:schemeClr val="tx1"/>
+                </a:solidFill>
+                <a:latin typeface="+mn-lt"/>
+                <a:ea typeface="+mn-ea"/>
+                <a:cs typeface="+mn-cs"/>
+              </a:defRPr>
+            </a:lvl6pPr>
+            <a:lvl7pPr marL="2971800" indent="-228600" algn="l" defTabSz="914400" rtl="0" eaLnBrk="1" latinLnBrk="0" hangingPunct="1">
+              <a:lnSpc>
+                <a:spcPct val="90000"/>
+              </a:lnSpc>
+              <a:spcBef>
+                <a:spcPts val="500"/>
+              </a:spcBef>
+              <a:buFont typeface="Arial" panose="020B0604020202020204" pitchFamily="34" charset="0"/>
+              <a:buChar char="•"/>
+              <a:defRPr sz="1800" kern="1200">
+                <a:solidFill>
+                  <a:schemeClr val="tx1"/>
+                </a:solidFill>
+                <a:latin typeface="+mn-lt"/>
+                <a:ea typeface="+mn-ea"/>
+                <a:cs typeface="+mn-cs"/>
+              </a:defRPr>
+            </a:lvl7pPr>
+            <a:lvl8pPr marL="3429000" indent="-228600" algn="l" defTabSz="914400" rtl="0" eaLnBrk="1" latinLnBrk="0" hangingPunct="1">
+              <a:lnSpc>
+                <a:spcPct val="90000"/>
+              </a:lnSpc>
+              <a:spcBef>
+                <a:spcPts val="500"/>
+              </a:spcBef>
+              <a:buFont typeface="Arial" panose="020B0604020202020204" pitchFamily="34" charset="0"/>
+              <a:buChar char="•"/>
+              <a:defRPr sz="1800" kern="1200">
+                <a:solidFill>
+                  <a:schemeClr val="tx1"/>
+                </a:solidFill>
+                <a:latin typeface="+mn-lt"/>
+                <a:ea typeface="+mn-ea"/>
+                <a:cs typeface="+mn-cs"/>
+              </a:defRPr>
+            </a:lvl8pPr>
+            <a:lvl9pPr marL="3886200" indent="-228600" algn="l" defTabSz="914400" rtl="0" eaLnBrk="1" latinLnBrk="0" hangingPunct="1">
+              <a:lnSpc>
+                <a:spcPct val="90000"/>
+              </a:lnSpc>
+              <a:spcBef>
+                <a:spcPts val="500"/>
+              </a:spcBef>
+              <a:buFont typeface="Arial" panose="020B0604020202020204" pitchFamily="34" charset="0"/>
+              <a:buChar char="•"/>
+              <a:defRPr sz="1800" kern="1200">
+                <a:solidFill>
+                  <a:schemeClr val="tx1"/>
+                </a:solidFill>
+                <a:latin typeface="+mn-lt"/>
+                <a:ea typeface="+mn-ea"/>
+                <a:cs typeface="+mn-cs"/>
+              </a:defRPr>
+            </a:lvl9pPr>
+          </a:lstStyle>
+          <a:p>
+            <a:pPr marL="0" indent="0">
+              <a:buNone/>
+            </a:pPr>
+            <a:r>
+              <a:rPr lang="en-US" sz="2400" dirty="0" smtClean="0">
+                <a:latin typeface="Times New Roman" panose="02020603050405020304" pitchFamily="18" charset="0"/>
+                <a:cs typeface="Times New Roman" panose="02020603050405020304" pitchFamily="18" charset="0"/>
+              </a:rPr>
+              <a:t>Amazon rainforest</a:t>
+            </a:r>
+            <a:endParaRPr lang="en-US" sz="2400" dirty="0"/>
+          </a:p>
+        </p:txBody>
+      </p:sp>
+      <p:cxnSp>
+        <p:nvCxnSpPr>
+          <p:cNvPr id="18" name="Straight Arrow Connector 17"/>
+          <p:cNvCxnSpPr/>
+          <p:nvPr/>
+        </p:nvCxnSpPr>
+        <p:spPr>
+          <a:xfrm>
+            <a:off x="4544704" y="756770"/>
+            <a:ext cx="245660" cy="1986430"/>
+          </a:xfrm>
+          <a:prstGeom prst="straightConnector1">
+            <a:avLst/>
+          </a:prstGeom>
+          <a:ln w="38100">
+            <a:solidFill>
+              <a:srgbClr val="009999"/>
+            </a:solidFill>
+            <a:tailEnd type="triangle"/>
+          </a:ln>
+        </p:spPr>
+        <p:style>
+          <a:lnRef idx="1">
+            <a:schemeClr val="accent1"/>
+          </a:lnRef>
+          <a:fillRef idx="0">
+            <a:schemeClr val="accent1"/>
+          </a:fillRef>
+          <a:effectRef idx="0">
+            <a:schemeClr val="accent1"/>
+          </a:effectRef>
+          <a:fontRef idx="minor">
+            <a:schemeClr val="tx1"/>
+          </a:fontRef>
+        </p:style>
+      </p:cxnSp>
+      <p:sp>
+        <p:nvSpPr>
+          <p:cNvPr id="20" name="Subtitle 2"/>
+          <p:cNvSpPr txBox="1">
+            <a:spLocks/>
+          </p:cNvSpPr>
+          <p:nvPr/>
+        </p:nvSpPr>
+        <p:spPr>
+          <a:xfrm>
+            <a:off x="1289721" y="3288962"/>
+            <a:ext cx="1467262" cy="455034"/>
+          </a:xfrm>
+          <a:prstGeom prst="rect">
+            <a:avLst/>
+          </a:prstGeom>
+          <a:solidFill>
+            <a:srgbClr val="FF3399"/>
+          </a:solidFill>
+          <a:ln w="38100">
+            <a:solidFill>
+              <a:srgbClr val="FF3399"/>
+            </a:solidFill>
+          </a:ln>
+        </p:spPr>
+        <p:txBody>
+          <a:bodyPr vert="horz" lIns="91440" tIns="45720" rIns="91440" bIns="45720" rtlCol="0">
+            <a:noAutofit/>
+          </a:bodyPr>
+          <a:lstStyle>
+            <a:lvl1pPr marL="228600" indent="-228600" algn="l" defTabSz="914400" rtl="0" eaLnBrk="1" latinLnBrk="0" hangingPunct="1">
+              <a:lnSpc>
+                <a:spcPct val="90000"/>
+              </a:lnSpc>
+              <a:spcBef>
+                <a:spcPts val="1000"/>
+              </a:spcBef>
+              <a:buFont typeface="Arial" panose="020B0604020202020204" pitchFamily="34" charset="0"/>
+              <a:buChar char="•"/>
+              <a:defRPr sz="2800" kern="1200">
+                <a:solidFill>
+                  <a:schemeClr val="tx1"/>
+                </a:solidFill>
+                <a:latin typeface="+mn-lt"/>
+                <a:ea typeface="+mn-ea"/>
+                <a:cs typeface="+mn-cs"/>
+              </a:defRPr>
+            </a:lvl1pPr>
+            <a:lvl2pPr marL="685800" indent="-228600" algn="l" defTabSz="914400" rtl="0" eaLnBrk="1" latinLnBrk="0" hangingPunct="1">
+              <a:lnSpc>
+                <a:spcPct val="90000"/>
+              </a:lnSpc>
+              <a:spcBef>
+                <a:spcPts val="500"/>
+              </a:spcBef>
+              <a:buFont typeface="Arial" panose="020B0604020202020204" pitchFamily="34" charset="0"/>
+              <a:buChar char="•"/>
+              <a:defRPr sz="2400" kern="1200">
+                <a:solidFill>
+                  <a:schemeClr val="tx1"/>
+                </a:solidFill>
+                <a:latin typeface="+mn-lt"/>
+                <a:ea typeface="+mn-ea"/>
+                <a:cs typeface="+mn-cs"/>
+              </a:defRPr>
+            </a:lvl2pPr>
+            <a:lvl3pPr marL="1143000" indent="-228600" algn="l" defTabSz="914400" rtl="0" eaLnBrk="1" latinLnBrk="0" hangingPunct="1">
+              <a:lnSpc>
+                <a:spcPct val="90000"/>
+              </a:lnSpc>
+              <a:spcBef>
+                <a:spcPts val="500"/>
+              </a:spcBef>
+              <a:buFont typeface="Arial" panose="020B0604020202020204" pitchFamily="34" charset="0"/>
+              <a:buChar char="•"/>
+              <a:defRPr sz="2000" kern="1200">
+                <a:solidFill>
+                  <a:schemeClr val="tx1"/>
+                </a:solidFill>
+                <a:latin typeface="+mn-lt"/>
+                <a:ea typeface="+mn-ea"/>
+                <a:cs typeface="+mn-cs"/>
+              </a:defRPr>
+            </a:lvl3pPr>
+            <a:lvl4pPr marL="1600200" indent="-228600" algn="l" defTabSz="914400" rtl="0" eaLnBrk="1" latinLnBrk="0" hangingPunct="1">
+              <a:lnSpc>
+                <a:spcPct val="90000"/>
+              </a:lnSpc>
+              <a:spcBef>
+                <a:spcPts val="500"/>
+              </a:spcBef>
+              <a:buFont typeface="Arial" panose="020B0604020202020204" pitchFamily="34" charset="0"/>
+              <a:buChar char="•"/>
+              <a:defRPr sz="1800" kern="1200">
+                <a:solidFill>
+                  <a:schemeClr val="tx1"/>
+                </a:solidFill>
+                <a:latin typeface="+mn-lt"/>
+                <a:ea typeface="+mn-ea"/>
+                <a:cs typeface="+mn-cs"/>
+              </a:defRPr>
+            </a:lvl4pPr>
+            <a:lvl5pPr marL="2057400" indent="-228600" algn="l" defTabSz="914400" rtl="0" eaLnBrk="1" latinLnBrk="0" hangingPunct="1">
+              <a:lnSpc>
+                <a:spcPct val="90000"/>
+              </a:lnSpc>
+              <a:spcBef>
+                <a:spcPts val="500"/>
+              </a:spcBef>
+              <a:buFont typeface="Arial" panose="020B0604020202020204" pitchFamily="34" charset="0"/>
+              <a:buChar char="•"/>
+              <a:defRPr sz="1800" kern="1200">
+                <a:solidFill>
+                  <a:schemeClr val="tx1"/>
+                </a:solidFill>
+                <a:latin typeface="+mn-lt"/>
+                <a:ea typeface="+mn-ea"/>
+                <a:cs typeface="+mn-cs"/>
+              </a:defRPr>
+            </a:lvl5pPr>
+            <a:lvl6pPr marL="2514600" indent="-228600" algn="l" defTabSz="914400" rtl="0" eaLnBrk="1" latinLnBrk="0" hangingPunct="1">
+              <a:lnSpc>
+                <a:spcPct val="90000"/>
+              </a:lnSpc>
+              <a:spcBef>
+                <a:spcPts val="500"/>
+              </a:spcBef>
+              <a:buFont typeface="Arial" panose="020B0604020202020204" pitchFamily="34" charset="0"/>
+              <a:buChar char="•"/>
+              <a:defRPr sz="1800" kern="1200">
+                <a:solidFill>
+                  <a:schemeClr val="tx1"/>
+                </a:solidFill>
+                <a:latin typeface="+mn-lt"/>
+                <a:ea typeface="+mn-ea"/>
+                <a:cs typeface="+mn-cs"/>
+              </a:defRPr>
+            </a:lvl6pPr>
+            <a:lvl7pPr marL="2971800" indent="-228600" algn="l" defTabSz="914400" rtl="0" eaLnBrk="1" latinLnBrk="0" hangingPunct="1">
+              <a:lnSpc>
+                <a:spcPct val="90000"/>
+              </a:lnSpc>
+              <a:spcBef>
+                <a:spcPts val="500"/>
+              </a:spcBef>
+              <a:buFont typeface="Arial" panose="020B0604020202020204" pitchFamily="34" charset="0"/>
+              <a:buChar char="•"/>
+              <a:defRPr sz="1800" kern="1200">
+                <a:solidFill>
+                  <a:schemeClr val="tx1"/>
+                </a:solidFill>
+                <a:latin typeface="+mn-lt"/>
+                <a:ea typeface="+mn-ea"/>
+                <a:cs typeface="+mn-cs"/>
+              </a:defRPr>
+            </a:lvl7pPr>
+            <a:lvl8pPr marL="3429000" indent="-228600" algn="l" defTabSz="914400" rtl="0" eaLnBrk="1" latinLnBrk="0" hangingPunct="1">
+              <a:lnSpc>
+                <a:spcPct val="90000"/>
+              </a:lnSpc>
+              <a:spcBef>
+                <a:spcPts val="500"/>
+              </a:spcBef>
+              <a:buFont typeface="Arial" panose="020B0604020202020204" pitchFamily="34" charset="0"/>
+              <a:buChar char="•"/>
+              <a:defRPr sz="1800" kern="1200">
+                <a:solidFill>
+                  <a:schemeClr val="tx1"/>
+                </a:solidFill>
+                <a:latin typeface="+mn-lt"/>
+                <a:ea typeface="+mn-ea"/>
+                <a:cs typeface="+mn-cs"/>
+              </a:defRPr>
+            </a:lvl8pPr>
+            <a:lvl9pPr marL="3886200" indent="-228600" algn="l" defTabSz="914400" rtl="0" eaLnBrk="1" latinLnBrk="0" hangingPunct="1">
+              <a:lnSpc>
+                <a:spcPct val="90000"/>
+              </a:lnSpc>
+              <a:spcBef>
+                <a:spcPts val="500"/>
+              </a:spcBef>
+              <a:buFont typeface="Arial" panose="020B0604020202020204" pitchFamily="34" charset="0"/>
+              <a:buChar char="•"/>
+              <a:defRPr sz="1800" kern="1200">
+                <a:solidFill>
+                  <a:schemeClr val="tx1"/>
+                </a:solidFill>
+                <a:latin typeface="+mn-lt"/>
+                <a:ea typeface="+mn-ea"/>
+                <a:cs typeface="+mn-cs"/>
+              </a:defRPr>
+            </a:lvl9pPr>
+          </a:lstStyle>
+          <a:p>
+            <a:pPr marL="0" indent="0">
+              <a:buNone/>
+            </a:pPr>
+            <a:r>
+              <a:rPr lang="en-US" sz="2400" dirty="0" smtClean="0">
+                <a:latin typeface="Times New Roman" panose="02020603050405020304" pitchFamily="18" charset="0"/>
+                <a:cs typeface="Times New Roman" panose="02020603050405020304" pitchFamily="18" charset="0"/>
+              </a:rPr>
+              <a:t>Electricity</a:t>
+            </a:r>
+            <a:endParaRPr lang="en-US" sz="2400" dirty="0"/>
+          </a:p>
+        </p:txBody>
+      </p:sp>
+      <p:cxnSp>
+        <p:nvCxnSpPr>
+          <p:cNvPr id="21" name="Straight Arrow Connector 20"/>
+          <p:cNvCxnSpPr/>
+          <p:nvPr/>
+        </p:nvCxnSpPr>
+        <p:spPr>
+          <a:xfrm>
+            <a:off x="2756983" y="3565365"/>
+            <a:ext cx="2333632" cy="357263"/>
+          </a:xfrm>
+          <a:prstGeom prst="straightConnector1">
+            <a:avLst/>
+          </a:prstGeom>
+          <a:ln w="38100">
+            <a:solidFill>
+              <a:srgbClr val="FF3399"/>
+            </a:solidFill>
+            <a:tailEnd type="triangle"/>
+          </a:ln>
+        </p:spPr>
+        <p:style>
+          <a:lnRef idx="1">
+            <a:schemeClr val="accent1"/>
+          </a:lnRef>
+          <a:fillRef idx="0">
+            <a:schemeClr val="accent1"/>
+          </a:fillRef>
+          <a:effectRef idx="0">
+            <a:schemeClr val="accent1"/>
+          </a:effectRef>
+          <a:fontRef idx="minor">
+            <a:schemeClr val="tx1"/>
+          </a:fontRef>
+        </p:style>
+      </p:cxnSp>
+    </p:spTree>
+    <p:extLst>
+      <p:ext uri="{BB962C8B-B14F-4D97-AF65-F5344CB8AC3E}">
+        <p14:creationId xmlns:p14="http://schemas.microsoft.com/office/powerpoint/2010/main" val="3625955247"/>
+      </p:ext>
+    </p:extLst>
+  </p:cSld>
+  <p:clrMapOvr>
+    <a:masterClrMapping/>
+  </p:clrMapOvr>
+</p:sld>
+</file>
+
+<file path=ppt/slides/slide11.xml><?xml version="1.0" encoding="utf-8"?>
+<p:sld xmlns:a="http://schemas.openxmlformats.org/drawingml/2006/main" xmlns:r="http://schemas.openxmlformats.org/officeDocument/2006/relationships" xmlns:p="http://schemas.openxmlformats.org/presentationml/2006/main">
+  <p:cSld>
+    <p:spTree>
+      <p:nvGrpSpPr>
+        <p:cNvPr id="1" name=""/>
+        <p:cNvGrpSpPr/>
+        <p:nvPr/>
+      </p:nvGrpSpPr>
+      <p:grpSpPr>
+        <a:xfrm>
+          <a:off x="0" y="0"/>
+          <a:ext cx="0" cy="0"/>
+          <a:chOff x="0" y="0"/>
+          <a:chExt cx="0" cy="0"/>
+        </a:xfrm>
+      </p:grpSpPr>
+      <p:pic>
+        <p:nvPicPr>
+          <p:cNvPr id="2" name="Picture 1"/>
+          <p:cNvPicPr>
+            <a:picLocks noChangeAspect="1"/>
+          </p:cNvPicPr>
+          <p:nvPr/>
+        </p:nvPicPr>
+        <p:blipFill>
+          <a:blip r:embed="rId2">
+            <a:extLst>
+              <a:ext uri="{28A0092B-C50C-407E-A947-70E740481C1C}">
+                <a14:useLocalDpi xmlns:a14="http://schemas.microsoft.com/office/drawing/2010/main" val="0"/>
+              </a:ext>
+            </a:extLst>
+          </a:blip>
+          <a:stretch>
+            <a:fillRect/>
+          </a:stretch>
+        </p:blipFill>
+        <p:spPr>
+          <a:xfrm>
+            <a:off x="2667000" y="0"/>
+            <a:ext cx="6858000" cy="6858000"/>
+          </a:xfrm>
+          <a:prstGeom prst="rect">
+            <a:avLst/>
+          </a:prstGeom>
+        </p:spPr>
+      </p:pic>
+      <p:sp>
+        <p:nvSpPr>
+          <p:cNvPr id="5" name="Subtitle 2"/>
+          <p:cNvSpPr txBox="1">
+            <a:spLocks/>
+          </p:cNvSpPr>
+          <p:nvPr/>
+        </p:nvSpPr>
+        <p:spPr>
+          <a:xfrm>
+            <a:off x="1746913" y="1930521"/>
+            <a:ext cx="1310186" cy="455034"/>
+          </a:xfrm>
+          <a:prstGeom prst="rect">
+            <a:avLst/>
+          </a:prstGeom>
+          <a:solidFill>
+            <a:srgbClr val="96004B"/>
+          </a:solidFill>
+          <a:ln w="38100">
+            <a:solidFill>
+              <a:srgbClr val="96004B"/>
+            </a:solidFill>
+          </a:ln>
+        </p:spPr>
+        <p:txBody>
+          <a:bodyPr vert="horz" lIns="91440" tIns="45720" rIns="91440" bIns="45720" rtlCol="0">
+            <a:noAutofit/>
+          </a:bodyPr>
+          <a:lstStyle>
+            <a:lvl1pPr marL="228600" indent="-228600" algn="l" defTabSz="914400" rtl="0" eaLnBrk="1" latinLnBrk="0" hangingPunct="1">
+              <a:lnSpc>
+                <a:spcPct val="90000"/>
+              </a:lnSpc>
+              <a:spcBef>
+                <a:spcPts val="1000"/>
+              </a:spcBef>
+              <a:buFont typeface="Arial" panose="020B0604020202020204" pitchFamily="34" charset="0"/>
+              <a:buChar char="•"/>
+              <a:defRPr sz="2800" kern="1200">
+                <a:solidFill>
+                  <a:schemeClr val="tx1"/>
+                </a:solidFill>
+                <a:latin typeface="+mn-lt"/>
+                <a:ea typeface="+mn-ea"/>
+                <a:cs typeface="+mn-cs"/>
+              </a:defRPr>
+            </a:lvl1pPr>
+            <a:lvl2pPr marL="685800" indent="-228600" algn="l" defTabSz="914400" rtl="0" eaLnBrk="1" latinLnBrk="0" hangingPunct="1">
+              <a:lnSpc>
+                <a:spcPct val="90000"/>
+              </a:lnSpc>
+              <a:spcBef>
+                <a:spcPts val="500"/>
+              </a:spcBef>
+              <a:buFont typeface="Arial" panose="020B0604020202020204" pitchFamily="34" charset="0"/>
+              <a:buChar char="•"/>
+              <a:defRPr sz="2400" kern="1200">
+                <a:solidFill>
+                  <a:schemeClr val="tx1"/>
+                </a:solidFill>
+                <a:latin typeface="+mn-lt"/>
+                <a:ea typeface="+mn-ea"/>
+                <a:cs typeface="+mn-cs"/>
+              </a:defRPr>
+            </a:lvl2pPr>
+            <a:lvl3pPr marL="1143000" indent="-228600" algn="l" defTabSz="914400" rtl="0" eaLnBrk="1" latinLnBrk="0" hangingPunct="1">
+              <a:lnSpc>
+                <a:spcPct val="90000"/>
+              </a:lnSpc>
+              <a:spcBef>
+                <a:spcPts val="500"/>
+              </a:spcBef>
+              <a:buFont typeface="Arial" panose="020B0604020202020204" pitchFamily="34" charset="0"/>
+              <a:buChar char="•"/>
+              <a:defRPr sz="2000" kern="1200">
+                <a:solidFill>
+                  <a:schemeClr val="tx1"/>
+                </a:solidFill>
+                <a:latin typeface="+mn-lt"/>
+                <a:ea typeface="+mn-ea"/>
+                <a:cs typeface="+mn-cs"/>
+              </a:defRPr>
+            </a:lvl3pPr>
+            <a:lvl4pPr marL="1600200" indent="-228600" algn="l" defTabSz="914400" rtl="0" eaLnBrk="1" latinLnBrk="0" hangingPunct="1">
+              <a:lnSpc>
+                <a:spcPct val="90000"/>
+              </a:lnSpc>
+              <a:spcBef>
+                <a:spcPts val="500"/>
+              </a:spcBef>
+              <a:buFont typeface="Arial" panose="020B0604020202020204" pitchFamily="34" charset="0"/>
+              <a:buChar char="•"/>
+              <a:defRPr sz="1800" kern="1200">
+                <a:solidFill>
+                  <a:schemeClr val="tx1"/>
+                </a:solidFill>
+                <a:latin typeface="+mn-lt"/>
+                <a:ea typeface="+mn-ea"/>
+                <a:cs typeface="+mn-cs"/>
+              </a:defRPr>
+            </a:lvl4pPr>
+            <a:lvl5pPr marL="2057400" indent="-228600" algn="l" defTabSz="914400" rtl="0" eaLnBrk="1" latinLnBrk="0" hangingPunct="1">
+              <a:lnSpc>
+                <a:spcPct val="90000"/>
+              </a:lnSpc>
+              <a:spcBef>
+                <a:spcPts val="500"/>
+              </a:spcBef>
+              <a:buFont typeface="Arial" panose="020B0604020202020204" pitchFamily="34" charset="0"/>
+              <a:buChar char="•"/>
+              <a:defRPr sz="1800" kern="1200">
+                <a:solidFill>
+                  <a:schemeClr val="tx1"/>
+                </a:solidFill>
+                <a:latin typeface="+mn-lt"/>
+                <a:ea typeface="+mn-ea"/>
+                <a:cs typeface="+mn-cs"/>
+              </a:defRPr>
+            </a:lvl5pPr>
+            <a:lvl6pPr marL="2514600" indent="-228600" algn="l" defTabSz="914400" rtl="0" eaLnBrk="1" latinLnBrk="0" hangingPunct="1">
+              <a:lnSpc>
+                <a:spcPct val="90000"/>
+              </a:lnSpc>
+              <a:spcBef>
+                <a:spcPts val="500"/>
+              </a:spcBef>
+              <a:buFont typeface="Arial" panose="020B0604020202020204" pitchFamily="34" charset="0"/>
+              <a:buChar char="•"/>
+              <a:defRPr sz="1800" kern="1200">
+                <a:solidFill>
+                  <a:schemeClr val="tx1"/>
+                </a:solidFill>
+                <a:latin typeface="+mn-lt"/>
+                <a:ea typeface="+mn-ea"/>
+                <a:cs typeface="+mn-cs"/>
+              </a:defRPr>
+            </a:lvl6pPr>
+            <a:lvl7pPr marL="2971800" indent="-228600" algn="l" defTabSz="914400" rtl="0" eaLnBrk="1" latinLnBrk="0" hangingPunct="1">
+              <a:lnSpc>
+                <a:spcPct val="90000"/>
+              </a:lnSpc>
+              <a:spcBef>
+                <a:spcPts val="500"/>
+              </a:spcBef>
+              <a:buFont typeface="Arial" panose="020B0604020202020204" pitchFamily="34" charset="0"/>
+              <a:buChar char="•"/>
+              <a:defRPr sz="1800" kern="1200">
+                <a:solidFill>
+                  <a:schemeClr val="tx1"/>
+                </a:solidFill>
+                <a:latin typeface="+mn-lt"/>
+                <a:ea typeface="+mn-ea"/>
+                <a:cs typeface="+mn-cs"/>
+              </a:defRPr>
+            </a:lvl7pPr>
+            <a:lvl8pPr marL="3429000" indent="-228600" algn="l" defTabSz="914400" rtl="0" eaLnBrk="1" latinLnBrk="0" hangingPunct="1">
+              <a:lnSpc>
+                <a:spcPct val="90000"/>
+              </a:lnSpc>
+              <a:spcBef>
+                <a:spcPts val="500"/>
+              </a:spcBef>
+              <a:buFont typeface="Arial" panose="020B0604020202020204" pitchFamily="34" charset="0"/>
+              <a:buChar char="•"/>
+              <a:defRPr sz="1800" kern="1200">
+                <a:solidFill>
+                  <a:schemeClr val="tx1"/>
+                </a:solidFill>
+                <a:latin typeface="+mn-lt"/>
+                <a:ea typeface="+mn-ea"/>
+                <a:cs typeface="+mn-cs"/>
+              </a:defRPr>
+            </a:lvl8pPr>
+            <a:lvl9pPr marL="3886200" indent="-228600" algn="l" defTabSz="914400" rtl="0" eaLnBrk="1" latinLnBrk="0" hangingPunct="1">
+              <a:lnSpc>
+                <a:spcPct val="90000"/>
+              </a:lnSpc>
+              <a:spcBef>
+                <a:spcPts val="500"/>
+              </a:spcBef>
+              <a:buFont typeface="Arial" panose="020B0604020202020204" pitchFamily="34" charset="0"/>
+              <a:buChar char="•"/>
+              <a:defRPr sz="1800" kern="1200">
+                <a:solidFill>
+                  <a:schemeClr val="tx1"/>
+                </a:solidFill>
+                <a:latin typeface="+mn-lt"/>
+                <a:ea typeface="+mn-ea"/>
+                <a:cs typeface="+mn-cs"/>
+              </a:defRPr>
+            </a:lvl9pPr>
+          </a:lstStyle>
+          <a:p>
+            <a:pPr marL="0" indent="0">
+              <a:buNone/>
+            </a:pPr>
+            <a:r>
+              <a:rPr lang="en-US" sz="2400" dirty="0" smtClean="0">
+                <a:latin typeface="Times New Roman" panose="02020603050405020304" pitchFamily="18" charset="0"/>
+                <a:cs typeface="Times New Roman" panose="02020603050405020304" pitchFamily="18" charset="0"/>
+              </a:rPr>
+              <a:t>Powers</a:t>
+            </a:r>
+            <a:endParaRPr lang="en-US" sz="2400" dirty="0"/>
+          </a:p>
+        </p:txBody>
+      </p:sp>
+      <p:cxnSp>
+        <p:nvCxnSpPr>
+          <p:cNvPr id="6" name="Straight Arrow Connector 5"/>
+          <p:cNvCxnSpPr>
+            <a:stCxn id="5" idx="2"/>
+          </p:cNvCxnSpPr>
+          <p:nvPr/>
+        </p:nvCxnSpPr>
+        <p:spPr>
+          <a:xfrm>
+            <a:off x="2402006" y="2385555"/>
+            <a:ext cx="2422843" cy="726135"/>
+          </a:xfrm>
+          <a:prstGeom prst="straightConnector1">
+            <a:avLst/>
+          </a:prstGeom>
+          <a:ln w="38100">
+            <a:solidFill>
+              <a:srgbClr val="96004B"/>
+            </a:solidFill>
+            <a:tailEnd type="triangle"/>
+          </a:ln>
+        </p:spPr>
+        <p:style>
+          <a:lnRef idx="1">
+            <a:schemeClr val="accent1"/>
+          </a:lnRef>
+          <a:fillRef idx="0">
+            <a:schemeClr val="accent1"/>
+          </a:fillRef>
+          <a:effectRef idx="0">
+            <a:schemeClr val="accent1"/>
+          </a:effectRef>
+          <a:fontRef idx="minor">
+            <a:schemeClr val="tx1"/>
+          </a:fontRef>
+        </p:style>
+      </p:cxnSp>
+      <p:sp>
+        <p:nvSpPr>
+          <p:cNvPr id="9" name="Subtitle 2"/>
+          <p:cNvSpPr txBox="1">
+            <a:spLocks/>
+          </p:cNvSpPr>
+          <p:nvPr/>
+        </p:nvSpPr>
+        <p:spPr>
+          <a:xfrm>
+            <a:off x="9459641" y="1897039"/>
+            <a:ext cx="1078173" cy="455034"/>
+          </a:xfrm>
+          <a:prstGeom prst="rect">
+            <a:avLst/>
+          </a:prstGeom>
+          <a:solidFill>
+            <a:srgbClr val="92F6F6"/>
+          </a:solidFill>
+          <a:ln w="38100">
+            <a:solidFill>
+              <a:srgbClr val="92F6F6"/>
+            </a:solidFill>
+          </a:ln>
+        </p:spPr>
+        <p:txBody>
+          <a:bodyPr vert="horz" lIns="91440" tIns="45720" rIns="91440" bIns="45720" rtlCol="0">
+            <a:noAutofit/>
+          </a:bodyPr>
+          <a:lstStyle>
+            <a:lvl1pPr marL="228600" indent="-228600" algn="l" defTabSz="914400" rtl="0" eaLnBrk="1" latinLnBrk="0" hangingPunct="1">
+              <a:lnSpc>
+                <a:spcPct val="90000"/>
+              </a:lnSpc>
+              <a:spcBef>
+                <a:spcPts val="1000"/>
+              </a:spcBef>
+              <a:buFont typeface="Arial" panose="020B0604020202020204" pitchFamily="34" charset="0"/>
+              <a:buChar char="•"/>
+              <a:defRPr sz="2800" kern="1200">
+                <a:solidFill>
+                  <a:schemeClr val="tx1"/>
+                </a:solidFill>
+                <a:latin typeface="+mn-lt"/>
+                <a:ea typeface="+mn-ea"/>
+                <a:cs typeface="+mn-cs"/>
+              </a:defRPr>
+            </a:lvl1pPr>
+            <a:lvl2pPr marL="685800" indent="-228600" algn="l" defTabSz="914400" rtl="0" eaLnBrk="1" latinLnBrk="0" hangingPunct="1">
+              <a:lnSpc>
+                <a:spcPct val="90000"/>
+              </a:lnSpc>
+              <a:spcBef>
+                <a:spcPts val="500"/>
+              </a:spcBef>
+              <a:buFont typeface="Arial" panose="020B0604020202020204" pitchFamily="34" charset="0"/>
+              <a:buChar char="•"/>
+              <a:defRPr sz="2400" kern="1200">
+                <a:solidFill>
+                  <a:schemeClr val="tx1"/>
+                </a:solidFill>
+                <a:latin typeface="+mn-lt"/>
+                <a:ea typeface="+mn-ea"/>
+                <a:cs typeface="+mn-cs"/>
+              </a:defRPr>
+            </a:lvl2pPr>
+            <a:lvl3pPr marL="1143000" indent="-228600" algn="l" defTabSz="914400" rtl="0" eaLnBrk="1" latinLnBrk="0" hangingPunct="1">
+              <a:lnSpc>
+                <a:spcPct val="90000"/>
+              </a:lnSpc>
+              <a:spcBef>
+                <a:spcPts val="500"/>
+              </a:spcBef>
+              <a:buFont typeface="Arial" panose="020B0604020202020204" pitchFamily="34" charset="0"/>
+              <a:buChar char="•"/>
+              <a:defRPr sz="2000" kern="1200">
+                <a:solidFill>
+                  <a:schemeClr val="tx1"/>
+                </a:solidFill>
+                <a:latin typeface="+mn-lt"/>
+                <a:ea typeface="+mn-ea"/>
+                <a:cs typeface="+mn-cs"/>
+              </a:defRPr>
+            </a:lvl3pPr>
+            <a:lvl4pPr marL="1600200" indent="-228600" algn="l" defTabSz="914400" rtl="0" eaLnBrk="1" latinLnBrk="0" hangingPunct="1">
+              <a:lnSpc>
+                <a:spcPct val="90000"/>
+              </a:lnSpc>
+              <a:spcBef>
+                <a:spcPts val="500"/>
+              </a:spcBef>
+              <a:buFont typeface="Arial" panose="020B0604020202020204" pitchFamily="34" charset="0"/>
+              <a:buChar char="•"/>
+              <a:defRPr sz="1800" kern="1200">
+                <a:solidFill>
+                  <a:schemeClr val="tx1"/>
+                </a:solidFill>
+                <a:latin typeface="+mn-lt"/>
+                <a:ea typeface="+mn-ea"/>
+                <a:cs typeface="+mn-cs"/>
+              </a:defRPr>
+            </a:lvl4pPr>
+            <a:lvl5pPr marL="2057400" indent="-228600" algn="l" defTabSz="914400" rtl="0" eaLnBrk="1" latinLnBrk="0" hangingPunct="1">
+              <a:lnSpc>
+                <a:spcPct val="90000"/>
+              </a:lnSpc>
+              <a:spcBef>
+                <a:spcPts val="500"/>
+              </a:spcBef>
+              <a:buFont typeface="Arial" panose="020B0604020202020204" pitchFamily="34" charset="0"/>
+              <a:buChar char="•"/>
+              <a:defRPr sz="1800" kern="1200">
+                <a:solidFill>
+                  <a:schemeClr val="tx1"/>
+                </a:solidFill>
+                <a:latin typeface="+mn-lt"/>
+                <a:ea typeface="+mn-ea"/>
+                <a:cs typeface="+mn-cs"/>
+              </a:defRPr>
+            </a:lvl5pPr>
+            <a:lvl6pPr marL="2514600" indent="-228600" algn="l" defTabSz="914400" rtl="0" eaLnBrk="1" latinLnBrk="0" hangingPunct="1">
+              <a:lnSpc>
+                <a:spcPct val="90000"/>
+              </a:lnSpc>
+              <a:spcBef>
+                <a:spcPts val="500"/>
+              </a:spcBef>
+              <a:buFont typeface="Arial" panose="020B0604020202020204" pitchFamily="34" charset="0"/>
+              <a:buChar char="•"/>
+              <a:defRPr sz="1800" kern="1200">
+                <a:solidFill>
+                  <a:schemeClr val="tx1"/>
+                </a:solidFill>
+                <a:latin typeface="+mn-lt"/>
+                <a:ea typeface="+mn-ea"/>
+                <a:cs typeface="+mn-cs"/>
+              </a:defRPr>
+            </a:lvl6pPr>
+            <a:lvl7pPr marL="2971800" indent="-228600" algn="l" defTabSz="914400" rtl="0" eaLnBrk="1" latinLnBrk="0" hangingPunct="1">
+              <a:lnSpc>
+                <a:spcPct val="90000"/>
+              </a:lnSpc>
+              <a:spcBef>
+                <a:spcPts val="500"/>
+              </a:spcBef>
+              <a:buFont typeface="Arial" panose="020B0604020202020204" pitchFamily="34" charset="0"/>
+              <a:buChar char="•"/>
+              <a:defRPr sz="1800" kern="1200">
+                <a:solidFill>
+                  <a:schemeClr val="tx1"/>
+                </a:solidFill>
+                <a:latin typeface="+mn-lt"/>
+                <a:ea typeface="+mn-ea"/>
+                <a:cs typeface="+mn-cs"/>
+              </a:defRPr>
+            </a:lvl7pPr>
+            <a:lvl8pPr marL="3429000" indent="-228600" algn="l" defTabSz="914400" rtl="0" eaLnBrk="1" latinLnBrk="0" hangingPunct="1">
+              <a:lnSpc>
+                <a:spcPct val="90000"/>
+              </a:lnSpc>
+              <a:spcBef>
+                <a:spcPts val="500"/>
+              </a:spcBef>
+              <a:buFont typeface="Arial" panose="020B0604020202020204" pitchFamily="34" charset="0"/>
+              <a:buChar char="•"/>
+              <a:defRPr sz="1800" kern="1200">
+                <a:solidFill>
+                  <a:schemeClr val="tx1"/>
+                </a:solidFill>
+                <a:latin typeface="+mn-lt"/>
+                <a:ea typeface="+mn-ea"/>
+                <a:cs typeface="+mn-cs"/>
+              </a:defRPr>
+            </a:lvl8pPr>
+            <a:lvl9pPr marL="3886200" indent="-228600" algn="l" defTabSz="914400" rtl="0" eaLnBrk="1" latinLnBrk="0" hangingPunct="1">
+              <a:lnSpc>
+                <a:spcPct val="90000"/>
+              </a:lnSpc>
+              <a:spcBef>
+                <a:spcPts val="500"/>
+              </a:spcBef>
+              <a:buFont typeface="Arial" panose="020B0604020202020204" pitchFamily="34" charset="0"/>
+              <a:buChar char="•"/>
+              <a:defRPr sz="1800" kern="1200">
+                <a:solidFill>
+                  <a:schemeClr val="tx1"/>
+                </a:solidFill>
+                <a:latin typeface="+mn-lt"/>
+                <a:ea typeface="+mn-ea"/>
+                <a:cs typeface="+mn-cs"/>
+              </a:defRPr>
+            </a:lvl9pPr>
+          </a:lstStyle>
+          <a:p>
+            <a:pPr marL="0" indent="0">
+              <a:buNone/>
+            </a:pPr>
+            <a:r>
+              <a:rPr lang="en-US" sz="2400" dirty="0" smtClean="0">
+                <a:latin typeface="Times New Roman" panose="02020603050405020304" pitchFamily="18" charset="0"/>
+                <a:cs typeface="Times New Roman" panose="02020603050405020304" pitchFamily="18" charset="0"/>
+              </a:rPr>
+              <a:t>Others</a:t>
+            </a:r>
+            <a:endParaRPr lang="en-US" sz="2400" dirty="0"/>
+          </a:p>
+        </p:txBody>
+      </p:sp>
+      <p:cxnSp>
+        <p:nvCxnSpPr>
+          <p:cNvPr id="10" name="Straight Arrow Connector 9"/>
+          <p:cNvCxnSpPr/>
+          <p:nvPr/>
+        </p:nvCxnSpPr>
+        <p:spPr>
+          <a:xfrm flipH="1">
+            <a:off x="8598090" y="2156346"/>
+            <a:ext cx="861551" cy="436729"/>
+          </a:xfrm>
+          <a:prstGeom prst="straightConnector1">
+            <a:avLst/>
+          </a:prstGeom>
+          <a:ln w="38100">
+            <a:solidFill>
+              <a:srgbClr val="92F6F6"/>
+            </a:solidFill>
+            <a:tailEnd type="triangle"/>
+          </a:ln>
+        </p:spPr>
+        <p:style>
+          <a:lnRef idx="1">
+            <a:schemeClr val="accent1"/>
+          </a:lnRef>
+          <a:fillRef idx="0">
+            <a:schemeClr val="accent1"/>
+          </a:fillRef>
+          <a:effectRef idx="0">
+            <a:schemeClr val="accent1"/>
+          </a:effectRef>
+          <a:fontRef idx="minor">
+            <a:schemeClr val="tx1"/>
+          </a:fontRef>
+        </p:style>
+      </p:cxnSp>
+      <p:sp>
+        <p:nvSpPr>
+          <p:cNvPr id="15" name="Subtitle 2"/>
+          <p:cNvSpPr txBox="1">
+            <a:spLocks/>
+          </p:cNvSpPr>
+          <p:nvPr/>
+        </p:nvSpPr>
+        <p:spPr>
+          <a:xfrm>
+            <a:off x="7069540" y="424056"/>
+            <a:ext cx="1787857" cy="455034"/>
+          </a:xfrm>
+          <a:prstGeom prst="rect">
+            <a:avLst/>
+          </a:prstGeom>
+          <a:solidFill>
+            <a:srgbClr val="3A21EF"/>
+          </a:solidFill>
+          <a:ln w="38100">
+            <a:solidFill>
+              <a:srgbClr val="2910E0"/>
+            </a:solidFill>
+          </a:ln>
+        </p:spPr>
+        <p:txBody>
+          <a:bodyPr vert="horz" lIns="91440" tIns="45720" rIns="91440" bIns="45720" rtlCol="0">
+            <a:noAutofit/>
+          </a:bodyPr>
+          <a:lstStyle>
+            <a:lvl1pPr marL="228600" indent="-228600" algn="l" defTabSz="914400" rtl="0" eaLnBrk="1" latinLnBrk="0" hangingPunct="1">
+              <a:lnSpc>
+                <a:spcPct val="90000"/>
+              </a:lnSpc>
+              <a:spcBef>
+                <a:spcPts val="1000"/>
+              </a:spcBef>
+              <a:buFont typeface="Arial" panose="020B0604020202020204" pitchFamily="34" charset="0"/>
+              <a:buChar char="•"/>
+              <a:defRPr sz="2800" kern="1200">
+                <a:solidFill>
+                  <a:schemeClr val="tx1"/>
+                </a:solidFill>
+                <a:latin typeface="+mn-lt"/>
+                <a:ea typeface="+mn-ea"/>
+                <a:cs typeface="+mn-cs"/>
+              </a:defRPr>
+            </a:lvl1pPr>
+            <a:lvl2pPr marL="685800" indent="-228600" algn="l" defTabSz="914400" rtl="0" eaLnBrk="1" latinLnBrk="0" hangingPunct="1">
+              <a:lnSpc>
+                <a:spcPct val="90000"/>
+              </a:lnSpc>
+              <a:spcBef>
+                <a:spcPts val="500"/>
+              </a:spcBef>
+              <a:buFont typeface="Arial" panose="020B0604020202020204" pitchFamily="34" charset="0"/>
+              <a:buChar char="•"/>
+              <a:defRPr sz="2400" kern="1200">
+                <a:solidFill>
+                  <a:schemeClr val="tx1"/>
+                </a:solidFill>
+                <a:latin typeface="+mn-lt"/>
+                <a:ea typeface="+mn-ea"/>
+                <a:cs typeface="+mn-cs"/>
+              </a:defRPr>
+            </a:lvl2pPr>
+            <a:lvl3pPr marL="1143000" indent="-228600" algn="l" defTabSz="914400" rtl="0" eaLnBrk="1" latinLnBrk="0" hangingPunct="1">
+              <a:lnSpc>
+                <a:spcPct val="90000"/>
+              </a:lnSpc>
+              <a:spcBef>
+                <a:spcPts val="500"/>
+              </a:spcBef>
+              <a:buFont typeface="Arial" panose="020B0604020202020204" pitchFamily="34" charset="0"/>
+              <a:buChar char="•"/>
+              <a:defRPr sz="2000" kern="1200">
+                <a:solidFill>
+                  <a:schemeClr val="tx1"/>
+                </a:solidFill>
+                <a:latin typeface="+mn-lt"/>
+                <a:ea typeface="+mn-ea"/>
+                <a:cs typeface="+mn-cs"/>
+              </a:defRPr>
+            </a:lvl3pPr>
+            <a:lvl4pPr marL="1600200" indent="-228600" algn="l" defTabSz="914400" rtl="0" eaLnBrk="1" latinLnBrk="0" hangingPunct="1">
+              <a:lnSpc>
+                <a:spcPct val="90000"/>
+              </a:lnSpc>
+              <a:spcBef>
+                <a:spcPts val="500"/>
+              </a:spcBef>
+              <a:buFont typeface="Arial" panose="020B0604020202020204" pitchFamily="34" charset="0"/>
+              <a:buChar char="•"/>
+              <a:defRPr sz="1800" kern="1200">
+                <a:solidFill>
+                  <a:schemeClr val="tx1"/>
+                </a:solidFill>
+                <a:latin typeface="+mn-lt"/>
+                <a:ea typeface="+mn-ea"/>
+                <a:cs typeface="+mn-cs"/>
+              </a:defRPr>
+            </a:lvl4pPr>
+            <a:lvl5pPr marL="2057400" indent="-228600" algn="l" defTabSz="914400" rtl="0" eaLnBrk="1" latinLnBrk="0" hangingPunct="1">
+              <a:lnSpc>
+                <a:spcPct val="90000"/>
+              </a:lnSpc>
+              <a:spcBef>
+                <a:spcPts val="500"/>
+              </a:spcBef>
+              <a:buFont typeface="Arial" panose="020B0604020202020204" pitchFamily="34" charset="0"/>
+              <a:buChar char="•"/>
+              <a:defRPr sz="1800" kern="1200">
+                <a:solidFill>
+                  <a:schemeClr val="tx1"/>
+                </a:solidFill>
+                <a:latin typeface="+mn-lt"/>
+                <a:ea typeface="+mn-ea"/>
+                <a:cs typeface="+mn-cs"/>
+              </a:defRPr>
+            </a:lvl5pPr>
+            <a:lvl6pPr marL="2514600" indent="-228600" algn="l" defTabSz="914400" rtl="0" eaLnBrk="1" latinLnBrk="0" hangingPunct="1">
+              <a:lnSpc>
+                <a:spcPct val="90000"/>
+              </a:lnSpc>
+              <a:spcBef>
+                <a:spcPts val="500"/>
+              </a:spcBef>
+              <a:buFont typeface="Arial" panose="020B0604020202020204" pitchFamily="34" charset="0"/>
+              <a:buChar char="•"/>
+              <a:defRPr sz="1800" kern="1200">
+                <a:solidFill>
+                  <a:schemeClr val="tx1"/>
+                </a:solidFill>
+                <a:latin typeface="+mn-lt"/>
+                <a:ea typeface="+mn-ea"/>
+                <a:cs typeface="+mn-cs"/>
+              </a:defRPr>
+            </a:lvl6pPr>
+            <a:lvl7pPr marL="2971800" indent="-228600" algn="l" defTabSz="914400" rtl="0" eaLnBrk="1" latinLnBrk="0" hangingPunct="1">
+              <a:lnSpc>
+                <a:spcPct val="90000"/>
+              </a:lnSpc>
+              <a:spcBef>
+                <a:spcPts val="500"/>
+              </a:spcBef>
+              <a:buFont typeface="Arial" panose="020B0604020202020204" pitchFamily="34" charset="0"/>
+              <a:buChar char="•"/>
+              <a:defRPr sz="1800" kern="1200">
+                <a:solidFill>
+                  <a:schemeClr val="tx1"/>
+                </a:solidFill>
+                <a:latin typeface="+mn-lt"/>
+                <a:ea typeface="+mn-ea"/>
+                <a:cs typeface="+mn-cs"/>
+              </a:defRPr>
+            </a:lvl7pPr>
+            <a:lvl8pPr marL="3429000" indent="-228600" algn="l" defTabSz="914400" rtl="0" eaLnBrk="1" latinLnBrk="0" hangingPunct="1">
+              <a:lnSpc>
+                <a:spcPct val="90000"/>
+              </a:lnSpc>
+              <a:spcBef>
+                <a:spcPts val="500"/>
+              </a:spcBef>
+              <a:buFont typeface="Arial" panose="020B0604020202020204" pitchFamily="34" charset="0"/>
+              <a:buChar char="•"/>
+              <a:defRPr sz="1800" kern="1200">
+                <a:solidFill>
+                  <a:schemeClr val="tx1"/>
+                </a:solidFill>
+                <a:latin typeface="+mn-lt"/>
+                <a:ea typeface="+mn-ea"/>
+                <a:cs typeface="+mn-cs"/>
+              </a:defRPr>
+            </a:lvl8pPr>
+            <a:lvl9pPr marL="3886200" indent="-228600" algn="l" defTabSz="914400" rtl="0" eaLnBrk="1" latinLnBrk="0" hangingPunct="1">
+              <a:lnSpc>
+                <a:spcPct val="90000"/>
+              </a:lnSpc>
+              <a:spcBef>
+                <a:spcPts val="500"/>
+              </a:spcBef>
+              <a:buFont typeface="Arial" panose="020B0604020202020204" pitchFamily="34" charset="0"/>
+              <a:buChar char="•"/>
+              <a:defRPr sz="1800" kern="1200">
+                <a:solidFill>
+                  <a:schemeClr val="tx1"/>
+                </a:solidFill>
+                <a:latin typeface="+mn-lt"/>
+                <a:ea typeface="+mn-ea"/>
+                <a:cs typeface="+mn-cs"/>
+              </a:defRPr>
+            </a:lvl9pPr>
+          </a:lstStyle>
+          <a:p>
+            <a:pPr marL="0" indent="0">
+              <a:buNone/>
+            </a:pPr>
+            <a:r>
+              <a:rPr lang="en-US" sz="2400" dirty="0" smtClean="0">
+                <a:latin typeface="Times New Roman" panose="02020603050405020304" pitchFamily="18" charset="0"/>
+                <a:cs typeface="Times New Roman" panose="02020603050405020304" pitchFamily="18" charset="0"/>
+              </a:rPr>
+              <a:t>Construction</a:t>
+            </a:r>
+            <a:endParaRPr lang="en-US" sz="2400" dirty="0"/>
+          </a:p>
+        </p:txBody>
+      </p:sp>
+      <p:cxnSp>
+        <p:nvCxnSpPr>
+          <p:cNvPr id="16" name="Straight Arrow Connector 15"/>
+          <p:cNvCxnSpPr/>
+          <p:nvPr/>
+        </p:nvCxnSpPr>
+        <p:spPr>
+          <a:xfrm flipH="1">
+            <a:off x="7302475" y="858104"/>
+            <a:ext cx="662050" cy="806923"/>
+          </a:xfrm>
+          <a:prstGeom prst="straightConnector1">
+            <a:avLst/>
+          </a:prstGeom>
+          <a:ln w="38100">
+            <a:solidFill>
+              <a:srgbClr val="2910E0"/>
+            </a:solidFill>
+            <a:tailEnd type="triangle"/>
+          </a:ln>
+        </p:spPr>
+        <p:style>
+          <a:lnRef idx="1">
+            <a:schemeClr val="accent1"/>
+          </a:lnRef>
+          <a:fillRef idx="0">
+            <a:schemeClr val="accent1"/>
+          </a:fillRef>
+          <a:effectRef idx="0">
+            <a:schemeClr val="accent1"/>
+          </a:effectRef>
+          <a:fontRef idx="minor">
+            <a:schemeClr val="tx1"/>
+          </a:fontRef>
+        </p:style>
+      </p:cxnSp>
+      <p:sp>
+        <p:nvSpPr>
+          <p:cNvPr id="22" name="Subtitle 2"/>
+          <p:cNvSpPr txBox="1">
+            <a:spLocks/>
+          </p:cNvSpPr>
+          <p:nvPr/>
+        </p:nvSpPr>
+        <p:spPr>
+          <a:xfrm>
+            <a:off x="9459641" y="4244727"/>
+            <a:ext cx="1078173" cy="455034"/>
+          </a:xfrm>
+          <a:prstGeom prst="rect">
+            <a:avLst/>
+          </a:prstGeom>
+          <a:solidFill>
+            <a:srgbClr val="58C885"/>
+          </a:solidFill>
+          <a:ln>
+            <a:solidFill>
+              <a:srgbClr val="7DD5A1"/>
+            </a:solidFill>
+          </a:ln>
+        </p:spPr>
+        <p:style>
+          <a:lnRef idx="1">
+            <a:schemeClr val="accent6"/>
+          </a:lnRef>
+          <a:fillRef idx="3">
+            <a:schemeClr val="accent6"/>
+          </a:fillRef>
+          <a:effectRef idx="2">
+            <a:schemeClr val="accent6"/>
+          </a:effectRef>
+          <a:fontRef idx="minor">
+            <a:schemeClr val="lt1"/>
+          </a:fontRef>
+        </p:style>
+        <p:txBody>
+          <a:bodyPr vert="horz" lIns="91440" tIns="45720" rIns="91440" bIns="45720" rtlCol="0">
+            <a:noAutofit/>
+          </a:bodyPr>
+          <a:lstStyle>
+            <a:lvl1pPr marL="228600" indent="-228600" algn="l" defTabSz="914400" rtl="0" eaLnBrk="1" latinLnBrk="0" hangingPunct="1">
+              <a:lnSpc>
+                <a:spcPct val="90000"/>
+              </a:lnSpc>
+              <a:spcBef>
+                <a:spcPts val="1000"/>
+              </a:spcBef>
+              <a:buFont typeface="Arial" panose="020B0604020202020204" pitchFamily="34" charset="0"/>
+              <a:buChar char="•"/>
+              <a:defRPr sz="2800" kern="1200">
+                <a:solidFill>
+                  <a:schemeClr val="tx1"/>
+                </a:solidFill>
+                <a:latin typeface="+mn-lt"/>
+                <a:ea typeface="+mn-ea"/>
+                <a:cs typeface="+mn-cs"/>
+              </a:defRPr>
+            </a:lvl1pPr>
+            <a:lvl2pPr marL="685800" indent="-228600" algn="l" defTabSz="914400" rtl="0" eaLnBrk="1" latinLnBrk="0" hangingPunct="1">
+              <a:lnSpc>
+                <a:spcPct val="90000"/>
+              </a:lnSpc>
+              <a:spcBef>
+                <a:spcPts val="500"/>
+              </a:spcBef>
+              <a:buFont typeface="Arial" panose="020B0604020202020204" pitchFamily="34" charset="0"/>
+              <a:buChar char="•"/>
+              <a:defRPr sz="2400" kern="1200">
+                <a:solidFill>
+                  <a:schemeClr val="tx1"/>
+                </a:solidFill>
+                <a:latin typeface="+mn-lt"/>
+                <a:ea typeface="+mn-ea"/>
+                <a:cs typeface="+mn-cs"/>
+              </a:defRPr>
+            </a:lvl2pPr>
+            <a:lvl3pPr marL="1143000" indent="-228600" algn="l" defTabSz="914400" rtl="0" eaLnBrk="1" latinLnBrk="0" hangingPunct="1">
+              <a:lnSpc>
+                <a:spcPct val="90000"/>
+              </a:lnSpc>
+              <a:spcBef>
+                <a:spcPts val="500"/>
+              </a:spcBef>
+              <a:buFont typeface="Arial" panose="020B0604020202020204" pitchFamily="34" charset="0"/>
+              <a:buChar char="•"/>
+              <a:defRPr sz="2000" kern="1200">
+                <a:solidFill>
+                  <a:schemeClr val="tx1"/>
+                </a:solidFill>
+                <a:latin typeface="+mn-lt"/>
+                <a:ea typeface="+mn-ea"/>
+                <a:cs typeface="+mn-cs"/>
+              </a:defRPr>
+            </a:lvl3pPr>
+            <a:lvl4pPr marL="1600200" indent="-228600" algn="l" defTabSz="914400" rtl="0" eaLnBrk="1" latinLnBrk="0" hangingPunct="1">
+              <a:lnSpc>
+                <a:spcPct val="90000"/>
+              </a:lnSpc>
+              <a:spcBef>
+                <a:spcPts val="500"/>
+              </a:spcBef>
+              <a:buFont typeface="Arial" panose="020B0604020202020204" pitchFamily="34" charset="0"/>
+              <a:buChar char="•"/>
+              <a:defRPr sz="1800" kern="1200">
+                <a:solidFill>
+                  <a:schemeClr val="tx1"/>
+                </a:solidFill>
+                <a:latin typeface="+mn-lt"/>
+                <a:ea typeface="+mn-ea"/>
+                <a:cs typeface="+mn-cs"/>
+              </a:defRPr>
+            </a:lvl4pPr>
+            <a:lvl5pPr marL="2057400" indent="-228600" algn="l" defTabSz="914400" rtl="0" eaLnBrk="1" latinLnBrk="0" hangingPunct="1">
+              <a:lnSpc>
+                <a:spcPct val="90000"/>
+              </a:lnSpc>
+              <a:spcBef>
+                <a:spcPts val="500"/>
+              </a:spcBef>
+              <a:buFont typeface="Arial" panose="020B0604020202020204" pitchFamily="34" charset="0"/>
+              <a:buChar char="•"/>
+              <a:defRPr sz="1800" kern="1200">
+                <a:solidFill>
+                  <a:schemeClr val="tx1"/>
+                </a:solidFill>
+                <a:latin typeface="+mn-lt"/>
+                <a:ea typeface="+mn-ea"/>
+                <a:cs typeface="+mn-cs"/>
+              </a:defRPr>
+            </a:lvl5pPr>
+            <a:lvl6pPr marL="2514600" indent="-228600" algn="l" defTabSz="914400" rtl="0" eaLnBrk="1" latinLnBrk="0" hangingPunct="1">
+              <a:lnSpc>
+                <a:spcPct val="90000"/>
+              </a:lnSpc>
+              <a:spcBef>
+                <a:spcPts val="500"/>
+              </a:spcBef>
+              <a:buFont typeface="Arial" panose="020B0604020202020204" pitchFamily="34" charset="0"/>
+              <a:buChar char="•"/>
+              <a:defRPr sz="1800" kern="1200">
+                <a:solidFill>
+                  <a:schemeClr val="tx1"/>
+                </a:solidFill>
+                <a:latin typeface="+mn-lt"/>
+                <a:ea typeface="+mn-ea"/>
+                <a:cs typeface="+mn-cs"/>
+              </a:defRPr>
+            </a:lvl6pPr>
+            <a:lvl7pPr marL="2971800" indent="-228600" algn="l" defTabSz="914400" rtl="0" eaLnBrk="1" latinLnBrk="0" hangingPunct="1">
+              <a:lnSpc>
+                <a:spcPct val="90000"/>
+              </a:lnSpc>
+              <a:spcBef>
+                <a:spcPts val="500"/>
+              </a:spcBef>
+              <a:buFont typeface="Arial" panose="020B0604020202020204" pitchFamily="34" charset="0"/>
+              <a:buChar char="•"/>
+              <a:defRPr sz="1800" kern="1200">
+                <a:solidFill>
+                  <a:schemeClr val="tx1"/>
+                </a:solidFill>
+                <a:latin typeface="+mn-lt"/>
+                <a:ea typeface="+mn-ea"/>
+                <a:cs typeface="+mn-cs"/>
+              </a:defRPr>
+            </a:lvl7pPr>
+            <a:lvl8pPr marL="3429000" indent="-228600" algn="l" defTabSz="914400" rtl="0" eaLnBrk="1" latinLnBrk="0" hangingPunct="1">
+              <a:lnSpc>
+                <a:spcPct val="90000"/>
+              </a:lnSpc>
+              <a:spcBef>
+                <a:spcPts val="500"/>
+              </a:spcBef>
+              <a:buFont typeface="Arial" panose="020B0604020202020204" pitchFamily="34" charset="0"/>
+              <a:buChar char="•"/>
+              <a:defRPr sz="1800" kern="1200">
+                <a:solidFill>
+                  <a:schemeClr val="tx1"/>
+                </a:solidFill>
+                <a:latin typeface="+mn-lt"/>
+                <a:ea typeface="+mn-ea"/>
+                <a:cs typeface="+mn-cs"/>
+              </a:defRPr>
+            </a:lvl8pPr>
+            <a:lvl9pPr marL="3886200" indent="-228600" algn="l" defTabSz="914400" rtl="0" eaLnBrk="1" latinLnBrk="0" hangingPunct="1">
+              <a:lnSpc>
+                <a:spcPct val="90000"/>
+              </a:lnSpc>
+              <a:spcBef>
+                <a:spcPts val="500"/>
+              </a:spcBef>
+              <a:buFont typeface="Arial" panose="020B0604020202020204" pitchFamily="34" charset="0"/>
+              <a:buChar char="•"/>
+              <a:defRPr sz="1800" kern="1200">
+                <a:solidFill>
+                  <a:schemeClr val="tx1"/>
+                </a:solidFill>
+                <a:latin typeface="+mn-lt"/>
+                <a:ea typeface="+mn-ea"/>
+                <a:cs typeface="+mn-cs"/>
+              </a:defRPr>
+            </a:lvl9pPr>
+          </a:lstStyle>
+          <a:p>
+            <a:pPr marL="0" indent="0" algn="ctr">
+              <a:buNone/>
+            </a:pPr>
+            <a:r>
+              <a:rPr lang="en-US" sz="2400" dirty="0" smtClean="0">
+                <a:latin typeface="Times New Roman" panose="02020603050405020304" pitchFamily="18" charset="0"/>
+                <a:cs typeface="Times New Roman" panose="02020603050405020304" pitchFamily="18" charset="0"/>
+              </a:rPr>
+              <a:t>Storm</a:t>
+            </a:r>
+            <a:endParaRPr lang="en-US" sz="2400" dirty="0">
+              <a:latin typeface="Times New Roman" panose="02020603050405020304" pitchFamily="18" charset="0"/>
+              <a:cs typeface="Times New Roman" panose="02020603050405020304" pitchFamily="18" charset="0"/>
+            </a:endParaRPr>
+          </a:p>
+        </p:txBody>
+      </p:sp>
+      <p:cxnSp>
+        <p:nvCxnSpPr>
+          <p:cNvPr id="23" name="Straight Arrow Connector 22"/>
+          <p:cNvCxnSpPr/>
+          <p:nvPr/>
+        </p:nvCxnSpPr>
+        <p:spPr>
+          <a:xfrm flipH="1">
+            <a:off x="9116098" y="4699761"/>
+            <a:ext cx="673897" cy="486388"/>
+          </a:xfrm>
+          <a:prstGeom prst="straightConnector1">
+            <a:avLst/>
+          </a:prstGeom>
+          <a:ln w="38100">
+            <a:solidFill>
+              <a:srgbClr val="7DD5A1"/>
+            </a:solidFill>
+            <a:tailEnd type="triangle"/>
+          </a:ln>
+        </p:spPr>
+        <p:style>
+          <a:lnRef idx="1">
+            <a:schemeClr val="accent1"/>
+          </a:lnRef>
+          <a:fillRef idx="0">
+            <a:schemeClr val="accent1"/>
+          </a:fillRef>
+          <a:effectRef idx="0">
+            <a:schemeClr val="accent1"/>
+          </a:effectRef>
+          <a:fontRef idx="minor">
+            <a:schemeClr val="tx1"/>
+          </a:fontRef>
+        </p:style>
+      </p:cxnSp>
+      <p:sp>
+        <p:nvSpPr>
+          <p:cNvPr id="17" name="Subtitle 2"/>
+          <p:cNvSpPr txBox="1">
+            <a:spLocks/>
+          </p:cNvSpPr>
+          <p:nvPr/>
+        </p:nvSpPr>
+        <p:spPr>
+          <a:xfrm>
+            <a:off x="3684895" y="424056"/>
+            <a:ext cx="941696" cy="455034"/>
+          </a:xfrm>
+          <a:prstGeom prst="rect">
+            <a:avLst/>
+          </a:prstGeom>
+          <a:solidFill>
+            <a:srgbClr val="FFFF00"/>
+          </a:solidFill>
+          <a:ln w="38100">
+            <a:solidFill>
+              <a:srgbClr val="FFFF00"/>
+            </a:solidFill>
+          </a:ln>
+        </p:spPr>
+        <p:txBody>
+          <a:bodyPr vert="horz" lIns="91440" tIns="45720" rIns="91440" bIns="45720" rtlCol="0">
+            <a:noAutofit/>
+          </a:bodyPr>
+          <a:lstStyle>
+            <a:lvl1pPr marL="228600" indent="-228600" algn="l" defTabSz="914400" rtl="0" eaLnBrk="1" latinLnBrk="0" hangingPunct="1">
+              <a:lnSpc>
+                <a:spcPct val="90000"/>
+              </a:lnSpc>
+              <a:spcBef>
+                <a:spcPts val="1000"/>
+              </a:spcBef>
+              <a:buFont typeface="Arial" panose="020B0604020202020204" pitchFamily="34" charset="0"/>
+              <a:buChar char="•"/>
+              <a:defRPr sz="2800" kern="1200">
+                <a:solidFill>
+                  <a:schemeClr val="tx1"/>
+                </a:solidFill>
+                <a:latin typeface="+mn-lt"/>
+                <a:ea typeface="+mn-ea"/>
+                <a:cs typeface="+mn-cs"/>
+              </a:defRPr>
+            </a:lvl1pPr>
+            <a:lvl2pPr marL="685800" indent="-228600" algn="l" defTabSz="914400" rtl="0" eaLnBrk="1" latinLnBrk="0" hangingPunct="1">
+              <a:lnSpc>
+                <a:spcPct val="90000"/>
+              </a:lnSpc>
+              <a:spcBef>
+                <a:spcPts val="500"/>
+              </a:spcBef>
+              <a:buFont typeface="Arial" panose="020B0604020202020204" pitchFamily="34" charset="0"/>
+              <a:buChar char="•"/>
+              <a:defRPr sz="2400" kern="1200">
+                <a:solidFill>
+                  <a:schemeClr val="tx1"/>
+                </a:solidFill>
+                <a:latin typeface="+mn-lt"/>
+                <a:ea typeface="+mn-ea"/>
+                <a:cs typeface="+mn-cs"/>
+              </a:defRPr>
+            </a:lvl2pPr>
+            <a:lvl3pPr marL="1143000" indent="-228600" algn="l" defTabSz="914400" rtl="0" eaLnBrk="1" latinLnBrk="0" hangingPunct="1">
+              <a:lnSpc>
+                <a:spcPct val="90000"/>
+              </a:lnSpc>
+              <a:spcBef>
+                <a:spcPts val="500"/>
+              </a:spcBef>
+              <a:buFont typeface="Arial" panose="020B0604020202020204" pitchFamily="34" charset="0"/>
+              <a:buChar char="•"/>
+              <a:defRPr sz="2000" kern="1200">
+                <a:solidFill>
+                  <a:schemeClr val="tx1"/>
+                </a:solidFill>
+                <a:latin typeface="+mn-lt"/>
+                <a:ea typeface="+mn-ea"/>
+                <a:cs typeface="+mn-cs"/>
+              </a:defRPr>
+            </a:lvl3pPr>
+            <a:lvl4pPr marL="1600200" indent="-228600" algn="l" defTabSz="914400" rtl="0" eaLnBrk="1" latinLnBrk="0" hangingPunct="1">
+              <a:lnSpc>
+                <a:spcPct val="90000"/>
+              </a:lnSpc>
+              <a:spcBef>
+                <a:spcPts val="500"/>
+              </a:spcBef>
+              <a:buFont typeface="Arial" panose="020B0604020202020204" pitchFamily="34" charset="0"/>
+              <a:buChar char="•"/>
+              <a:defRPr sz="1800" kern="1200">
+                <a:solidFill>
+                  <a:schemeClr val="tx1"/>
+                </a:solidFill>
+                <a:latin typeface="+mn-lt"/>
+                <a:ea typeface="+mn-ea"/>
+                <a:cs typeface="+mn-cs"/>
+              </a:defRPr>
+            </a:lvl4pPr>
+            <a:lvl5pPr marL="2057400" indent="-228600" algn="l" defTabSz="914400" rtl="0" eaLnBrk="1" latinLnBrk="0" hangingPunct="1">
+              <a:lnSpc>
+                <a:spcPct val="90000"/>
+              </a:lnSpc>
+              <a:spcBef>
+                <a:spcPts val="500"/>
+              </a:spcBef>
+              <a:buFont typeface="Arial" panose="020B0604020202020204" pitchFamily="34" charset="0"/>
+              <a:buChar char="•"/>
+              <a:defRPr sz="1800" kern="1200">
+                <a:solidFill>
+                  <a:schemeClr val="tx1"/>
+                </a:solidFill>
+                <a:latin typeface="+mn-lt"/>
+                <a:ea typeface="+mn-ea"/>
+                <a:cs typeface="+mn-cs"/>
+              </a:defRPr>
+            </a:lvl5pPr>
+            <a:lvl6pPr marL="2514600" indent="-228600" algn="l" defTabSz="914400" rtl="0" eaLnBrk="1" latinLnBrk="0" hangingPunct="1">
+              <a:lnSpc>
+                <a:spcPct val="90000"/>
+              </a:lnSpc>
+              <a:spcBef>
+                <a:spcPts val="500"/>
+              </a:spcBef>
+              <a:buFont typeface="Arial" panose="020B0604020202020204" pitchFamily="34" charset="0"/>
+              <a:buChar char="•"/>
+              <a:defRPr sz="1800" kern="1200">
+                <a:solidFill>
+                  <a:schemeClr val="tx1"/>
+                </a:solidFill>
+                <a:latin typeface="+mn-lt"/>
+                <a:ea typeface="+mn-ea"/>
+                <a:cs typeface="+mn-cs"/>
+              </a:defRPr>
+            </a:lvl6pPr>
+            <a:lvl7pPr marL="2971800" indent="-228600" algn="l" defTabSz="914400" rtl="0" eaLnBrk="1" latinLnBrk="0" hangingPunct="1">
+              <a:lnSpc>
+                <a:spcPct val="90000"/>
+              </a:lnSpc>
+              <a:spcBef>
+                <a:spcPts val="500"/>
+              </a:spcBef>
+              <a:buFont typeface="Arial" panose="020B0604020202020204" pitchFamily="34" charset="0"/>
+              <a:buChar char="•"/>
+              <a:defRPr sz="1800" kern="1200">
+                <a:solidFill>
+                  <a:schemeClr val="tx1"/>
+                </a:solidFill>
+                <a:latin typeface="+mn-lt"/>
+                <a:ea typeface="+mn-ea"/>
+                <a:cs typeface="+mn-cs"/>
+              </a:defRPr>
+            </a:lvl7pPr>
+            <a:lvl8pPr marL="3429000" indent="-228600" algn="l" defTabSz="914400" rtl="0" eaLnBrk="1" latinLnBrk="0" hangingPunct="1">
+              <a:lnSpc>
+                <a:spcPct val="90000"/>
+              </a:lnSpc>
+              <a:spcBef>
+                <a:spcPts val="500"/>
+              </a:spcBef>
+              <a:buFont typeface="Arial" panose="020B0604020202020204" pitchFamily="34" charset="0"/>
+              <a:buChar char="•"/>
+              <a:defRPr sz="1800" kern="1200">
+                <a:solidFill>
+                  <a:schemeClr val="tx1"/>
+                </a:solidFill>
+                <a:latin typeface="+mn-lt"/>
+                <a:ea typeface="+mn-ea"/>
+                <a:cs typeface="+mn-cs"/>
+              </a:defRPr>
+            </a:lvl8pPr>
+            <a:lvl9pPr marL="3886200" indent="-228600" algn="l" defTabSz="914400" rtl="0" eaLnBrk="1" latinLnBrk="0" hangingPunct="1">
+              <a:lnSpc>
+                <a:spcPct val="90000"/>
+              </a:lnSpc>
+              <a:spcBef>
+                <a:spcPts val="500"/>
+              </a:spcBef>
+              <a:buFont typeface="Arial" panose="020B0604020202020204" pitchFamily="34" charset="0"/>
+              <a:buChar char="•"/>
+              <a:defRPr sz="1800" kern="1200">
+                <a:solidFill>
+                  <a:schemeClr val="tx1"/>
+                </a:solidFill>
+                <a:latin typeface="+mn-lt"/>
+                <a:ea typeface="+mn-ea"/>
+                <a:cs typeface="+mn-cs"/>
+              </a:defRPr>
+            </a:lvl9pPr>
+          </a:lstStyle>
+          <a:p>
+            <a:pPr marL="0" indent="0">
+              <a:buNone/>
+            </a:pPr>
+            <a:r>
+              <a:rPr lang="en-US" sz="2400" dirty="0" smtClean="0">
+                <a:latin typeface="Times New Roman" panose="02020603050405020304" pitchFamily="18" charset="0"/>
+                <a:cs typeface="Times New Roman" panose="02020603050405020304" pitchFamily="18" charset="0"/>
+              </a:rPr>
+              <a:t>Land</a:t>
+            </a:r>
+            <a:endParaRPr lang="en-US" sz="2400" dirty="0"/>
+          </a:p>
+        </p:txBody>
+      </p:sp>
+      <p:cxnSp>
+        <p:nvCxnSpPr>
+          <p:cNvPr id="18" name="Straight Arrow Connector 17"/>
+          <p:cNvCxnSpPr>
+            <a:stCxn id="17" idx="2"/>
+          </p:cNvCxnSpPr>
+          <p:nvPr/>
+        </p:nvCxnSpPr>
+        <p:spPr>
+          <a:xfrm>
+            <a:off x="4155743" y="879090"/>
+            <a:ext cx="480515" cy="594868"/>
+          </a:xfrm>
+          <a:prstGeom prst="straightConnector1">
+            <a:avLst/>
+          </a:prstGeom>
+          <a:ln w="38100">
+            <a:solidFill>
+              <a:srgbClr val="FFFF00"/>
+            </a:solidFill>
+            <a:tailEnd type="triangle"/>
+          </a:ln>
+        </p:spPr>
+        <p:style>
+          <a:lnRef idx="1">
+            <a:schemeClr val="accent1"/>
+          </a:lnRef>
+          <a:fillRef idx="0">
+            <a:schemeClr val="accent1"/>
+          </a:fillRef>
+          <a:effectRef idx="0">
+            <a:schemeClr val="accent1"/>
+          </a:effectRef>
+          <a:fontRef idx="minor">
+            <a:schemeClr val="tx1"/>
+          </a:fontRef>
+        </p:style>
+      </p:cxnSp>
+      <p:sp>
+        <p:nvSpPr>
+          <p:cNvPr id="20" name="Subtitle 2"/>
+          <p:cNvSpPr txBox="1">
+            <a:spLocks/>
+          </p:cNvSpPr>
+          <p:nvPr/>
+        </p:nvSpPr>
+        <p:spPr>
+          <a:xfrm>
+            <a:off x="1746913" y="4951772"/>
+            <a:ext cx="1054361" cy="455034"/>
+          </a:xfrm>
+          <a:prstGeom prst="rect">
+            <a:avLst/>
+          </a:prstGeom>
+          <a:solidFill>
+            <a:srgbClr val="FF3399"/>
+          </a:solidFill>
+          <a:ln w="38100">
+            <a:solidFill>
+              <a:srgbClr val="FF3399"/>
+            </a:solidFill>
+          </a:ln>
+        </p:spPr>
+        <p:txBody>
+          <a:bodyPr vert="horz" lIns="91440" tIns="45720" rIns="91440" bIns="45720" rtlCol="0">
+            <a:noAutofit/>
+          </a:bodyPr>
+          <a:lstStyle>
+            <a:lvl1pPr marL="228600" indent="-228600" algn="l" defTabSz="914400" rtl="0" eaLnBrk="1" latinLnBrk="0" hangingPunct="1">
+              <a:lnSpc>
+                <a:spcPct val="90000"/>
+              </a:lnSpc>
+              <a:spcBef>
+                <a:spcPts val="1000"/>
+              </a:spcBef>
+              <a:buFont typeface="Arial" panose="020B0604020202020204" pitchFamily="34" charset="0"/>
+              <a:buChar char="•"/>
+              <a:defRPr sz="2800" kern="1200">
+                <a:solidFill>
+                  <a:schemeClr val="tx1"/>
+                </a:solidFill>
+                <a:latin typeface="+mn-lt"/>
+                <a:ea typeface="+mn-ea"/>
+                <a:cs typeface="+mn-cs"/>
+              </a:defRPr>
+            </a:lvl1pPr>
+            <a:lvl2pPr marL="685800" indent="-228600" algn="l" defTabSz="914400" rtl="0" eaLnBrk="1" latinLnBrk="0" hangingPunct="1">
+              <a:lnSpc>
+                <a:spcPct val="90000"/>
+              </a:lnSpc>
+              <a:spcBef>
+                <a:spcPts val="500"/>
+              </a:spcBef>
+              <a:buFont typeface="Arial" panose="020B0604020202020204" pitchFamily="34" charset="0"/>
+              <a:buChar char="•"/>
+              <a:defRPr sz="2400" kern="1200">
+                <a:solidFill>
+                  <a:schemeClr val="tx1"/>
+                </a:solidFill>
+                <a:latin typeface="+mn-lt"/>
+                <a:ea typeface="+mn-ea"/>
+                <a:cs typeface="+mn-cs"/>
+              </a:defRPr>
+            </a:lvl2pPr>
+            <a:lvl3pPr marL="1143000" indent="-228600" algn="l" defTabSz="914400" rtl="0" eaLnBrk="1" latinLnBrk="0" hangingPunct="1">
+              <a:lnSpc>
+                <a:spcPct val="90000"/>
+              </a:lnSpc>
+              <a:spcBef>
+                <a:spcPts val="500"/>
+              </a:spcBef>
+              <a:buFont typeface="Arial" panose="020B0604020202020204" pitchFamily="34" charset="0"/>
+              <a:buChar char="•"/>
+              <a:defRPr sz="2000" kern="1200">
+                <a:solidFill>
+                  <a:schemeClr val="tx1"/>
+                </a:solidFill>
+                <a:latin typeface="+mn-lt"/>
+                <a:ea typeface="+mn-ea"/>
+                <a:cs typeface="+mn-cs"/>
+              </a:defRPr>
+            </a:lvl3pPr>
+            <a:lvl4pPr marL="1600200" indent="-228600" algn="l" defTabSz="914400" rtl="0" eaLnBrk="1" latinLnBrk="0" hangingPunct="1">
+              <a:lnSpc>
+                <a:spcPct val="90000"/>
+              </a:lnSpc>
+              <a:spcBef>
+                <a:spcPts val="500"/>
+              </a:spcBef>
+              <a:buFont typeface="Arial" panose="020B0604020202020204" pitchFamily="34" charset="0"/>
+              <a:buChar char="•"/>
+              <a:defRPr sz="1800" kern="1200">
+                <a:solidFill>
+                  <a:schemeClr val="tx1"/>
+                </a:solidFill>
+                <a:latin typeface="+mn-lt"/>
+                <a:ea typeface="+mn-ea"/>
+                <a:cs typeface="+mn-cs"/>
+              </a:defRPr>
+            </a:lvl4pPr>
+            <a:lvl5pPr marL="2057400" indent="-228600" algn="l" defTabSz="914400" rtl="0" eaLnBrk="1" latinLnBrk="0" hangingPunct="1">
+              <a:lnSpc>
+                <a:spcPct val="90000"/>
+              </a:lnSpc>
+              <a:spcBef>
+                <a:spcPts val="500"/>
+              </a:spcBef>
+              <a:buFont typeface="Arial" panose="020B0604020202020204" pitchFamily="34" charset="0"/>
+              <a:buChar char="•"/>
+              <a:defRPr sz="1800" kern="1200">
+                <a:solidFill>
+                  <a:schemeClr val="tx1"/>
+                </a:solidFill>
+                <a:latin typeface="+mn-lt"/>
+                <a:ea typeface="+mn-ea"/>
+                <a:cs typeface="+mn-cs"/>
+              </a:defRPr>
+            </a:lvl5pPr>
+            <a:lvl6pPr marL="2514600" indent="-228600" algn="l" defTabSz="914400" rtl="0" eaLnBrk="1" latinLnBrk="0" hangingPunct="1">
+              <a:lnSpc>
+                <a:spcPct val="90000"/>
+              </a:lnSpc>
+              <a:spcBef>
+                <a:spcPts val="500"/>
+              </a:spcBef>
+              <a:buFont typeface="Arial" panose="020B0604020202020204" pitchFamily="34" charset="0"/>
+              <a:buChar char="•"/>
+              <a:defRPr sz="1800" kern="1200">
+                <a:solidFill>
+                  <a:schemeClr val="tx1"/>
+                </a:solidFill>
+                <a:latin typeface="+mn-lt"/>
+                <a:ea typeface="+mn-ea"/>
+                <a:cs typeface="+mn-cs"/>
+              </a:defRPr>
+            </a:lvl6pPr>
+            <a:lvl7pPr marL="2971800" indent="-228600" algn="l" defTabSz="914400" rtl="0" eaLnBrk="1" latinLnBrk="0" hangingPunct="1">
+              <a:lnSpc>
+                <a:spcPct val="90000"/>
+              </a:lnSpc>
+              <a:spcBef>
+                <a:spcPts val="500"/>
+              </a:spcBef>
+              <a:buFont typeface="Arial" panose="020B0604020202020204" pitchFamily="34" charset="0"/>
+              <a:buChar char="•"/>
+              <a:defRPr sz="1800" kern="1200">
+                <a:solidFill>
+                  <a:schemeClr val="tx1"/>
+                </a:solidFill>
+                <a:latin typeface="+mn-lt"/>
+                <a:ea typeface="+mn-ea"/>
+                <a:cs typeface="+mn-cs"/>
+              </a:defRPr>
+            </a:lvl7pPr>
+            <a:lvl8pPr marL="3429000" indent="-228600" algn="l" defTabSz="914400" rtl="0" eaLnBrk="1" latinLnBrk="0" hangingPunct="1">
+              <a:lnSpc>
+                <a:spcPct val="90000"/>
+              </a:lnSpc>
+              <a:spcBef>
+                <a:spcPts val="500"/>
+              </a:spcBef>
+              <a:buFont typeface="Arial" panose="020B0604020202020204" pitchFamily="34" charset="0"/>
+              <a:buChar char="•"/>
+              <a:defRPr sz="1800" kern="1200">
+                <a:solidFill>
+                  <a:schemeClr val="tx1"/>
+                </a:solidFill>
+                <a:latin typeface="+mn-lt"/>
+                <a:ea typeface="+mn-ea"/>
+                <a:cs typeface="+mn-cs"/>
+              </a:defRPr>
+            </a:lvl8pPr>
+            <a:lvl9pPr marL="3886200" indent="-228600" algn="l" defTabSz="914400" rtl="0" eaLnBrk="1" latinLnBrk="0" hangingPunct="1">
+              <a:lnSpc>
+                <a:spcPct val="90000"/>
+              </a:lnSpc>
+              <a:spcBef>
+                <a:spcPts val="500"/>
+              </a:spcBef>
+              <a:buFont typeface="Arial" panose="020B0604020202020204" pitchFamily="34" charset="0"/>
+              <a:buChar char="•"/>
+              <a:defRPr sz="1800" kern="1200">
+                <a:solidFill>
+                  <a:schemeClr val="tx1"/>
+                </a:solidFill>
+                <a:latin typeface="+mn-lt"/>
+                <a:ea typeface="+mn-ea"/>
+                <a:cs typeface="+mn-cs"/>
+              </a:defRPr>
+            </a:lvl9pPr>
+          </a:lstStyle>
+          <a:p>
+            <a:pPr marL="0" indent="0">
+              <a:buNone/>
+            </a:pPr>
+            <a:r>
+              <a:rPr lang="en-US" sz="2400" dirty="0" smtClean="0">
+                <a:latin typeface="Times New Roman" panose="02020603050405020304" pitchFamily="18" charset="0"/>
+                <a:cs typeface="Times New Roman" panose="02020603050405020304" pitchFamily="18" charset="0"/>
+              </a:rPr>
+              <a:t>Water</a:t>
+            </a:r>
+            <a:endParaRPr lang="en-US" sz="2400" dirty="0"/>
+          </a:p>
+        </p:txBody>
+      </p:sp>
+      <p:cxnSp>
+        <p:nvCxnSpPr>
+          <p:cNvPr id="21" name="Straight Arrow Connector 20"/>
+          <p:cNvCxnSpPr>
+            <a:stCxn id="20" idx="0"/>
+          </p:cNvCxnSpPr>
+          <p:nvPr/>
+        </p:nvCxnSpPr>
+        <p:spPr>
+          <a:xfrm flipV="1">
+            <a:off x="2274094" y="4316076"/>
+            <a:ext cx="783005" cy="635696"/>
+          </a:xfrm>
+          <a:prstGeom prst="straightConnector1">
+            <a:avLst/>
+          </a:prstGeom>
+          <a:ln w="38100">
+            <a:solidFill>
+              <a:srgbClr val="FF3399"/>
+            </a:solidFill>
+            <a:tailEnd type="triangle"/>
+          </a:ln>
+        </p:spPr>
+        <p:style>
+          <a:lnRef idx="1">
+            <a:schemeClr val="accent1"/>
+          </a:lnRef>
+          <a:fillRef idx="0">
+            <a:schemeClr val="accent1"/>
+          </a:fillRef>
+          <a:effectRef idx="0">
+            <a:schemeClr val="accent1"/>
+          </a:effectRef>
+          <a:fontRef idx="minor">
+            <a:schemeClr val="tx1"/>
+          </a:fontRef>
+        </p:style>
+      </p:cxnSp>
+      <p:sp>
+        <p:nvSpPr>
+          <p:cNvPr id="27" name="Subtitle 2"/>
+          <p:cNvSpPr txBox="1">
+            <a:spLocks/>
+          </p:cNvSpPr>
+          <p:nvPr/>
+        </p:nvSpPr>
+        <p:spPr>
+          <a:xfrm>
+            <a:off x="9459641" y="2999261"/>
+            <a:ext cx="1078173" cy="455034"/>
+          </a:xfrm>
+          <a:prstGeom prst="rect">
+            <a:avLst/>
+          </a:prstGeom>
+          <a:solidFill>
+            <a:srgbClr val="3399FF"/>
+          </a:solidFill>
+          <a:ln w="38100">
+            <a:solidFill>
+              <a:srgbClr val="3399FF"/>
+            </a:solidFill>
+          </a:ln>
+        </p:spPr>
+        <p:txBody>
+          <a:bodyPr vert="horz" lIns="91440" tIns="45720" rIns="91440" bIns="45720" rtlCol="0">
+            <a:noAutofit/>
+          </a:bodyPr>
+          <a:lstStyle>
+            <a:lvl1pPr marL="228600" indent="-228600" algn="l" defTabSz="914400" rtl="0" eaLnBrk="1" latinLnBrk="0" hangingPunct="1">
+              <a:lnSpc>
+                <a:spcPct val="90000"/>
+              </a:lnSpc>
+              <a:spcBef>
+                <a:spcPts val="1000"/>
+              </a:spcBef>
+              <a:buFont typeface="Arial" panose="020B0604020202020204" pitchFamily="34" charset="0"/>
+              <a:buChar char="•"/>
+              <a:defRPr sz="2800" kern="1200">
+                <a:solidFill>
+                  <a:schemeClr val="tx1"/>
+                </a:solidFill>
+                <a:latin typeface="+mn-lt"/>
+                <a:ea typeface="+mn-ea"/>
+                <a:cs typeface="+mn-cs"/>
+              </a:defRPr>
+            </a:lvl1pPr>
+            <a:lvl2pPr marL="685800" indent="-228600" algn="l" defTabSz="914400" rtl="0" eaLnBrk="1" latinLnBrk="0" hangingPunct="1">
+              <a:lnSpc>
+                <a:spcPct val="90000"/>
+              </a:lnSpc>
+              <a:spcBef>
+                <a:spcPts val="500"/>
+              </a:spcBef>
+              <a:buFont typeface="Arial" panose="020B0604020202020204" pitchFamily="34" charset="0"/>
+              <a:buChar char="•"/>
+              <a:defRPr sz="2400" kern="1200">
+                <a:solidFill>
+                  <a:schemeClr val="tx1"/>
+                </a:solidFill>
+                <a:latin typeface="+mn-lt"/>
+                <a:ea typeface="+mn-ea"/>
+                <a:cs typeface="+mn-cs"/>
+              </a:defRPr>
+            </a:lvl2pPr>
+            <a:lvl3pPr marL="1143000" indent="-228600" algn="l" defTabSz="914400" rtl="0" eaLnBrk="1" latinLnBrk="0" hangingPunct="1">
+              <a:lnSpc>
+                <a:spcPct val="90000"/>
+              </a:lnSpc>
+              <a:spcBef>
+                <a:spcPts val="500"/>
+              </a:spcBef>
+              <a:buFont typeface="Arial" panose="020B0604020202020204" pitchFamily="34" charset="0"/>
+              <a:buChar char="•"/>
+              <a:defRPr sz="2000" kern="1200">
+                <a:solidFill>
+                  <a:schemeClr val="tx1"/>
+                </a:solidFill>
+                <a:latin typeface="+mn-lt"/>
+                <a:ea typeface="+mn-ea"/>
+                <a:cs typeface="+mn-cs"/>
+              </a:defRPr>
+            </a:lvl3pPr>
+            <a:lvl4pPr marL="1600200" indent="-228600" algn="l" defTabSz="914400" rtl="0" eaLnBrk="1" latinLnBrk="0" hangingPunct="1">
+              <a:lnSpc>
+                <a:spcPct val="90000"/>
+              </a:lnSpc>
+              <a:spcBef>
+                <a:spcPts val="500"/>
+              </a:spcBef>
+              <a:buFont typeface="Arial" panose="020B0604020202020204" pitchFamily="34" charset="0"/>
+              <a:buChar char="•"/>
+              <a:defRPr sz="1800" kern="1200">
+                <a:solidFill>
+                  <a:schemeClr val="tx1"/>
+                </a:solidFill>
+                <a:latin typeface="+mn-lt"/>
+                <a:ea typeface="+mn-ea"/>
+                <a:cs typeface="+mn-cs"/>
+              </a:defRPr>
+            </a:lvl4pPr>
+            <a:lvl5pPr marL="2057400" indent="-228600" algn="l" defTabSz="914400" rtl="0" eaLnBrk="1" latinLnBrk="0" hangingPunct="1">
+              <a:lnSpc>
+                <a:spcPct val="90000"/>
+              </a:lnSpc>
+              <a:spcBef>
+                <a:spcPts val="500"/>
+              </a:spcBef>
+              <a:buFont typeface="Arial" panose="020B0604020202020204" pitchFamily="34" charset="0"/>
+              <a:buChar char="•"/>
+              <a:defRPr sz="1800" kern="1200">
+                <a:solidFill>
+                  <a:schemeClr val="tx1"/>
+                </a:solidFill>
+                <a:latin typeface="+mn-lt"/>
+                <a:ea typeface="+mn-ea"/>
+                <a:cs typeface="+mn-cs"/>
+              </a:defRPr>
+            </a:lvl5pPr>
+            <a:lvl6pPr marL="2514600" indent="-228600" algn="l" defTabSz="914400" rtl="0" eaLnBrk="1" latinLnBrk="0" hangingPunct="1">
+              <a:lnSpc>
+                <a:spcPct val="90000"/>
+              </a:lnSpc>
+              <a:spcBef>
+                <a:spcPts val="500"/>
+              </a:spcBef>
+              <a:buFont typeface="Arial" panose="020B0604020202020204" pitchFamily="34" charset="0"/>
+              <a:buChar char="•"/>
+              <a:defRPr sz="1800" kern="1200">
+                <a:solidFill>
+                  <a:schemeClr val="tx1"/>
+                </a:solidFill>
+                <a:latin typeface="+mn-lt"/>
+                <a:ea typeface="+mn-ea"/>
+                <a:cs typeface="+mn-cs"/>
+              </a:defRPr>
+            </a:lvl6pPr>
+            <a:lvl7pPr marL="2971800" indent="-228600" algn="l" defTabSz="914400" rtl="0" eaLnBrk="1" latinLnBrk="0" hangingPunct="1">
+              <a:lnSpc>
+                <a:spcPct val="90000"/>
+              </a:lnSpc>
+              <a:spcBef>
+                <a:spcPts val="500"/>
+              </a:spcBef>
+              <a:buFont typeface="Arial" panose="020B0604020202020204" pitchFamily="34" charset="0"/>
+              <a:buChar char="•"/>
+              <a:defRPr sz="1800" kern="1200">
+                <a:solidFill>
+                  <a:schemeClr val="tx1"/>
+                </a:solidFill>
+                <a:latin typeface="+mn-lt"/>
+                <a:ea typeface="+mn-ea"/>
+                <a:cs typeface="+mn-cs"/>
+              </a:defRPr>
+            </a:lvl7pPr>
+            <a:lvl8pPr marL="3429000" indent="-228600" algn="l" defTabSz="914400" rtl="0" eaLnBrk="1" latinLnBrk="0" hangingPunct="1">
+              <a:lnSpc>
+                <a:spcPct val="90000"/>
+              </a:lnSpc>
+              <a:spcBef>
+                <a:spcPts val="500"/>
+              </a:spcBef>
+              <a:buFont typeface="Arial" panose="020B0604020202020204" pitchFamily="34" charset="0"/>
+              <a:buChar char="•"/>
+              <a:defRPr sz="1800" kern="1200">
+                <a:solidFill>
+                  <a:schemeClr val="tx1"/>
+                </a:solidFill>
+                <a:latin typeface="+mn-lt"/>
+                <a:ea typeface="+mn-ea"/>
+                <a:cs typeface="+mn-cs"/>
+              </a:defRPr>
+            </a:lvl8pPr>
+            <a:lvl9pPr marL="3886200" indent="-228600" algn="l" defTabSz="914400" rtl="0" eaLnBrk="1" latinLnBrk="0" hangingPunct="1">
+              <a:lnSpc>
+                <a:spcPct val="90000"/>
+              </a:lnSpc>
+              <a:spcBef>
+                <a:spcPts val="500"/>
+              </a:spcBef>
+              <a:buFont typeface="Arial" panose="020B0604020202020204" pitchFamily="34" charset="0"/>
+              <a:buChar char="•"/>
+              <a:defRPr sz="1800" kern="1200">
+                <a:solidFill>
+                  <a:schemeClr val="tx1"/>
+                </a:solidFill>
+                <a:latin typeface="+mn-lt"/>
+                <a:ea typeface="+mn-ea"/>
+                <a:cs typeface="+mn-cs"/>
+              </a:defRPr>
+            </a:lvl9pPr>
+          </a:lstStyle>
+          <a:p>
+            <a:pPr marL="0" indent="0">
+              <a:buNone/>
+            </a:pPr>
+            <a:r>
+              <a:rPr lang="en-US" sz="2400" dirty="0" smtClean="0">
+                <a:latin typeface="Times New Roman" panose="02020603050405020304" pitchFamily="18" charset="0"/>
+                <a:cs typeface="Times New Roman" panose="02020603050405020304" pitchFamily="18" charset="0"/>
+              </a:rPr>
+              <a:t>Homes</a:t>
+            </a:r>
+            <a:endParaRPr lang="en-US" sz="2400" dirty="0">
+              <a:latin typeface="Times New Roman" panose="02020603050405020304" pitchFamily="18" charset="0"/>
+              <a:cs typeface="Times New Roman" panose="02020603050405020304" pitchFamily="18" charset="0"/>
+            </a:endParaRPr>
+          </a:p>
+        </p:txBody>
+      </p:sp>
+      <p:cxnSp>
+        <p:nvCxnSpPr>
+          <p:cNvPr id="28" name="Straight Arrow Connector 27"/>
+          <p:cNvCxnSpPr>
+            <a:stCxn id="27" idx="1"/>
+          </p:cNvCxnSpPr>
+          <p:nvPr/>
+        </p:nvCxnSpPr>
+        <p:spPr>
+          <a:xfrm flipH="1">
+            <a:off x="8385449" y="3226778"/>
+            <a:ext cx="1074192" cy="102430"/>
+          </a:xfrm>
+          <a:prstGeom prst="straightConnector1">
+            <a:avLst/>
+          </a:prstGeom>
+          <a:ln w="38100">
+            <a:solidFill>
+              <a:srgbClr val="3399FF"/>
+            </a:solidFill>
+            <a:tailEnd type="triangle"/>
+          </a:ln>
+        </p:spPr>
+        <p:style>
+          <a:lnRef idx="1">
+            <a:schemeClr val="accent1"/>
+          </a:lnRef>
+          <a:fillRef idx="0">
+            <a:schemeClr val="accent1"/>
+          </a:fillRef>
+          <a:effectRef idx="0">
+            <a:schemeClr val="accent1"/>
+          </a:effectRef>
+          <a:fontRef idx="minor">
+            <a:schemeClr val="tx1"/>
+          </a:fontRef>
+        </p:style>
+      </p:cxnSp>
+      <p:sp>
+        <p:nvSpPr>
+          <p:cNvPr id="33" name="Subtitle 2"/>
+          <p:cNvSpPr txBox="1">
+            <a:spLocks/>
+          </p:cNvSpPr>
+          <p:nvPr/>
+        </p:nvSpPr>
+        <p:spPr>
+          <a:xfrm>
+            <a:off x="5225350" y="6051618"/>
+            <a:ext cx="784818" cy="455034"/>
+          </a:xfrm>
+          <a:prstGeom prst="rect">
+            <a:avLst/>
+          </a:prstGeom>
+          <a:solidFill>
+            <a:srgbClr val="FF5050"/>
+          </a:solidFill>
+          <a:ln w="38100">
+            <a:solidFill>
+              <a:srgbClr val="FF5050"/>
+            </a:solidFill>
+          </a:ln>
+        </p:spPr>
+        <p:txBody>
+          <a:bodyPr vert="horz" lIns="91440" tIns="45720" rIns="91440" bIns="45720" rtlCol="0">
+            <a:noAutofit/>
+          </a:bodyPr>
+          <a:lstStyle>
+            <a:lvl1pPr marL="228600" indent="-228600" algn="l" defTabSz="914400" rtl="0" eaLnBrk="1" latinLnBrk="0" hangingPunct="1">
+              <a:lnSpc>
+                <a:spcPct val="90000"/>
+              </a:lnSpc>
+              <a:spcBef>
+                <a:spcPts val="1000"/>
+              </a:spcBef>
+              <a:buFont typeface="Arial" panose="020B0604020202020204" pitchFamily="34" charset="0"/>
+              <a:buChar char="•"/>
+              <a:defRPr sz="2800" kern="1200">
+                <a:solidFill>
+                  <a:schemeClr val="tx1"/>
+                </a:solidFill>
+                <a:latin typeface="+mn-lt"/>
+                <a:ea typeface="+mn-ea"/>
+                <a:cs typeface="+mn-cs"/>
+              </a:defRPr>
+            </a:lvl1pPr>
+            <a:lvl2pPr marL="685800" indent="-228600" algn="l" defTabSz="914400" rtl="0" eaLnBrk="1" latinLnBrk="0" hangingPunct="1">
+              <a:lnSpc>
+                <a:spcPct val="90000"/>
+              </a:lnSpc>
+              <a:spcBef>
+                <a:spcPts val="500"/>
+              </a:spcBef>
+              <a:buFont typeface="Arial" panose="020B0604020202020204" pitchFamily="34" charset="0"/>
+              <a:buChar char="•"/>
+              <a:defRPr sz="2400" kern="1200">
+                <a:solidFill>
+                  <a:schemeClr val="tx1"/>
+                </a:solidFill>
+                <a:latin typeface="+mn-lt"/>
+                <a:ea typeface="+mn-ea"/>
+                <a:cs typeface="+mn-cs"/>
+              </a:defRPr>
+            </a:lvl2pPr>
+            <a:lvl3pPr marL="1143000" indent="-228600" algn="l" defTabSz="914400" rtl="0" eaLnBrk="1" latinLnBrk="0" hangingPunct="1">
+              <a:lnSpc>
+                <a:spcPct val="90000"/>
+              </a:lnSpc>
+              <a:spcBef>
+                <a:spcPts val="500"/>
+              </a:spcBef>
+              <a:buFont typeface="Arial" panose="020B0604020202020204" pitchFamily="34" charset="0"/>
+              <a:buChar char="•"/>
+              <a:defRPr sz="2000" kern="1200">
+                <a:solidFill>
+                  <a:schemeClr val="tx1"/>
+                </a:solidFill>
+                <a:latin typeface="+mn-lt"/>
+                <a:ea typeface="+mn-ea"/>
+                <a:cs typeface="+mn-cs"/>
+              </a:defRPr>
+            </a:lvl3pPr>
+            <a:lvl4pPr marL="1600200" indent="-228600" algn="l" defTabSz="914400" rtl="0" eaLnBrk="1" latinLnBrk="0" hangingPunct="1">
+              <a:lnSpc>
+                <a:spcPct val="90000"/>
+              </a:lnSpc>
+              <a:spcBef>
+                <a:spcPts val="500"/>
+              </a:spcBef>
+              <a:buFont typeface="Arial" panose="020B0604020202020204" pitchFamily="34" charset="0"/>
+              <a:buChar char="•"/>
+              <a:defRPr sz="1800" kern="1200">
+                <a:solidFill>
+                  <a:schemeClr val="tx1"/>
+                </a:solidFill>
+                <a:latin typeface="+mn-lt"/>
+                <a:ea typeface="+mn-ea"/>
+                <a:cs typeface="+mn-cs"/>
+              </a:defRPr>
+            </a:lvl4pPr>
+            <a:lvl5pPr marL="2057400" indent="-228600" algn="l" defTabSz="914400" rtl="0" eaLnBrk="1" latinLnBrk="0" hangingPunct="1">
+              <a:lnSpc>
+                <a:spcPct val="90000"/>
+              </a:lnSpc>
+              <a:spcBef>
+                <a:spcPts val="500"/>
+              </a:spcBef>
+              <a:buFont typeface="Arial" panose="020B0604020202020204" pitchFamily="34" charset="0"/>
+              <a:buChar char="•"/>
+              <a:defRPr sz="1800" kern="1200">
+                <a:solidFill>
+                  <a:schemeClr val="tx1"/>
+                </a:solidFill>
+                <a:latin typeface="+mn-lt"/>
+                <a:ea typeface="+mn-ea"/>
+                <a:cs typeface="+mn-cs"/>
+              </a:defRPr>
+            </a:lvl5pPr>
+            <a:lvl6pPr marL="2514600" indent="-228600" algn="l" defTabSz="914400" rtl="0" eaLnBrk="1" latinLnBrk="0" hangingPunct="1">
+              <a:lnSpc>
+                <a:spcPct val="90000"/>
+              </a:lnSpc>
+              <a:spcBef>
+                <a:spcPts val="500"/>
+              </a:spcBef>
+              <a:buFont typeface="Arial" panose="020B0604020202020204" pitchFamily="34" charset="0"/>
+              <a:buChar char="•"/>
+              <a:defRPr sz="1800" kern="1200">
+                <a:solidFill>
+                  <a:schemeClr val="tx1"/>
+                </a:solidFill>
+                <a:latin typeface="+mn-lt"/>
+                <a:ea typeface="+mn-ea"/>
+                <a:cs typeface="+mn-cs"/>
+              </a:defRPr>
+            </a:lvl6pPr>
+            <a:lvl7pPr marL="2971800" indent="-228600" algn="l" defTabSz="914400" rtl="0" eaLnBrk="1" latinLnBrk="0" hangingPunct="1">
+              <a:lnSpc>
+                <a:spcPct val="90000"/>
+              </a:lnSpc>
+              <a:spcBef>
+                <a:spcPts val="500"/>
+              </a:spcBef>
+              <a:buFont typeface="Arial" panose="020B0604020202020204" pitchFamily="34" charset="0"/>
+              <a:buChar char="•"/>
+              <a:defRPr sz="1800" kern="1200">
+                <a:solidFill>
+                  <a:schemeClr val="tx1"/>
+                </a:solidFill>
+                <a:latin typeface="+mn-lt"/>
+                <a:ea typeface="+mn-ea"/>
+                <a:cs typeface="+mn-cs"/>
+              </a:defRPr>
+            </a:lvl7pPr>
+            <a:lvl8pPr marL="3429000" indent="-228600" algn="l" defTabSz="914400" rtl="0" eaLnBrk="1" latinLnBrk="0" hangingPunct="1">
+              <a:lnSpc>
+                <a:spcPct val="90000"/>
+              </a:lnSpc>
+              <a:spcBef>
+                <a:spcPts val="500"/>
+              </a:spcBef>
+              <a:buFont typeface="Arial" panose="020B0604020202020204" pitchFamily="34" charset="0"/>
+              <a:buChar char="•"/>
+              <a:defRPr sz="1800" kern="1200">
+                <a:solidFill>
+                  <a:schemeClr val="tx1"/>
+                </a:solidFill>
+                <a:latin typeface="+mn-lt"/>
+                <a:ea typeface="+mn-ea"/>
+                <a:cs typeface="+mn-cs"/>
+              </a:defRPr>
+            </a:lvl8pPr>
+            <a:lvl9pPr marL="3886200" indent="-228600" algn="l" defTabSz="914400" rtl="0" eaLnBrk="1" latinLnBrk="0" hangingPunct="1">
+              <a:lnSpc>
+                <a:spcPct val="90000"/>
+              </a:lnSpc>
+              <a:spcBef>
+                <a:spcPts val="500"/>
+              </a:spcBef>
+              <a:buFont typeface="Arial" panose="020B0604020202020204" pitchFamily="34" charset="0"/>
+              <a:buChar char="•"/>
+              <a:defRPr sz="1800" kern="1200">
+                <a:solidFill>
+                  <a:schemeClr val="tx1"/>
+                </a:solidFill>
+                <a:latin typeface="+mn-lt"/>
+                <a:ea typeface="+mn-ea"/>
+                <a:cs typeface="+mn-cs"/>
+              </a:defRPr>
+            </a:lvl9pPr>
+          </a:lstStyle>
+          <a:p>
+            <a:pPr marL="0" indent="0">
+              <a:buNone/>
+            </a:pPr>
+            <a:r>
+              <a:rPr lang="en-US" sz="2400" dirty="0" smtClean="0">
+                <a:latin typeface="Times New Roman" panose="02020603050405020304" pitchFamily="18" charset="0"/>
+                <a:cs typeface="Times New Roman" panose="02020603050405020304" pitchFamily="18" charset="0"/>
+              </a:rPr>
+              <a:t>Gas</a:t>
+            </a:r>
+            <a:endParaRPr lang="en-US" sz="2400" dirty="0"/>
+          </a:p>
+        </p:txBody>
+      </p:sp>
+      <p:cxnSp>
+        <p:nvCxnSpPr>
+          <p:cNvPr id="34" name="Straight Arrow Connector 33"/>
+          <p:cNvCxnSpPr/>
+          <p:nvPr/>
+        </p:nvCxnSpPr>
+        <p:spPr>
+          <a:xfrm flipV="1">
+            <a:off x="5622272" y="4633924"/>
+            <a:ext cx="928653" cy="1417695"/>
+          </a:xfrm>
+          <a:prstGeom prst="straightConnector1">
+            <a:avLst/>
+          </a:prstGeom>
+          <a:ln w="38100">
+            <a:solidFill>
+              <a:srgbClr val="FF5050"/>
+            </a:solidFill>
+            <a:tailEnd type="triangle"/>
+          </a:ln>
+        </p:spPr>
+        <p:style>
+          <a:lnRef idx="1">
+            <a:schemeClr val="accent1"/>
+          </a:lnRef>
+          <a:fillRef idx="0">
+            <a:schemeClr val="accent1"/>
+          </a:fillRef>
+          <a:effectRef idx="0">
+            <a:schemeClr val="accent1"/>
+          </a:effectRef>
+          <a:fontRef idx="minor">
+            <a:schemeClr val="tx1"/>
+          </a:fontRef>
+        </p:style>
+      </p:cxnSp>
+    </p:spTree>
+    <p:extLst>
+      <p:ext uri="{BB962C8B-B14F-4D97-AF65-F5344CB8AC3E}">
+        <p14:creationId xmlns:p14="http://schemas.microsoft.com/office/powerpoint/2010/main" val="4078791737"/>
+      </p:ext>
+    </p:extLst>
+  </p:cSld>
+  <p:clrMapOvr>
+    <a:masterClrMapping/>
+  </p:clrMapOvr>
+</p:sld>
+</file>
+
 <file path=ppt/slides/slide2.xml><?xml version="1.0" encoding="utf-8"?>
 <p:sld xmlns:a="http://schemas.openxmlformats.org/drawingml/2006/main" xmlns:r="http://schemas.openxmlformats.org/officeDocument/2006/relationships" xmlns:p="http://schemas.openxmlformats.org/presentationml/2006/main">
   <p:cSld>
@@ -13615,14 +17207,14 @@
             </a:pPr>
             <a:r>
               <a:rPr lang="en-US" sz="2400" dirty="0" smtClean="0">
-                <a:latin typeface="Arial" panose="020B0604020202020204" pitchFamily="34" charset="0"/>
-                <a:cs typeface="Arial" panose="020B0604020202020204" pitchFamily="34" charset="0"/>
+                <a:latin typeface="Times New Roman" panose="02020603050405020304" pitchFamily="18" charset="0"/>
+                <a:cs typeface="Times New Roman" panose="02020603050405020304" pitchFamily="18" charset="0"/>
               </a:rPr>
               <a:t>Power outage</a:t>
             </a:r>
             <a:endParaRPr lang="en-US" sz="2400" dirty="0">
-              <a:latin typeface="Arial" panose="020B0604020202020204" pitchFamily="34" charset="0"/>
-              <a:cs typeface="Arial" panose="020B0604020202020204" pitchFamily="34" charset="0"/>
+              <a:latin typeface="Times New Roman" panose="02020603050405020304" pitchFamily="18" charset="0"/>
+              <a:cs typeface="Times New Roman" panose="02020603050405020304" pitchFamily="18" charset="0"/>
             </a:endParaRPr>
           </a:p>
         </p:txBody>

--- a/figures/source-code-plot/timeseries-frame.pptx
+++ b/figures/source-code-plot/timeseries-frame.pptx
@@ -5,7 +5,7 @@
     <p:sldMasterId id="2147483648" r:id="rId1"/>
   </p:sldMasterIdLst>
   <p:notesMasterIdLst>
-    <p:notesMasterId r:id="rId13"/>
+    <p:notesMasterId r:id="rId15"/>
   </p:notesMasterIdLst>
   <p:sldIdLst>
     <p:sldId id="256" r:id="rId2"/>
@@ -19,6 +19,8 @@
     <p:sldId id="264" r:id="rId10"/>
     <p:sldId id="265" r:id="rId11"/>
     <p:sldId id="266" r:id="rId12"/>
+    <p:sldId id="267" r:id="rId13"/>
+    <p:sldId id="268" r:id="rId14"/>
   </p:sldIdLst>
   <p:sldSz cx="12192000" cy="6858000"/>
   <p:notesSz cx="6858000" cy="9144000"/>
@@ -384,11 +386,11 @@
           <c:showBubbleSize val="0"/>
         </c:dLbls>
         <c:smooth val="0"/>
-        <c:axId val="71351616"/>
-        <c:axId val="169181360"/>
+        <c:axId val="117582800"/>
+        <c:axId val="117583360"/>
       </c:lineChart>
       <c:catAx>
-        <c:axId val="71351616"/>
+        <c:axId val="117582800"/>
         <c:scaling>
           <c:orientation val="minMax"/>
         </c:scaling>
@@ -428,7 +430,7 @@
             <a:endParaRPr lang="en-US"/>
           </a:p>
         </c:txPr>
-        <c:crossAx val="169181360"/>
+        <c:crossAx val="117583360"/>
         <c:crosses val="autoZero"/>
         <c:auto val="1"/>
         <c:lblAlgn val="ctr"/>
@@ -436,7 +438,7 @@
         <c:noMultiLvlLbl val="0"/>
       </c:catAx>
       <c:valAx>
-        <c:axId val="169181360"/>
+        <c:axId val="117583360"/>
         <c:scaling>
           <c:orientation val="minMax"/>
         </c:scaling>
@@ -484,7 +486,7 @@
             <a:endParaRPr lang="en-US"/>
           </a:p>
         </c:txPr>
-        <c:crossAx val="71351616"/>
+        <c:crossAx val="117582800"/>
         <c:crosses val="autoZero"/>
         <c:crossBetween val="between"/>
       </c:valAx>
@@ -796,11 +798,11 @@
         </c:dLbls>
         <c:marker val="1"/>
         <c:smooth val="0"/>
-        <c:axId val="169183600"/>
-        <c:axId val="169184160"/>
+        <c:axId val="169456960"/>
+        <c:axId val="169457520"/>
       </c:lineChart>
       <c:catAx>
-        <c:axId val="169183600"/>
+        <c:axId val="169456960"/>
         <c:scaling>
           <c:orientation val="minMax"/>
         </c:scaling>
@@ -840,7 +842,7 @@
             <a:endParaRPr lang="en-US"/>
           </a:p>
         </c:txPr>
-        <c:crossAx val="169184160"/>
+        <c:crossAx val="169457520"/>
         <c:crosses val="autoZero"/>
         <c:auto val="1"/>
         <c:lblAlgn val="ctr"/>
@@ -850,7 +852,7 @@
         <c:noMultiLvlLbl val="0"/>
       </c:catAx>
       <c:valAx>
-        <c:axId val="169184160"/>
+        <c:axId val="169457520"/>
         <c:scaling>
           <c:orientation val="minMax"/>
         </c:scaling>
@@ -904,7 +906,7 @@
             <a:endParaRPr lang="en-US"/>
           </a:p>
         </c:txPr>
-        <c:crossAx val="169183600"/>
+        <c:crossAx val="169456960"/>
         <c:crossesAt val="1"/>
         <c:crossBetween val="between"/>
       </c:valAx>
@@ -1213,11 +1215,11 @@
         </c:dLbls>
         <c:marker val="1"/>
         <c:smooth val="0"/>
-        <c:axId val="169186400"/>
-        <c:axId val="169186960"/>
+        <c:axId val="169737440"/>
+        <c:axId val="169738000"/>
       </c:lineChart>
       <c:catAx>
-        <c:axId val="169186400"/>
+        <c:axId val="169737440"/>
         <c:scaling>
           <c:orientation val="minMax"/>
         </c:scaling>
@@ -1257,7 +1259,7 @@
             <a:endParaRPr lang="en-US"/>
           </a:p>
         </c:txPr>
-        <c:crossAx val="169186960"/>
+        <c:crossAx val="169738000"/>
         <c:crosses val="autoZero"/>
         <c:auto val="1"/>
         <c:lblAlgn val="ctr"/>
@@ -1266,7 +1268,7 @@
         <c:noMultiLvlLbl val="0"/>
       </c:catAx>
       <c:valAx>
-        <c:axId val="169186960"/>
+        <c:axId val="169738000"/>
         <c:scaling>
           <c:orientation val="minMax"/>
         </c:scaling>
@@ -1314,7 +1316,7 @@
             <a:endParaRPr lang="en-US"/>
           </a:p>
         </c:txPr>
-        <c:crossAx val="169186400"/>
+        <c:crossAx val="169737440"/>
         <c:crosses val="autoZero"/>
         <c:crossBetween val="between"/>
       </c:valAx>
@@ -3108,7 +3110,7 @@
           <a:p>
             <a:fld id="{BD95DEEB-EB1A-4DBE-9A02-CCA516C4307E}" type="datetimeFigureOut">
               <a:rPr lang="en-US" smtClean="0"/>
-              <a:t>4/30/2016</a:t>
+              <a:t>5/1/2016</a:t>
             </a:fld>
             <a:endParaRPr lang="en-US"/>
           </a:p>
@@ -3675,7 +3677,7 @@
           <a:p>
             <a:fld id="{2DD4BC02-C082-4D59-A56C-B836D2E803E4}" type="datetimeFigureOut">
               <a:rPr lang="en-US" smtClean="0"/>
-              <a:t>4/30/2016</a:t>
+              <a:t>5/1/2016</a:t>
             </a:fld>
             <a:endParaRPr lang="en-US"/>
           </a:p>
@@ -3845,7 +3847,7 @@
           <a:p>
             <a:fld id="{2DD4BC02-C082-4D59-A56C-B836D2E803E4}" type="datetimeFigureOut">
               <a:rPr lang="en-US" smtClean="0"/>
-              <a:t>4/30/2016</a:t>
+              <a:t>5/1/2016</a:t>
             </a:fld>
             <a:endParaRPr lang="en-US"/>
           </a:p>
@@ -4025,7 +4027,7 @@
           <a:p>
             <a:fld id="{2DD4BC02-C082-4D59-A56C-B836D2E803E4}" type="datetimeFigureOut">
               <a:rPr lang="en-US" smtClean="0"/>
-              <a:t>4/30/2016</a:t>
+              <a:t>5/1/2016</a:t>
             </a:fld>
             <a:endParaRPr lang="en-US"/>
           </a:p>
@@ -4195,7 +4197,7 @@
           <a:p>
             <a:fld id="{2DD4BC02-C082-4D59-A56C-B836D2E803E4}" type="datetimeFigureOut">
               <a:rPr lang="en-US" smtClean="0"/>
-              <a:t>4/30/2016</a:t>
+              <a:t>5/1/2016</a:t>
             </a:fld>
             <a:endParaRPr lang="en-US"/>
           </a:p>
@@ -4441,7 +4443,7 @@
           <a:p>
             <a:fld id="{2DD4BC02-C082-4D59-A56C-B836D2E803E4}" type="datetimeFigureOut">
               <a:rPr lang="en-US" smtClean="0"/>
-              <a:t>4/30/2016</a:t>
+              <a:t>5/1/2016</a:t>
             </a:fld>
             <a:endParaRPr lang="en-US"/>
           </a:p>
@@ -4673,7 +4675,7 @@
           <a:p>
             <a:fld id="{2DD4BC02-C082-4D59-A56C-B836D2E803E4}" type="datetimeFigureOut">
               <a:rPr lang="en-US" smtClean="0"/>
-              <a:t>4/30/2016</a:t>
+              <a:t>5/1/2016</a:t>
             </a:fld>
             <a:endParaRPr lang="en-US"/>
           </a:p>
@@ -5040,7 +5042,7 @@
           <a:p>
             <a:fld id="{2DD4BC02-C082-4D59-A56C-B836D2E803E4}" type="datetimeFigureOut">
               <a:rPr lang="en-US" smtClean="0"/>
-              <a:t>4/30/2016</a:t>
+              <a:t>5/1/2016</a:t>
             </a:fld>
             <a:endParaRPr lang="en-US"/>
           </a:p>
@@ -5158,7 +5160,7 @@
           <a:p>
             <a:fld id="{2DD4BC02-C082-4D59-A56C-B836D2E803E4}" type="datetimeFigureOut">
               <a:rPr lang="en-US" smtClean="0"/>
-              <a:t>4/30/2016</a:t>
+              <a:t>5/1/2016</a:t>
             </a:fld>
             <a:endParaRPr lang="en-US"/>
           </a:p>
@@ -5253,7 +5255,7 @@
           <a:p>
             <a:fld id="{2DD4BC02-C082-4D59-A56C-B836D2E803E4}" type="datetimeFigureOut">
               <a:rPr lang="en-US" smtClean="0"/>
-              <a:t>4/30/2016</a:t>
+              <a:t>5/1/2016</a:t>
             </a:fld>
             <a:endParaRPr lang="en-US"/>
           </a:p>
@@ -5530,7 +5532,7 @@
           <a:p>
             <a:fld id="{2DD4BC02-C082-4D59-A56C-B836D2E803E4}" type="datetimeFigureOut">
               <a:rPr lang="en-US" smtClean="0"/>
-              <a:t>4/30/2016</a:t>
+              <a:t>5/1/2016</a:t>
             </a:fld>
             <a:endParaRPr lang="en-US"/>
           </a:p>
@@ -5783,7 +5785,7 @@
           <a:p>
             <a:fld id="{2DD4BC02-C082-4D59-A56C-B836D2E803E4}" type="datetimeFigureOut">
               <a:rPr lang="en-US" smtClean="0"/>
-              <a:t>4/30/2016</a:t>
+              <a:t>5/1/2016</a:t>
             </a:fld>
             <a:endParaRPr lang="en-US"/>
           </a:p>
@@ -5996,7 +5998,7 @@
           <a:p>
             <a:fld id="{2DD4BC02-C082-4D59-A56C-B836D2E803E4}" type="datetimeFigureOut">
               <a:rPr lang="en-US" smtClean="0"/>
-              <a:t>4/30/2016</a:t>
+              <a:t>5/1/2016</a:t>
             </a:fld>
             <a:endParaRPr lang="en-US"/>
           </a:p>
@@ -8562,7 +8564,7 @@
         </p:nvSpPr>
         <p:spPr>
           <a:xfrm>
-            <a:off x="7069540" y="424056"/>
+            <a:off x="8749957" y="484495"/>
             <a:ext cx="1787857" cy="455034"/>
           </a:xfrm>
           <a:prstGeom prst="rect">
@@ -8768,8 +8770,8 @@
         </p:nvCxnSpPr>
         <p:spPr>
           <a:xfrm flipH="1">
-            <a:off x="7302475" y="858104"/>
-            <a:ext cx="662050" cy="806923"/>
+            <a:off x="7302475" y="939529"/>
+            <a:ext cx="1457149" cy="725498"/>
           </a:xfrm>
           <a:prstGeom prst="straightConnector1">
             <a:avLst/>
@@ -9808,7 +9810,7 @@
         </p:nvSpPr>
         <p:spPr>
           <a:xfrm>
-            <a:off x="5225350" y="6051618"/>
+            <a:off x="6686194" y="6051619"/>
             <a:ext cx="784818" cy="455034"/>
           </a:xfrm>
           <a:prstGeom prst="rect">
@@ -10013,9 +10015,9 @@
           <p:nvPr/>
         </p:nvCxnSpPr>
         <p:spPr>
-          <a:xfrm flipV="1">
-            <a:off x="5622272" y="4633924"/>
-            <a:ext cx="928653" cy="1417695"/>
+          <a:xfrm flipH="1" flipV="1">
+            <a:off x="6550925" y="4699761"/>
+            <a:ext cx="533382" cy="1351858"/>
           </a:xfrm>
           <a:prstGeom prst="straightConnector1">
             <a:avLst/>
@@ -10042,10 +10044,956 @@
           </a:fontRef>
         </p:style>
       </p:cxnSp>
+      <p:sp>
+        <p:nvSpPr>
+          <p:cNvPr id="24" name="Subtitle 2"/>
+          <p:cNvSpPr txBox="1">
+            <a:spLocks/>
+          </p:cNvSpPr>
+          <p:nvPr/>
+        </p:nvSpPr>
+        <p:spPr>
+          <a:xfrm>
+            <a:off x="5891442" y="243331"/>
+            <a:ext cx="1318966" cy="455034"/>
+          </a:xfrm>
+          <a:prstGeom prst="rect">
+            <a:avLst/>
+          </a:prstGeom>
+          <a:solidFill>
+            <a:schemeClr val="bg2">
+              <a:lumMod val="75000"/>
+            </a:schemeClr>
+          </a:solidFill>
+          <a:ln w="38100">
+            <a:solidFill>
+              <a:schemeClr val="bg2">
+                <a:lumMod val="75000"/>
+              </a:schemeClr>
+            </a:solidFill>
+          </a:ln>
+        </p:spPr>
+        <p:txBody>
+          <a:bodyPr vert="horz" lIns="91440" tIns="45720" rIns="91440" bIns="45720" rtlCol="0">
+            <a:noAutofit/>
+          </a:bodyPr>
+          <a:lstStyle>
+            <a:lvl1pPr marL="228600" indent="-228600" algn="l" defTabSz="914400" rtl="0" eaLnBrk="1" latinLnBrk="0" hangingPunct="1">
+              <a:lnSpc>
+                <a:spcPct val="90000"/>
+              </a:lnSpc>
+              <a:spcBef>
+                <a:spcPts val="1000"/>
+              </a:spcBef>
+              <a:buFont typeface="Arial" panose="020B0604020202020204" pitchFamily="34" charset="0"/>
+              <a:buChar char="•"/>
+              <a:defRPr sz="2800" kern="1200">
+                <a:solidFill>
+                  <a:schemeClr val="tx1"/>
+                </a:solidFill>
+                <a:latin typeface="+mn-lt"/>
+                <a:ea typeface="+mn-ea"/>
+                <a:cs typeface="+mn-cs"/>
+              </a:defRPr>
+            </a:lvl1pPr>
+            <a:lvl2pPr marL="685800" indent="-228600" algn="l" defTabSz="914400" rtl="0" eaLnBrk="1" latinLnBrk="0" hangingPunct="1">
+              <a:lnSpc>
+                <a:spcPct val="90000"/>
+              </a:lnSpc>
+              <a:spcBef>
+                <a:spcPts val="500"/>
+              </a:spcBef>
+              <a:buFont typeface="Arial" panose="020B0604020202020204" pitchFamily="34" charset="0"/>
+              <a:buChar char="•"/>
+              <a:defRPr sz="2400" kern="1200">
+                <a:solidFill>
+                  <a:schemeClr val="tx1"/>
+                </a:solidFill>
+                <a:latin typeface="+mn-lt"/>
+                <a:ea typeface="+mn-ea"/>
+                <a:cs typeface="+mn-cs"/>
+              </a:defRPr>
+            </a:lvl2pPr>
+            <a:lvl3pPr marL="1143000" indent="-228600" algn="l" defTabSz="914400" rtl="0" eaLnBrk="1" latinLnBrk="0" hangingPunct="1">
+              <a:lnSpc>
+                <a:spcPct val="90000"/>
+              </a:lnSpc>
+              <a:spcBef>
+                <a:spcPts val="500"/>
+              </a:spcBef>
+              <a:buFont typeface="Arial" panose="020B0604020202020204" pitchFamily="34" charset="0"/>
+              <a:buChar char="•"/>
+              <a:defRPr sz="2000" kern="1200">
+                <a:solidFill>
+                  <a:schemeClr val="tx1"/>
+                </a:solidFill>
+                <a:latin typeface="+mn-lt"/>
+                <a:ea typeface="+mn-ea"/>
+                <a:cs typeface="+mn-cs"/>
+              </a:defRPr>
+            </a:lvl3pPr>
+            <a:lvl4pPr marL="1600200" indent="-228600" algn="l" defTabSz="914400" rtl="0" eaLnBrk="1" latinLnBrk="0" hangingPunct="1">
+              <a:lnSpc>
+                <a:spcPct val="90000"/>
+              </a:lnSpc>
+              <a:spcBef>
+                <a:spcPts val="500"/>
+              </a:spcBef>
+              <a:buFont typeface="Arial" panose="020B0604020202020204" pitchFamily="34" charset="0"/>
+              <a:buChar char="•"/>
+              <a:defRPr sz="1800" kern="1200">
+                <a:solidFill>
+                  <a:schemeClr val="tx1"/>
+                </a:solidFill>
+                <a:latin typeface="+mn-lt"/>
+                <a:ea typeface="+mn-ea"/>
+                <a:cs typeface="+mn-cs"/>
+              </a:defRPr>
+            </a:lvl4pPr>
+            <a:lvl5pPr marL="2057400" indent="-228600" algn="l" defTabSz="914400" rtl="0" eaLnBrk="1" latinLnBrk="0" hangingPunct="1">
+              <a:lnSpc>
+                <a:spcPct val="90000"/>
+              </a:lnSpc>
+              <a:spcBef>
+                <a:spcPts val="500"/>
+              </a:spcBef>
+              <a:buFont typeface="Arial" panose="020B0604020202020204" pitchFamily="34" charset="0"/>
+              <a:buChar char="•"/>
+              <a:defRPr sz="1800" kern="1200">
+                <a:solidFill>
+                  <a:schemeClr val="tx1"/>
+                </a:solidFill>
+                <a:latin typeface="+mn-lt"/>
+                <a:ea typeface="+mn-ea"/>
+                <a:cs typeface="+mn-cs"/>
+              </a:defRPr>
+            </a:lvl5pPr>
+            <a:lvl6pPr marL="2514600" indent="-228600" algn="l" defTabSz="914400" rtl="0" eaLnBrk="1" latinLnBrk="0" hangingPunct="1">
+              <a:lnSpc>
+                <a:spcPct val="90000"/>
+              </a:lnSpc>
+              <a:spcBef>
+                <a:spcPts val="500"/>
+              </a:spcBef>
+              <a:buFont typeface="Arial" panose="020B0604020202020204" pitchFamily="34" charset="0"/>
+              <a:buChar char="•"/>
+              <a:defRPr sz="1800" kern="1200">
+                <a:solidFill>
+                  <a:schemeClr val="tx1"/>
+                </a:solidFill>
+                <a:latin typeface="+mn-lt"/>
+                <a:ea typeface="+mn-ea"/>
+                <a:cs typeface="+mn-cs"/>
+              </a:defRPr>
+            </a:lvl6pPr>
+            <a:lvl7pPr marL="2971800" indent="-228600" algn="l" defTabSz="914400" rtl="0" eaLnBrk="1" latinLnBrk="0" hangingPunct="1">
+              <a:lnSpc>
+                <a:spcPct val="90000"/>
+              </a:lnSpc>
+              <a:spcBef>
+                <a:spcPts val="500"/>
+              </a:spcBef>
+              <a:buFont typeface="Arial" panose="020B0604020202020204" pitchFamily="34" charset="0"/>
+              <a:buChar char="•"/>
+              <a:defRPr sz="1800" kern="1200">
+                <a:solidFill>
+                  <a:schemeClr val="tx1"/>
+                </a:solidFill>
+                <a:latin typeface="+mn-lt"/>
+                <a:ea typeface="+mn-ea"/>
+                <a:cs typeface="+mn-cs"/>
+              </a:defRPr>
+            </a:lvl7pPr>
+            <a:lvl8pPr marL="3429000" indent="-228600" algn="l" defTabSz="914400" rtl="0" eaLnBrk="1" latinLnBrk="0" hangingPunct="1">
+              <a:lnSpc>
+                <a:spcPct val="90000"/>
+              </a:lnSpc>
+              <a:spcBef>
+                <a:spcPts val="500"/>
+              </a:spcBef>
+              <a:buFont typeface="Arial" panose="020B0604020202020204" pitchFamily="34" charset="0"/>
+              <a:buChar char="•"/>
+              <a:defRPr sz="1800" kern="1200">
+                <a:solidFill>
+                  <a:schemeClr val="tx1"/>
+                </a:solidFill>
+                <a:latin typeface="+mn-lt"/>
+                <a:ea typeface="+mn-ea"/>
+                <a:cs typeface="+mn-cs"/>
+              </a:defRPr>
+            </a:lvl8pPr>
+            <a:lvl9pPr marL="3886200" indent="-228600" algn="l" defTabSz="914400" rtl="0" eaLnBrk="1" latinLnBrk="0" hangingPunct="1">
+              <a:lnSpc>
+                <a:spcPct val="90000"/>
+              </a:lnSpc>
+              <a:spcBef>
+                <a:spcPts val="500"/>
+              </a:spcBef>
+              <a:buFont typeface="Arial" panose="020B0604020202020204" pitchFamily="34" charset="0"/>
+              <a:buChar char="•"/>
+              <a:defRPr sz="1800" kern="1200">
+                <a:solidFill>
+                  <a:schemeClr val="tx1"/>
+                </a:solidFill>
+                <a:latin typeface="+mn-lt"/>
+                <a:ea typeface="+mn-ea"/>
+                <a:cs typeface="+mn-cs"/>
+              </a:defRPr>
+            </a:lvl9pPr>
+          </a:lstStyle>
+          <a:p>
+            <a:pPr marL="0" indent="0">
+              <a:buNone/>
+            </a:pPr>
+            <a:r>
+              <a:rPr lang="en-US" sz="2400" dirty="0" smtClean="0">
+                <a:latin typeface="Times New Roman" panose="02020603050405020304" pitchFamily="18" charset="0"/>
+                <a:cs typeface="Times New Roman" panose="02020603050405020304" pitchFamily="18" charset="0"/>
+              </a:rPr>
+              <a:t>Farmers</a:t>
+            </a:r>
+            <a:endParaRPr lang="en-US" sz="2400" dirty="0"/>
+          </a:p>
+        </p:txBody>
+      </p:sp>
+      <p:cxnSp>
+        <p:nvCxnSpPr>
+          <p:cNvPr id="25" name="Straight Arrow Connector 24"/>
+          <p:cNvCxnSpPr/>
+          <p:nvPr/>
+        </p:nvCxnSpPr>
+        <p:spPr>
+          <a:xfrm flipH="1">
+            <a:off x="6289662" y="698364"/>
+            <a:ext cx="188634" cy="366161"/>
+          </a:xfrm>
+          <a:prstGeom prst="straightConnector1">
+            <a:avLst/>
+          </a:prstGeom>
+          <a:ln w="38100">
+            <a:solidFill>
+              <a:schemeClr val="bg2">
+                <a:lumMod val="75000"/>
+              </a:schemeClr>
+            </a:solidFill>
+            <a:tailEnd type="triangle"/>
+          </a:ln>
+        </p:spPr>
+        <p:style>
+          <a:lnRef idx="1">
+            <a:schemeClr val="accent1"/>
+          </a:lnRef>
+          <a:fillRef idx="0">
+            <a:schemeClr val="accent1"/>
+          </a:fillRef>
+          <a:effectRef idx="0">
+            <a:schemeClr val="accent1"/>
+          </a:effectRef>
+          <a:fontRef idx="minor">
+            <a:schemeClr val="tx1"/>
+          </a:fontRef>
+        </p:style>
+      </p:cxnSp>
+      <p:sp>
+        <p:nvSpPr>
+          <p:cNvPr id="29" name="Subtitle 2"/>
+          <p:cNvSpPr txBox="1">
+            <a:spLocks/>
+          </p:cNvSpPr>
+          <p:nvPr/>
+        </p:nvSpPr>
+        <p:spPr>
+          <a:xfrm>
+            <a:off x="4155744" y="6051619"/>
+            <a:ext cx="1856372" cy="455034"/>
+          </a:xfrm>
+          <a:prstGeom prst="rect">
+            <a:avLst/>
+          </a:prstGeom>
+          <a:solidFill>
+            <a:srgbClr val="9900FF"/>
+          </a:solidFill>
+          <a:ln w="38100">
+            <a:solidFill>
+              <a:srgbClr val="9900FF"/>
+            </a:solidFill>
+          </a:ln>
+        </p:spPr>
+        <p:txBody>
+          <a:bodyPr vert="horz" lIns="91440" tIns="45720" rIns="91440" bIns="45720" rtlCol="0">
+            <a:noAutofit/>
+          </a:bodyPr>
+          <a:lstStyle>
+            <a:lvl1pPr marL="228600" indent="-228600" algn="l" defTabSz="914400" rtl="0" eaLnBrk="1" latinLnBrk="0" hangingPunct="1">
+              <a:lnSpc>
+                <a:spcPct val="90000"/>
+              </a:lnSpc>
+              <a:spcBef>
+                <a:spcPts val="1000"/>
+              </a:spcBef>
+              <a:buFont typeface="Arial" panose="020B0604020202020204" pitchFamily="34" charset="0"/>
+              <a:buChar char="•"/>
+              <a:defRPr sz="2800" kern="1200">
+                <a:solidFill>
+                  <a:schemeClr val="tx1"/>
+                </a:solidFill>
+                <a:latin typeface="+mn-lt"/>
+                <a:ea typeface="+mn-ea"/>
+                <a:cs typeface="+mn-cs"/>
+              </a:defRPr>
+            </a:lvl1pPr>
+            <a:lvl2pPr marL="685800" indent="-228600" algn="l" defTabSz="914400" rtl="0" eaLnBrk="1" latinLnBrk="0" hangingPunct="1">
+              <a:lnSpc>
+                <a:spcPct val="90000"/>
+              </a:lnSpc>
+              <a:spcBef>
+                <a:spcPts val="500"/>
+              </a:spcBef>
+              <a:buFont typeface="Arial" panose="020B0604020202020204" pitchFamily="34" charset="0"/>
+              <a:buChar char="•"/>
+              <a:defRPr sz="2400" kern="1200">
+                <a:solidFill>
+                  <a:schemeClr val="tx1"/>
+                </a:solidFill>
+                <a:latin typeface="+mn-lt"/>
+                <a:ea typeface="+mn-ea"/>
+                <a:cs typeface="+mn-cs"/>
+              </a:defRPr>
+            </a:lvl2pPr>
+            <a:lvl3pPr marL="1143000" indent="-228600" algn="l" defTabSz="914400" rtl="0" eaLnBrk="1" latinLnBrk="0" hangingPunct="1">
+              <a:lnSpc>
+                <a:spcPct val="90000"/>
+              </a:lnSpc>
+              <a:spcBef>
+                <a:spcPts val="500"/>
+              </a:spcBef>
+              <a:buFont typeface="Arial" panose="020B0604020202020204" pitchFamily="34" charset="0"/>
+              <a:buChar char="•"/>
+              <a:defRPr sz="2000" kern="1200">
+                <a:solidFill>
+                  <a:schemeClr val="tx1"/>
+                </a:solidFill>
+                <a:latin typeface="+mn-lt"/>
+                <a:ea typeface="+mn-ea"/>
+                <a:cs typeface="+mn-cs"/>
+              </a:defRPr>
+            </a:lvl3pPr>
+            <a:lvl4pPr marL="1600200" indent="-228600" algn="l" defTabSz="914400" rtl="0" eaLnBrk="1" latinLnBrk="0" hangingPunct="1">
+              <a:lnSpc>
+                <a:spcPct val="90000"/>
+              </a:lnSpc>
+              <a:spcBef>
+                <a:spcPts val="500"/>
+              </a:spcBef>
+              <a:buFont typeface="Arial" panose="020B0604020202020204" pitchFamily="34" charset="0"/>
+              <a:buChar char="•"/>
+              <a:defRPr sz="1800" kern="1200">
+                <a:solidFill>
+                  <a:schemeClr val="tx1"/>
+                </a:solidFill>
+                <a:latin typeface="+mn-lt"/>
+                <a:ea typeface="+mn-ea"/>
+                <a:cs typeface="+mn-cs"/>
+              </a:defRPr>
+            </a:lvl4pPr>
+            <a:lvl5pPr marL="2057400" indent="-228600" algn="l" defTabSz="914400" rtl="0" eaLnBrk="1" latinLnBrk="0" hangingPunct="1">
+              <a:lnSpc>
+                <a:spcPct val="90000"/>
+              </a:lnSpc>
+              <a:spcBef>
+                <a:spcPts val="500"/>
+              </a:spcBef>
+              <a:buFont typeface="Arial" panose="020B0604020202020204" pitchFamily="34" charset="0"/>
+              <a:buChar char="•"/>
+              <a:defRPr sz="1800" kern="1200">
+                <a:solidFill>
+                  <a:schemeClr val="tx1"/>
+                </a:solidFill>
+                <a:latin typeface="+mn-lt"/>
+                <a:ea typeface="+mn-ea"/>
+                <a:cs typeface="+mn-cs"/>
+              </a:defRPr>
+            </a:lvl5pPr>
+            <a:lvl6pPr marL="2514600" indent="-228600" algn="l" defTabSz="914400" rtl="0" eaLnBrk="1" latinLnBrk="0" hangingPunct="1">
+              <a:lnSpc>
+                <a:spcPct val="90000"/>
+              </a:lnSpc>
+              <a:spcBef>
+                <a:spcPts val="500"/>
+              </a:spcBef>
+              <a:buFont typeface="Arial" panose="020B0604020202020204" pitchFamily="34" charset="0"/>
+              <a:buChar char="•"/>
+              <a:defRPr sz="1800" kern="1200">
+                <a:solidFill>
+                  <a:schemeClr val="tx1"/>
+                </a:solidFill>
+                <a:latin typeface="+mn-lt"/>
+                <a:ea typeface="+mn-ea"/>
+                <a:cs typeface="+mn-cs"/>
+              </a:defRPr>
+            </a:lvl6pPr>
+            <a:lvl7pPr marL="2971800" indent="-228600" algn="l" defTabSz="914400" rtl="0" eaLnBrk="1" latinLnBrk="0" hangingPunct="1">
+              <a:lnSpc>
+                <a:spcPct val="90000"/>
+              </a:lnSpc>
+              <a:spcBef>
+                <a:spcPts val="500"/>
+              </a:spcBef>
+              <a:buFont typeface="Arial" panose="020B0604020202020204" pitchFamily="34" charset="0"/>
+              <a:buChar char="•"/>
+              <a:defRPr sz="1800" kern="1200">
+                <a:solidFill>
+                  <a:schemeClr val="tx1"/>
+                </a:solidFill>
+                <a:latin typeface="+mn-lt"/>
+                <a:ea typeface="+mn-ea"/>
+                <a:cs typeface="+mn-cs"/>
+              </a:defRPr>
+            </a:lvl7pPr>
+            <a:lvl8pPr marL="3429000" indent="-228600" algn="l" defTabSz="914400" rtl="0" eaLnBrk="1" latinLnBrk="0" hangingPunct="1">
+              <a:lnSpc>
+                <a:spcPct val="90000"/>
+              </a:lnSpc>
+              <a:spcBef>
+                <a:spcPts val="500"/>
+              </a:spcBef>
+              <a:buFont typeface="Arial" panose="020B0604020202020204" pitchFamily="34" charset="0"/>
+              <a:buChar char="•"/>
+              <a:defRPr sz="1800" kern="1200">
+                <a:solidFill>
+                  <a:schemeClr val="tx1"/>
+                </a:solidFill>
+                <a:latin typeface="+mn-lt"/>
+                <a:ea typeface="+mn-ea"/>
+                <a:cs typeface="+mn-cs"/>
+              </a:defRPr>
+            </a:lvl8pPr>
+            <a:lvl9pPr marL="3886200" indent="-228600" algn="l" defTabSz="914400" rtl="0" eaLnBrk="1" latinLnBrk="0" hangingPunct="1">
+              <a:lnSpc>
+                <a:spcPct val="90000"/>
+              </a:lnSpc>
+              <a:spcBef>
+                <a:spcPts val="500"/>
+              </a:spcBef>
+              <a:buFont typeface="Arial" panose="020B0604020202020204" pitchFamily="34" charset="0"/>
+              <a:buChar char="•"/>
+              <a:defRPr sz="1800" kern="1200">
+                <a:solidFill>
+                  <a:schemeClr val="tx1"/>
+                </a:solidFill>
+                <a:latin typeface="+mn-lt"/>
+                <a:ea typeface="+mn-ea"/>
+                <a:cs typeface="+mn-cs"/>
+              </a:defRPr>
+            </a:lvl9pPr>
+          </a:lstStyle>
+          <a:p>
+            <a:pPr marL="0" indent="0">
+              <a:buNone/>
+            </a:pPr>
+            <a:r>
+              <a:rPr lang="en-US" sz="2400" dirty="0" smtClean="0">
+                <a:latin typeface="Times New Roman" panose="02020603050405020304" pitchFamily="18" charset="0"/>
+                <a:cs typeface="Times New Roman" panose="02020603050405020304" pitchFamily="18" charset="0"/>
+              </a:rPr>
+              <a:t>Environment</a:t>
+            </a:r>
+            <a:endParaRPr lang="en-US" sz="2400" dirty="0"/>
+          </a:p>
+        </p:txBody>
+      </p:sp>
+      <p:cxnSp>
+        <p:nvCxnSpPr>
+          <p:cNvPr id="30" name="Straight Arrow Connector 29"/>
+          <p:cNvCxnSpPr>
+            <a:stCxn id="29" idx="0"/>
+          </p:cNvCxnSpPr>
+          <p:nvPr/>
+        </p:nvCxnSpPr>
+        <p:spPr>
+          <a:xfrm flipV="1">
+            <a:off x="5083930" y="5406806"/>
+            <a:ext cx="928186" cy="644813"/>
+          </a:xfrm>
+          <a:prstGeom prst="straightConnector1">
+            <a:avLst/>
+          </a:prstGeom>
+          <a:ln w="38100">
+            <a:solidFill>
+              <a:srgbClr val="9900FF"/>
+            </a:solidFill>
+            <a:tailEnd type="triangle"/>
+          </a:ln>
+        </p:spPr>
+        <p:style>
+          <a:lnRef idx="1">
+            <a:schemeClr val="accent1"/>
+          </a:lnRef>
+          <a:fillRef idx="0">
+            <a:schemeClr val="accent1"/>
+          </a:fillRef>
+          <a:effectRef idx="0">
+            <a:schemeClr val="accent1"/>
+          </a:effectRef>
+          <a:fontRef idx="minor">
+            <a:schemeClr val="tx1"/>
+          </a:fontRef>
+        </p:style>
+      </p:cxnSp>
     </p:spTree>
     <p:extLst>
       <p:ext uri="{BB962C8B-B14F-4D97-AF65-F5344CB8AC3E}">
         <p14:creationId xmlns:p14="http://schemas.microsoft.com/office/powerpoint/2010/main" val="4078791737"/>
+      </p:ext>
+    </p:extLst>
+  </p:cSld>
+  <p:clrMapOvr>
+    <a:masterClrMapping/>
+  </p:clrMapOvr>
+</p:sld>
+</file>
+
+<file path=ppt/slides/slide12.xml><?xml version="1.0" encoding="utf-8"?>
+<p:sld xmlns:a="http://schemas.openxmlformats.org/drawingml/2006/main" xmlns:r="http://schemas.openxmlformats.org/officeDocument/2006/relationships" xmlns:p="http://schemas.openxmlformats.org/presentationml/2006/main">
+  <p:cSld>
+    <p:spTree>
+      <p:nvGrpSpPr>
+        <p:cNvPr id="1" name=""/>
+        <p:cNvGrpSpPr/>
+        <p:nvPr/>
+      </p:nvGrpSpPr>
+      <p:grpSpPr>
+        <a:xfrm>
+          <a:off x="0" y="0"/>
+          <a:ext cx="0" cy="0"/>
+          <a:chOff x="0" y="0"/>
+          <a:chExt cx="0" cy="0"/>
+        </a:xfrm>
+      </p:grpSpPr>
+      <p:pic>
+        <p:nvPicPr>
+          <p:cNvPr id="4" name="Picture 3"/>
+          <p:cNvPicPr>
+            <a:picLocks noChangeAspect="1"/>
+          </p:cNvPicPr>
+          <p:nvPr/>
+        </p:nvPicPr>
+        <p:blipFill>
+          <a:blip r:embed="rId2">
+            <a:extLst>
+              <a:ext uri="{28A0092B-C50C-407E-A947-70E740481C1C}">
+                <a14:useLocalDpi xmlns:a14="http://schemas.microsoft.com/office/drawing/2010/main" val="0"/>
+              </a:ext>
+            </a:extLst>
+          </a:blip>
+          <a:stretch>
+            <a:fillRect/>
+          </a:stretch>
+        </p:blipFill>
+        <p:spPr>
+          <a:xfrm>
+            <a:off x="337892" y="1924335"/>
+            <a:ext cx="5606845" cy="3607345"/>
+          </a:xfrm>
+          <a:prstGeom prst="rect">
+            <a:avLst/>
+          </a:prstGeom>
+        </p:spPr>
+      </p:pic>
+      <p:sp>
+        <p:nvSpPr>
+          <p:cNvPr id="5" name="TextBox 4"/>
+          <p:cNvSpPr txBox="1"/>
+          <p:nvPr/>
+        </p:nvSpPr>
+        <p:spPr>
+          <a:xfrm>
+            <a:off x="3439236" y="1282890"/>
+            <a:ext cx="850939" cy="369332"/>
+          </a:xfrm>
+          <a:prstGeom prst="rect">
+            <a:avLst/>
+          </a:prstGeom>
+          <a:noFill/>
+        </p:spPr>
+        <p:txBody>
+          <a:bodyPr wrap="none" rtlCol="0">
+            <a:spAutoFit/>
+          </a:bodyPr>
+          <a:lstStyle/>
+          <a:p>
+            <a:r>
+              <a:rPr lang="en-US" dirty="0" err="1" smtClean="0"/>
+              <a:t>mexico</a:t>
+            </a:r>
+            <a:endParaRPr lang="en-US" dirty="0"/>
+          </a:p>
+        </p:txBody>
+      </p:sp>
+      <p:sp>
+        <p:nvSpPr>
+          <p:cNvPr id="6" name="Rectangle 5"/>
+          <p:cNvSpPr/>
+          <p:nvPr/>
+        </p:nvSpPr>
+        <p:spPr>
+          <a:xfrm>
+            <a:off x="6678305" y="1561362"/>
+            <a:ext cx="3980597" cy="3970318"/>
+          </a:xfrm>
+          <a:prstGeom prst="rect">
+            <a:avLst/>
+          </a:prstGeom>
+        </p:spPr>
+        <p:txBody>
+          <a:bodyPr wrap="square">
+            <a:spAutoFit/>
+          </a:bodyPr>
+          <a:lstStyle/>
+          <a:p>
+            <a:r>
+              <a:rPr lang="en-US" dirty="0"/>
+              <a:t>Mexico</a:t>
+            </a:r>
+          </a:p>
+          <a:p>
+            <a:r>
+              <a:rPr lang="en-US" dirty="0"/>
+              <a:t>water 127  26.1\%</a:t>
+            </a:r>
+          </a:p>
+          <a:p>
+            <a:r>
+              <a:rPr lang="en-US" dirty="0"/>
+              <a:t>storm 66 13.6\%</a:t>
+            </a:r>
+          </a:p>
+          <a:p>
+            <a:r>
+              <a:rPr lang="en-US" dirty="0"/>
+              <a:t>construction 51 10.5\%</a:t>
+            </a:r>
+          </a:p>
+          <a:p>
+            <a:r>
+              <a:rPr lang="en-US" dirty="0"/>
+              <a:t>land 46 9.4\%</a:t>
+            </a:r>
+          </a:p>
+          <a:p>
+            <a:r>
+              <a:rPr lang="en-US" dirty="0"/>
+              <a:t>power 25 5.1\%</a:t>
+            </a:r>
+          </a:p>
+          <a:p>
+            <a:r>
+              <a:rPr lang="en-US" dirty="0"/>
+              <a:t>gas 20 4.1\%</a:t>
+            </a:r>
+          </a:p>
+          <a:p>
+            <a:r>
+              <a:rPr lang="en-US" dirty="0"/>
+              <a:t>mine 26 5.3\%</a:t>
+            </a:r>
+          </a:p>
+          <a:p>
+            <a:r>
+              <a:rPr lang="en-US" dirty="0"/>
+              <a:t>homes 15 3.1\%</a:t>
+            </a:r>
+          </a:p>
+          <a:p>
+            <a:r>
+              <a:rPr lang="en-US" dirty="0"/>
+              <a:t>farmers 22 4.5\%</a:t>
+            </a:r>
+          </a:p>
+          <a:p>
+            <a:r>
+              <a:rPr lang="en-US" dirty="0"/>
+              <a:t>environment 17 3.4\%</a:t>
+            </a:r>
+          </a:p>
+          <a:p>
+            <a:r>
+              <a:rPr lang="en-US" dirty="0"/>
+              <a:t>other 38 0.0780287474333</a:t>
+            </a:r>
+          </a:p>
+          <a:p>
+            <a:r>
+              <a:rPr lang="en-US" dirty="0"/>
+              <a:t>river 19 0.0390143737166</a:t>
+            </a:r>
+          </a:p>
+          <a:p>
+            <a:r>
+              <a:rPr lang="en-US" dirty="0"/>
+              <a:t>pollution 15 0.0308008213552</a:t>
+            </a:r>
+          </a:p>
+        </p:txBody>
+      </p:sp>
+    </p:spTree>
+    <p:extLst>
+      <p:ext uri="{BB962C8B-B14F-4D97-AF65-F5344CB8AC3E}">
+        <p14:creationId xmlns:p14="http://schemas.microsoft.com/office/powerpoint/2010/main" val="2457235410"/>
+      </p:ext>
+    </p:extLst>
+  </p:cSld>
+  <p:clrMapOvr>
+    <a:masterClrMapping/>
+  </p:clrMapOvr>
+</p:sld>
+</file>
+
+<file path=ppt/slides/slide13.xml><?xml version="1.0" encoding="utf-8"?>
+<p:sld xmlns:a="http://schemas.openxmlformats.org/drawingml/2006/main" xmlns:r="http://schemas.openxmlformats.org/officeDocument/2006/relationships" xmlns:p="http://schemas.openxmlformats.org/presentationml/2006/main">
+  <p:cSld>
+    <p:spTree>
+      <p:nvGrpSpPr>
+        <p:cNvPr id="1" name=""/>
+        <p:cNvGrpSpPr/>
+        <p:nvPr/>
+      </p:nvGrpSpPr>
+      <p:grpSpPr>
+        <a:xfrm>
+          <a:off x="0" y="0"/>
+          <a:ext cx="0" cy="0"/>
+          <a:chOff x="0" y="0"/>
+          <a:chExt cx="0" cy="0"/>
+        </a:xfrm>
+      </p:grpSpPr>
+      <p:sp>
+        <p:nvSpPr>
+          <p:cNvPr id="5" name="TextBox 4"/>
+          <p:cNvSpPr txBox="1"/>
+          <p:nvPr/>
+        </p:nvSpPr>
+        <p:spPr>
+          <a:xfrm>
+            <a:off x="3439236" y="1282890"/>
+            <a:ext cx="692882" cy="369332"/>
+          </a:xfrm>
+          <a:prstGeom prst="rect">
+            <a:avLst/>
+          </a:prstGeom>
+          <a:noFill/>
+        </p:spPr>
+        <p:txBody>
+          <a:bodyPr wrap="none" rtlCol="0">
+            <a:spAutoFit/>
+          </a:bodyPr>
+          <a:lstStyle/>
+          <a:p>
+            <a:r>
+              <a:rPr lang="en-US" dirty="0" smtClean="0"/>
+              <a:t>Brazil</a:t>
+            </a:r>
+            <a:endParaRPr lang="en-US" dirty="0"/>
+          </a:p>
+        </p:txBody>
+      </p:sp>
+      <p:pic>
+        <p:nvPicPr>
+          <p:cNvPr id="2" name="Picture 1"/>
+          <p:cNvPicPr>
+            <a:picLocks noChangeAspect="1"/>
+          </p:cNvPicPr>
+          <p:nvPr/>
+        </p:nvPicPr>
+        <p:blipFill>
+          <a:blip r:embed="rId2">
+            <a:extLst>
+              <a:ext uri="{28A0092B-C50C-407E-A947-70E740481C1C}">
+                <a14:useLocalDpi xmlns:a14="http://schemas.microsoft.com/office/drawing/2010/main" val="0"/>
+              </a:ext>
+            </a:extLst>
+          </a:blip>
+          <a:stretch>
+            <a:fillRect/>
+          </a:stretch>
+        </p:blipFill>
+        <p:spPr>
+          <a:xfrm>
+            <a:off x="559629" y="1881472"/>
+            <a:ext cx="6007688" cy="3318326"/>
+          </a:xfrm>
+          <a:prstGeom prst="rect">
+            <a:avLst/>
+          </a:prstGeom>
+        </p:spPr>
+      </p:pic>
+      <p:sp>
+        <p:nvSpPr>
+          <p:cNvPr id="3" name="Rectangle 2"/>
+          <p:cNvSpPr/>
+          <p:nvPr/>
+        </p:nvSpPr>
+        <p:spPr>
+          <a:xfrm>
+            <a:off x="6869373" y="1702434"/>
+            <a:ext cx="4130723" cy="3416320"/>
+          </a:xfrm>
+          <a:prstGeom prst="rect">
+            <a:avLst/>
+          </a:prstGeom>
+        </p:spPr>
+        <p:txBody>
+          <a:bodyPr wrap="square">
+            <a:spAutoFit/>
+          </a:bodyPr>
+          <a:lstStyle/>
+          <a:p>
+            <a:r>
+              <a:rPr lang="en-US" dirty="0">
+                <a:solidFill>
+                  <a:srgbClr val="222222"/>
+                </a:solidFill>
+                <a:latin typeface="arial" panose="020B0604020202020204" pitchFamily="34" charset="0"/>
+              </a:rPr>
+              <a:t>Brazil</a:t>
+            </a:r>
+          </a:p>
+          <a:p>
+            <a:r>
+              <a:rPr lang="en-US" dirty="0">
+                <a:solidFill>
+                  <a:srgbClr val="222222"/>
+                </a:solidFill>
+                <a:latin typeface="arial" panose="020B0604020202020204" pitchFamily="34" charset="0"/>
+              </a:rPr>
+              <a:t>land 30 26.1\%</a:t>
+            </a:r>
+          </a:p>
+          <a:p>
+            <a:r>
+              <a:rPr lang="en-US" dirty="0">
+                <a:solidFill>
+                  <a:srgbClr val="222222"/>
+                </a:solidFill>
+                <a:latin typeface="arial" panose="020B0604020202020204" pitchFamily="34" charset="0"/>
+              </a:rPr>
+              <a:t>water 24   20.9\%</a:t>
+            </a:r>
+          </a:p>
+          <a:p>
+            <a:r>
+              <a:rPr lang="en-US" dirty="0">
+                <a:solidFill>
+                  <a:srgbClr val="222222"/>
+                </a:solidFill>
+                <a:latin typeface="arial" panose="020B0604020202020204" pitchFamily="34" charset="0"/>
+              </a:rPr>
+              <a:t>construction 16  13.9\%</a:t>
+            </a:r>
+          </a:p>
+          <a:p>
+            <a:r>
+              <a:rPr lang="en-US" dirty="0">
+                <a:solidFill>
+                  <a:srgbClr val="222222"/>
+                </a:solidFill>
+                <a:latin typeface="arial" panose="020B0604020202020204" pitchFamily="34" charset="0"/>
+              </a:rPr>
+              <a:t>amazon 13 11.3\%</a:t>
+            </a:r>
+          </a:p>
+          <a:p>
+            <a:r>
+              <a:rPr lang="en-US" dirty="0">
+                <a:solidFill>
+                  <a:srgbClr val="222222"/>
+                </a:solidFill>
+                <a:latin typeface="arial" panose="020B0604020202020204" pitchFamily="34" charset="0"/>
+              </a:rPr>
+              <a:t>power 13 11.3\%</a:t>
+            </a:r>
+          </a:p>
+          <a:p>
+            <a:r>
+              <a:rPr lang="en-US" dirty="0">
+                <a:solidFill>
+                  <a:srgbClr val="222222"/>
+                </a:solidFill>
+                <a:latin typeface="arial" panose="020B0604020202020204" pitchFamily="34" charset="0"/>
+              </a:rPr>
+              <a:t>farmers 12 10.4\%</a:t>
+            </a:r>
+          </a:p>
+          <a:p>
+            <a:r>
+              <a:rPr lang="en-US" dirty="0">
+                <a:solidFill>
+                  <a:srgbClr val="222222"/>
+                </a:solidFill>
+                <a:latin typeface="arial" panose="020B0604020202020204" pitchFamily="34" charset="0"/>
+              </a:rPr>
+              <a:t/>
+            </a:r>
+            <a:br>
+              <a:rPr lang="en-US" dirty="0">
+                <a:solidFill>
+                  <a:srgbClr val="222222"/>
+                </a:solidFill>
+                <a:latin typeface="arial" panose="020B0604020202020204" pitchFamily="34" charset="0"/>
+              </a:rPr>
+            </a:br>
+            <a:endParaRPr lang="en-US" dirty="0">
+              <a:solidFill>
+                <a:srgbClr val="222222"/>
+              </a:solidFill>
+              <a:latin typeface="arial" panose="020B0604020202020204" pitchFamily="34" charset="0"/>
+            </a:endParaRPr>
+          </a:p>
+          <a:p>
+            <a:r>
+              <a:rPr lang="en-US" dirty="0">
+                <a:solidFill>
+                  <a:srgbClr val="222222"/>
+                </a:solidFill>
+                <a:latin typeface="arial" panose="020B0604020202020204" pitchFamily="34" charset="0"/>
+              </a:rPr>
+              <a:t>other 21 18.3\%</a:t>
+            </a:r>
+          </a:p>
+          <a:p>
+            <a:r>
+              <a:rPr lang="en-US" dirty="0">
+                <a:solidFill>
+                  <a:srgbClr val="222222"/>
+                </a:solidFill>
+                <a:latin typeface="arial" panose="020B0604020202020204" pitchFamily="34" charset="0"/>
+              </a:rPr>
+              <a:t>environmental 9 7.8\%</a:t>
+            </a:r>
+          </a:p>
+          <a:p>
+            <a:r>
+              <a:rPr lang="en-US" dirty="0">
+                <a:solidFill>
+                  <a:srgbClr val="222222"/>
+                </a:solidFill>
+                <a:latin typeface="arial" panose="020B0604020202020204" pitchFamily="34" charset="0"/>
+              </a:rPr>
+              <a:t>mining 7 6.1\%</a:t>
+            </a:r>
+            <a:endParaRPr lang="en-US" b="0" i="0" dirty="0">
+              <a:solidFill>
+                <a:srgbClr val="222222"/>
+              </a:solidFill>
+              <a:effectLst/>
+              <a:latin typeface="arial" panose="020B0604020202020204" pitchFamily="34" charset="0"/>
+            </a:endParaRPr>
+          </a:p>
+        </p:txBody>
+      </p:sp>
+    </p:spTree>
+    <p:extLst>
+      <p:ext uri="{BB962C8B-B14F-4D97-AF65-F5344CB8AC3E}">
+        <p14:creationId xmlns:p14="http://schemas.microsoft.com/office/powerpoint/2010/main" val="1788307453"/>
       </p:ext>
     </p:extLst>
   </p:cSld>

--- a/figures/source-code-plot/timeseries-frame.pptx
+++ b/figures/source-code-plot/timeseries-frame.pptx
@@ -386,11 +386,11 @@
           <c:showBubbleSize val="0"/>
         </c:dLbls>
         <c:smooth val="0"/>
-        <c:axId val="117582800"/>
-        <c:axId val="117583360"/>
+        <c:axId val="95952208"/>
+        <c:axId val="95952768"/>
       </c:lineChart>
       <c:catAx>
-        <c:axId val="117582800"/>
+        <c:axId val="95952208"/>
         <c:scaling>
           <c:orientation val="minMax"/>
         </c:scaling>
@@ -430,7 +430,7 @@
             <a:endParaRPr lang="en-US"/>
           </a:p>
         </c:txPr>
-        <c:crossAx val="117583360"/>
+        <c:crossAx val="95952768"/>
         <c:crosses val="autoZero"/>
         <c:auto val="1"/>
         <c:lblAlgn val="ctr"/>
@@ -438,7 +438,7 @@
         <c:noMultiLvlLbl val="0"/>
       </c:catAx>
       <c:valAx>
-        <c:axId val="117583360"/>
+        <c:axId val="95952768"/>
         <c:scaling>
           <c:orientation val="minMax"/>
         </c:scaling>
@@ -486,7 +486,7 @@
             <a:endParaRPr lang="en-US"/>
           </a:p>
         </c:txPr>
-        <c:crossAx val="117582800"/>
+        <c:crossAx val="95952208"/>
         <c:crosses val="autoZero"/>
         <c:crossBetween val="between"/>
       </c:valAx>
@@ -798,11 +798,11 @@
         </c:dLbls>
         <c:marker val="1"/>
         <c:smooth val="0"/>
-        <c:axId val="169456960"/>
-        <c:axId val="169457520"/>
+        <c:axId val="113127776"/>
+        <c:axId val="113128336"/>
       </c:lineChart>
       <c:catAx>
-        <c:axId val="169456960"/>
+        <c:axId val="113127776"/>
         <c:scaling>
           <c:orientation val="minMax"/>
         </c:scaling>
@@ -834,15 +834,15 @@
                 <a:solidFill>
                   <a:schemeClr val="tx1"/>
                 </a:solidFill>
-                <a:latin typeface="+mn-lt"/>
-                <a:ea typeface="+mn-ea"/>
-                <a:cs typeface="+mn-cs"/>
+                <a:latin typeface="Times New Roman" panose="02020603050405020304" pitchFamily="18" charset="0"/>
+                <a:ea typeface="+mn-ea"/>
+                <a:cs typeface="Times New Roman" panose="02020603050405020304" pitchFamily="18" charset="0"/>
               </a:defRPr>
             </a:pPr>
             <a:endParaRPr lang="en-US"/>
           </a:p>
         </c:txPr>
-        <c:crossAx val="169457520"/>
+        <c:crossAx val="113128336"/>
         <c:crosses val="autoZero"/>
         <c:auto val="1"/>
         <c:lblAlgn val="ctr"/>
@@ -852,7 +852,7 @@
         <c:noMultiLvlLbl val="0"/>
       </c:catAx>
       <c:valAx>
-        <c:axId val="169457520"/>
+        <c:axId val="113128336"/>
         <c:scaling>
           <c:orientation val="minMax"/>
         </c:scaling>
@@ -898,15 +898,15 @@
                 <a:solidFill>
                   <a:schemeClr val="tx1"/>
                 </a:solidFill>
-                <a:latin typeface="+mn-lt"/>
-                <a:ea typeface="+mn-ea"/>
-                <a:cs typeface="+mn-cs"/>
+                <a:latin typeface="Times New Roman" panose="02020603050405020304" pitchFamily="18" charset="0"/>
+                <a:ea typeface="+mn-ea"/>
+                <a:cs typeface="Times New Roman" panose="02020603050405020304" pitchFamily="18" charset="0"/>
               </a:defRPr>
             </a:pPr>
             <a:endParaRPr lang="en-US"/>
           </a:p>
         </c:txPr>
-        <c:crossAx val="169456960"/>
+        <c:crossAx val="113127776"/>
         <c:crossesAt val="1"/>
         <c:crossBetween val="between"/>
       </c:valAx>
@@ -1215,11 +1215,11 @@
         </c:dLbls>
         <c:marker val="1"/>
         <c:smooth val="0"/>
-        <c:axId val="169737440"/>
-        <c:axId val="169738000"/>
+        <c:axId val="113337952"/>
+        <c:axId val="113338512"/>
       </c:lineChart>
       <c:catAx>
-        <c:axId val="169737440"/>
+        <c:axId val="113337952"/>
         <c:scaling>
           <c:orientation val="minMax"/>
         </c:scaling>
@@ -1259,7 +1259,7 @@
             <a:endParaRPr lang="en-US"/>
           </a:p>
         </c:txPr>
-        <c:crossAx val="169738000"/>
+        <c:crossAx val="113338512"/>
         <c:crosses val="autoZero"/>
         <c:auto val="1"/>
         <c:lblAlgn val="ctr"/>
@@ -1268,7 +1268,7 @@
         <c:noMultiLvlLbl val="0"/>
       </c:catAx>
       <c:valAx>
-        <c:axId val="169738000"/>
+        <c:axId val="113338512"/>
         <c:scaling>
           <c:orientation val="minMax"/>
         </c:scaling>
@@ -1316,7 +1316,7 @@
             <a:endParaRPr lang="en-US"/>
           </a:p>
         </c:txPr>
-        <c:crossAx val="169737440"/>
+        <c:crossAx val="113337952"/>
         <c:crosses val="autoZero"/>
         <c:crossBetween val="between"/>
       </c:valAx>
@@ -3110,7 +3110,7 @@
           <a:p>
             <a:fld id="{BD95DEEB-EB1A-4DBE-9A02-CCA516C4307E}" type="datetimeFigureOut">
               <a:rPr lang="en-US" smtClean="0"/>
-              <a:t>5/1/2016</a:t>
+              <a:t>5/2/2016</a:t>
             </a:fld>
             <a:endParaRPr lang="en-US"/>
           </a:p>
@@ -3677,7 +3677,7 @@
           <a:p>
             <a:fld id="{2DD4BC02-C082-4D59-A56C-B836D2E803E4}" type="datetimeFigureOut">
               <a:rPr lang="en-US" smtClean="0"/>
-              <a:t>5/1/2016</a:t>
+              <a:t>5/2/2016</a:t>
             </a:fld>
             <a:endParaRPr lang="en-US"/>
           </a:p>
@@ -3847,7 +3847,7 @@
           <a:p>
             <a:fld id="{2DD4BC02-C082-4D59-A56C-B836D2E803E4}" type="datetimeFigureOut">
               <a:rPr lang="en-US" smtClean="0"/>
-              <a:t>5/1/2016</a:t>
+              <a:t>5/2/2016</a:t>
             </a:fld>
             <a:endParaRPr lang="en-US"/>
           </a:p>
@@ -4027,7 +4027,7 @@
           <a:p>
             <a:fld id="{2DD4BC02-C082-4D59-A56C-B836D2E803E4}" type="datetimeFigureOut">
               <a:rPr lang="en-US" smtClean="0"/>
-              <a:t>5/1/2016</a:t>
+              <a:t>5/2/2016</a:t>
             </a:fld>
             <a:endParaRPr lang="en-US"/>
           </a:p>
@@ -4197,7 +4197,7 @@
           <a:p>
             <a:fld id="{2DD4BC02-C082-4D59-A56C-B836D2E803E4}" type="datetimeFigureOut">
               <a:rPr lang="en-US" smtClean="0"/>
-              <a:t>5/1/2016</a:t>
+              <a:t>5/2/2016</a:t>
             </a:fld>
             <a:endParaRPr lang="en-US"/>
           </a:p>
@@ -4443,7 +4443,7 @@
           <a:p>
             <a:fld id="{2DD4BC02-C082-4D59-A56C-B836D2E803E4}" type="datetimeFigureOut">
               <a:rPr lang="en-US" smtClean="0"/>
-              <a:t>5/1/2016</a:t>
+              <a:t>5/2/2016</a:t>
             </a:fld>
             <a:endParaRPr lang="en-US"/>
           </a:p>
@@ -4675,7 +4675,7 @@
           <a:p>
             <a:fld id="{2DD4BC02-C082-4D59-A56C-B836D2E803E4}" type="datetimeFigureOut">
               <a:rPr lang="en-US" smtClean="0"/>
-              <a:t>5/1/2016</a:t>
+              <a:t>5/2/2016</a:t>
             </a:fld>
             <a:endParaRPr lang="en-US"/>
           </a:p>
@@ -5042,7 +5042,7 @@
           <a:p>
             <a:fld id="{2DD4BC02-C082-4D59-A56C-B836D2E803E4}" type="datetimeFigureOut">
               <a:rPr lang="en-US" smtClean="0"/>
-              <a:t>5/1/2016</a:t>
+              <a:t>5/2/2016</a:t>
             </a:fld>
             <a:endParaRPr lang="en-US"/>
           </a:p>
@@ -5160,7 +5160,7 @@
           <a:p>
             <a:fld id="{2DD4BC02-C082-4D59-A56C-B836D2E803E4}" type="datetimeFigureOut">
               <a:rPr lang="en-US" smtClean="0"/>
-              <a:t>5/1/2016</a:t>
+              <a:t>5/2/2016</a:t>
             </a:fld>
             <a:endParaRPr lang="en-US"/>
           </a:p>
@@ -5255,7 +5255,7 @@
           <a:p>
             <a:fld id="{2DD4BC02-C082-4D59-A56C-B836D2E803E4}" type="datetimeFigureOut">
               <a:rPr lang="en-US" smtClean="0"/>
-              <a:t>5/1/2016</a:t>
+              <a:t>5/2/2016</a:t>
             </a:fld>
             <a:endParaRPr lang="en-US"/>
           </a:p>
@@ -5532,7 +5532,7 @@
           <a:p>
             <a:fld id="{2DD4BC02-C082-4D59-A56C-B836D2E803E4}" type="datetimeFigureOut">
               <a:rPr lang="en-US" smtClean="0"/>
-              <a:t>5/1/2016</a:t>
+              <a:t>5/2/2016</a:t>
             </a:fld>
             <a:endParaRPr lang="en-US"/>
           </a:p>
@@ -5785,7 +5785,7 @@
           <a:p>
             <a:fld id="{2DD4BC02-C082-4D59-A56C-B836D2E803E4}" type="datetimeFigureOut">
               <a:rPr lang="en-US" smtClean="0"/>
-              <a:t>5/1/2016</a:t>
+              <a:t>5/2/2016</a:t>
             </a:fld>
             <a:endParaRPr lang="en-US"/>
           </a:p>
@@ -5998,7 +5998,7 @@
           <a:p>
             <a:fld id="{2DD4BC02-C082-4D59-A56C-B836D2E803E4}" type="datetimeFigureOut">
               <a:rPr lang="en-US" smtClean="0"/>
-              <a:t>5/1/2016</a:t>
+              <a:t>5/2/2016</a:t>
             </a:fld>
             <a:endParaRPr lang="en-US"/>
           </a:p>
@@ -13755,11 +13755,11 @@
             <a:avLst/>
           </a:prstGeom>
           <a:solidFill>
-            <a:srgbClr val="FF9999"/>
+            <a:srgbClr val="FFFF00"/>
           </a:solidFill>
           <a:ln>
             <a:solidFill>
-              <a:srgbClr val="FF9999"/>
+              <a:srgbClr val="FFFF00"/>
             </a:solidFill>
           </a:ln>
         </p:spPr>
@@ -13803,11 +13803,11 @@
             <a:avLst/>
           </a:prstGeom>
           <a:solidFill>
-            <a:srgbClr val="FF9999"/>
+            <a:srgbClr val="FFFF00"/>
           </a:solidFill>
           <a:ln>
             <a:solidFill>
-              <a:srgbClr val="FF9999"/>
+              <a:srgbClr val="FFFF00"/>
             </a:solidFill>
           </a:ln>
         </p:spPr>
@@ -13851,11 +13851,11 @@
             <a:avLst/>
           </a:prstGeom>
           <a:solidFill>
-            <a:srgbClr val="FF9999"/>
+            <a:srgbClr val="FFFF00"/>
           </a:solidFill>
           <a:ln>
             <a:solidFill>
-              <a:srgbClr val="FF9999"/>
+              <a:srgbClr val="FFFF00"/>
             </a:solidFill>
           </a:ln>
         </p:spPr>
@@ -14134,7 +14134,7 @@
           <p:nvPr>
             <p:extLst>
               <p:ext uri="{D42A27DB-BD31-4B8C-83A1-F6EECF244321}">
-                <p14:modId xmlns:p14="http://schemas.microsoft.com/office/powerpoint/2010/main" val="3319724857"/>
+                <p14:modId xmlns:p14="http://schemas.microsoft.com/office/powerpoint/2010/main" val="3287086863"/>
               </p:ext>
             </p:extLst>
           </p:nvPr>
@@ -14259,18 +14259,18 @@
         </p:nvSpPr>
         <p:spPr>
           <a:xfrm>
-            <a:off x="4781340" y="3507475"/>
-            <a:ext cx="354842" cy="1427772"/>
+            <a:off x="4781340" y="4231777"/>
+            <a:ext cx="354842" cy="703469"/>
           </a:xfrm>
           <a:prstGeom prst="rect">
             <a:avLst/>
           </a:prstGeom>
           <a:solidFill>
-            <a:srgbClr val="FF9999"/>
+            <a:srgbClr val="FF00FF"/>
           </a:solidFill>
           <a:ln>
             <a:solidFill>
-              <a:srgbClr val="FF9999"/>
+              <a:srgbClr val="FF00FF"/>
             </a:solidFill>
           </a:ln>
         </p:spPr>
@@ -14561,54 +14561,6 @@
           </a:fontRef>
         </p:style>
       </p:cxnSp>
-      <p:sp>
-        <p:nvSpPr>
-          <p:cNvPr id="11" name="Rectangle 10"/>
-          <p:cNvSpPr/>
-          <p:nvPr/>
-        </p:nvSpPr>
-        <p:spPr>
-          <a:xfrm>
-            <a:off x="5397727" y="3507476"/>
-            <a:ext cx="354842" cy="1427772"/>
-          </a:xfrm>
-          <a:prstGeom prst="rect">
-            <a:avLst/>
-          </a:prstGeom>
-          <a:solidFill>
-            <a:srgbClr val="FF9999"/>
-          </a:solidFill>
-          <a:ln>
-            <a:solidFill>
-              <a:srgbClr val="FF9999"/>
-            </a:solidFill>
-          </a:ln>
-        </p:spPr>
-        <p:style>
-          <a:lnRef idx="2">
-            <a:schemeClr val="accent1">
-              <a:shade val="50000"/>
-            </a:schemeClr>
-          </a:lnRef>
-          <a:fillRef idx="1">
-            <a:schemeClr val="accent1"/>
-          </a:fillRef>
-          <a:effectRef idx="0">
-            <a:schemeClr val="accent1"/>
-          </a:effectRef>
-          <a:fontRef idx="minor">
-            <a:schemeClr val="lt1"/>
-          </a:fontRef>
-        </p:style>
-        <p:txBody>
-          <a:bodyPr rtlCol="0" anchor="ctr"/>
-          <a:lstStyle/>
-          <a:p>
-            <a:pPr algn="ctr"/>
-            <a:endParaRPr lang="en-US"/>
-          </a:p>
-        </p:txBody>
-      </p:sp>
       <p:sp>
         <p:nvSpPr>
           <p:cNvPr id="12" name="Rectangle 11"/>
@@ -14982,8 +14934,8 @@
         </p:nvSpPr>
         <p:spPr>
           <a:xfrm>
-            <a:off x="8872183" y="1617405"/>
-            <a:ext cx="2878539" cy="983320"/>
+            <a:off x="8872184" y="1617405"/>
+            <a:ext cx="2141559" cy="1194034"/>
           </a:xfrm>
           <a:prstGeom prst="rect">
             <a:avLst/>
@@ -15245,8 +15197,8 @@
         </p:nvSpPr>
         <p:spPr>
           <a:xfrm>
-            <a:off x="5895871" y="1549169"/>
-            <a:ext cx="1612712" cy="880135"/>
+            <a:off x="5596721" y="1453340"/>
+            <a:ext cx="1646989" cy="894074"/>
           </a:xfrm>
           <a:prstGeom prst="rect">
             <a:avLst/>
@@ -15482,7 +15434,7 @@
         </p:nvSpPr>
         <p:spPr>
           <a:xfrm>
-            <a:off x="6828715" y="-4213"/>
+            <a:off x="6924251" y="-4213"/>
             <a:ext cx="4086935" cy="864022"/>
           </a:xfrm>
           <a:prstGeom prst="rect">
@@ -15719,6 +15671,42 @@
           <a:xfrm flipH="1">
             <a:off x="7877073" y="859809"/>
             <a:ext cx="134163" cy="787410"/>
+          </a:xfrm>
+          <a:prstGeom prst="straightConnector1">
+            <a:avLst/>
+          </a:prstGeom>
+          <a:ln w="38100">
+            <a:solidFill>
+              <a:srgbClr val="00B050"/>
+            </a:solidFill>
+            <a:tailEnd type="triangle"/>
+          </a:ln>
+        </p:spPr>
+        <p:style>
+          <a:lnRef idx="1">
+            <a:schemeClr val="accent1"/>
+          </a:lnRef>
+          <a:fillRef idx="0">
+            <a:schemeClr val="accent1"/>
+          </a:fillRef>
+          <a:effectRef idx="0">
+            <a:schemeClr val="accent1"/>
+          </a:effectRef>
+          <a:fontRef idx="minor">
+            <a:schemeClr val="tx1"/>
+          </a:fontRef>
+        </p:style>
+      </p:cxnSp>
+      <p:cxnSp>
+        <p:nvCxnSpPr>
+          <p:cNvPr id="18" name="Straight Arrow Connector 17"/>
+          <p:cNvCxnSpPr/>
+          <p:nvPr/>
+        </p:nvCxnSpPr>
+        <p:spPr>
+          <a:xfrm>
+            <a:off x="7243710" y="1815152"/>
+            <a:ext cx="317849" cy="225528"/>
           </a:xfrm>
           <a:prstGeom prst="straightConnector1">
             <a:avLst/>

--- a/figures/source-code-plot/timeseries-frame.pptx
+++ b/figures/source-code-plot/timeseries-frame.pptx
@@ -5,22 +5,23 @@
     <p:sldMasterId id="2147483648" r:id="rId1"/>
   </p:sldMasterIdLst>
   <p:notesMasterIdLst>
-    <p:notesMasterId r:id="rId15"/>
+    <p:notesMasterId r:id="rId16"/>
   </p:notesMasterIdLst>
   <p:sldIdLst>
     <p:sldId id="256" r:id="rId2"/>
     <p:sldId id="257" r:id="rId3"/>
-    <p:sldId id="258" r:id="rId4"/>
-    <p:sldId id="259" r:id="rId5"/>
-    <p:sldId id="262" r:id="rId6"/>
-    <p:sldId id="260" r:id="rId7"/>
-    <p:sldId id="261" r:id="rId8"/>
-    <p:sldId id="263" r:id="rId9"/>
-    <p:sldId id="264" r:id="rId10"/>
-    <p:sldId id="265" r:id="rId11"/>
-    <p:sldId id="266" r:id="rId12"/>
-    <p:sldId id="267" r:id="rId13"/>
-    <p:sldId id="268" r:id="rId14"/>
+    <p:sldId id="269" r:id="rId4"/>
+    <p:sldId id="258" r:id="rId5"/>
+    <p:sldId id="259" r:id="rId6"/>
+    <p:sldId id="262" r:id="rId7"/>
+    <p:sldId id="260" r:id="rId8"/>
+    <p:sldId id="261" r:id="rId9"/>
+    <p:sldId id="263" r:id="rId10"/>
+    <p:sldId id="264" r:id="rId11"/>
+    <p:sldId id="265" r:id="rId12"/>
+    <p:sldId id="266" r:id="rId13"/>
+    <p:sldId id="267" r:id="rId14"/>
+    <p:sldId id="268" r:id="rId15"/>
   </p:sldIdLst>
   <p:sldSz cx="12192000" cy="6858000"/>
   <p:notesSz cx="6858000" cy="9144000"/>
@@ -386,11 +387,11 @@
           <c:showBubbleSize val="0"/>
         </c:dLbls>
         <c:smooth val="0"/>
-        <c:axId val="95952208"/>
-        <c:axId val="95952768"/>
+        <c:axId val="73547744"/>
+        <c:axId val="73548304"/>
       </c:lineChart>
       <c:catAx>
-        <c:axId val="95952208"/>
+        <c:axId val="73547744"/>
         <c:scaling>
           <c:orientation val="minMax"/>
         </c:scaling>
@@ -430,7 +431,7 @@
             <a:endParaRPr lang="en-US"/>
           </a:p>
         </c:txPr>
-        <c:crossAx val="95952768"/>
+        <c:crossAx val="73548304"/>
         <c:crosses val="autoZero"/>
         <c:auto val="1"/>
         <c:lblAlgn val="ctr"/>
@@ -438,7 +439,7 @@
         <c:noMultiLvlLbl val="0"/>
       </c:catAx>
       <c:valAx>
-        <c:axId val="95952768"/>
+        <c:axId val="73548304"/>
         <c:scaling>
           <c:orientation val="minMax"/>
         </c:scaling>
@@ -486,7 +487,7 @@
             <a:endParaRPr lang="en-US"/>
           </a:p>
         </c:txPr>
-        <c:crossAx val="95952208"/>
+        <c:crossAx val="73547744"/>
         <c:crosses val="autoZero"/>
         <c:crossBetween val="between"/>
       </c:valAx>
@@ -798,11 +799,11 @@
         </c:dLbls>
         <c:marker val="1"/>
         <c:smooth val="0"/>
-        <c:axId val="113127776"/>
-        <c:axId val="113128336"/>
+        <c:axId val="179781296"/>
+        <c:axId val="179781856"/>
       </c:lineChart>
       <c:catAx>
-        <c:axId val="113127776"/>
+        <c:axId val="179781296"/>
         <c:scaling>
           <c:orientation val="minMax"/>
         </c:scaling>
@@ -842,7 +843,7 @@
             <a:endParaRPr lang="en-US"/>
           </a:p>
         </c:txPr>
-        <c:crossAx val="113128336"/>
+        <c:crossAx val="179781856"/>
         <c:crosses val="autoZero"/>
         <c:auto val="1"/>
         <c:lblAlgn val="ctr"/>
@@ -852,7 +853,7 @@
         <c:noMultiLvlLbl val="0"/>
       </c:catAx>
       <c:valAx>
-        <c:axId val="113128336"/>
+        <c:axId val="179781856"/>
         <c:scaling>
           <c:orientation val="minMax"/>
         </c:scaling>
@@ -906,7 +907,7 @@
             <a:endParaRPr lang="en-US"/>
           </a:p>
         </c:txPr>
-        <c:crossAx val="113127776"/>
+        <c:crossAx val="179781296"/>
         <c:crossesAt val="1"/>
         <c:crossBetween val="between"/>
       </c:valAx>
@@ -1215,11 +1216,11 @@
         </c:dLbls>
         <c:marker val="1"/>
         <c:smooth val="0"/>
-        <c:axId val="113337952"/>
-        <c:axId val="113338512"/>
+        <c:axId val="179784096"/>
+        <c:axId val="179784656"/>
       </c:lineChart>
       <c:catAx>
-        <c:axId val="113337952"/>
+        <c:axId val="179784096"/>
         <c:scaling>
           <c:orientation val="minMax"/>
         </c:scaling>
@@ -1259,7 +1260,7 @@
             <a:endParaRPr lang="en-US"/>
           </a:p>
         </c:txPr>
-        <c:crossAx val="113338512"/>
+        <c:crossAx val="179784656"/>
         <c:crosses val="autoZero"/>
         <c:auto val="1"/>
         <c:lblAlgn val="ctr"/>
@@ -1268,7 +1269,7 @@
         <c:noMultiLvlLbl val="0"/>
       </c:catAx>
       <c:valAx>
-        <c:axId val="113338512"/>
+        <c:axId val="179784656"/>
         <c:scaling>
           <c:orientation val="minMax"/>
         </c:scaling>
@@ -1316,7 +1317,7 @@
             <a:endParaRPr lang="en-US"/>
           </a:p>
         </c:txPr>
-        <c:crossAx val="113337952"/>
+        <c:crossAx val="179784096"/>
         <c:crosses val="autoZero"/>
         <c:crossBetween val="between"/>
       </c:valAx>
@@ -3110,7 +3111,7 @@
           <a:p>
             <a:fld id="{BD95DEEB-EB1A-4DBE-9A02-CCA516C4307E}" type="datetimeFigureOut">
               <a:rPr lang="en-US" smtClean="0"/>
-              <a:t>5/2/2016</a:t>
+              <a:t>5/5/2016</a:t>
             </a:fld>
             <a:endParaRPr lang="en-US"/>
           </a:p>
@@ -3443,7 +3444,7 @@
           <a:p>
             <a:fld id="{E47679A9-9B76-447A-A8DE-811D2069B043}" type="slidenum">
               <a:rPr lang="en-US" smtClean="0"/>
-              <a:t>3</a:t>
+              <a:t>4</a:t>
             </a:fld>
             <a:endParaRPr lang="en-US"/>
           </a:p>
@@ -3527,7 +3528,7 @@
           <a:p>
             <a:fld id="{E47679A9-9B76-447A-A8DE-811D2069B043}" type="slidenum">
               <a:rPr lang="en-US" smtClean="0"/>
-              <a:t>4</a:t>
+              <a:t>5</a:t>
             </a:fld>
             <a:endParaRPr lang="en-US"/>
           </a:p>
@@ -3677,7 +3678,7 @@
           <a:p>
             <a:fld id="{2DD4BC02-C082-4D59-A56C-B836D2E803E4}" type="datetimeFigureOut">
               <a:rPr lang="en-US" smtClean="0"/>
-              <a:t>5/2/2016</a:t>
+              <a:t>5/5/2016</a:t>
             </a:fld>
             <a:endParaRPr lang="en-US"/>
           </a:p>
@@ -3847,7 +3848,7 @@
           <a:p>
             <a:fld id="{2DD4BC02-C082-4D59-A56C-B836D2E803E4}" type="datetimeFigureOut">
               <a:rPr lang="en-US" smtClean="0"/>
-              <a:t>5/2/2016</a:t>
+              <a:t>5/5/2016</a:t>
             </a:fld>
             <a:endParaRPr lang="en-US"/>
           </a:p>
@@ -4027,7 +4028,7 @@
           <a:p>
             <a:fld id="{2DD4BC02-C082-4D59-A56C-B836D2E803E4}" type="datetimeFigureOut">
               <a:rPr lang="en-US" smtClean="0"/>
-              <a:t>5/2/2016</a:t>
+              <a:t>5/5/2016</a:t>
             </a:fld>
             <a:endParaRPr lang="en-US"/>
           </a:p>
@@ -4197,7 +4198,7 @@
           <a:p>
             <a:fld id="{2DD4BC02-C082-4D59-A56C-B836D2E803E4}" type="datetimeFigureOut">
               <a:rPr lang="en-US" smtClean="0"/>
-              <a:t>5/2/2016</a:t>
+              <a:t>5/5/2016</a:t>
             </a:fld>
             <a:endParaRPr lang="en-US"/>
           </a:p>
@@ -4443,7 +4444,7 @@
           <a:p>
             <a:fld id="{2DD4BC02-C082-4D59-A56C-B836D2E803E4}" type="datetimeFigureOut">
               <a:rPr lang="en-US" smtClean="0"/>
-              <a:t>5/2/2016</a:t>
+              <a:t>5/5/2016</a:t>
             </a:fld>
             <a:endParaRPr lang="en-US"/>
           </a:p>
@@ -4675,7 +4676,7 @@
           <a:p>
             <a:fld id="{2DD4BC02-C082-4D59-A56C-B836D2E803E4}" type="datetimeFigureOut">
               <a:rPr lang="en-US" smtClean="0"/>
-              <a:t>5/2/2016</a:t>
+              <a:t>5/5/2016</a:t>
             </a:fld>
             <a:endParaRPr lang="en-US"/>
           </a:p>
@@ -5042,7 +5043,7 @@
           <a:p>
             <a:fld id="{2DD4BC02-C082-4D59-A56C-B836D2E803E4}" type="datetimeFigureOut">
               <a:rPr lang="en-US" smtClean="0"/>
-              <a:t>5/2/2016</a:t>
+              <a:t>5/5/2016</a:t>
             </a:fld>
             <a:endParaRPr lang="en-US"/>
           </a:p>
@@ -5160,7 +5161,7 @@
           <a:p>
             <a:fld id="{2DD4BC02-C082-4D59-A56C-B836D2E803E4}" type="datetimeFigureOut">
               <a:rPr lang="en-US" smtClean="0"/>
-              <a:t>5/2/2016</a:t>
+              <a:t>5/5/2016</a:t>
             </a:fld>
             <a:endParaRPr lang="en-US"/>
           </a:p>
@@ -5255,7 +5256,7 @@
           <a:p>
             <a:fld id="{2DD4BC02-C082-4D59-A56C-B836D2E803E4}" type="datetimeFigureOut">
               <a:rPr lang="en-US" smtClean="0"/>
-              <a:t>5/2/2016</a:t>
+              <a:t>5/5/2016</a:t>
             </a:fld>
             <a:endParaRPr lang="en-US"/>
           </a:p>
@@ -5532,7 +5533,7 @@
           <a:p>
             <a:fld id="{2DD4BC02-C082-4D59-A56C-B836D2E803E4}" type="datetimeFigureOut">
               <a:rPr lang="en-US" smtClean="0"/>
-              <a:t>5/2/2016</a:t>
+              <a:t>5/5/2016</a:t>
             </a:fld>
             <a:endParaRPr lang="en-US"/>
           </a:p>
@@ -5785,7 +5786,7 @@
           <a:p>
             <a:fld id="{2DD4BC02-C082-4D59-A56C-B836D2E803E4}" type="datetimeFigureOut">
               <a:rPr lang="en-US" smtClean="0"/>
-              <a:t>5/2/2016</a:t>
+              <a:t>5/5/2016</a:t>
             </a:fld>
             <a:endParaRPr lang="en-US"/>
           </a:p>
@@ -5998,7 +5999,7 @@
           <a:p>
             <a:fld id="{2DD4BC02-C082-4D59-A56C-B836D2E803E4}" type="datetimeFigureOut">
               <a:rPr lang="en-US" smtClean="0"/>
-              <a:t>5/2/2016</a:t>
+              <a:t>5/5/2016</a:t>
             </a:fld>
             <a:endParaRPr lang="en-US"/>
           </a:p>
@@ -6486,6 +6487,1068 @@
       </p:grpSpPr>
       <p:pic>
         <p:nvPicPr>
+          <p:cNvPr id="2" name="Picture 1"/>
+          <p:cNvPicPr>
+            <a:picLocks noChangeAspect="1"/>
+          </p:cNvPicPr>
+          <p:nvPr/>
+        </p:nvPicPr>
+        <p:blipFill>
+          <a:blip r:embed="rId2">
+            <a:extLst>
+              <a:ext uri="{28A0092B-C50C-407E-A947-70E740481C1C}">
+                <a14:useLocalDpi xmlns:a14="http://schemas.microsoft.com/office/drawing/2010/main" val="0"/>
+              </a:ext>
+            </a:extLst>
+          </a:blip>
+          <a:stretch>
+            <a:fillRect/>
+          </a:stretch>
+        </p:blipFill>
+        <p:spPr>
+          <a:xfrm>
+            <a:off x="1680072" y="1113544"/>
+            <a:ext cx="8030696" cy="5191850"/>
+          </a:xfrm>
+          <a:prstGeom prst="rect">
+            <a:avLst/>
+          </a:prstGeom>
+        </p:spPr>
+      </p:pic>
+      <p:sp>
+        <p:nvSpPr>
+          <p:cNvPr id="5" name="Subtitle 2"/>
+          <p:cNvSpPr txBox="1">
+            <a:spLocks/>
+          </p:cNvSpPr>
+          <p:nvPr/>
+        </p:nvSpPr>
+        <p:spPr>
+          <a:xfrm>
+            <a:off x="735754" y="1533044"/>
+            <a:ext cx="1888636" cy="455034"/>
+          </a:xfrm>
+          <a:prstGeom prst="rect">
+            <a:avLst/>
+          </a:prstGeom>
+          <a:solidFill>
+            <a:srgbClr val="F1995D"/>
+          </a:solidFill>
+          <a:ln w="38100">
+            <a:solidFill>
+              <a:srgbClr val="F1995D"/>
+            </a:solidFill>
+          </a:ln>
+        </p:spPr>
+        <p:txBody>
+          <a:bodyPr vert="horz" lIns="91440" tIns="45720" rIns="91440" bIns="45720" rtlCol="0">
+            <a:noAutofit/>
+          </a:bodyPr>
+          <a:lstStyle>
+            <a:lvl1pPr marL="228600" indent="-228600" algn="l" defTabSz="914400" rtl="0" eaLnBrk="1" latinLnBrk="0" hangingPunct="1">
+              <a:lnSpc>
+                <a:spcPct val="90000"/>
+              </a:lnSpc>
+              <a:spcBef>
+                <a:spcPts val="1000"/>
+              </a:spcBef>
+              <a:buFont typeface="Arial" panose="020B0604020202020204" pitchFamily="34" charset="0"/>
+              <a:buChar char="•"/>
+              <a:defRPr sz="2800" kern="1200">
+                <a:solidFill>
+                  <a:schemeClr val="tx1"/>
+                </a:solidFill>
+                <a:latin typeface="+mn-lt"/>
+                <a:ea typeface="+mn-ea"/>
+                <a:cs typeface="+mn-cs"/>
+              </a:defRPr>
+            </a:lvl1pPr>
+            <a:lvl2pPr marL="685800" indent="-228600" algn="l" defTabSz="914400" rtl="0" eaLnBrk="1" latinLnBrk="0" hangingPunct="1">
+              <a:lnSpc>
+                <a:spcPct val="90000"/>
+              </a:lnSpc>
+              <a:spcBef>
+                <a:spcPts val="500"/>
+              </a:spcBef>
+              <a:buFont typeface="Arial" panose="020B0604020202020204" pitchFamily="34" charset="0"/>
+              <a:buChar char="•"/>
+              <a:defRPr sz="2400" kern="1200">
+                <a:solidFill>
+                  <a:schemeClr val="tx1"/>
+                </a:solidFill>
+                <a:latin typeface="+mn-lt"/>
+                <a:ea typeface="+mn-ea"/>
+                <a:cs typeface="+mn-cs"/>
+              </a:defRPr>
+            </a:lvl2pPr>
+            <a:lvl3pPr marL="1143000" indent="-228600" algn="l" defTabSz="914400" rtl="0" eaLnBrk="1" latinLnBrk="0" hangingPunct="1">
+              <a:lnSpc>
+                <a:spcPct val="90000"/>
+              </a:lnSpc>
+              <a:spcBef>
+                <a:spcPts val="500"/>
+              </a:spcBef>
+              <a:buFont typeface="Arial" panose="020B0604020202020204" pitchFamily="34" charset="0"/>
+              <a:buChar char="•"/>
+              <a:defRPr sz="2000" kern="1200">
+                <a:solidFill>
+                  <a:schemeClr val="tx1"/>
+                </a:solidFill>
+                <a:latin typeface="+mn-lt"/>
+                <a:ea typeface="+mn-ea"/>
+                <a:cs typeface="+mn-cs"/>
+              </a:defRPr>
+            </a:lvl3pPr>
+            <a:lvl4pPr marL="1600200" indent="-228600" algn="l" defTabSz="914400" rtl="0" eaLnBrk="1" latinLnBrk="0" hangingPunct="1">
+              <a:lnSpc>
+                <a:spcPct val="90000"/>
+              </a:lnSpc>
+              <a:spcBef>
+                <a:spcPts val="500"/>
+              </a:spcBef>
+              <a:buFont typeface="Arial" panose="020B0604020202020204" pitchFamily="34" charset="0"/>
+              <a:buChar char="•"/>
+              <a:defRPr sz="1800" kern="1200">
+                <a:solidFill>
+                  <a:schemeClr val="tx1"/>
+                </a:solidFill>
+                <a:latin typeface="+mn-lt"/>
+                <a:ea typeface="+mn-ea"/>
+                <a:cs typeface="+mn-cs"/>
+              </a:defRPr>
+            </a:lvl4pPr>
+            <a:lvl5pPr marL="2057400" indent="-228600" algn="l" defTabSz="914400" rtl="0" eaLnBrk="1" latinLnBrk="0" hangingPunct="1">
+              <a:lnSpc>
+                <a:spcPct val="90000"/>
+              </a:lnSpc>
+              <a:spcBef>
+                <a:spcPts val="500"/>
+              </a:spcBef>
+              <a:buFont typeface="Arial" panose="020B0604020202020204" pitchFamily="34" charset="0"/>
+              <a:buChar char="•"/>
+              <a:defRPr sz="1800" kern="1200">
+                <a:solidFill>
+                  <a:schemeClr val="tx1"/>
+                </a:solidFill>
+                <a:latin typeface="+mn-lt"/>
+                <a:ea typeface="+mn-ea"/>
+                <a:cs typeface="+mn-cs"/>
+              </a:defRPr>
+            </a:lvl5pPr>
+            <a:lvl6pPr marL="2514600" indent="-228600" algn="l" defTabSz="914400" rtl="0" eaLnBrk="1" latinLnBrk="0" hangingPunct="1">
+              <a:lnSpc>
+                <a:spcPct val="90000"/>
+              </a:lnSpc>
+              <a:spcBef>
+                <a:spcPts val="500"/>
+              </a:spcBef>
+              <a:buFont typeface="Arial" panose="020B0604020202020204" pitchFamily="34" charset="0"/>
+              <a:buChar char="•"/>
+              <a:defRPr sz="1800" kern="1200">
+                <a:solidFill>
+                  <a:schemeClr val="tx1"/>
+                </a:solidFill>
+                <a:latin typeface="+mn-lt"/>
+                <a:ea typeface="+mn-ea"/>
+                <a:cs typeface="+mn-cs"/>
+              </a:defRPr>
+            </a:lvl6pPr>
+            <a:lvl7pPr marL="2971800" indent="-228600" algn="l" defTabSz="914400" rtl="0" eaLnBrk="1" latinLnBrk="0" hangingPunct="1">
+              <a:lnSpc>
+                <a:spcPct val="90000"/>
+              </a:lnSpc>
+              <a:spcBef>
+                <a:spcPts val="500"/>
+              </a:spcBef>
+              <a:buFont typeface="Arial" panose="020B0604020202020204" pitchFamily="34" charset="0"/>
+              <a:buChar char="•"/>
+              <a:defRPr sz="1800" kern="1200">
+                <a:solidFill>
+                  <a:schemeClr val="tx1"/>
+                </a:solidFill>
+                <a:latin typeface="+mn-lt"/>
+                <a:ea typeface="+mn-ea"/>
+                <a:cs typeface="+mn-cs"/>
+              </a:defRPr>
+            </a:lvl7pPr>
+            <a:lvl8pPr marL="3429000" indent="-228600" algn="l" defTabSz="914400" rtl="0" eaLnBrk="1" latinLnBrk="0" hangingPunct="1">
+              <a:lnSpc>
+                <a:spcPct val="90000"/>
+              </a:lnSpc>
+              <a:spcBef>
+                <a:spcPts val="500"/>
+              </a:spcBef>
+              <a:buFont typeface="Arial" panose="020B0604020202020204" pitchFamily="34" charset="0"/>
+              <a:buChar char="•"/>
+              <a:defRPr sz="1800" kern="1200">
+                <a:solidFill>
+                  <a:schemeClr val="tx1"/>
+                </a:solidFill>
+                <a:latin typeface="+mn-lt"/>
+                <a:ea typeface="+mn-ea"/>
+                <a:cs typeface="+mn-cs"/>
+              </a:defRPr>
+            </a:lvl8pPr>
+            <a:lvl9pPr marL="3886200" indent="-228600" algn="l" defTabSz="914400" rtl="0" eaLnBrk="1" latinLnBrk="0" hangingPunct="1">
+              <a:lnSpc>
+                <a:spcPct val="90000"/>
+              </a:lnSpc>
+              <a:spcBef>
+                <a:spcPts val="500"/>
+              </a:spcBef>
+              <a:buFont typeface="Arial" panose="020B0604020202020204" pitchFamily="34" charset="0"/>
+              <a:buChar char="•"/>
+              <a:defRPr sz="1800" kern="1200">
+                <a:solidFill>
+                  <a:schemeClr val="tx1"/>
+                </a:solidFill>
+                <a:latin typeface="+mn-lt"/>
+                <a:ea typeface="+mn-ea"/>
+                <a:cs typeface="+mn-cs"/>
+              </a:defRPr>
+            </a:lvl9pPr>
+          </a:lstStyle>
+          <a:p>
+            <a:pPr marL="0" indent="0">
+              <a:buNone/>
+            </a:pPr>
+            <a:r>
+              <a:rPr lang="en-US" sz="2400" dirty="0" smtClean="0">
+                <a:latin typeface="Times New Roman" panose="02020603050405020304" pitchFamily="18" charset="0"/>
+                <a:cs typeface="Times New Roman" panose="02020603050405020304" pitchFamily="18" charset="0"/>
+              </a:rPr>
+              <a:t>Lack of water</a:t>
+            </a:r>
+            <a:endParaRPr lang="en-US" sz="2400" dirty="0"/>
+          </a:p>
+        </p:txBody>
+      </p:sp>
+      <p:cxnSp>
+        <p:nvCxnSpPr>
+          <p:cNvPr id="6" name="Straight Arrow Connector 5"/>
+          <p:cNvCxnSpPr/>
+          <p:nvPr/>
+        </p:nvCxnSpPr>
+        <p:spPr>
+          <a:xfrm>
+            <a:off x="1750938" y="1988078"/>
+            <a:ext cx="527536" cy="518185"/>
+          </a:xfrm>
+          <a:prstGeom prst="straightConnector1">
+            <a:avLst/>
+          </a:prstGeom>
+          <a:ln w="38100">
+            <a:solidFill>
+              <a:srgbClr val="F1995D"/>
+            </a:solidFill>
+            <a:tailEnd type="triangle"/>
+          </a:ln>
+        </p:spPr>
+        <p:style>
+          <a:lnRef idx="1">
+            <a:schemeClr val="accent1"/>
+          </a:lnRef>
+          <a:fillRef idx="0">
+            <a:schemeClr val="accent1"/>
+          </a:fillRef>
+          <a:effectRef idx="0">
+            <a:schemeClr val="accent1"/>
+          </a:effectRef>
+          <a:fontRef idx="minor">
+            <a:schemeClr val="tx1"/>
+          </a:fontRef>
+        </p:style>
+      </p:cxnSp>
+      <p:sp>
+        <p:nvSpPr>
+          <p:cNvPr id="9" name="Subtitle 2"/>
+          <p:cNvSpPr txBox="1">
+            <a:spLocks/>
+          </p:cNvSpPr>
+          <p:nvPr/>
+        </p:nvSpPr>
+        <p:spPr>
+          <a:xfrm>
+            <a:off x="5396219" y="777060"/>
+            <a:ext cx="1888636" cy="455034"/>
+          </a:xfrm>
+          <a:prstGeom prst="rect">
+            <a:avLst/>
+          </a:prstGeom>
+          <a:solidFill>
+            <a:schemeClr val="accent5">
+              <a:lumMod val="60000"/>
+              <a:lumOff val="40000"/>
+            </a:schemeClr>
+          </a:solidFill>
+          <a:ln w="38100">
+            <a:solidFill>
+              <a:schemeClr val="accent5">
+                <a:lumMod val="60000"/>
+                <a:lumOff val="40000"/>
+              </a:schemeClr>
+            </a:solidFill>
+          </a:ln>
+        </p:spPr>
+        <p:txBody>
+          <a:bodyPr vert="horz" lIns="91440" tIns="45720" rIns="91440" bIns="45720" rtlCol="0">
+            <a:noAutofit/>
+          </a:bodyPr>
+          <a:lstStyle>
+            <a:lvl1pPr marL="228600" indent="-228600" algn="l" defTabSz="914400" rtl="0" eaLnBrk="1" latinLnBrk="0" hangingPunct="1">
+              <a:lnSpc>
+                <a:spcPct val="90000"/>
+              </a:lnSpc>
+              <a:spcBef>
+                <a:spcPts val="1000"/>
+              </a:spcBef>
+              <a:buFont typeface="Arial" panose="020B0604020202020204" pitchFamily="34" charset="0"/>
+              <a:buChar char="•"/>
+              <a:defRPr sz="2800" kern="1200">
+                <a:solidFill>
+                  <a:schemeClr val="tx1"/>
+                </a:solidFill>
+                <a:latin typeface="+mn-lt"/>
+                <a:ea typeface="+mn-ea"/>
+                <a:cs typeface="+mn-cs"/>
+              </a:defRPr>
+            </a:lvl1pPr>
+            <a:lvl2pPr marL="685800" indent="-228600" algn="l" defTabSz="914400" rtl="0" eaLnBrk="1" latinLnBrk="0" hangingPunct="1">
+              <a:lnSpc>
+                <a:spcPct val="90000"/>
+              </a:lnSpc>
+              <a:spcBef>
+                <a:spcPts val="500"/>
+              </a:spcBef>
+              <a:buFont typeface="Arial" panose="020B0604020202020204" pitchFamily="34" charset="0"/>
+              <a:buChar char="•"/>
+              <a:defRPr sz="2400" kern="1200">
+                <a:solidFill>
+                  <a:schemeClr val="tx1"/>
+                </a:solidFill>
+                <a:latin typeface="+mn-lt"/>
+                <a:ea typeface="+mn-ea"/>
+                <a:cs typeface="+mn-cs"/>
+              </a:defRPr>
+            </a:lvl2pPr>
+            <a:lvl3pPr marL="1143000" indent="-228600" algn="l" defTabSz="914400" rtl="0" eaLnBrk="1" latinLnBrk="0" hangingPunct="1">
+              <a:lnSpc>
+                <a:spcPct val="90000"/>
+              </a:lnSpc>
+              <a:spcBef>
+                <a:spcPts val="500"/>
+              </a:spcBef>
+              <a:buFont typeface="Arial" panose="020B0604020202020204" pitchFamily="34" charset="0"/>
+              <a:buChar char="•"/>
+              <a:defRPr sz="2000" kern="1200">
+                <a:solidFill>
+                  <a:schemeClr val="tx1"/>
+                </a:solidFill>
+                <a:latin typeface="+mn-lt"/>
+                <a:ea typeface="+mn-ea"/>
+                <a:cs typeface="+mn-cs"/>
+              </a:defRPr>
+            </a:lvl3pPr>
+            <a:lvl4pPr marL="1600200" indent="-228600" algn="l" defTabSz="914400" rtl="0" eaLnBrk="1" latinLnBrk="0" hangingPunct="1">
+              <a:lnSpc>
+                <a:spcPct val="90000"/>
+              </a:lnSpc>
+              <a:spcBef>
+                <a:spcPts val="500"/>
+              </a:spcBef>
+              <a:buFont typeface="Arial" panose="020B0604020202020204" pitchFamily="34" charset="0"/>
+              <a:buChar char="•"/>
+              <a:defRPr sz="1800" kern="1200">
+                <a:solidFill>
+                  <a:schemeClr val="tx1"/>
+                </a:solidFill>
+                <a:latin typeface="+mn-lt"/>
+                <a:ea typeface="+mn-ea"/>
+                <a:cs typeface="+mn-cs"/>
+              </a:defRPr>
+            </a:lvl4pPr>
+            <a:lvl5pPr marL="2057400" indent="-228600" algn="l" defTabSz="914400" rtl="0" eaLnBrk="1" latinLnBrk="0" hangingPunct="1">
+              <a:lnSpc>
+                <a:spcPct val="90000"/>
+              </a:lnSpc>
+              <a:spcBef>
+                <a:spcPts val="500"/>
+              </a:spcBef>
+              <a:buFont typeface="Arial" panose="020B0604020202020204" pitchFamily="34" charset="0"/>
+              <a:buChar char="•"/>
+              <a:defRPr sz="1800" kern="1200">
+                <a:solidFill>
+                  <a:schemeClr val="tx1"/>
+                </a:solidFill>
+                <a:latin typeface="+mn-lt"/>
+                <a:ea typeface="+mn-ea"/>
+                <a:cs typeface="+mn-cs"/>
+              </a:defRPr>
+            </a:lvl5pPr>
+            <a:lvl6pPr marL="2514600" indent="-228600" algn="l" defTabSz="914400" rtl="0" eaLnBrk="1" latinLnBrk="0" hangingPunct="1">
+              <a:lnSpc>
+                <a:spcPct val="90000"/>
+              </a:lnSpc>
+              <a:spcBef>
+                <a:spcPts val="500"/>
+              </a:spcBef>
+              <a:buFont typeface="Arial" panose="020B0604020202020204" pitchFamily="34" charset="0"/>
+              <a:buChar char="•"/>
+              <a:defRPr sz="1800" kern="1200">
+                <a:solidFill>
+                  <a:schemeClr val="tx1"/>
+                </a:solidFill>
+                <a:latin typeface="+mn-lt"/>
+                <a:ea typeface="+mn-ea"/>
+                <a:cs typeface="+mn-cs"/>
+              </a:defRPr>
+            </a:lvl6pPr>
+            <a:lvl7pPr marL="2971800" indent="-228600" algn="l" defTabSz="914400" rtl="0" eaLnBrk="1" latinLnBrk="0" hangingPunct="1">
+              <a:lnSpc>
+                <a:spcPct val="90000"/>
+              </a:lnSpc>
+              <a:spcBef>
+                <a:spcPts val="500"/>
+              </a:spcBef>
+              <a:buFont typeface="Arial" panose="020B0604020202020204" pitchFamily="34" charset="0"/>
+              <a:buChar char="•"/>
+              <a:defRPr sz="1800" kern="1200">
+                <a:solidFill>
+                  <a:schemeClr val="tx1"/>
+                </a:solidFill>
+                <a:latin typeface="+mn-lt"/>
+                <a:ea typeface="+mn-ea"/>
+                <a:cs typeface="+mn-cs"/>
+              </a:defRPr>
+            </a:lvl7pPr>
+            <a:lvl8pPr marL="3429000" indent="-228600" algn="l" defTabSz="914400" rtl="0" eaLnBrk="1" latinLnBrk="0" hangingPunct="1">
+              <a:lnSpc>
+                <a:spcPct val="90000"/>
+              </a:lnSpc>
+              <a:spcBef>
+                <a:spcPts val="500"/>
+              </a:spcBef>
+              <a:buFont typeface="Arial" panose="020B0604020202020204" pitchFamily="34" charset="0"/>
+              <a:buChar char="•"/>
+              <a:defRPr sz="1800" kern="1200">
+                <a:solidFill>
+                  <a:schemeClr val="tx1"/>
+                </a:solidFill>
+                <a:latin typeface="+mn-lt"/>
+                <a:ea typeface="+mn-ea"/>
+                <a:cs typeface="+mn-cs"/>
+              </a:defRPr>
+            </a:lvl8pPr>
+            <a:lvl9pPr marL="3886200" indent="-228600" algn="l" defTabSz="914400" rtl="0" eaLnBrk="1" latinLnBrk="0" hangingPunct="1">
+              <a:lnSpc>
+                <a:spcPct val="90000"/>
+              </a:lnSpc>
+              <a:spcBef>
+                <a:spcPts val="500"/>
+              </a:spcBef>
+              <a:buFont typeface="Arial" panose="020B0604020202020204" pitchFamily="34" charset="0"/>
+              <a:buChar char="•"/>
+              <a:defRPr sz="1800" kern="1200">
+                <a:solidFill>
+                  <a:schemeClr val="tx1"/>
+                </a:solidFill>
+                <a:latin typeface="+mn-lt"/>
+                <a:ea typeface="+mn-ea"/>
+                <a:cs typeface="+mn-cs"/>
+              </a:defRPr>
+            </a:lvl9pPr>
+          </a:lstStyle>
+          <a:p>
+            <a:pPr marL="0" indent="0">
+              <a:buNone/>
+            </a:pPr>
+            <a:r>
+              <a:rPr lang="en-US" sz="2400" dirty="0" smtClean="0">
+                <a:latin typeface="Times New Roman" panose="02020603050405020304" pitchFamily="18" charset="0"/>
+                <a:cs typeface="Times New Roman" panose="02020603050405020304" pitchFamily="18" charset="0"/>
+              </a:rPr>
+              <a:t>Gas shortage</a:t>
+            </a:r>
+            <a:endParaRPr lang="en-US" sz="2400" dirty="0"/>
+          </a:p>
+        </p:txBody>
+      </p:sp>
+      <p:cxnSp>
+        <p:nvCxnSpPr>
+          <p:cNvPr id="10" name="Straight Arrow Connector 9"/>
+          <p:cNvCxnSpPr/>
+          <p:nvPr/>
+        </p:nvCxnSpPr>
+        <p:spPr>
+          <a:xfrm flipH="1">
+            <a:off x="6810233" y="1232094"/>
+            <a:ext cx="42190" cy="569410"/>
+          </a:xfrm>
+          <a:prstGeom prst="straightConnector1">
+            <a:avLst/>
+          </a:prstGeom>
+          <a:ln w="38100">
+            <a:solidFill>
+              <a:schemeClr val="accent5">
+                <a:lumMod val="60000"/>
+                <a:lumOff val="40000"/>
+              </a:schemeClr>
+            </a:solidFill>
+            <a:tailEnd type="triangle"/>
+          </a:ln>
+        </p:spPr>
+        <p:style>
+          <a:lnRef idx="1">
+            <a:schemeClr val="accent1"/>
+          </a:lnRef>
+          <a:fillRef idx="0">
+            <a:schemeClr val="accent1"/>
+          </a:fillRef>
+          <a:effectRef idx="0">
+            <a:schemeClr val="accent1"/>
+          </a:effectRef>
+          <a:fontRef idx="minor">
+            <a:schemeClr val="tx1"/>
+          </a:fontRef>
+        </p:style>
+      </p:cxnSp>
+      <p:sp>
+        <p:nvSpPr>
+          <p:cNvPr id="15" name="Subtitle 2"/>
+          <p:cNvSpPr txBox="1">
+            <a:spLocks/>
+          </p:cNvSpPr>
+          <p:nvPr/>
+        </p:nvSpPr>
+        <p:spPr>
+          <a:xfrm>
+            <a:off x="9092039" y="3055948"/>
+            <a:ext cx="1785145" cy="455034"/>
+          </a:xfrm>
+          <a:prstGeom prst="rect">
+            <a:avLst/>
+          </a:prstGeom>
+          <a:solidFill>
+            <a:srgbClr val="D280C0"/>
+          </a:solidFill>
+          <a:ln w="38100">
+            <a:solidFill>
+              <a:srgbClr val="D280C0"/>
+            </a:solidFill>
+          </a:ln>
+        </p:spPr>
+        <p:txBody>
+          <a:bodyPr vert="horz" lIns="91440" tIns="45720" rIns="91440" bIns="45720" rtlCol="0">
+            <a:noAutofit/>
+          </a:bodyPr>
+          <a:lstStyle>
+            <a:lvl1pPr marL="228600" indent="-228600" algn="l" defTabSz="914400" rtl="0" eaLnBrk="1" latinLnBrk="0" hangingPunct="1">
+              <a:lnSpc>
+                <a:spcPct val="90000"/>
+              </a:lnSpc>
+              <a:spcBef>
+                <a:spcPts val="1000"/>
+              </a:spcBef>
+              <a:buFont typeface="Arial" panose="020B0604020202020204" pitchFamily="34" charset="0"/>
+              <a:buChar char="•"/>
+              <a:defRPr sz="2800" kern="1200">
+                <a:solidFill>
+                  <a:schemeClr val="tx1"/>
+                </a:solidFill>
+                <a:latin typeface="+mn-lt"/>
+                <a:ea typeface="+mn-ea"/>
+                <a:cs typeface="+mn-cs"/>
+              </a:defRPr>
+            </a:lvl1pPr>
+            <a:lvl2pPr marL="685800" indent="-228600" algn="l" defTabSz="914400" rtl="0" eaLnBrk="1" latinLnBrk="0" hangingPunct="1">
+              <a:lnSpc>
+                <a:spcPct val="90000"/>
+              </a:lnSpc>
+              <a:spcBef>
+                <a:spcPts val="500"/>
+              </a:spcBef>
+              <a:buFont typeface="Arial" panose="020B0604020202020204" pitchFamily="34" charset="0"/>
+              <a:buChar char="•"/>
+              <a:defRPr sz="2400" kern="1200">
+                <a:solidFill>
+                  <a:schemeClr val="tx1"/>
+                </a:solidFill>
+                <a:latin typeface="+mn-lt"/>
+                <a:ea typeface="+mn-ea"/>
+                <a:cs typeface="+mn-cs"/>
+              </a:defRPr>
+            </a:lvl2pPr>
+            <a:lvl3pPr marL="1143000" indent="-228600" algn="l" defTabSz="914400" rtl="0" eaLnBrk="1" latinLnBrk="0" hangingPunct="1">
+              <a:lnSpc>
+                <a:spcPct val="90000"/>
+              </a:lnSpc>
+              <a:spcBef>
+                <a:spcPts val="500"/>
+              </a:spcBef>
+              <a:buFont typeface="Arial" panose="020B0604020202020204" pitchFamily="34" charset="0"/>
+              <a:buChar char="•"/>
+              <a:defRPr sz="2000" kern="1200">
+                <a:solidFill>
+                  <a:schemeClr val="tx1"/>
+                </a:solidFill>
+                <a:latin typeface="+mn-lt"/>
+                <a:ea typeface="+mn-ea"/>
+                <a:cs typeface="+mn-cs"/>
+              </a:defRPr>
+            </a:lvl3pPr>
+            <a:lvl4pPr marL="1600200" indent="-228600" algn="l" defTabSz="914400" rtl="0" eaLnBrk="1" latinLnBrk="0" hangingPunct="1">
+              <a:lnSpc>
+                <a:spcPct val="90000"/>
+              </a:lnSpc>
+              <a:spcBef>
+                <a:spcPts val="500"/>
+              </a:spcBef>
+              <a:buFont typeface="Arial" panose="020B0604020202020204" pitchFamily="34" charset="0"/>
+              <a:buChar char="•"/>
+              <a:defRPr sz="1800" kern="1200">
+                <a:solidFill>
+                  <a:schemeClr val="tx1"/>
+                </a:solidFill>
+                <a:latin typeface="+mn-lt"/>
+                <a:ea typeface="+mn-ea"/>
+                <a:cs typeface="+mn-cs"/>
+              </a:defRPr>
+            </a:lvl4pPr>
+            <a:lvl5pPr marL="2057400" indent="-228600" algn="l" defTabSz="914400" rtl="0" eaLnBrk="1" latinLnBrk="0" hangingPunct="1">
+              <a:lnSpc>
+                <a:spcPct val="90000"/>
+              </a:lnSpc>
+              <a:spcBef>
+                <a:spcPts val="500"/>
+              </a:spcBef>
+              <a:buFont typeface="Arial" panose="020B0604020202020204" pitchFamily="34" charset="0"/>
+              <a:buChar char="•"/>
+              <a:defRPr sz="1800" kern="1200">
+                <a:solidFill>
+                  <a:schemeClr val="tx1"/>
+                </a:solidFill>
+                <a:latin typeface="+mn-lt"/>
+                <a:ea typeface="+mn-ea"/>
+                <a:cs typeface="+mn-cs"/>
+              </a:defRPr>
+            </a:lvl5pPr>
+            <a:lvl6pPr marL="2514600" indent="-228600" algn="l" defTabSz="914400" rtl="0" eaLnBrk="1" latinLnBrk="0" hangingPunct="1">
+              <a:lnSpc>
+                <a:spcPct val="90000"/>
+              </a:lnSpc>
+              <a:spcBef>
+                <a:spcPts val="500"/>
+              </a:spcBef>
+              <a:buFont typeface="Arial" panose="020B0604020202020204" pitchFamily="34" charset="0"/>
+              <a:buChar char="•"/>
+              <a:defRPr sz="1800" kern="1200">
+                <a:solidFill>
+                  <a:schemeClr val="tx1"/>
+                </a:solidFill>
+                <a:latin typeface="+mn-lt"/>
+                <a:ea typeface="+mn-ea"/>
+                <a:cs typeface="+mn-cs"/>
+              </a:defRPr>
+            </a:lvl6pPr>
+            <a:lvl7pPr marL="2971800" indent="-228600" algn="l" defTabSz="914400" rtl="0" eaLnBrk="1" latinLnBrk="0" hangingPunct="1">
+              <a:lnSpc>
+                <a:spcPct val="90000"/>
+              </a:lnSpc>
+              <a:spcBef>
+                <a:spcPts val="500"/>
+              </a:spcBef>
+              <a:buFont typeface="Arial" panose="020B0604020202020204" pitchFamily="34" charset="0"/>
+              <a:buChar char="•"/>
+              <a:defRPr sz="1800" kern="1200">
+                <a:solidFill>
+                  <a:schemeClr val="tx1"/>
+                </a:solidFill>
+                <a:latin typeface="+mn-lt"/>
+                <a:ea typeface="+mn-ea"/>
+                <a:cs typeface="+mn-cs"/>
+              </a:defRPr>
+            </a:lvl7pPr>
+            <a:lvl8pPr marL="3429000" indent="-228600" algn="l" defTabSz="914400" rtl="0" eaLnBrk="1" latinLnBrk="0" hangingPunct="1">
+              <a:lnSpc>
+                <a:spcPct val="90000"/>
+              </a:lnSpc>
+              <a:spcBef>
+                <a:spcPts val="500"/>
+              </a:spcBef>
+              <a:buFont typeface="Arial" panose="020B0604020202020204" pitchFamily="34" charset="0"/>
+              <a:buChar char="•"/>
+              <a:defRPr sz="1800" kern="1200">
+                <a:solidFill>
+                  <a:schemeClr val="tx1"/>
+                </a:solidFill>
+                <a:latin typeface="+mn-lt"/>
+                <a:ea typeface="+mn-ea"/>
+                <a:cs typeface="+mn-cs"/>
+              </a:defRPr>
+            </a:lvl8pPr>
+            <a:lvl9pPr marL="3886200" indent="-228600" algn="l" defTabSz="914400" rtl="0" eaLnBrk="1" latinLnBrk="0" hangingPunct="1">
+              <a:lnSpc>
+                <a:spcPct val="90000"/>
+              </a:lnSpc>
+              <a:spcBef>
+                <a:spcPts val="500"/>
+              </a:spcBef>
+              <a:buFont typeface="Arial" panose="020B0604020202020204" pitchFamily="34" charset="0"/>
+              <a:buChar char="•"/>
+              <a:defRPr sz="1800" kern="1200">
+                <a:solidFill>
+                  <a:schemeClr val="tx1"/>
+                </a:solidFill>
+                <a:latin typeface="+mn-lt"/>
+                <a:ea typeface="+mn-ea"/>
+                <a:cs typeface="+mn-cs"/>
+              </a:defRPr>
+            </a:lvl9pPr>
+          </a:lstStyle>
+          <a:p>
+            <a:pPr marL="0" indent="0">
+              <a:buNone/>
+            </a:pPr>
+            <a:r>
+              <a:rPr lang="en-US" sz="2400" dirty="0" smtClean="0">
+                <a:latin typeface="Times New Roman" panose="02020603050405020304" pitchFamily="18" charset="0"/>
+                <a:cs typeface="Times New Roman" panose="02020603050405020304" pitchFamily="18" charset="0"/>
+              </a:rPr>
+              <a:t>Other supply</a:t>
+            </a:r>
+            <a:endParaRPr lang="en-US" sz="2400" dirty="0"/>
+          </a:p>
+        </p:txBody>
+      </p:sp>
+      <p:cxnSp>
+        <p:nvCxnSpPr>
+          <p:cNvPr id="16" name="Straight Arrow Connector 15"/>
+          <p:cNvCxnSpPr/>
+          <p:nvPr/>
+        </p:nvCxnSpPr>
+        <p:spPr>
+          <a:xfrm flipH="1" flipV="1">
+            <a:off x="9567080" y="2346773"/>
+            <a:ext cx="146314" cy="709175"/>
+          </a:xfrm>
+          <a:prstGeom prst="straightConnector1">
+            <a:avLst/>
+          </a:prstGeom>
+          <a:ln w="38100">
+            <a:solidFill>
+              <a:srgbClr val="D280C0"/>
+            </a:solidFill>
+            <a:tailEnd type="triangle"/>
+          </a:ln>
+        </p:spPr>
+        <p:style>
+          <a:lnRef idx="1">
+            <a:schemeClr val="accent1"/>
+          </a:lnRef>
+          <a:fillRef idx="0">
+            <a:schemeClr val="accent1"/>
+          </a:fillRef>
+          <a:effectRef idx="0">
+            <a:schemeClr val="accent1"/>
+          </a:effectRef>
+          <a:fontRef idx="minor">
+            <a:schemeClr val="tx1"/>
+          </a:fontRef>
+        </p:style>
+      </p:cxnSp>
+      <p:sp>
+        <p:nvSpPr>
+          <p:cNvPr id="22" name="Subtitle 2"/>
+          <p:cNvSpPr txBox="1">
+            <a:spLocks/>
+          </p:cNvSpPr>
+          <p:nvPr/>
+        </p:nvSpPr>
+        <p:spPr>
+          <a:xfrm>
+            <a:off x="7547833" y="5548375"/>
+            <a:ext cx="2155723" cy="455034"/>
+          </a:xfrm>
+          <a:prstGeom prst="rect">
+            <a:avLst/>
+          </a:prstGeom>
+          <a:solidFill>
+            <a:srgbClr val="21B971"/>
+          </a:solidFill>
+          <a:ln>
+            <a:solidFill>
+              <a:srgbClr val="21B971"/>
+            </a:solidFill>
+          </a:ln>
+        </p:spPr>
+        <p:style>
+          <a:lnRef idx="1">
+            <a:schemeClr val="accent6"/>
+          </a:lnRef>
+          <a:fillRef idx="3">
+            <a:schemeClr val="accent6"/>
+          </a:fillRef>
+          <a:effectRef idx="2">
+            <a:schemeClr val="accent6"/>
+          </a:effectRef>
+          <a:fontRef idx="minor">
+            <a:schemeClr val="lt1"/>
+          </a:fontRef>
+        </p:style>
+        <p:txBody>
+          <a:bodyPr vert="horz" lIns="91440" tIns="45720" rIns="91440" bIns="45720" rtlCol="0">
+            <a:noAutofit/>
+          </a:bodyPr>
+          <a:lstStyle>
+            <a:lvl1pPr marL="228600" indent="-228600" algn="l" defTabSz="914400" rtl="0" eaLnBrk="1" latinLnBrk="0" hangingPunct="1">
+              <a:lnSpc>
+                <a:spcPct val="90000"/>
+              </a:lnSpc>
+              <a:spcBef>
+                <a:spcPts val="1000"/>
+              </a:spcBef>
+              <a:buFont typeface="Arial" panose="020B0604020202020204" pitchFamily="34" charset="0"/>
+              <a:buChar char="•"/>
+              <a:defRPr sz="2800" kern="1200">
+                <a:solidFill>
+                  <a:schemeClr val="tx1"/>
+                </a:solidFill>
+                <a:latin typeface="+mn-lt"/>
+                <a:ea typeface="+mn-ea"/>
+                <a:cs typeface="+mn-cs"/>
+              </a:defRPr>
+            </a:lvl1pPr>
+            <a:lvl2pPr marL="685800" indent="-228600" algn="l" defTabSz="914400" rtl="0" eaLnBrk="1" latinLnBrk="0" hangingPunct="1">
+              <a:lnSpc>
+                <a:spcPct val="90000"/>
+              </a:lnSpc>
+              <a:spcBef>
+                <a:spcPts val="500"/>
+              </a:spcBef>
+              <a:buFont typeface="Arial" panose="020B0604020202020204" pitchFamily="34" charset="0"/>
+              <a:buChar char="•"/>
+              <a:defRPr sz="2400" kern="1200">
+                <a:solidFill>
+                  <a:schemeClr val="tx1"/>
+                </a:solidFill>
+                <a:latin typeface="+mn-lt"/>
+                <a:ea typeface="+mn-ea"/>
+                <a:cs typeface="+mn-cs"/>
+              </a:defRPr>
+            </a:lvl2pPr>
+            <a:lvl3pPr marL="1143000" indent="-228600" algn="l" defTabSz="914400" rtl="0" eaLnBrk="1" latinLnBrk="0" hangingPunct="1">
+              <a:lnSpc>
+                <a:spcPct val="90000"/>
+              </a:lnSpc>
+              <a:spcBef>
+                <a:spcPts val="500"/>
+              </a:spcBef>
+              <a:buFont typeface="Arial" panose="020B0604020202020204" pitchFamily="34" charset="0"/>
+              <a:buChar char="•"/>
+              <a:defRPr sz="2000" kern="1200">
+                <a:solidFill>
+                  <a:schemeClr val="tx1"/>
+                </a:solidFill>
+                <a:latin typeface="+mn-lt"/>
+                <a:ea typeface="+mn-ea"/>
+                <a:cs typeface="+mn-cs"/>
+              </a:defRPr>
+            </a:lvl3pPr>
+            <a:lvl4pPr marL="1600200" indent="-228600" algn="l" defTabSz="914400" rtl="0" eaLnBrk="1" latinLnBrk="0" hangingPunct="1">
+              <a:lnSpc>
+                <a:spcPct val="90000"/>
+              </a:lnSpc>
+              <a:spcBef>
+                <a:spcPts val="500"/>
+              </a:spcBef>
+              <a:buFont typeface="Arial" panose="020B0604020202020204" pitchFamily="34" charset="0"/>
+              <a:buChar char="•"/>
+              <a:defRPr sz="1800" kern="1200">
+                <a:solidFill>
+                  <a:schemeClr val="tx1"/>
+                </a:solidFill>
+                <a:latin typeface="+mn-lt"/>
+                <a:ea typeface="+mn-ea"/>
+                <a:cs typeface="+mn-cs"/>
+              </a:defRPr>
+            </a:lvl4pPr>
+            <a:lvl5pPr marL="2057400" indent="-228600" algn="l" defTabSz="914400" rtl="0" eaLnBrk="1" latinLnBrk="0" hangingPunct="1">
+              <a:lnSpc>
+                <a:spcPct val="90000"/>
+              </a:lnSpc>
+              <a:spcBef>
+                <a:spcPts val="500"/>
+              </a:spcBef>
+              <a:buFont typeface="Arial" panose="020B0604020202020204" pitchFamily="34" charset="0"/>
+              <a:buChar char="•"/>
+              <a:defRPr sz="1800" kern="1200">
+                <a:solidFill>
+                  <a:schemeClr val="tx1"/>
+                </a:solidFill>
+                <a:latin typeface="+mn-lt"/>
+                <a:ea typeface="+mn-ea"/>
+                <a:cs typeface="+mn-cs"/>
+              </a:defRPr>
+            </a:lvl5pPr>
+            <a:lvl6pPr marL="2514600" indent="-228600" algn="l" defTabSz="914400" rtl="0" eaLnBrk="1" latinLnBrk="0" hangingPunct="1">
+              <a:lnSpc>
+                <a:spcPct val="90000"/>
+              </a:lnSpc>
+              <a:spcBef>
+                <a:spcPts val="500"/>
+              </a:spcBef>
+              <a:buFont typeface="Arial" panose="020B0604020202020204" pitchFamily="34" charset="0"/>
+              <a:buChar char="•"/>
+              <a:defRPr sz="1800" kern="1200">
+                <a:solidFill>
+                  <a:schemeClr val="tx1"/>
+                </a:solidFill>
+                <a:latin typeface="+mn-lt"/>
+                <a:ea typeface="+mn-ea"/>
+                <a:cs typeface="+mn-cs"/>
+              </a:defRPr>
+            </a:lvl6pPr>
+            <a:lvl7pPr marL="2971800" indent="-228600" algn="l" defTabSz="914400" rtl="0" eaLnBrk="1" latinLnBrk="0" hangingPunct="1">
+              <a:lnSpc>
+                <a:spcPct val="90000"/>
+              </a:lnSpc>
+              <a:spcBef>
+                <a:spcPts val="500"/>
+              </a:spcBef>
+              <a:buFont typeface="Arial" panose="020B0604020202020204" pitchFamily="34" charset="0"/>
+              <a:buChar char="•"/>
+              <a:defRPr sz="1800" kern="1200">
+                <a:solidFill>
+                  <a:schemeClr val="tx1"/>
+                </a:solidFill>
+                <a:latin typeface="+mn-lt"/>
+                <a:ea typeface="+mn-ea"/>
+                <a:cs typeface="+mn-cs"/>
+              </a:defRPr>
+            </a:lvl7pPr>
+            <a:lvl8pPr marL="3429000" indent="-228600" algn="l" defTabSz="914400" rtl="0" eaLnBrk="1" latinLnBrk="0" hangingPunct="1">
+              <a:lnSpc>
+                <a:spcPct val="90000"/>
+              </a:lnSpc>
+              <a:spcBef>
+                <a:spcPts val="500"/>
+              </a:spcBef>
+              <a:buFont typeface="Arial" panose="020B0604020202020204" pitchFamily="34" charset="0"/>
+              <a:buChar char="•"/>
+              <a:defRPr sz="1800" kern="1200">
+                <a:solidFill>
+                  <a:schemeClr val="tx1"/>
+                </a:solidFill>
+                <a:latin typeface="+mn-lt"/>
+                <a:ea typeface="+mn-ea"/>
+                <a:cs typeface="+mn-cs"/>
+              </a:defRPr>
+            </a:lvl8pPr>
+            <a:lvl9pPr marL="3886200" indent="-228600" algn="l" defTabSz="914400" rtl="0" eaLnBrk="1" latinLnBrk="0" hangingPunct="1">
+              <a:lnSpc>
+                <a:spcPct val="90000"/>
+              </a:lnSpc>
+              <a:spcBef>
+                <a:spcPts val="500"/>
+              </a:spcBef>
+              <a:buFont typeface="Arial" panose="020B0604020202020204" pitchFamily="34" charset="0"/>
+              <a:buChar char="•"/>
+              <a:defRPr sz="1800" kern="1200">
+                <a:solidFill>
+                  <a:schemeClr val="tx1"/>
+                </a:solidFill>
+                <a:latin typeface="+mn-lt"/>
+                <a:ea typeface="+mn-ea"/>
+                <a:cs typeface="+mn-cs"/>
+              </a:defRPr>
+            </a:lvl9pPr>
+          </a:lstStyle>
+          <a:p>
+            <a:pPr marL="0" indent="0" algn="ctr">
+              <a:buNone/>
+            </a:pPr>
+            <a:r>
+              <a:rPr lang="en-US" sz="2400" dirty="0" smtClean="0">
+                <a:latin typeface="Times New Roman" panose="02020603050405020304" pitchFamily="18" charset="0"/>
+                <a:cs typeface="Times New Roman" panose="02020603050405020304" pitchFamily="18" charset="0"/>
+              </a:rPr>
+              <a:t>Power outage</a:t>
+            </a:r>
+            <a:endParaRPr lang="en-US" sz="2400" dirty="0">
+              <a:latin typeface="Times New Roman" panose="02020603050405020304" pitchFamily="18" charset="0"/>
+              <a:cs typeface="Times New Roman" panose="02020603050405020304" pitchFamily="18" charset="0"/>
+            </a:endParaRPr>
+          </a:p>
+        </p:txBody>
+      </p:sp>
+      <p:cxnSp>
+        <p:nvCxnSpPr>
+          <p:cNvPr id="23" name="Straight Arrow Connector 22"/>
+          <p:cNvCxnSpPr/>
+          <p:nvPr/>
+        </p:nvCxnSpPr>
+        <p:spPr>
+          <a:xfrm flipH="1" flipV="1">
+            <a:off x="8417411" y="5013223"/>
+            <a:ext cx="416565" cy="535152"/>
+          </a:xfrm>
+          <a:prstGeom prst="straightConnector1">
+            <a:avLst/>
+          </a:prstGeom>
+          <a:ln w="38100">
+            <a:solidFill>
+              <a:srgbClr val="21B971"/>
+            </a:solidFill>
+            <a:tailEnd type="triangle"/>
+          </a:ln>
+        </p:spPr>
+        <p:style>
+          <a:lnRef idx="1">
+            <a:schemeClr val="accent1"/>
+          </a:lnRef>
+          <a:fillRef idx="0">
+            <a:schemeClr val="accent1"/>
+          </a:fillRef>
+          <a:effectRef idx="0">
+            <a:schemeClr val="accent1"/>
+          </a:effectRef>
+          <a:fontRef idx="minor">
+            <a:schemeClr val="tx1"/>
+          </a:fontRef>
+        </p:style>
+      </p:cxnSp>
+    </p:spTree>
+    <p:extLst>
+      <p:ext uri="{BB962C8B-B14F-4D97-AF65-F5344CB8AC3E}">
+        <p14:creationId xmlns:p14="http://schemas.microsoft.com/office/powerpoint/2010/main" val="3402590578"/>
+      </p:ext>
+    </p:extLst>
+  </p:cSld>
+  <p:clrMapOvr>
+    <a:masterClrMapping/>
+  </p:clrMapOvr>
+</p:sld>
+</file>
+
+<file path=ppt/slides/slide11.xml><?xml version="1.0" encoding="utf-8"?>
+<p:sld xmlns:a="http://schemas.openxmlformats.org/drawingml/2006/main" xmlns:r="http://schemas.openxmlformats.org/officeDocument/2006/relationships" xmlns:p="http://schemas.openxmlformats.org/presentationml/2006/main">
+  <p:cSld>
+    <p:spTree>
+      <p:nvGrpSpPr>
+        <p:cNvPr id="1" name=""/>
+        <p:cNvGrpSpPr/>
+        <p:nvPr/>
+      </p:nvGrpSpPr>
+      <p:grpSpPr>
+        <a:xfrm>
+          <a:off x="0" y="0"/>
+          <a:ext cx="0" cy="0"/>
+          <a:chOff x="0" y="0"/>
+          <a:chExt cx="0" cy="0"/>
+        </a:xfrm>
+      </p:grpSpPr>
+      <p:pic>
+        <p:nvPicPr>
           <p:cNvPr id="3" name="Picture 2"/>
           <p:cNvPicPr>
             <a:picLocks noChangeAspect="1"/>
@@ -8017,7 +9080,7 @@
 </p:sld>
 </file>
 
-<file path=ppt/slides/slide11.xml><?xml version="1.0" encoding="utf-8"?>
+<file path=ppt/slides/slide12.xml><?xml version="1.0" encoding="utf-8"?>
 <p:sld xmlns:a="http://schemas.openxmlformats.org/drawingml/2006/main" xmlns:r="http://schemas.openxmlformats.org/officeDocument/2006/relationships" xmlns:p="http://schemas.openxmlformats.org/presentationml/2006/main">
   <p:cSld>
     <p:spTree>
@@ -10553,7 +11616,7 @@
 </p:sld>
 </file>
 
-<file path=ppt/slides/slide12.xml><?xml version="1.0" encoding="utf-8"?>
+<file path=ppt/slides/slide13.xml><?xml version="1.0" encoding="utf-8"?>
 <p:sld xmlns:a="http://schemas.openxmlformats.org/drawingml/2006/main" xmlns:r="http://schemas.openxmlformats.org/officeDocument/2006/relationships" xmlns:p="http://schemas.openxmlformats.org/presentationml/2006/main">
   <p:cSld>
     <p:spTree>
@@ -10749,7 +11812,7 @@
 </p:sld>
 </file>
 
-<file path=ppt/slides/slide13.xml><?xml version="1.0" encoding="utf-8"?>
+<file path=ppt/slides/slide14.xml><?xml version="1.0" encoding="utf-8"?>
 <p:sld xmlns:a="http://schemas.openxmlformats.org/drawingml/2006/main" xmlns:r="http://schemas.openxmlformats.org/officeDocument/2006/relationships" xmlns:p="http://schemas.openxmlformats.org/presentationml/2006/main">
   <p:cSld>
     <p:spTree>
@@ -11855,6 +12918,839 @@
           <a:chExt cx="0" cy="0"/>
         </a:xfrm>
       </p:grpSpPr>
+      <p:pic>
+        <p:nvPicPr>
+          <p:cNvPr id="2" name="Picture 1"/>
+          <p:cNvPicPr>
+            <a:picLocks noChangeAspect="1"/>
+          </p:cNvPicPr>
+          <p:nvPr/>
+        </p:nvPicPr>
+        <p:blipFill>
+          <a:blip r:embed="rId2">
+            <a:extLst>
+              <a:ext uri="{28A0092B-C50C-407E-A947-70E740481C1C}">
+                <a14:useLocalDpi xmlns:a14="http://schemas.microsoft.com/office/drawing/2010/main" val="0"/>
+              </a:ext>
+            </a:extLst>
+          </a:blip>
+          <a:stretch>
+            <a:fillRect/>
+          </a:stretch>
+        </p:blipFill>
+        <p:spPr>
+          <a:xfrm>
+            <a:off x="641446" y="962232"/>
+            <a:ext cx="8611563" cy="5793412"/>
+          </a:xfrm>
+          <a:prstGeom prst="rect">
+            <a:avLst/>
+          </a:prstGeom>
+        </p:spPr>
+      </p:pic>
+      <p:sp>
+        <p:nvSpPr>
+          <p:cNvPr id="5" name="Subtitle 2"/>
+          <p:cNvSpPr txBox="1">
+            <a:spLocks/>
+          </p:cNvSpPr>
+          <p:nvPr/>
+        </p:nvSpPr>
+        <p:spPr>
+          <a:xfrm>
+            <a:off x="1704265" y="1790170"/>
+            <a:ext cx="3017859" cy="1120089"/>
+          </a:xfrm>
+          <a:prstGeom prst="rect">
+            <a:avLst/>
+          </a:prstGeom>
+          <a:ln w="38100">
+            <a:solidFill>
+              <a:srgbClr val="00B050"/>
+            </a:solidFill>
+          </a:ln>
+        </p:spPr>
+        <p:txBody>
+          <a:bodyPr vert="horz" lIns="91440" tIns="45720" rIns="91440" bIns="45720" rtlCol="0">
+            <a:noAutofit/>
+          </a:bodyPr>
+          <a:lstStyle>
+            <a:lvl1pPr marL="228600" indent="-228600" algn="l" defTabSz="914400" rtl="0" eaLnBrk="1" latinLnBrk="0" hangingPunct="1">
+              <a:lnSpc>
+                <a:spcPct val="90000"/>
+              </a:lnSpc>
+              <a:spcBef>
+                <a:spcPts val="1000"/>
+              </a:spcBef>
+              <a:buFont typeface="Arial" panose="020B0604020202020204" pitchFamily="34" charset="0"/>
+              <a:buChar char="•"/>
+              <a:defRPr sz="2800" kern="1200">
+                <a:solidFill>
+                  <a:schemeClr val="tx1"/>
+                </a:solidFill>
+                <a:latin typeface="+mn-lt"/>
+                <a:ea typeface="+mn-ea"/>
+                <a:cs typeface="+mn-cs"/>
+              </a:defRPr>
+            </a:lvl1pPr>
+            <a:lvl2pPr marL="685800" indent="-228600" algn="l" defTabSz="914400" rtl="0" eaLnBrk="1" latinLnBrk="0" hangingPunct="1">
+              <a:lnSpc>
+                <a:spcPct val="90000"/>
+              </a:lnSpc>
+              <a:spcBef>
+                <a:spcPts val="500"/>
+              </a:spcBef>
+              <a:buFont typeface="Arial" panose="020B0604020202020204" pitchFamily="34" charset="0"/>
+              <a:buChar char="•"/>
+              <a:defRPr sz="2400" kern="1200">
+                <a:solidFill>
+                  <a:schemeClr val="tx1"/>
+                </a:solidFill>
+                <a:latin typeface="+mn-lt"/>
+                <a:ea typeface="+mn-ea"/>
+                <a:cs typeface="+mn-cs"/>
+              </a:defRPr>
+            </a:lvl2pPr>
+            <a:lvl3pPr marL="1143000" indent="-228600" algn="l" defTabSz="914400" rtl="0" eaLnBrk="1" latinLnBrk="0" hangingPunct="1">
+              <a:lnSpc>
+                <a:spcPct val="90000"/>
+              </a:lnSpc>
+              <a:spcBef>
+                <a:spcPts val="500"/>
+              </a:spcBef>
+              <a:buFont typeface="Arial" panose="020B0604020202020204" pitchFamily="34" charset="0"/>
+              <a:buChar char="•"/>
+              <a:defRPr sz="2000" kern="1200">
+                <a:solidFill>
+                  <a:schemeClr val="tx1"/>
+                </a:solidFill>
+                <a:latin typeface="+mn-lt"/>
+                <a:ea typeface="+mn-ea"/>
+                <a:cs typeface="+mn-cs"/>
+              </a:defRPr>
+            </a:lvl3pPr>
+            <a:lvl4pPr marL="1600200" indent="-228600" algn="l" defTabSz="914400" rtl="0" eaLnBrk="1" latinLnBrk="0" hangingPunct="1">
+              <a:lnSpc>
+                <a:spcPct val="90000"/>
+              </a:lnSpc>
+              <a:spcBef>
+                <a:spcPts val="500"/>
+              </a:spcBef>
+              <a:buFont typeface="Arial" panose="020B0604020202020204" pitchFamily="34" charset="0"/>
+              <a:buChar char="•"/>
+              <a:defRPr sz="1800" kern="1200">
+                <a:solidFill>
+                  <a:schemeClr val="tx1"/>
+                </a:solidFill>
+                <a:latin typeface="+mn-lt"/>
+                <a:ea typeface="+mn-ea"/>
+                <a:cs typeface="+mn-cs"/>
+              </a:defRPr>
+            </a:lvl4pPr>
+            <a:lvl5pPr marL="2057400" indent="-228600" algn="l" defTabSz="914400" rtl="0" eaLnBrk="1" latinLnBrk="0" hangingPunct="1">
+              <a:lnSpc>
+                <a:spcPct val="90000"/>
+              </a:lnSpc>
+              <a:spcBef>
+                <a:spcPts val="500"/>
+              </a:spcBef>
+              <a:buFont typeface="Arial" panose="020B0604020202020204" pitchFamily="34" charset="0"/>
+              <a:buChar char="•"/>
+              <a:defRPr sz="1800" kern="1200">
+                <a:solidFill>
+                  <a:schemeClr val="tx1"/>
+                </a:solidFill>
+                <a:latin typeface="+mn-lt"/>
+                <a:ea typeface="+mn-ea"/>
+                <a:cs typeface="+mn-cs"/>
+              </a:defRPr>
+            </a:lvl5pPr>
+            <a:lvl6pPr marL="2514600" indent="-228600" algn="l" defTabSz="914400" rtl="0" eaLnBrk="1" latinLnBrk="0" hangingPunct="1">
+              <a:lnSpc>
+                <a:spcPct val="90000"/>
+              </a:lnSpc>
+              <a:spcBef>
+                <a:spcPts val="500"/>
+              </a:spcBef>
+              <a:buFont typeface="Arial" panose="020B0604020202020204" pitchFamily="34" charset="0"/>
+              <a:buChar char="•"/>
+              <a:defRPr sz="1800" kern="1200">
+                <a:solidFill>
+                  <a:schemeClr val="tx1"/>
+                </a:solidFill>
+                <a:latin typeface="+mn-lt"/>
+                <a:ea typeface="+mn-ea"/>
+                <a:cs typeface="+mn-cs"/>
+              </a:defRPr>
+            </a:lvl6pPr>
+            <a:lvl7pPr marL="2971800" indent="-228600" algn="l" defTabSz="914400" rtl="0" eaLnBrk="1" latinLnBrk="0" hangingPunct="1">
+              <a:lnSpc>
+                <a:spcPct val="90000"/>
+              </a:lnSpc>
+              <a:spcBef>
+                <a:spcPts val="500"/>
+              </a:spcBef>
+              <a:buFont typeface="Arial" panose="020B0604020202020204" pitchFamily="34" charset="0"/>
+              <a:buChar char="•"/>
+              <a:defRPr sz="1800" kern="1200">
+                <a:solidFill>
+                  <a:schemeClr val="tx1"/>
+                </a:solidFill>
+                <a:latin typeface="+mn-lt"/>
+                <a:ea typeface="+mn-ea"/>
+                <a:cs typeface="+mn-cs"/>
+              </a:defRPr>
+            </a:lvl7pPr>
+            <a:lvl8pPr marL="3429000" indent="-228600" algn="l" defTabSz="914400" rtl="0" eaLnBrk="1" latinLnBrk="0" hangingPunct="1">
+              <a:lnSpc>
+                <a:spcPct val="90000"/>
+              </a:lnSpc>
+              <a:spcBef>
+                <a:spcPts val="500"/>
+              </a:spcBef>
+              <a:buFont typeface="Arial" panose="020B0604020202020204" pitchFamily="34" charset="0"/>
+              <a:buChar char="•"/>
+              <a:defRPr sz="1800" kern="1200">
+                <a:solidFill>
+                  <a:schemeClr val="tx1"/>
+                </a:solidFill>
+                <a:latin typeface="+mn-lt"/>
+                <a:ea typeface="+mn-ea"/>
+                <a:cs typeface="+mn-cs"/>
+              </a:defRPr>
+            </a:lvl8pPr>
+            <a:lvl9pPr marL="3886200" indent="-228600" algn="l" defTabSz="914400" rtl="0" eaLnBrk="1" latinLnBrk="0" hangingPunct="1">
+              <a:lnSpc>
+                <a:spcPct val="90000"/>
+              </a:lnSpc>
+              <a:spcBef>
+                <a:spcPts val="500"/>
+              </a:spcBef>
+              <a:buFont typeface="Arial" panose="020B0604020202020204" pitchFamily="34" charset="0"/>
+              <a:buChar char="•"/>
+              <a:defRPr sz="1800" kern="1200">
+                <a:solidFill>
+                  <a:schemeClr val="tx1"/>
+                </a:solidFill>
+                <a:latin typeface="+mn-lt"/>
+                <a:ea typeface="+mn-ea"/>
+                <a:cs typeface="+mn-cs"/>
+              </a:defRPr>
+            </a:lvl9pPr>
+          </a:lstStyle>
+          <a:p>
+            <a:pPr marL="0" indent="0">
+              <a:buNone/>
+            </a:pPr>
+            <a:r>
+              <a:rPr lang="en-US" sz="2000" dirty="0" smtClean="0">
+                <a:latin typeface="Times New Roman" panose="02020603050405020304" pitchFamily="18" charset="0"/>
+                <a:cs typeface="Times New Roman" panose="02020603050405020304" pitchFamily="18" charset="0"/>
+              </a:rPr>
+              <a:t>It's been 63 days since … "Ingrid" and "Manuel" and families were left homeless are still without help.</a:t>
+            </a:r>
+            <a:r>
+              <a:rPr lang="en-US" sz="2000" dirty="0" smtClean="0"/>
+              <a:t> </a:t>
+            </a:r>
+            <a:endParaRPr lang="en-US" sz="2000" dirty="0"/>
+          </a:p>
+        </p:txBody>
+      </p:sp>
+      <p:cxnSp>
+        <p:nvCxnSpPr>
+          <p:cNvPr id="7" name="Straight Arrow Connector 6"/>
+          <p:cNvCxnSpPr/>
+          <p:nvPr/>
+        </p:nvCxnSpPr>
+        <p:spPr>
+          <a:xfrm>
+            <a:off x="4462818" y="2882963"/>
+            <a:ext cx="232011" cy="556410"/>
+          </a:xfrm>
+          <a:prstGeom prst="straightConnector1">
+            <a:avLst/>
+          </a:prstGeom>
+          <a:ln w="38100">
+            <a:solidFill>
+              <a:srgbClr val="00B050"/>
+            </a:solidFill>
+            <a:tailEnd type="triangle"/>
+          </a:ln>
+        </p:spPr>
+        <p:style>
+          <a:lnRef idx="1">
+            <a:schemeClr val="accent1"/>
+          </a:lnRef>
+          <a:fillRef idx="0">
+            <a:schemeClr val="accent1"/>
+          </a:fillRef>
+          <a:effectRef idx="0">
+            <a:schemeClr val="accent1"/>
+          </a:effectRef>
+          <a:fontRef idx="minor">
+            <a:schemeClr val="tx1"/>
+          </a:fontRef>
+        </p:style>
+      </p:cxnSp>
+      <p:sp>
+        <p:nvSpPr>
+          <p:cNvPr id="11" name="Subtitle 2"/>
+          <p:cNvSpPr txBox="1">
+            <a:spLocks/>
+          </p:cNvSpPr>
+          <p:nvPr/>
+        </p:nvSpPr>
+        <p:spPr>
+          <a:xfrm>
+            <a:off x="1704265" y="-25096"/>
+            <a:ext cx="3967232" cy="1120089"/>
+          </a:xfrm>
+          <a:prstGeom prst="rect">
+            <a:avLst/>
+          </a:prstGeom>
+          <a:ln w="38100">
+            <a:solidFill>
+              <a:srgbClr val="00B050"/>
+            </a:solidFill>
+          </a:ln>
+        </p:spPr>
+        <p:txBody>
+          <a:bodyPr vert="horz" lIns="91440" tIns="45720" rIns="91440" bIns="45720" rtlCol="0">
+            <a:noAutofit/>
+          </a:bodyPr>
+          <a:lstStyle>
+            <a:lvl1pPr marL="228600" indent="-228600" algn="l" defTabSz="914400" rtl="0" eaLnBrk="1" latinLnBrk="0" hangingPunct="1">
+              <a:lnSpc>
+                <a:spcPct val="90000"/>
+              </a:lnSpc>
+              <a:spcBef>
+                <a:spcPts val="1000"/>
+              </a:spcBef>
+              <a:buFont typeface="Arial" panose="020B0604020202020204" pitchFamily="34" charset="0"/>
+              <a:buChar char="•"/>
+              <a:defRPr sz="2800" kern="1200">
+                <a:solidFill>
+                  <a:schemeClr val="tx1"/>
+                </a:solidFill>
+                <a:latin typeface="+mn-lt"/>
+                <a:ea typeface="+mn-ea"/>
+                <a:cs typeface="+mn-cs"/>
+              </a:defRPr>
+            </a:lvl1pPr>
+            <a:lvl2pPr marL="685800" indent="-228600" algn="l" defTabSz="914400" rtl="0" eaLnBrk="1" latinLnBrk="0" hangingPunct="1">
+              <a:lnSpc>
+                <a:spcPct val="90000"/>
+              </a:lnSpc>
+              <a:spcBef>
+                <a:spcPts val="500"/>
+              </a:spcBef>
+              <a:buFont typeface="Arial" panose="020B0604020202020204" pitchFamily="34" charset="0"/>
+              <a:buChar char="•"/>
+              <a:defRPr sz="2400" kern="1200">
+                <a:solidFill>
+                  <a:schemeClr val="tx1"/>
+                </a:solidFill>
+                <a:latin typeface="+mn-lt"/>
+                <a:ea typeface="+mn-ea"/>
+                <a:cs typeface="+mn-cs"/>
+              </a:defRPr>
+            </a:lvl2pPr>
+            <a:lvl3pPr marL="1143000" indent="-228600" algn="l" defTabSz="914400" rtl="0" eaLnBrk="1" latinLnBrk="0" hangingPunct="1">
+              <a:lnSpc>
+                <a:spcPct val="90000"/>
+              </a:lnSpc>
+              <a:spcBef>
+                <a:spcPts val="500"/>
+              </a:spcBef>
+              <a:buFont typeface="Arial" panose="020B0604020202020204" pitchFamily="34" charset="0"/>
+              <a:buChar char="•"/>
+              <a:defRPr sz="2000" kern="1200">
+                <a:solidFill>
+                  <a:schemeClr val="tx1"/>
+                </a:solidFill>
+                <a:latin typeface="+mn-lt"/>
+                <a:ea typeface="+mn-ea"/>
+                <a:cs typeface="+mn-cs"/>
+              </a:defRPr>
+            </a:lvl3pPr>
+            <a:lvl4pPr marL="1600200" indent="-228600" algn="l" defTabSz="914400" rtl="0" eaLnBrk="1" latinLnBrk="0" hangingPunct="1">
+              <a:lnSpc>
+                <a:spcPct val="90000"/>
+              </a:lnSpc>
+              <a:spcBef>
+                <a:spcPts val="500"/>
+              </a:spcBef>
+              <a:buFont typeface="Arial" panose="020B0604020202020204" pitchFamily="34" charset="0"/>
+              <a:buChar char="•"/>
+              <a:defRPr sz="1800" kern="1200">
+                <a:solidFill>
+                  <a:schemeClr val="tx1"/>
+                </a:solidFill>
+                <a:latin typeface="+mn-lt"/>
+                <a:ea typeface="+mn-ea"/>
+                <a:cs typeface="+mn-cs"/>
+              </a:defRPr>
+            </a:lvl4pPr>
+            <a:lvl5pPr marL="2057400" indent="-228600" algn="l" defTabSz="914400" rtl="0" eaLnBrk="1" latinLnBrk="0" hangingPunct="1">
+              <a:lnSpc>
+                <a:spcPct val="90000"/>
+              </a:lnSpc>
+              <a:spcBef>
+                <a:spcPts val="500"/>
+              </a:spcBef>
+              <a:buFont typeface="Arial" panose="020B0604020202020204" pitchFamily="34" charset="0"/>
+              <a:buChar char="•"/>
+              <a:defRPr sz="1800" kern="1200">
+                <a:solidFill>
+                  <a:schemeClr val="tx1"/>
+                </a:solidFill>
+                <a:latin typeface="+mn-lt"/>
+                <a:ea typeface="+mn-ea"/>
+                <a:cs typeface="+mn-cs"/>
+              </a:defRPr>
+            </a:lvl5pPr>
+            <a:lvl6pPr marL="2514600" indent="-228600" algn="l" defTabSz="914400" rtl="0" eaLnBrk="1" latinLnBrk="0" hangingPunct="1">
+              <a:lnSpc>
+                <a:spcPct val="90000"/>
+              </a:lnSpc>
+              <a:spcBef>
+                <a:spcPts val="500"/>
+              </a:spcBef>
+              <a:buFont typeface="Arial" panose="020B0604020202020204" pitchFamily="34" charset="0"/>
+              <a:buChar char="•"/>
+              <a:defRPr sz="1800" kern="1200">
+                <a:solidFill>
+                  <a:schemeClr val="tx1"/>
+                </a:solidFill>
+                <a:latin typeface="+mn-lt"/>
+                <a:ea typeface="+mn-ea"/>
+                <a:cs typeface="+mn-cs"/>
+              </a:defRPr>
+            </a:lvl6pPr>
+            <a:lvl7pPr marL="2971800" indent="-228600" algn="l" defTabSz="914400" rtl="0" eaLnBrk="1" latinLnBrk="0" hangingPunct="1">
+              <a:lnSpc>
+                <a:spcPct val="90000"/>
+              </a:lnSpc>
+              <a:spcBef>
+                <a:spcPts val="500"/>
+              </a:spcBef>
+              <a:buFont typeface="Arial" panose="020B0604020202020204" pitchFamily="34" charset="0"/>
+              <a:buChar char="•"/>
+              <a:defRPr sz="1800" kern="1200">
+                <a:solidFill>
+                  <a:schemeClr val="tx1"/>
+                </a:solidFill>
+                <a:latin typeface="+mn-lt"/>
+                <a:ea typeface="+mn-ea"/>
+                <a:cs typeface="+mn-cs"/>
+              </a:defRPr>
+            </a:lvl7pPr>
+            <a:lvl8pPr marL="3429000" indent="-228600" algn="l" defTabSz="914400" rtl="0" eaLnBrk="1" latinLnBrk="0" hangingPunct="1">
+              <a:lnSpc>
+                <a:spcPct val="90000"/>
+              </a:lnSpc>
+              <a:spcBef>
+                <a:spcPts val="500"/>
+              </a:spcBef>
+              <a:buFont typeface="Arial" panose="020B0604020202020204" pitchFamily="34" charset="0"/>
+              <a:buChar char="•"/>
+              <a:defRPr sz="1800" kern="1200">
+                <a:solidFill>
+                  <a:schemeClr val="tx1"/>
+                </a:solidFill>
+                <a:latin typeface="+mn-lt"/>
+                <a:ea typeface="+mn-ea"/>
+                <a:cs typeface="+mn-cs"/>
+              </a:defRPr>
+            </a:lvl8pPr>
+            <a:lvl9pPr marL="3886200" indent="-228600" algn="l" defTabSz="914400" rtl="0" eaLnBrk="1" latinLnBrk="0" hangingPunct="1">
+              <a:lnSpc>
+                <a:spcPct val="90000"/>
+              </a:lnSpc>
+              <a:spcBef>
+                <a:spcPts val="500"/>
+              </a:spcBef>
+              <a:buFont typeface="Arial" panose="020B0604020202020204" pitchFamily="34" charset="0"/>
+              <a:buChar char="•"/>
+              <a:defRPr sz="1800" kern="1200">
+                <a:solidFill>
+                  <a:schemeClr val="tx1"/>
+                </a:solidFill>
+                <a:latin typeface="+mn-lt"/>
+                <a:ea typeface="+mn-ea"/>
+                <a:cs typeface="+mn-cs"/>
+              </a:defRPr>
+            </a:lvl9pPr>
+          </a:lstStyle>
+          <a:p>
+            <a:pPr marL="0" indent="0">
+              <a:buNone/>
+            </a:pPr>
+            <a:r>
+              <a:rPr lang="en-US" sz="2000" dirty="0">
+                <a:latin typeface="Times New Roman" panose="02020603050405020304" pitchFamily="18" charset="0"/>
+                <a:cs typeface="Times New Roman" panose="02020603050405020304" pitchFamily="18" charset="0"/>
+              </a:rPr>
+              <a:t>Cards require delivery of goods. Four months after the storm 'Manuel' and </a:t>
+            </a:r>
+            <a:r>
+              <a:rPr lang="en-US" sz="2000" dirty="0" smtClean="0">
+                <a:latin typeface="Times New Roman" panose="02020603050405020304" pitchFamily="18" charset="0"/>
+                <a:cs typeface="Times New Roman" panose="02020603050405020304" pitchFamily="18" charset="0"/>
+              </a:rPr>
+              <a:t>hurricane </a:t>
+            </a:r>
+            <a:r>
+              <a:rPr lang="en-US" sz="2000" dirty="0">
+                <a:latin typeface="Times New Roman" panose="02020603050405020304" pitchFamily="18" charset="0"/>
+                <a:cs typeface="Times New Roman" panose="02020603050405020304" pitchFamily="18" charset="0"/>
+              </a:rPr>
+              <a:t>'Ingrid', they say "we have not received anything." </a:t>
+            </a:r>
+            <a:r>
+              <a:rPr lang="en-US" sz="2000" dirty="0" smtClean="0"/>
+              <a:t> </a:t>
+            </a:r>
+            <a:endParaRPr lang="en-US" sz="2000" dirty="0"/>
+          </a:p>
+        </p:txBody>
+      </p:sp>
+      <p:cxnSp>
+        <p:nvCxnSpPr>
+          <p:cNvPr id="14" name="Straight Arrow Connector 13"/>
+          <p:cNvCxnSpPr/>
+          <p:nvPr/>
+        </p:nvCxnSpPr>
+        <p:spPr>
+          <a:xfrm>
+            <a:off x="4578295" y="1092275"/>
+            <a:ext cx="591755" cy="407362"/>
+          </a:xfrm>
+          <a:prstGeom prst="straightConnector1">
+            <a:avLst/>
+          </a:prstGeom>
+          <a:ln w="38100">
+            <a:solidFill>
+              <a:srgbClr val="00B050"/>
+            </a:solidFill>
+            <a:tailEnd type="triangle"/>
+          </a:ln>
+        </p:spPr>
+        <p:style>
+          <a:lnRef idx="1">
+            <a:schemeClr val="accent1"/>
+          </a:lnRef>
+          <a:fillRef idx="0">
+            <a:schemeClr val="accent1"/>
+          </a:fillRef>
+          <a:effectRef idx="0">
+            <a:schemeClr val="accent1"/>
+          </a:effectRef>
+          <a:fontRef idx="minor">
+            <a:schemeClr val="tx1"/>
+          </a:fontRef>
+        </p:style>
+      </p:cxnSp>
+      <p:sp>
+        <p:nvSpPr>
+          <p:cNvPr id="17" name="Subtitle 2"/>
+          <p:cNvSpPr txBox="1">
+            <a:spLocks/>
+          </p:cNvSpPr>
+          <p:nvPr/>
+        </p:nvSpPr>
+        <p:spPr>
+          <a:xfrm>
+            <a:off x="5933192" y="-25095"/>
+            <a:ext cx="3319817" cy="1431916"/>
+          </a:xfrm>
+          <a:prstGeom prst="rect">
+            <a:avLst/>
+          </a:prstGeom>
+          <a:ln w="38100">
+            <a:solidFill>
+              <a:srgbClr val="00B050"/>
+            </a:solidFill>
+          </a:ln>
+        </p:spPr>
+        <p:txBody>
+          <a:bodyPr vert="horz" lIns="91440" tIns="45720" rIns="91440" bIns="45720" rtlCol="0">
+            <a:noAutofit/>
+          </a:bodyPr>
+          <a:lstStyle>
+            <a:lvl1pPr marL="228600" indent="-228600" algn="l" defTabSz="914400" rtl="0" eaLnBrk="1" latinLnBrk="0" hangingPunct="1">
+              <a:lnSpc>
+                <a:spcPct val="90000"/>
+              </a:lnSpc>
+              <a:spcBef>
+                <a:spcPts val="1000"/>
+              </a:spcBef>
+              <a:buFont typeface="Arial" panose="020B0604020202020204" pitchFamily="34" charset="0"/>
+              <a:buChar char="•"/>
+              <a:defRPr sz="2800" kern="1200">
+                <a:solidFill>
+                  <a:schemeClr val="tx1"/>
+                </a:solidFill>
+                <a:latin typeface="+mn-lt"/>
+                <a:ea typeface="+mn-ea"/>
+                <a:cs typeface="+mn-cs"/>
+              </a:defRPr>
+            </a:lvl1pPr>
+            <a:lvl2pPr marL="685800" indent="-228600" algn="l" defTabSz="914400" rtl="0" eaLnBrk="1" latinLnBrk="0" hangingPunct="1">
+              <a:lnSpc>
+                <a:spcPct val="90000"/>
+              </a:lnSpc>
+              <a:spcBef>
+                <a:spcPts val="500"/>
+              </a:spcBef>
+              <a:buFont typeface="Arial" panose="020B0604020202020204" pitchFamily="34" charset="0"/>
+              <a:buChar char="•"/>
+              <a:defRPr sz="2400" kern="1200">
+                <a:solidFill>
+                  <a:schemeClr val="tx1"/>
+                </a:solidFill>
+                <a:latin typeface="+mn-lt"/>
+                <a:ea typeface="+mn-ea"/>
+                <a:cs typeface="+mn-cs"/>
+              </a:defRPr>
+            </a:lvl2pPr>
+            <a:lvl3pPr marL="1143000" indent="-228600" algn="l" defTabSz="914400" rtl="0" eaLnBrk="1" latinLnBrk="0" hangingPunct="1">
+              <a:lnSpc>
+                <a:spcPct val="90000"/>
+              </a:lnSpc>
+              <a:spcBef>
+                <a:spcPts val="500"/>
+              </a:spcBef>
+              <a:buFont typeface="Arial" panose="020B0604020202020204" pitchFamily="34" charset="0"/>
+              <a:buChar char="•"/>
+              <a:defRPr sz="2000" kern="1200">
+                <a:solidFill>
+                  <a:schemeClr val="tx1"/>
+                </a:solidFill>
+                <a:latin typeface="+mn-lt"/>
+                <a:ea typeface="+mn-ea"/>
+                <a:cs typeface="+mn-cs"/>
+              </a:defRPr>
+            </a:lvl3pPr>
+            <a:lvl4pPr marL="1600200" indent="-228600" algn="l" defTabSz="914400" rtl="0" eaLnBrk="1" latinLnBrk="0" hangingPunct="1">
+              <a:lnSpc>
+                <a:spcPct val="90000"/>
+              </a:lnSpc>
+              <a:spcBef>
+                <a:spcPts val="500"/>
+              </a:spcBef>
+              <a:buFont typeface="Arial" panose="020B0604020202020204" pitchFamily="34" charset="0"/>
+              <a:buChar char="•"/>
+              <a:defRPr sz="1800" kern="1200">
+                <a:solidFill>
+                  <a:schemeClr val="tx1"/>
+                </a:solidFill>
+                <a:latin typeface="+mn-lt"/>
+                <a:ea typeface="+mn-ea"/>
+                <a:cs typeface="+mn-cs"/>
+              </a:defRPr>
+            </a:lvl4pPr>
+            <a:lvl5pPr marL="2057400" indent="-228600" algn="l" defTabSz="914400" rtl="0" eaLnBrk="1" latinLnBrk="0" hangingPunct="1">
+              <a:lnSpc>
+                <a:spcPct val="90000"/>
+              </a:lnSpc>
+              <a:spcBef>
+                <a:spcPts val="500"/>
+              </a:spcBef>
+              <a:buFont typeface="Arial" panose="020B0604020202020204" pitchFamily="34" charset="0"/>
+              <a:buChar char="•"/>
+              <a:defRPr sz="1800" kern="1200">
+                <a:solidFill>
+                  <a:schemeClr val="tx1"/>
+                </a:solidFill>
+                <a:latin typeface="+mn-lt"/>
+                <a:ea typeface="+mn-ea"/>
+                <a:cs typeface="+mn-cs"/>
+              </a:defRPr>
+            </a:lvl5pPr>
+            <a:lvl6pPr marL="2514600" indent="-228600" algn="l" defTabSz="914400" rtl="0" eaLnBrk="1" latinLnBrk="0" hangingPunct="1">
+              <a:lnSpc>
+                <a:spcPct val="90000"/>
+              </a:lnSpc>
+              <a:spcBef>
+                <a:spcPts val="500"/>
+              </a:spcBef>
+              <a:buFont typeface="Arial" panose="020B0604020202020204" pitchFamily="34" charset="0"/>
+              <a:buChar char="•"/>
+              <a:defRPr sz="1800" kern="1200">
+                <a:solidFill>
+                  <a:schemeClr val="tx1"/>
+                </a:solidFill>
+                <a:latin typeface="+mn-lt"/>
+                <a:ea typeface="+mn-ea"/>
+                <a:cs typeface="+mn-cs"/>
+              </a:defRPr>
+            </a:lvl6pPr>
+            <a:lvl7pPr marL="2971800" indent="-228600" algn="l" defTabSz="914400" rtl="0" eaLnBrk="1" latinLnBrk="0" hangingPunct="1">
+              <a:lnSpc>
+                <a:spcPct val="90000"/>
+              </a:lnSpc>
+              <a:spcBef>
+                <a:spcPts val="500"/>
+              </a:spcBef>
+              <a:buFont typeface="Arial" panose="020B0604020202020204" pitchFamily="34" charset="0"/>
+              <a:buChar char="•"/>
+              <a:defRPr sz="1800" kern="1200">
+                <a:solidFill>
+                  <a:schemeClr val="tx1"/>
+                </a:solidFill>
+                <a:latin typeface="+mn-lt"/>
+                <a:ea typeface="+mn-ea"/>
+                <a:cs typeface="+mn-cs"/>
+              </a:defRPr>
+            </a:lvl7pPr>
+            <a:lvl8pPr marL="3429000" indent="-228600" algn="l" defTabSz="914400" rtl="0" eaLnBrk="1" latinLnBrk="0" hangingPunct="1">
+              <a:lnSpc>
+                <a:spcPct val="90000"/>
+              </a:lnSpc>
+              <a:spcBef>
+                <a:spcPts val="500"/>
+              </a:spcBef>
+              <a:buFont typeface="Arial" panose="020B0604020202020204" pitchFamily="34" charset="0"/>
+              <a:buChar char="•"/>
+              <a:defRPr sz="1800" kern="1200">
+                <a:solidFill>
+                  <a:schemeClr val="tx1"/>
+                </a:solidFill>
+                <a:latin typeface="+mn-lt"/>
+                <a:ea typeface="+mn-ea"/>
+                <a:cs typeface="+mn-cs"/>
+              </a:defRPr>
+            </a:lvl8pPr>
+            <a:lvl9pPr marL="3886200" indent="-228600" algn="l" defTabSz="914400" rtl="0" eaLnBrk="1" latinLnBrk="0" hangingPunct="1">
+              <a:lnSpc>
+                <a:spcPct val="90000"/>
+              </a:lnSpc>
+              <a:spcBef>
+                <a:spcPts val="500"/>
+              </a:spcBef>
+              <a:buFont typeface="Arial" panose="020B0604020202020204" pitchFamily="34" charset="0"/>
+              <a:buChar char="•"/>
+              <a:defRPr sz="1800" kern="1200">
+                <a:solidFill>
+                  <a:schemeClr val="tx1"/>
+                </a:solidFill>
+                <a:latin typeface="+mn-lt"/>
+                <a:ea typeface="+mn-ea"/>
+                <a:cs typeface="+mn-cs"/>
+              </a:defRPr>
+            </a:lvl9pPr>
+          </a:lstStyle>
+          <a:p>
+            <a:pPr marL="0" indent="0">
+              <a:buNone/>
+            </a:pPr>
+            <a:r>
+              <a:rPr lang="en-US" sz="2000" dirty="0">
+                <a:latin typeface="Times New Roman" panose="02020603050405020304" pitchFamily="18" charset="0"/>
+                <a:cs typeface="Times New Roman" panose="02020603050405020304" pitchFamily="18" charset="0"/>
+              </a:rPr>
+              <a:t>Affected by Tropical Storm 'Manuel' in </a:t>
+            </a:r>
+            <a:r>
+              <a:rPr lang="en-US" sz="2000" dirty="0" err="1" smtClean="0">
+                <a:latin typeface="Times New Roman" panose="02020603050405020304" pitchFamily="18" charset="0"/>
+                <a:cs typeface="Times New Roman" panose="02020603050405020304" pitchFamily="18" charset="0"/>
+              </a:rPr>
+              <a:t>Tixtla</a:t>
+            </a:r>
+            <a:r>
+              <a:rPr lang="en-US" sz="2000" dirty="0" smtClean="0">
+                <a:latin typeface="Times New Roman" panose="02020603050405020304" pitchFamily="18" charset="0"/>
+                <a:cs typeface="Times New Roman" panose="02020603050405020304" pitchFamily="18" charset="0"/>
+              </a:rPr>
+              <a:t> </a:t>
+            </a:r>
+            <a:r>
+              <a:rPr lang="en-US" sz="2000" dirty="0">
+                <a:latin typeface="Times New Roman" panose="02020603050405020304" pitchFamily="18" charset="0"/>
+                <a:cs typeface="Times New Roman" panose="02020603050405020304" pitchFamily="18" charset="0"/>
+              </a:rPr>
+              <a:t>marched to demand the construction of a controlled channel, it will prevent a flood like </a:t>
+            </a:r>
+            <a:r>
+              <a:rPr lang="en-US" sz="2000" dirty="0" smtClean="0">
+                <a:latin typeface="Times New Roman" panose="02020603050405020304" pitchFamily="18" charset="0"/>
+                <a:cs typeface="Times New Roman" panose="02020603050405020304" pitchFamily="18" charset="0"/>
+              </a:rPr>
+              <a:t>that.</a:t>
+            </a:r>
+            <a:endParaRPr lang="en-US" sz="2000" dirty="0"/>
+          </a:p>
+        </p:txBody>
+      </p:sp>
+      <p:cxnSp>
+        <p:nvCxnSpPr>
+          <p:cNvPr id="18" name="Straight Arrow Connector 17"/>
+          <p:cNvCxnSpPr/>
+          <p:nvPr/>
+        </p:nvCxnSpPr>
+        <p:spPr>
+          <a:xfrm flipH="1">
+            <a:off x="6209731" y="1406821"/>
+            <a:ext cx="1241947" cy="531161"/>
+          </a:xfrm>
+          <a:prstGeom prst="straightConnector1">
+            <a:avLst/>
+          </a:prstGeom>
+          <a:ln w="38100">
+            <a:solidFill>
+              <a:srgbClr val="00B050"/>
+            </a:solidFill>
+            <a:tailEnd type="triangle"/>
+          </a:ln>
+        </p:spPr>
+        <p:style>
+          <a:lnRef idx="1">
+            <a:schemeClr val="accent1"/>
+          </a:lnRef>
+          <a:fillRef idx="0">
+            <a:schemeClr val="accent1"/>
+          </a:fillRef>
+          <a:effectRef idx="0">
+            <a:schemeClr val="accent1"/>
+          </a:effectRef>
+          <a:fontRef idx="minor">
+            <a:schemeClr val="tx1"/>
+          </a:fontRef>
+        </p:style>
+      </p:cxnSp>
+    </p:spTree>
+    <p:extLst>
+      <p:ext uri="{BB962C8B-B14F-4D97-AF65-F5344CB8AC3E}">
+        <p14:creationId xmlns:p14="http://schemas.microsoft.com/office/powerpoint/2010/main" val="3817793245"/>
+      </p:ext>
+    </p:extLst>
+  </p:cSld>
+  <p:clrMapOvr>
+    <a:masterClrMapping/>
+  </p:clrMapOvr>
+</p:sld>
+</file>
+
+<file path=ppt/slides/slide4.xml><?xml version="1.0" encoding="utf-8"?>
+<p:sld xmlns:a="http://schemas.openxmlformats.org/drawingml/2006/main" xmlns:r="http://schemas.openxmlformats.org/officeDocument/2006/relationships" xmlns:p="http://schemas.openxmlformats.org/presentationml/2006/main">
+  <p:cSld>
+    <p:spTree>
+      <p:nvGrpSpPr>
+        <p:cNvPr id="1" name=""/>
+        <p:cNvGrpSpPr/>
+        <p:nvPr/>
+      </p:nvGrpSpPr>
+      <p:grpSpPr>
+        <a:xfrm>
+          <a:off x="0" y="0"/>
+          <a:ext cx="0" cy="0"/>
+          <a:chOff x="0" y="0"/>
+          <a:chExt cx="0" cy="0"/>
+        </a:xfrm>
+      </p:grpSpPr>
       <p:sp>
         <p:nvSpPr>
           <p:cNvPr id="5" name="Subtitle 2"/>
@@ -13000,7 +14896,7 @@
 </p:sld>
 </file>
 
-<file path=ppt/slides/slide4.xml><?xml version="1.0" encoding="utf-8"?>
+<file path=ppt/slides/slide5.xml><?xml version="1.0" encoding="utf-8"?>
 <p:sld xmlns:a="http://schemas.openxmlformats.org/drawingml/2006/main" xmlns:r="http://schemas.openxmlformats.org/officeDocument/2006/relationships" xmlns:p="http://schemas.openxmlformats.org/presentationml/2006/main">
   <p:cSld>
     <p:spTree>
@@ -13019,219 +14915,158 @@
       </p:grpSpPr>
       <p:sp>
         <p:nvSpPr>
-          <p:cNvPr id="5" name="Subtitle 2"/>
-          <p:cNvSpPr txBox="1">
-            <a:spLocks/>
-          </p:cNvSpPr>
+          <p:cNvPr id="2" name="Rectangle 1"/>
+          <p:cNvSpPr/>
           <p:nvPr/>
         </p:nvSpPr>
         <p:spPr>
           <a:xfrm>
-            <a:off x="2039815" y="2461646"/>
-            <a:ext cx="2809349" cy="1120089"/>
+            <a:off x="3837335" y="4012442"/>
+            <a:ext cx="354842" cy="1632488"/>
           </a:xfrm>
           <a:prstGeom prst="rect">
             <a:avLst/>
           </a:prstGeom>
-          <a:ln w="38100">
+          <a:solidFill>
+            <a:srgbClr val="FFFF00"/>
+          </a:solidFill>
+          <a:ln>
             <a:solidFill>
-              <a:srgbClr val="00B050"/>
+              <a:srgbClr val="FFFF00"/>
             </a:solidFill>
           </a:ln>
         </p:spPr>
+        <p:style>
+          <a:lnRef idx="2">
+            <a:schemeClr val="accent1">
+              <a:shade val="50000"/>
+            </a:schemeClr>
+          </a:lnRef>
+          <a:fillRef idx="1">
+            <a:schemeClr val="accent1"/>
+          </a:fillRef>
+          <a:effectRef idx="0">
+            <a:schemeClr val="accent1"/>
+          </a:effectRef>
+          <a:fontRef idx="minor">
+            <a:schemeClr val="lt1"/>
+          </a:fontRef>
+        </p:style>
         <p:txBody>
-          <a:bodyPr vert="horz" lIns="91440" tIns="45720" rIns="91440" bIns="45720" rtlCol="0">
-            <a:noAutofit/>
-          </a:bodyPr>
-          <a:lstStyle>
-            <a:lvl1pPr marL="228600" indent="-228600" algn="l" defTabSz="914400" rtl="0" eaLnBrk="1" latinLnBrk="0" hangingPunct="1">
-              <a:lnSpc>
-                <a:spcPct val="90000"/>
-              </a:lnSpc>
-              <a:spcBef>
-                <a:spcPts val="1000"/>
-              </a:spcBef>
-              <a:buFont typeface="Arial" panose="020B0604020202020204" pitchFamily="34" charset="0"/>
-              <a:buChar char="•"/>
-              <a:defRPr sz="2800" kern="1200">
-                <a:solidFill>
-                  <a:schemeClr val="tx1"/>
-                </a:solidFill>
-                <a:latin typeface="+mn-lt"/>
-                <a:ea typeface="+mn-ea"/>
-                <a:cs typeface="+mn-cs"/>
-              </a:defRPr>
-            </a:lvl1pPr>
-            <a:lvl2pPr marL="685800" indent="-228600" algn="l" defTabSz="914400" rtl="0" eaLnBrk="1" latinLnBrk="0" hangingPunct="1">
-              <a:lnSpc>
-                <a:spcPct val="90000"/>
-              </a:lnSpc>
-              <a:spcBef>
-                <a:spcPts val="500"/>
-              </a:spcBef>
-              <a:buFont typeface="Arial" panose="020B0604020202020204" pitchFamily="34" charset="0"/>
-              <a:buChar char="•"/>
-              <a:defRPr sz="2400" kern="1200">
-                <a:solidFill>
-                  <a:schemeClr val="tx1"/>
-                </a:solidFill>
-                <a:latin typeface="+mn-lt"/>
-                <a:ea typeface="+mn-ea"/>
-                <a:cs typeface="+mn-cs"/>
-              </a:defRPr>
-            </a:lvl2pPr>
-            <a:lvl3pPr marL="1143000" indent="-228600" algn="l" defTabSz="914400" rtl="0" eaLnBrk="1" latinLnBrk="0" hangingPunct="1">
-              <a:lnSpc>
-                <a:spcPct val="90000"/>
-              </a:lnSpc>
-              <a:spcBef>
-                <a:spcPts val="500"/>
-              </a:spcBef>
-              <a:buFont typeface="Arial" panose="020B0604020202020204" pitchFamily="34" charset="0"/>
-              <a:buChar char="•"/>
-              <a:defRPr sz="2000" kern="1200">
-                <a:solidFill>
-                  <a:schemeClr val="tx1"/>
-                </a:solidFill>
-                <a:latin typeface="+mn-lt"/>
-                <a:ea typeface="+mn-ea"/>
-                <a:cs typeface="+mn-cs"/>
-              </a:defRPr>
-            </a:lvl3pPr>
-            <a:lvl4pPr marL="1600200" indent="-228600" algn="l" defTabSz="914400" rtl="0" eaLnBrk="1" latinLnBrk="0" hangingPunct="1">
-              <a:lnSpc>
-                <a:spcPct val="90000"/>
-              </a:lnSpc>
-              <a:spcBef>
-                <a:spcPts val="500"/>
-              </a:spcBef>
-              <a:buFont typeface="Arial" panose="020B0604020202020204" pitchFamily="34" charset="0"/>
-              <a:buChar char="•"/>
-              <a:defRPr sz="1800" kern="1200">
-                <a:solidFill>
-                  <a:schemeClr val="tx1"/>
-                </a:solidFill>
-                <a:latin typeface="+mn-lt"/>
-                <a:ea typeface="+mn-ea"/>
-                <a:cs typeface="+mn-cs"/>
-              </a:defRPr>
-            </a:lvl4pPr>
-            <a:lvl5pPr marL="2057400" indent="-228600" algn="l" defTabSz="914400" rtl="0" eaLnBrk="1" latinLnBrk="0" hangingPunct="1">
-              <a:lnSpc>
-                <a:spcPct val="90000"/>
-              </a:lnSpc>
-              <a:spcBef>
-                <a:spcPts val="500"/>
-              </a:spcBef>
-              <a:buFont typeface="Arial" panose="020B0604020202020204" pitchFamily="34" charset="0"/>
-              <a:buChar char="•"/>
-              <a:defRPr sz="1800" kern="1200">
-                <a:solidFill>
-                  <a:schemeClr val="tx1"/>
-                </a:solidFill>
-                <a:latin typeface="+mn-lt"/>
-                <a:ea typeface="+mn-ea"/>
-                <a:cs typeface="+mn-cs"/>
-              </a:defRPr>
-            </a:lvl5pPr>
-            <a:lvl6pPr marL="2514600" indent="-228600" algn="l" defTabSz="914400" rtl="0" eaLnBrk="1" latinLnBrk="0" hangingPunct="1">
-              <a:lnSpc>
-                <a:spcPct val="90000"/>
-              </a:lnSpc>
-              <a:spcBef>
-                <a:spcPts val="500"/>
-              </a:spcBef>
-              <a:buFont typeface="Arial" panose="020B0604020202020204" pitchFamily="34" charset="0"/>
-              <a:buChar char="•"/>
-              <a:defRPr sz="1800" kern="1200">
-                <a:solidFill>
-                  <a:schemeClr val="tx1"/>
-                </a:solidFill>
-                <a:latin typeface="+mn-lt"/>
-                <a:ea typeface="+mn-ea"/>
-                <a:cs typeface="+mn-cs"/>
-              </a:defRPr>
-            </a:lvl6pPr>
-            <a:lvl7pPr marL="2971800" indent="-228600" algn="l" defTabSz="914400" rtl="0" eaLnBrk="1" latinLnBrk="0" hangingPunct="1">
-              <a:lnSpc>
-                <a:spcPct val="90000"/>
-              </a:lnSpc>
-              <a:spcBef>
-                <a:spcPts val="500"/>
-              </a:spcBef>
-              <a:buFont typeface="Arial" panose="020B0604020202020204" pitchFamily="34" charset="0"/>
-              <a:buChar char="•"/>
-              <a:defRPr sz="1800" kern="1200">
-                <a:solidFill>
-                  <a:schemeClr val="tx1"/>
-                </a:solidFill>
-                <a:latin typeface="+mn-lt"/>
-                <a:ea typeface="+mn-ea"/>
-                <a:cs typeface="+mn-cs"/>
-              </a:defRPr>
-            </a:lvl7pPr>
-            <a:lvl8pPr marL="3429000" indent="-228600" algn="l" defTabSz="914400" rtl="0" eaLnBrk="1" latinLnBrk="0" hangingPunct="1">
-              <a:lnSpc>
-                <a:spcPct val="90000"/>
-              </a:lnSpc>
-              <a:spcBef>
-                <a:spcPts val="500"/>
-              </a:spcBef>
-              <a:buFont typeface="Arial" panose="020B0604020202020204" pitchFamily="34" charset="0"/>
-              <a:buChar char="•"/>
-              <a:defRPr sz="1800" kern="1200">
-                <a:solidFill>
-                  <a:schemeClr val="tx1"/>
-                </a:solidFill>
-                <a:latin typeface="+mn-lt"/>
-                <a:ea typeface="+mn-ea"/>
-                <a:cs typeface="+mn-cs"/>
-              </a:defRPr>
-            </a:lvl8pPr>
-            <a:lvl9pPr marL="3886200" indent="-228600" algn="l" defTabSz="914400" rtl="0" eaLnBrk="1" latinLnBrk="0" hangingPunct="1">
-              <a:lnSpc>
-                <a:spcPct val="90000"/>
-              </a:lnSpc>
-              <a:spcBef>
-                <a:spcPts val="500"/>
-              </a:spcBef>
-              <a:buFont typeface="Arial" panose="020B0604020202020204" pitchFamily="34" charset="0"/>
-              <a:buChar char="•"/>
-              <a:defRPr sz="1800" kern="1200">
-                <a:solidFill>
-                  <a:schemeClr val="tx1"/>
-                </a:solidFill>
-                <a:latin typeface="+mn-lt"/>
-                <a:ea typeface="+mn-ea"/>
-                <a:cs typeface="+mn-cs"/>
-              </a:defRPr>
-            </a:lvl9pPr>
-          </a:lstStyle>
-          <a:p>
-            <a:pPr marL="0" indent="0">
-              <a:buNone/>
-            </a:pPr>
-            <a:r>
-              <a:rPr lang="en-US" sz="2000" dirty="0" smtClean="0">
-                <a:latin typeface="Times New Roman" panose="02020603050405020304" pitchFamily="18" charset="0"/>
-                <a:cs typeface="Times New Roman" panose="02020603050405020304" pitchFamily="18" charset="0"/>
-              </a:rPr>
-              <a:t>Farmers want the bank to forgive their debts due to the drought, which has hampered production.</a:t>
-            </a:r>
-            <a:endParaRPr lang="en-US" sz="2000" dirty="0"/>
+          <a:bodyPr rtlCol="0" anchor="ctr"/>
+          <a:lstStyle/>
+          <a:p>
+            <a:pPr algn="ctr"/>
+            <a:endParaRPr lang="en-US"/>
+          </a:p>
+        </p:txBody>
+      </p:sp>
+      <p:sp>
+        <p:nvSpPr>
+          <p:cNvPr id="12" name="Rectangle 11"/>
+          <p:cNvSpPr/>
+          <p:nvPr/>
+        </p:nvSpPr>
+        <p:spPr>
+          <a:xfrm>
+            <a:off x="7212846" y="4012442"/>
+            <a:ext cx="354842" cy="1632488"/>
+          </a:xfrm>
+          <a:prstGeom prst="rect">
+            <a:avLst/>
+          </a:prstGeom>
+          <a:solidFill>
+            <a:srgbClr val="FFFF00"/>
+          </a:solidFill>
+          <a:ln>
+            <a:solidFill>
+              <a:srgbClr val="FFFF00"/>
+            </a:solidFill>
+          </a:ln>
+        </p:spPr>
+        <p:style>
+          <a:lnRef idx="2">
+            <a:schemeClr val="accent1">
+              <a:shade val="50000"/>
+            </a:schemeClr>
+          </a:lnRef>
+          <a:fillRef idx="1">
+            <a:schemeClr val="accent1"/>
+          </a:fillRef>
+          <a:effectRef idx="0">
+            <a:schemeClr val="accent1"/>
+          </a:effectRef>
+          <a:fontRef idx="minor">
+            <a:schemeClr val="lt1"/>
+          </a:fontRef>
+        </p:style>
+        <p:txBody>
+          <a:bodyPr rtlCol="0" anchor="ctr"/>
+          <a:lstStyle/>
+          <a:p>
+            <a:pPr algn="ctr"/>
+            <a:endParaRPr lang="en-US"/>
+          </a:p>
+        </p:txBody>
+      </p:sp>
+      <p:sp>
+        <p:nvSpPr>
+          <p:cNvPr id="13" name="Rectangle 12"/>
+          <p:cNvSpPr/>
+          <p:nvPr/>
+        </p:nvSpPr>
+        <p:spPr>
+          <a:xfrm>
+            <a:off x="9423116" y="4012442"/>
+            <a:ext cx="354842" cy="1632488"/>
+          </a:xfrm>
+          <a:prstGeom prst="rect">
+            <a:avLst/>
+          </a:prstGeom>
+          <a:solidFill>
+            <a:srgbClr val="FFFF00"/>
+          </a:solidFill>
+          <a:ln>
+            <a:solidFill>
+              <a:srgbClr val="FFFF00"/>
+            </a:solidFill>
+          </a:ln>
+        </p:spPr>
+        <p:style>
+          <a:lnRef idx="2">
+            <a:schemeClr val="accent1">
+              <a:shade val="50000"/>
+            </a:schemeClr>
+          </a:lnRef>
+          <a:fillRef idx="1">
+            <a:schemeClr val="accent1"/>
+          </a:fillRef>
+          <a:effectRef idx="0">
+            <a:schemeClr val="accent1"/>
+          </a:effectRef>
+          <a:fontRef idx="minor">
+            <a:schemeClr val="lt1"/>
+          </a:fontRef>
+        </p:style>
+        <p:txBody>
+          <a:bodyPr rtlCol="0" anchor="ctr"/>
+          <a:lstStyle/>
+          <a:p>
+            <a:pPr algn="ctr"/>
+            <a:endParaRPr lang="en-US"/>
           </a:p>
         </p:txBody>
       </p:sp>
       <p:cxnSp>
         <p:nvCxnSpPr>
-          <p:cNvPr id="7" name="Straight Arrow Connector 6"/>
+          <p:cNvPr id="21" name="Straight Arrow Connector 20"/>
           <p:cNvCxnSpPr/>
           <p:nvPr/>
         </p:nvCxnSpPr>
         <p:spPr>
-          <a:xfrm>
-            <a:off x="3334043" y="3581735"/>
-            <a:ext cx="664751" cy="485298"/>
+          <a:xfrm flipH="1">
+            <a:off x="9650439" y="3358477"/>
+            <a:ext cx="407962" cy="946237"/>
           </a:xfrm>
           <a:prstGeom prst="straightConnector1">
             <a:avLst/>
@@ -13258,6 +15093,235 @@
           </a:fontRef>
         </p:style>
       </p:cxnSp>
+      <p:graphicFrame>
+        <p:nvGraphicFramePr>
+          <p:cNvPr id="15" name="Chart 14"/>
+          <p:cNvGraphicFramePr>
+            <a:graphicFrameLocks/>
+          </p:cNvGraphicFramePr>
+          <p:nvPr>
+            <p:extLst>
+              <p:ext uri="{D42A27DB-BD31-4B8C-83A1-F6EECF244321}">
+                <p14:modId xmlns:p14="http://schemas.microsoft.com/office/powerpoint/2010/main" val="166045522"/>
+              </p:ext>
+            </p:extLst>
+          </p:nvPr>
+        </p:nvGraphicFramePr>
+        <p:xfrm>
+          <a:off x="1446663" y="1782973"/>
+          <a:ext cx="9676262" cy="4790287"/>
+        </p:xfrm>
+        <a:graphic>
+          <a:graphicData uri="http://schemas.openxmlformats.org/drawingml/2006/chart">
+            <c:chart xmlns:c="http://schemas.openxmlformats.org/drawingml/2006/chart" xmlns:r="http://schemas.openxmlformats.org/officeDocument/2006/relationships" r:id="rId3"/>
+          </a:graphicData>
+        </a:graphic>
+      </p:graphicFrame>
+      <p:sp>
+        <p:nvSpPr>
+          <p:cNvPr id="5" name="Subtitle 2"/>
+          <p:cNvSpPr txBox="1">
+            <a:spLocks/>
+          </p:cNvSpPr>
+          <p:nvPr/>
+        </p:nvSpPr>
+        <p:spPr>
+          <a:xfrm>
+            <a:off x="2039815" y="2161390"/>
+            <a:ext cx="2809349" cy="1120089"/>
+          </a:xfrm>
+          <a:prstGeom prst="rect">
+            <a:avLst/>
+          </a:prstGeom>
+          <a:ln w="38100">
+            <a:solidFill>
+              <a:srgbClr val="00B050"/>
+            </a:solidFill>
+          </a:ln>
+        </p:spPr>
+        <p:txBody>
+          <a:bodyPr vert="horz" lIns="91440" tIns="45720" rIns="91440" bIns="45720" rtlCol="0">
+            <a:noAutofit/>
+          </a:bodyPr>
+          <a:lstStyle>
+            <a:lvl1pPr marL="228600" indent="-228600" algn="l" defTabSz="914400" rtl="0" eaLnBrk="1" latinLnBrk="0" hangingPunct="1">
+              <a:lnSpc>
+                <a:spcPct val="90000"/>
+              </a:lnSpc>
+              <a:spcBef>
+                <a:spcPts val="1000"/>
+              </a:spcBef>
+              <a:buFont typeface="Arial" panose="020B0604020202020204" pitchFamily="34" charset="0"/>
+              <a:buChar char="•"/>
+              <a:defRPr sz="2800" kern="1200">
+                <a:solidFill>
+                  <a:schemeClr val="tx1"/>
+                </a:solidFill>
+                <a:latin typeface="+mn-lt"/>
+                <a:ea typeface="+mn-ea"/>
+                <a:cs typeface="+mn-cs"/>
+              </a:defRPr>
+            </a:lvl1pPr>
+            <a:lvl2pPr marL="685800" indent="-228600" algn="l" defTabSz="914400" rtl="0" eaLnBrk="1" latinLnBrk="0" hangingPunct="1">
+              <a:lnSpc>
+                <a:spcPct val="90000"/>
+              </a:lnSpc>
+              <a:spcBef>
+                <a:spcPts val="500"/>
+              </a:spcBef>
+              <a:buFont typeface="Arial" panose="020B0604020202020204" pitchFamily="34" charset="0"/>
+              <a:buChar char="•"/>
+              <a:defRPr sz="2400" kern="1200">
+                <a:solidFill>
+                  <a:schemeClr val="tx1"/>
+                </a:solidFill>
+                <a:latin typeface="+mn-lt"/>
+                <a:ea typeface="+mn-ea"/>
+                <a:cs typeface="+mn-cs"/>
+              </a:defRPr>
+            </a:lvl2pPr>
+            <a:lvl3pPr marL="1143000" indent="-228600" algn="l" defTabSz="914400" rtl="0" eaLnBrk="1" latinLnBrk="0" hangingPunct="1">
+              <a:lnSpc>
+                <a:spcPct val="90000"/>
+              </a:lnSpc>
+              <a:spcBef>
+                <a:spcPts val="500"/>
+              </a:spcBef>
+              <a:buFont typeface="Arial" panose="020B0604020202020204" pitchFamily="34" charset="0"/>
+              <a:buChar char="•"/>
+              <a:defRPr sz="2000" kern="1200">
+                <a:solidFill>
+                  <a:schemeClr val="tx1"/>
+                </a:solidFill>
+                <a:latin typeface="+mn-lt"/>
+                <a:ea typeface="+mn-ea"/>
+                <a:cs typeface="+mn-cs"/>
+              </a:defRPr>
+            </a:lvl3pPr>
+            <a:lvl4pPr marL="1600200" indent="-228600" algn="l" defTabSz="914400" rtl="0" eaLnBrk="1" latinLnBrk="0" hangingPunct="1">
+              <a:lnSpc>
+                <a:spcPct val="90000"/>
+              </a:lnSpc>
+              <a:spcBef>
+                <a:spcPts val="500"/>
+              </a:spcBef>
+              <a:buFont typeface="Arial" panose="020B0604020202020204" pitchFamily="34" charset="0"/>
+              <a:buChar char="•"/>
+              <a:defRPr sz="1800" kern="1200">
+                <a:solidFill>
+                  <a:schemeClr val="tx1"/>
+                </a:solidFill>
+                <a:latin typeface="+mn-lt"/>
+                <a:ea typeface="+mn-ea"/>
+                <a:cs typeface="+mn-cs"/>
+              </a:defRPr>
+            </a:lvl4pPr>
+            <a:lvl5pPr marL="2057400" indent="-228600" algn="l" defTabSz="914400" rtl="0" eaLnBrk="1" latinLnBrk="0" hangingPunct="1">
+              <a:lnSpc>
+                <a:spcPct val="90000"/>
+              </a:lnSpc>
+              <a:spcBef>
+                <a:spcPts val="500"/>
+              </a:spcBef>
+              <a:buFont typeface="Arial" panose="020B0604020202020204" pitchFamily="34" charset="0"/>
+              <a:buChar char="•"/>
+              <a:defRPr sz="1800" kern="1200">
+                <a:solidFill>
+                  <a:schemeClr val="tx1"/>
+                </a:solidFill>
+                <a:latin typeface="+mn-lt"/>
+                <a:ea typeface="+mn-ea"/>
+                <a:cs typeface="+mn-cs"/>
+              </a:defRPr>
+            </a:lvl5pPr>
+            <a:lvl6pPr marL="2514600" indent="-228600" algn="l" defTabSz="914400" rtl="0" eaLnBrk="1" latinLnBrk="0" hangingPunct="1">
+              <a:lnSpc>
+                <a:spcPct val="90000"/>
+              </a:lnSpc>
+              <a:spcBef>
+                <a:spcPts val="500"/>
+              </a:spcBef>
+              <a:buFont typeface="Arial" panose="020B0604020202020204" pitchFamily="34" charset="0"/>
+              <a:buChar char="•"/>
+              <a:defRPr sz="1800" kern="1200">
+                <a:solidFill>
+                  <a:schemeClr val="tx1"/>
+                </a:solidFill>
+                <a:latin typeface="+mn-lt"/>
+                <a:ea typeface="+mn-ea"/>
+                <a:cs typeface="+mn-cs"/>
+              </a:defRPr>
+            </a:lvl6pPr>
+            <a:lvl7pPr marL="2971800" indent="-228600" algn="l" defTabSz="914400" rtl="0" eaLnBrk="1" latinLnBrk="0" hangingPunct="1">
+              <a:lnSpc>
+                <a:spcPct val="90000"/>
+              </a:lnSpc>
+              <a:spcBef>
+                <a:spcPts val="500"/>
+              </a:spcBef>
+              <a:buFont typeface="Arial" panose="020B0604020202020204" pitchFamily="34" charset="0"/>
+              <a:buChar char="•"/>
+              <a:defRPr sz="1800" kern="1200">
+                <a:solidFill>
+                  <a:schemeClr val="tx1"/>
+                </a:solidFill>
+                <a:latin typeface="+mn-lt"/>
+                <a:ea typeface="+mn-ea"/>
+                <a:cs typeface="+mn-cs"/>
+              </a:defRPr>
+            </a:lvl7pPr>
+            <a:lvl8pPr marL="3429000" indent="-228600" algn="l" defTabSz="914400" rtl="0" eaLnBrk="1" latinLnBrk="0" hangingPunct="1">
+              <a:lnSpc>
+                <a:spcPct val="90000"/>
+              </a:lnSpc>
+              <a:spcBef>
+                <a:spcPts val="500"/>
+              </a:spcBef>
+              <a:buFont typeface="Arial" panose="020B0604020202020204" pitchFamily="34" charset="0"/>
+              <a:buChar char="•"/>
+              <a:defRPr sz="1800" kern="1200">
+                <a:solidFill>
+                  <a:schemeClr val="tx1"/>
+                </a:solidFill>
+                <a:latin typeface="+mn-lt"/>
+                <a:ea typeface="+mn-ea"/>
+                <a:cs typeface="+mn-cs"/>
+              </a:defRPr>
+            </a:lvl8pPr>
+            <a:lvl9pPr marL="3886200" indent="-228600" algn="l" defTabSz="914400" rtl="0" eaLnBrk="1" latinLnBrk="0" hangingPunct="1">
+              <a:lnSpc>
+                <a:spcPct val="90000"/>
+              </a:lnSpc>
+              <a:spcBef>
+                <a:spcPts val="500"/>
+              </a:spcBef>
+              <a:buFont typeface="Arial" panose="020B0604020202020204" pitchFamily="34" charset="0"/>
+              <a:buChar char="•"/>
+              <a:defRPr sz="1800" kern="1200">
+                <a:solidFill>
+                  <a:schemeClr val="tx1"/>
+                </a:solidFill>
+                <a:latin typeface="+mn-lt"/>
+                <a:ea typeface="+mn-ea"/>
+                <a:cs typeface="+mn-cs"/>
+              </a:defRPr>
+            </a:lvl9pPr>
+          </a:lstStyle>
+          <a:p>
+            <a:pPr marL="0" indent="0">
+              <a:buNone/>
+            </a:pPr>
+            <a:r>
+              <a:rPr lang="en-US" sz="2000" dirty="0" smtClean="0">
+                <a:latin typeface="Times New Roman" panose="02020603050405020304" pitchFamily="18" charset="0"/>
+                <a:cs typeface="Times New Roman" panose="02020603050405020304" pitchFamily="18" charset="0"/>
+              </a:rPr>
+              <a:t>Farmers want the bank to forgive their debts due to the drought, which has hampered production.</a:t>
+            </a:r>
+            <a:endParaRPr lang="en-US" sz="2000" dirty="0"/>
+          </a:p>
+        </p:txBody>
+      </p:sp>
       <p:sp>
         <p:nvSpPr>
           <p:cNvPr id="11" name="Subtitle 2"/>
@@ -13742,150 +15806,6 @@
       </p:cxnSp>
       <p:sp>
         <p:nvSpPr>
-          <p:cNvPr id="2" name="Rectangle 1"/>
-          <p:cNvSpPr/>
-          <p:nvPr/>
-        </p:nvSpPr>
-        <p:spPr>
-          <a:xfrm>
-            <a:off x="3837335" y="4730530"/>
-            <a:ext cx="354842" cy="914400"/>
-          </a:xfrm>
-          <a:prstGeom prst="rect">
-            <a:avLst/>
-          </a:prstGeom>
-          <a:solidFill>
-            <a:srgbClr val="FFFF00"/>
-          </a:solidFill>
-          <a:ln>
-            <a:solidFill>
-              <a:srgbClr val="FFFF00"/>
-            </a:solidFill>
-          </a:ln>
-        </p:spPr>
-        <p:style>
-          <a:lnRef idx="2">
-            <a:schemeClr val="accent1">
-              <a:shade val="50000"/>
-            </a:schemeClr>
-          </a:lnRef>
-          <a:fillRef idx="1">
-            <a:schemeClr val="accent1"/>
-          </a:fillRef>
-          <a:effectRef idx="0">
-            <a:schemeClr val="accent1"/>
-          </a:effectRef>
-          <a:fontRef idx="minor">
-            <a:schemeClr val="lt1"/>
-          </a:fontRef>
-        </p:style>
-        <p:txBody>
-          <a:bodyPr rtlCol="0" anchor="ctr"/>
-          <a:lstStyle/>
-          <a:p>
-            <a:pPr algn="ctr"/>
-            <a:endParaRPr lang="en-US"/>
-          </a:p>
-        </p:txBody>
-      </p:sp>
-      <p:sp>
-        <p:nvSpPr>
-          <p:cNvPr id="12" name="Rectangle 11"/>
-          <p:cNvSpPr/>
-          <p:nvPr/>
-        </p:nvSpPr>
-        <p:spPr>
-          <a:xfrm>
-            <a:off x="7212846" y="4730530"/>
-            <a:ext cx="354842" cy="914400"/>
-          </a:xfrm>
-          <a:prstGeom prst="rect">
-            <a:avLst/>
-          </a:prstGeom>
-          <a:solidFill>
-            <a:srgbClr val="FFFF00"/>
-          </a:solidFill>
-          <a:ln>
-            <a:solidFill>
-              <a:srgbClr val="FFFF00"/>
-            </a:solidFill>
-          </a:ln>
-        </p:spPr>
-        <p:style>
-          <a:lnRef idx="2">
-            <a:schemeClr val="accent1">
-              <a:shade val="50000"/>
-            </a:schemeClr>
-          </a:lnRef>
-          <a:fillRef idx="1">
-            <a:schemeClr val="accent1"/>
-          </a:fillRef>
-          <a:effectRef idx="0">
-            <a:schemeClr val="accent1"/>
-          </a:effectRef>
-          <a:fontRef idx="minor">
-            <a:schemeClr val="lt1"/>
-          </a:fontRef>
-        </p:style>
-        <p:txBody>
-          <a:bodyPr rtlCol="0" anchor="ctr"/>
-          <a:lstStyle/>
-          <a:p>
-            <a:pPr algn="ctr"/>
-            <a:endParaRPr lang="en-US"/>
-          </a:p>
-        </p:txBody>
-      </p:sp>
-      <p:sp>
-        <p:nvSpPr>
-          <p:cNvPr id="13" name="Rectangle 12"/>
-          <p:cNvSpPr/>
-          <p:nvPr/>
-        </p:nvSpPr>
-        <p:spPr>
-          <a:xfrm>
-            <a:off x="9423116" y="4730530"/>
-            <a:ext cx="354842" cy="914400"/>
-          </a:xfrm>
-          <a:prstGeom prst="rect">
-            <a:avLst/>
-          </a:prstGeom>
-          <a:solidFill>
-            <a:srgbClr val="FFFF00"/>
-          </a:solidFill>
-          <a:ln>
-            <a:solidFill>
-              <a:srgbClr val="FFFF00"/>
-            </a:solidFill>
-          </a:ln>
-        </p:spPr>
-        <p:style>
-          <a:lnRef idx="2">
-            <a:schemeClr val="accent1">
-              <a:shade val="50000"/>
-            </a:schemeClr>
-          </a:lnRef>
-          <a:fillRef idx="1">
-            <a:schemeClr val="accent1"/>
-          </a:fillRef>
-          <a:effectRef idx="0">
-            <a:schemeClr val="accent1"/>
-          </a:effectRef>
-          <a:fontRef idx="minor">
-            <a:schemeClr val="lt1"/>
-          </a:fontRef>
-        </p:style>
-        <p:txBody>
-          <a:bodyPr rtlCol="0" anchor="ctr"/>
-          <a:lstStyle/>
-          <a:p>
-            <a:pPr algn="ctr"/>
-            <a:endParaRPr lang="en-US"/>
-          </a:p>
-        </p:txBody>
-      </p:sp>
-      <p:sp>
-        <p:nvSpPr>
           <p:cNvPr id="20" name="Subtitle 2"/>
           <p:cNvSpPr txBox="1">
             <a:spLocks/>
@@ -14091,14 +16011,14 @@
       </p:sp>
       <p:cxnSp>
         <p:nvCxnSpPr>
-          <p:cNvPr id="21" name="Straight Arrow Connector 20"/>
+          <p:cNvPr id="7" name="Straight Arrow Connector 6"/>
           <p:cNvCxnSpPr/>
           <p:nvPr/>
         </p:nvCxnSpPr>
         <p:spPr>
-          <a:xfrm flipH="1">
-            <a:off x="9650439" y="3358477"/>
-            <a:ext cx="407962" cy="946237"/>
+          <a:xfrm>
+            <a:off x="3511467" y="3281479"/>
+            <a:ext cx="626118" cy="635428"/>
           </a:xfrm>
           <a:prstGeom prst="straightConnector1">
             <a:avLst/>
@@ -14125,30 +16045,6 @@
           </a:fontRef>
         </p:style>
       </p:cxnSp>
-      <p:graphicFrame>
-        <p:nvGraphicFramePr>
-          <p:cNvPr id="15" name="Chart 14"/>
-          <p:cNvGraphicFramePr>
-            <a:graphicFrameLocks/>
-          </p:cNvGraphicFramePr>
-          <p:nvPr>
-            <p:extLst>
-              <p:ext uri="{D42A27DB-BD31-4B8C-83A1-F6EECF244321}">
-                <p14:modId xmlns:p14="http://schemas.microsoft.com/office/powerpoint/2010/main" val="3287086863"/>
-              </p:ext>
-            </p:extLst>
-          </p:nvPr>
-        </p:nvGraphicFramePr>
-        <p:xfrm>
-          <a:off x="1446663" y="1782973"/>
-          <a:ext cx="9676262" cy="4790287"/>
-        </p:xfrm>
-        <a:graphic>
-          <a:graphicData uri="http://schemas.openxmlformats.org/drawingml/2006/chart">
-            <c:chart xmlns:c="http://schemas.openxmlformats.org/drawingml/2006/chart" xmlns:r="http://schemas.openxmlformats.org/officeDocument/2006/relationships" r:id="rId3"/>
-          </a:graphicData>
-        </a:graphic>
-      </p:graphicFrame>
     </p:spTree>
     <p:extLst>
       <p:ext uri="{BB962C8B-B14F-4D97-AF65-F5344CB8AC3E}">
@@ -14162,7 +16058,7 @@
 </p:sld>
 </file>
 
-<file path=ppt/slides/slide5.xml><?xml version="1.0" encoding="utf-8"?>
+<file path=ppt/slides/slide6.xml><?xml version="1.0" encoding="utf-8"?>
 <p:sld xmlns:a="http://schemas.openxmlformats.org/drawingml/2006/main" xmlns:r="http://schemas.openxmlformats.org/officeDocument/2006/relationships" xmlns:p="http://schemas.openxmlformats.org/presentationml/2006/main">
   <p:cSld>
     <p:spTree>
@@ -14179,30 +16075,6 @@
           <a:chExt cx="0" cy="0"/>
         </a:xfrm>
       </p:grpSpPr>
-      <p:graphicFrame>
-        <p:nvGraphicFramePr>
-          <p:cNvPr id="5" name="Chart 4"/>
-          <p:cNvGraphicFramePr>
-            <a:graphicFrameLocks/>
-          </p:cNvGraphicFramePr>
-          <p:nvPr>
-            <p:extLst>
-              <p:ext uri="{D42A27DB-BD31-4B8C-83A1-F6EECF244321}">
-                <p14:modId xmlns:p14="http://schemas.microsoft.com/office/powerpoint/2010/main" val="533159296"/>
-              </p:ext>
-            </p:extLst>
-          </p:nvPr>
-        </p:nvGraphicFramePr>
-        <p:xfrm>
-          <a:off x="1337481" y="491319"/>
-          <a:ext cx="8882844" cy="5399894"/>
-        </p:xfrm>
-        <a:graphic>
-          <a:graphicData uri="http://schemas.openxmlformats.org/drawingml/2006/chart">
-            <c:chart xmlns:c="http://schemas.openxmlformats.org/drawingml/2006/chart" xmlns:r="http://schemas.openxmlformats.org/officeDocument/2006/relationships" r:id="rId2"/>
-          </a:graphicData>
-        </a:graphic>
-      </p:graphicFrame>
       <p:sp>
         <p:nvSpPr>
           <p:cNvPr id="6" name="Rectangle 5"/>
@@ -14211,8 +16083,8 @@
         </p:nvSpPr>
         <p:spPr>
           <a:xfrm>
-            <a:off x="7522230" y="2811439"/>
-            <a:ext cx="354842" cy="2123808"/>
+            <a:off x="7522230" y="3957850"/>
+            <a:ext cx="354842" cy="1523311"/>
           </a:xfrm>
           <a:prstGeom prst="rect">
             <a:avLst/>
@@ -14259,8 +16131,8 @@
         </p:nvSpPr>
         <p:spPr>
           <a:xfrm>
-            <a:off x="4781340" y="4231777"/>
-            <a:ext cx="354842" cy="703469"/>
+            <a:off x="4781340" y="3957851"/>
+            <a:ext cx="354842" cy="1523312"/>
           </a:xfrm>
           <a:prstGeom prst="rect">
             <a:avLst/>
@@ -14299,232 +16171,6 @@
           </a:p>
         </p:txBody>
       </p:sp>
-      <p:sp>
-        <p:nvSpPr>
-          <p:cNvPr id="8" name="Subtitle 2"/>
-          <p:cNvSpPr txBox="1">
-            <a:spLocks/>
-          </p:cNvSpPr>
-          <p:nvPr/>
-        </p:nvSpPr>
-        <p:spPr>
-          <a:xfrm>
-            <a:off x="3425381" y="244979"/>
-            <a:ext cx="2743408" cy="1120089"/>
-          </a:xfrm>
-          <a:prstGeom prst="rect">
-            <a:avLst/>
-          </a:prstGeom>
-          <a:ln w="38100">
-            <a:solidFill>
-              <a:srgbClr val="00B050"/>
-            </a:solidFill>
-          </a:ln>
-        </p:spPr>
-        <p:txBody>
-          <a:bodyPr vert="horz" lIns="91440" tIns="45720" rIns="91440" bIns="45720" rtlCol="0">
-            <a:noAutofit/>
-          </a:bodyPr>
-          <a:lstStyle>
-            <a:lvl1pPr marL="228600" indent="-228600" algn="l" defTabSz="914400" rtl="0" eaLnBrk="1" latinLnBrk="0" hangingPunct="1">
-              <a:lnSpc>
-                <a:spcPct val="90000"/>
-              </a:lnSpc>
-              <a:spcBef>
-                <a:spcPts val="1000"/>
-              </a:spcBef>
-              <a:buFont typeface="Arial" panose="020B0604020202020204" pitchFamily="34" charset="0"/>
-              <a:buChar char="•"/>
-              <a:defRPr sz="2800" kern="1200">
-                <a:solidFill>
-                  <a:schemeClr val="tx1"/>
-                </a:solidFill>
-                <a:latin typeface="+mn-lt"/>
-                <a:ea typeface="+mn-ea"/>
-                <a:cs typeface="+mn-cs"/>
-              </a:defRPr>
-            </a:lvl1pPr>
-            <a:lvl2pPr marL="685800" indent="-228600" algn="l" defTabSz="914400" rtl="0" eaLnBrk="1" latinLnBrk="0" hangingPunct="1">
-              <a:lnSpc>
-                <a:spcPct val="90000"/>
-              </a:lnSpc>
-              <a:spcBef>
-                <a:spcPts val="500"/>
-              </a:spcBef>
-              <a:buFont typeface="Arial" panose="020B0604020202020204" pitchFamily="34" charset="0"/>
-              <a:buChar char="•"/>
-              <a:defRPr sz="2400" kern="1200">
-                <a:solidFill>
-                  <a:schemeClr val="tx1"/>
-                </a:solidFill>
-                <a:latin typeface="+mn-lt"/>
-                <a:ea typeface="+mn-ea"/>
-                <a:cs typeface="+mn-cs"/>
-              </a:defRPr>
-            </a:lvl2pPr>
-            <a:lvl3pPr marL="1143000" indent="-228600" algn="l" defTabSz="914400" rtl="0" eaLnBrk="1" latinLnBrk="0" hangingPunct="1">
-              <a:lnSpc>
-                <a:spcPct val="90000"/>
-              </a:lnSpc>
-              <a:spcBef>
-                <a:spcPts val="500"/>
-              </a:spcBef>
-              <a:buFont typeface="Arial" panose="020B0604020202020204" pitchFamily="34" charset="0"/>
-              <a:buChar char="•"/>
-              <a:defRPr sz="2000" kern="1200">
-                <a:solidFill>
-                  <a:schemeClr val="tx1"/>
-                </a:solidFill>
-                <a:latin typeface="+mn-lt"/>
-                <a:ea typeface="+mn-ea"/>
-                <a:cs typeface="+mn-cs"/>
-              </a:defRPr>
-            </a:lvl3pPr>
-            <a:lvl4pPr marL="1600200" indent="-228600" algn="l" defTabSz="914400" rtl="0" eaLnBrk="1" latinLnBrk="0" hangingPunct="1">
-              <a:lnSpc>
-                <a:spcPct val="90000"/>
-              </a:lnSpc>
-              <a:spcBef>
-                <a:spcPts val="500"/>
-              </a:spcBef>
-              <a:buFont typeface="Arial" panose="020B0604020202020204" pitchFamily="34" charset="0"/>
-              <a:buChar char="•"/>
-              <a:defRPr sz="1800" kern="1200">
-                <a:solidFill>
-                  <a:schemeClr val="tx1"/>
-                </a:solidFill>
-                <a:latin typeface="+mn-lt"/>
-                <a:ea typeface="+mn-ea"/>
-                <a:cs typeface="+mn-cs"/>
-              </a:defRPr>
-            </a:lvl4pPr>
-            <a:lvl5pPr marL="2057400" indent="-228600" algn="l" defTabSz="914400" rtl="0" eaLnBrk="1" latinLnBrk="0" hangingPunct="1">
-              <a:lnSpc>
-                <a:spcPct val="90000"/>
-              </a:lnSpc>
-              <a:spcBef>
-                <a:spcPts val="500"/>
-              </a:spcBef>
-              <a:buFont typeface="Arial" panose="020B0604020202020204" pitchFamily="34" charset="0"/>
-              <a:buChar char="•"/>
-              <a:defRPr sz="1800" kern="1200">
-                <a:solidFill>
-                  <a:schemeClr val="tx1"/>
-                </a:solidFill>
-                <a:latin typeface="+mn-lt"/>
-                <a:ea typeface="+mn-ea"/>
-                <a:cs typeface="+mn-cs"/>
-              </a:defRPr>
-            </a:lvl5pPr>
-            <a:lvl6pPr marL="2514600" indent="-228600" algn="l" defTabSz="914400" rtl="0" eaLnBrk="1" latinLnBrk="0" hangingPunct="1">
-              <a:lnSpc>
-                <a:spcPct val="90000"/>
-              </a:lnSpc>
-              <a:spcBef>
-                <a:spcPts val="500"/>
-              </a:spcBef>
-              <a:buFont typeface="Arial" panose="020B0604020202020204" pitchFamily="34" charset="0"/>
-              <a:buChar char="•"/>
-              <a:defRPr sz="1800" kern="1200">
-                <a:solidFill>
-                  <a:schemeClr val="tx1"/>
-                </a:solidFill>
-                <a:latin typeface="+mn-lt"/>
-                <a:ea typeface="+mn-ea"/>
-                <a:cs typeface="+mn-cs"/>
-              </a:defRPr>
-            </a:lvl6pPr>
-            <a:lvl7pPr marL="2971800" indent="-228600" algn="l" defTabSz="914400" rtl="0" eaLnBrk="1" latinLnBrk="0" hangingPunct="1">
-              <a:lnSpc>
-                <a:spcPct val="90000"/>
-              </a:lnSpc>
-              <a:spcBef>
-                <a:spcPts val="500"/>
-              </a:spcBef>
-              <a:buFont typeface="Arial" panose="020B0604020202020204" pitchFamily="34" charset="0"/>
-              <a:buChar char="•"/>
-              <a:defRPr sz="1800" kern="1200">
-                <a:solidFill>
-                  <a:schemeClr val="tx1"/>
-                </a:solidFill>
-                <a:latin typeface="+mn-lt"/>
-                <a:ea typeface="+mn-ea"/>
-                <a:cs typeface="+mn-cs"/>
-              </a:defRPr>
-            </a:lvl7pPr>
-            <a:lvl8pPr marL="3429000" indent="-228600" algn="l" defTabSz="914400" rtl="0" eaLnBrk="1" latinLnBrk="0" hangingPunct="1">
-              <a:lnSpc>
-                <a:spcPct val="90000"/>
-              </a:lnSpc>
-              <a:spcBef>
-                <a:spcPts val="500"/>
-              </a:spcBef>
-              <a:buFont typeface="Arial" panose="020B0604020202020204" pitchFamily="34" charset="0"/>
-              <a:buChar char="•"/>
-              <a:defRPr sz="1800" kern="1200">
-                <a:solidFill>
-                  <a:schemeClr val="tx1"/>
-                </a:solidFill>
-                <a:latin typeface="+mn-lt"/>
-                <a:ea typeface="+mn-ea"/>
-                <a:cs typeface="+mn-cs"/>
-              </a:defRPr>
-            </a:lvl8pPr>
-            <a:lvl9pPr marL="3886200" indent="-228600" algn="l" defTabSz="914400" rtl="0" eaLnBrk="1" latinLnBrk="0" hangingPunct="1">
-              <a:lnSpc>
-                <a:spcPct val="90000"/>
-              </a:lnSpc>
-              <a:spcBef>
-                <a:spcPts val="500"/>
-              </a:spcBef>
-              <a:buFont typeface="Arial" panose="020B0604020202020204" pitchFamily="34" charset="0"/>
-              <a:buChar char="•"/>
-              <a:defRPr sz="1800" kern="1200">
-                <a:solidFill>
-                  <a:schemeClr val="tx1"/>
-                </a:solidFill>
-                <a:latin typeface="+mn-lt"/>
-                <a:ea typeface="+mn-ea"/>
-                <a:cs typeface="+mn-cs"/>
-              </a:defRPr>
-            </a:lvl9pPr>
-          </a:lstStyle>
-          <a:p>
-            <a:pPr marL="0" lvl="0" indent="0">
-              <a:buNone/>
-            </a:pPr>
-            <a:r>
-              <a:rPr lang="en-US" sz="1800" dirty="0">
-                <a:latin typeface="Times New Roman" panose="02020603050405020304" pitchFamily="18" charset="0"/>
-                <a:cs typeface="Times New Roman" panose="02020603050405020304" pitchFamily="18" charset="0"/>
-              </a:rPr>
-              <a:t>A group of neighbors </a:t>
-            </a:r>
-            <a:r>
-              <a:rPr lang="en-US" sz="1800" dirty="0" smtClean="0">
-                <a:latin typeface="Times New Roman" panose="02020603050405020304" pitchFamily="18" charset="0"/>
-                <a:cs typeface="Times New Roman" panose="02020603050405020304" pitchFamily="18" charset="0"/>
-              </a:rPr>
-              <a:t>demanding </a:t>
-            </a:r>
-            <a:r>
-              <a:rPr lang="en-US" sz="1800" dirty="0">
-                <a:latin typeface="Times New Roman" panose="02020603050405020304" pitchFamily="18" charset="0"/>
-                <a:cs typeface="Times New Roman" panose="02020603050405020304" pitchFamily="18" charset="0"/>
-              </a:rPr>
-              <a:t>the execution of channeling the San Pedro River and prevent </a:t>
-            </a:r>
-            <a:r>
-              <a:rPr lang="en-US" sz="1800" dirty="0" smtClean="0">
-                <a:latin typeface="Times New Roman" panose="02020603050405020304" pitchFamily="18" charset="0"/>
-                <a:cs typeface="Times New Roman" panose="02020603050405020304" pitchFamily="18" charset="0"/>
-              </a:rPr>
-              <a:t>flooding.</a:t>
-            </a:r>
-            <a:endParaRPr lang="en-US" sz="1800" dirty="0"/>
-          </a:p>
-        </p:txBody>
-      </p:sp>
       <p:cxnSp>
         <p:nvCxnSpPr>
           <p:cNvPr id="9" name="Straight Arrow Connector 8"/>
@@ -14532,9 +16178,9 @@
           <p:nvPr/>
         </p:nvCxnSpPr>
         <p:spPr>
-          <a:xfrm flipH="1">
-            <a:off x="4958761" y="1365068"/>
-            <a:ext cx="177421" cy="1746621"/>
+          <a:xfrm>
+            <a:off x="4788308" y="1661791"/>
+            <a:ext cx="210223" cy="2034281"/>
           </a:xfrm>
           <a:prstGeom prst="straightConnector1">
             <a:avLst/>
@@ -14569,8 +16215,8 @@
         </p:nvSpPr>
         <p:spPr>
           <a:xfrm>
-            <a:off x="5752569" y="3507476"/>
-            <a:ext cx="313898" cy="1427771"/>
+            <a:off x="5752569" y="3957850"/>
+            <a:ext cx="313898" cy="1523312"/>
           </a:xfrm>
           <a:prstGeom prst="rect">
             <a:avLst/>
@@ -14617,8 +16263,8 @@
         </p:nvSpPr>
         <p:spPr>
           <a:xfrm>
-            <a:off x="4440146" y="3507475"/>
-            <a:ext cx="341194" cy="1427771"/>
+            <a:off x="4440146" y="3957849"/>
+            <a:ext cx="341194" cy="1523312"/>
           </a:xfrm>
           <a:prstGeom prst="rect">
             <a:avLst/>
@@ -14667,8 +16313,8 @@
         </p:nvSpPr>
         <p:spPr>
           <a:xfrm>
-            <a:off x="1856096" y="1480636"/>
-            <a:ext cx="2634798" cy="1120089"/>
+            <a:off x="1733263" y="2026551"/>
+            <a:ext cx="2627309" cy="1120089"/>
           </a:xfrm>
           <a:prstGeom prst="rect">
             <a:avLst/>
@@ -14896,271 +16542,8 @@
         </p:nvCxnSpPr>
         <p:spPr>
           <a:xfrm>
-            <a:off x="3795011" y="2600725"/>
-            <a:ext cx="695883" cy="482460"/>
-          </a:xfrm>
-          <a:prstGeom prst="straightConnector1">
-            <a:avLst/>
-          </a:prstGeom>
-          <a:ln w="38100">
-            <a:solidFill>
-              <a:srgbClr val="00B050"/>
-            </a:solidFill>
-            <a:tailEnd type="triangle"/>
-          </a:ln>
-        </p:spPr>
-        <p:style>
-          <a:lnRef idx="1">
-            <a:schemeClr val="accent1"/>
-          </a:lnRef>
-          <a:fillRef idx="0">
-            <a:schemeClr val="accent1"/>
-          </a:fillRef>
-          <a:effectRef idx="0">
-            <a:schemeClr val="accent1"/>
-          </a:effectRef>
-          <a:fontRef idx="minor">
-            <a:schemeClr val="tx1"/>
-          </a:fontRef>
-        </p:style>
-      </p:cxnSp>
-      <p:sp>
-        <p:nvSpPr>
-          <p:cNvPr id="21" name="Subtitle 2"/>
-          <p:cNvSpPr txBox="1">
-            <a:spLocks/>
-          </p:cNvSpPr>
-          <p:nvPr/>
-        </p:nvSpPr>
-        <p:spPr>
-          <a:xfrm>
-            <a:off x="8872184" y="1617405"/>
-            <a:ext cx="2141559" cy="1194034"/>
-          </a:xfrm>
-          <a:prstGeom prst="rect">
-            <a:avLst/>
-          </a:prstGeom>
-          <a:ln w="38100">
-            <a:solidFill>
-              <a:srgbClr val="00B050"/>
-            </a:solidFill>
-          </a:ln>
-        </p:spPr>
-        <p:txBody>
-          <a:bodyPr vert="horz" lIns="91440" tIns="45720" rIns="91440" bIns="45720" rtlCol="0">
-            <a:noAutofit/>
-          </a:bodyPr>
-          <a:lstStyle>
-            <a:lvl1pPr marL="228600" indent="-228600" algn="l" defTabSz="914400" rtl="0" eaLnBrk="1" latinLnBrk="0" hangingPunct="1">
-              <a:lnSpc>
-                <a:spcPct val="90000"/>
-              </a:lnSpc>
-              <a:spcBef>
-                <a:spcPts val="1000"/>
-              </a:spcBef>
-              <a:buFont typeface="Arial" panose="020B0604020202020204" pitchFamily="34" charset="0"/>
-              <a:buChar char="•"/>
-              <a:defRPr sz="2800" kern="1200">
-                <a:solidFill>
-                  <a:schemeClr val="tx1"/>
-                </a:solidFill>
-                <a:latin typeface="+mn-lt"/>
-                <a:ea typeface="+mn-ea"/>
-                <a:cs typeface="+mn-cs"/>
-              </a:defRPr>
-            </a:lvl1pPr>
-            <a:lvl2pPr marL="685800" indent="-228600" algn="l" defTabSz="914400" rtl="0" eaLnBrk="1" latinLnBrk="0" hangingPunct="1">
-              <a:lnSpc>
-                <a:spcPct val="90000"/>
-              </a:lnSpc>
-              <a:spcBef>
-                <a:spcPts val="500"/>
-              </a:spcBef>
-              <a:buFont typeface="Arial" panose="020B0604020202020204" pitchFamily="34" charset="0"/>
-              <a:buChar char="•"/>
-              <a:defRPr sz="2400" kern="1200">
-                <a:solidFill>
-                  <a:schemeClr val="tx1"/>
-                </a:solidFill>
-                <a:latin typeface="+mn-lt"/>
-                <a:ea typeface="+mn-ea"/>
-                <a:cs typeface="+mn-cs"/>
-              </a:defRPr>
-            </a:lvl2pPr>
-            <a:lvl3pPr marL="1143000" indent="-228600" algn="l" defTabSz="914400" rtl="0" eaLnBrk="1" latinLnBrk="0" hangingPunct="1">
-              <a:lnSpc>
-                <a:spcPct val="90000"/>
-              </a:lnSpc>
-              <a:spcBef>
-                <a:spcPts val="500"/>
-              </a:spcBef>
-              <a:buFont typeface="Arial" panose="020B0604020202020204" pitchFamily="34" charset="0"/>
-              <a:buChar char="•"/>
-              <a:defRPr sz="2000" kern="1200">
-                <a:solidFill>
-                  <a:schemeClr val="tx1"/>
-                </a:solidFill>
-                <a:latin typeface="+mn-lt"/>
-                <a:ea typeface="+mn-ea"/>
-                <a:cs typeface="+mn-cs"/>
-              </a:defRPr>
-            </a:lvl3pPr>
-            <a:lvl4pPr marL="1600200" indent="-228600" algn="l" defTabSz="914400" rtl="0" eaLnBrk="1" latinLnBrk="0" hangingPunct="1">
-              <a:lnSpc>
-                <a:spcPct val="90000"/>
-              </a:lnSpc>
-              <a:spcBef>
-                <a:spcPts val="500"/>
-              </a:spcBef>
-              <a:buFont typeface="Arial" panose="020B0604020202020204" pitchFamily="34" charset="0"/>
-              <a:buChar char="•"/>
-              <a:defRPr sz="1800" kern="1200">
-                <a:solidFill>
-                  <a:schemeClr val="tx1"/>
-                </a:solidFill>
-                <a:latin typeface="+mn-lt"/>
-                <a:ea typeface="+mn-ea"/>
-                <a:cs typeface="+mn-cs"/>
-              </a:defRPr>
-            </a:lvl4pPr>
-            <a:lvl5pPr marL="2057400" indent="-228600" algn="l" defTabSz="914400" rtl="0" eaLnBrk="1" latinLnBrk="0" hangingPunct="1">
-              <a:lnSpc>
-                <a:spcPct val="90000"/>
-              </a:lnSpc>
-              <a:spcBef>
-                <a:spcPts val="500"/>
-              </a:spcBef>
-              <a:buFont typeface="Arial" panose="020B0604020202020204" pitchFamily="34" charset="0"/>
-              <a:buChar char="•"/>
-              <a:defRPr sz="1800" kern="1200">
-                <a:solidFill>
-                  <a:schemeClr val="tx1"/>
-                </a:solidFill>
-                <a:latin typeface="+mn-lt"/>
-                <a:ea typeface="+mn-ea"/>
-                <a:cs typeface="+mn-cs"/>
-              </a:defRPr>
-            </a:lvl5pPr>
-            <a:lvl6pPr marL="2514600" indent="-228600" algn="l" defTabSz="914400" rtl="0" eaLnBrk="1" latinLnBrk="0" hangingPunct="1">
-              <a:lnSpc>
-                <a:spcPct val="90000"/>
-              </a:lnSpc>
-              <a:spcBef>
-                <a:spcPts val="500"/>
-              </a:spcBef>
-              <a:buFont typeface="Arial" panose="020B0604020202020204" pitchFamily="34" charset="0"/>
-              <a:buChar char="•"/>
-              <a:defRPr sz="1800" kern="1200">
-                <a:solidFill>
-                  <a:schemeClr val="tx1"/>
-                </a:solidFill>
-                <a:latin typeface="+mn-lt"/>
-                <a:ea typeface="+mn-ea"/>
-                <a:cs typeface="+mn-cs"/>
-              </a:defRPr>
-            </a:lvl6pPr>
-            <a:lvl7pPr marL="2971800" indent="-228600" algn="l" defTabSz="914400" rtl="0" eaLnBrk="1" latinLnBrk="0" hangingPunct="1">
-              <a:lnSpc>
-                <a:spcPct val="90000"/>
-              </a:lnSpc>
-              <a:spcBef>
-                <a:spcPts val="500"/>
-              </a:spcBef>
-              <a:buFont typeface="Arial" panose="020B0604020202020204" pitchFamily="34" charset="0"/>
-              <a:buChar char="•"/>
-              <a:defRPr sz="1800" kern="1200">
-                <a:solidFill>
-                  <a:schemeClr val="tx1"/>
-                </a:solidFill>
-                <a:latin typeface="+mn-lt"/>
-                <a:ea typeface="+mn-ea"/>
-                <a:cs typeface="+mn-cs"/>
-              </a:defRPr>
-            </a:lvl7pPr>
-            <a:lvl8pPr marL="3429000" indent="-228600" algn="l" defTabSz="914400" rtl="0" eaLnBrk="1" latinLnBrk="0" hangingPunct="1">
-              <a:lnSpc>
-                <a:spcPct val="90000"/>
-              </a:lnSpc>
-              <a:spcBef>
-                <a:spcPts val="500"/>
-              </a:spcBef>
-              <a:buFont typeface="Arial" panose="020B0604020202020204" pitchFamily="34" charset="0"/>
-              <a:buChar char="•"/>
-              <a:defRPr sz="1800" kern="1200">
-                <a:solidFill>
-                  <a:schemeClr val="tx1"/>
-                </a:solidFill>
-                <a:latin typeface="+mn-lt"/>
-                <a:ea typeface="+mn-ea"/>
-                <a:cs typeface="+mn-cs"/>
-              </a:defRPr>
-            </a:lvl8pPr>
-            <a:lvl9pPr marL="3886200" indent="-228600" algn="l" defTabSz="914400" rtl="0" eaLnBrk="1" latinLnBrk="0" hangingPunct="1">
-              <a:lnSpc>
-                <a:spcPct val="90000"/>
-              </a:lnSpc>
-              <a:spcBef>
-                <a:spcPts val="500"/>
-              </a:spcBef>
-              <a:buFont typeface="Arial" panose="020B0604020202020204" pitchFamily="34" charset="0"/>
-              <a:buChar char="•"/>
-              <a:defRPr sz="1800" kern="1200">
-                <a:solidFill>
-                  <a:schemeClr val="tx1"/>
-                </a:solidFill>
-                <a:latin typeface="+mn-lt"/>
-                <a:ea typeface="+mn-ea"/>
-                <a:cs typeface="+mn-cs"/>
-              </a:defRPr>
-            </a:lvl9pPr>
-          </a:lstStyle>
-          <a:p>
-            <a:pPr marL="0" lvl="0" indent="0" eaLnBrk="0" fontAlgn="base" hangingPunct="0">
-              <a:lnSpc>
-                <a:spcPct val="100000"/>
-              </a:lnSpc>
-              <a:spcBef>
-                <a:spcPct val="0"/>
-              </a:spcBef>
-              <a:spcAft>
-                <a:spcPct val="0"/>
-              </a:spcAft>
-              <a:buNone/>
-            </a:pPr>
-            <a:r>
-              <a:rPr lang="en-US" sz="1800" dirty="0">
-                <a:latin typeface="Times New Roman" panose="02020603050405020304" pitchFamily="18" charset="0"/>
-                <a:cs typeface="Times New Roman" panose="02020603050405020304" pitchFamily="18" charset="0"/>
-              </a:rPr>
-              <a:t>The water supply in western Vargas state has fallen 30</a:t>
-            </a:r>
-            <a:r>
-              <a:rPr lang="en-US" sz="1800" dirty="0" smtClean="0">
-                <a:latin typeface="Times New Roman" panose="02020603050405020304" pitchFamily="18" charset="0"/>
-                <a:cs typeface="Times New Roman" panose="02020603050405020304" pitchFamily="18" charset="0"/>
-              </a:rPr>
-              <a:t>%. This </a:t>
-            </a:r>
-            <a:r>
-              <a:rPr lang="en-US" sz="1800" dirty="0">
-                <a:latin typeface="Times New Roman" panose="02020603050405020304" pitchFamily="18" charset="0"/>
-                <a:cs typeface="Times New Roman" panose="02020603050405020304" pitchFamily="18" charset="0"/>
-              </a:rPr>
-              <a:t>drought will last. </a:t>
-            </a:r>
-          </a:p>
-        </p:txBody>
-      </p:sp>
-      <p:cxnSp>
-        <p:nvCxnSpPr>
-          <p:cNvPr id="22" name="Straight Arrow Connector 21"/>
-          <p:cNvCxnSpPr/>
-          <p:nvPr/>
-        </p:nvCxnSpPr>
-        <p:spPr>
-          <a:xfrm flipH="1" flipV="1">
-            <a:off x="8475260" y="1146412"/>
-            <a:ext cx="396923" cy="668740"/>
+            <a:off x="3795011" y="3146640"/>
+            <a:ext cx="631487" cy="210714"/>
           </a:xfrm>
           <a:prstGeom prst="straightConnector1">
             <a:avLst/>
@@ -15197,7 +16580,7 @@
         </p:nvSpPr>
         <p:spPr>
           <a:xfrm>
-            <a:off x="5596721" y="1453340"/>
+            <a:off x="5143515" y="562032"/>
             <a:ext cx="1646989" cy="894074"/>
           </a:xfrm>
           <a:prstGeom prst="rect">
@@ -15424,253 +16807,16 @@
           </a:p>
         </p:txBody>
       </p:sp>
-      <p:sp>
-        <p:nvSpPr>
-          <p:cNvPr id="34" name="Subtitle 2"/>
-          <p:cNvSpPr txBox="1">
-            <a:spLocks/>
-          </p:cNvSpPr>
-          <p:nvPr/>
-        </p:nvSpPr>
-        <p:spPr>
-          <a:xfrm>
-            <a:off x="6924251" y="-4213"/>
-            <a:ext cx="4086935" cy="864022"/>
-          </a:xfrm>
-          <a:prstGeom prst="rect">
-            <a:avLst/>
-          </a:prstGeom>
-          <a:ln w="38100">
-            <a:solidFill>
-              <a:srgbClr val="00B050"/>
-            </a:solidFill>
-          </a:ln>
-        </p:spPr>
-        <p:txBody>
-          <a:bodyPr vert="horz" lIns="91440" tIns="45720" rIns="91440" bIns="45720" rtlCol="0">
-            <a:noAutofit/>
-          </a:bodyPr>
-          <a:lstStyle>
-            <a:lvl1pPr marL="228600" indent="-228600" algn="l" defTabSz="914400" rtl="0" eaLnBrk="1" latinLnBrk="0" hangingPunct="1">
-              <a:lnSpc>
-                <a:spcPct val="90000"/>
-              </a:lnSpc>
-              <a:spcBef>
-                <a:spcPts val="1000"/>
-              </a:spcBef>
-              <a:buFont typeface="Arial" panose="020B0604020202020204" pitchFamily="34" charset="0"/>
-              <a:buChar char="•"/>
-              <a:defRPr sz="2800" kern="1200">
-                <a:solidFill>
-                  <a:schemeClr val="tx1"/>
-                </a:solidFill>
-                <a:latin typeface="+mn-lt"/>
-                <a:ea typeface="+mn-ea"/>
-                <a:cs typeface="+mn-cs"/>
-              </a:defRPr>
-            </a:lvl1pPr>
-            <a:lvl2pPr marL="685800" indent="-228600" algn="l" defTabSz="914400" rtl="0" eaLnBrk="1" latinLnBrk="0" hangingPunct="1">
-              <a:lnSpc>
-                <a:spcPct val="90000"/>
-              </a:lnSpc>
-              <a:spcBef>
-                <a:spcPts val="500"/>
-              </a:spcBef>
-              <a:buFont typeface="Arial" panose="020B0604020202020204" pitchFamily="34" charset="0"/>
-              <a:buChar char="•"/>
-              <a:defRPr sz="2400" kern="1200">
-                <a:solidFill>
-                  <a:schemeClr val="tx1"/>
-                </a:solidFill>
-                <a:latin typeface="+mn-lt"/>
-                <a:ea typeface="+mn-ea"/>
-                <a:cs typeface="+mn-cs"/>
-              </a:defRPr>
-            </a:lvl2pPr>
-            <a:lvl3pPr marL="1143000" indent="-228600" algn="l" defTabSz="914400" rtl="0" eaLnBrk="1" latinLnBrk="0" hangingPunct="1">
-              <a:lnSpc>
-                <a:spcPct val="90000"/>
-              </a:lnSpc>
-              <a:spcBef>
-                <a:spcPts val="500"/>
-              </a:spcBef>
-              <a:buFont typeface="Arial" panose="020B0604020202020204" pitchFamily="34" charset="0"/>
-              <a:buChar char="•"/>
-              <a:defRPr sz="2000" kern="1200">
-                <a:solidFill>
-                  <a:schemeClr val="tx1"/>
-                </a:solidFill>
-                <a:latin typeface="+mn-lt"/>
-                <a:ea typeface="+mn-ea"/>
-                <a:cs typeface="+mn-cs"/>
-              </a:defRPr>
-            </a:lvl3pPr>
-            <a:lvl4pPr marL="1600200" indent="-228600" algn="l" defTabSz="914400" rtl="0" eaLnBrk="1" latinLnBrk="0" hangingPunct="1">
-              <a:lnSpc>
-                <a:spcPct val="90000"/>
-              </a:lnSpc>
-              <a:spcBef>
-                <a:spcPts val="500"/>
-              </a:spcBef>
-              <a:buFont typeface="Arial" panose="020B0604020202020204" pitchFamily="34" charset="0"/>
-              <a:buChar char="•"/>
-              <a:defRPr sz="1800" kern="1200">
-                <a:solidFill>
-                  <a:schemeClr val="tx1"/>
-                </a:solidFill>
-                <a:latin typeface="+mn-lt"/>
-                <a:ea typeface="+mn-ea"/>
-                <a:cs typeface="+mn-cs"/>
-              </a:defRPr>
-            </a:lvl4pPr>
-            <a:lvl5pPr marL="2057400" indent="-228600" algn="l" defTabSz="914400" rtl="0" eaLnBrk="1" latinLnBrk="0" hangingPunct="1">
-              <a:lnSpc>
-                <a:spcPct val="90000"/>
-              </a:lnSpc>
-              <a:spcBef>
-                <a:spcPts val="500"/>
-              </a:spcBef>
-              <a:buFont typeface="Arial" panose="020B0604020202020204" pitchFamily="34" charset="0"/>
-              <a:buChar char="•"/>
-              <a:defRPr sz="1800" kern="1200">
-                <a:solidFill>
-                  <a:schemeClr val="tx1"/>
-                </a:solidFill>
-                <a:latin typeface="+mn-lt"/>
-                <a:ea typeface="+mn-ea"/>
-                <a:cs typeface="+mn-cs"/>
-              </a:defRPr>
-            </a:lvl5pPr>
-            <a:lvl6pPr marL="2514600" indent="-228600" algn="l" defTabSz="914400" rtl="0" eaLnBrk="1" latinLnBrk="0" hangingPunct="1">
-              <a:lnSpc>
-                <a:spcPct val="90000"/>
-              </a:lnSpc>
-              <a:spcBef>
-                <a:spcPts val="500"/>
-              </a:spcBef>
-              <a:buFont typeface="Arial" panose="020B0604020202020204" pitchFamily="34" charset="0"/>
-              <a:buChar char="•"/>
-              <a:defRPr sz="1800" kern="1200">
-                <a:solidFill>
-                  <a:schemeClr val="tx1"/>
-                </a:solidFill>
-                <a:latin typeface="+mn-lt"/>
-                <a:ea typeface="+mn-ea"/>
-                <a:cs typeface="+mn-cs"/>
-              </a:defRPr>
-            </a:lvl6pPr>
-            <a:lvl7pPr marL="2971800" indent="-228600" algn="l" defTabSz="914400" rtl="0" eaLnBrk="1" latinLnBrk="0" hangingPunct="1">
-              <a:lnSpc>
-                <a:spcPct val="90000"/>
-              </a:lnSpc>
-              <a:spcBef>
-                <a:spcPts val="500"/>
-              </a:spcBef>
-              <a:buFont typeface="Arial" panose="020B0604020202020204" pitchFamily="34" charset="0"/>
-              <a:buChar char="•"/>
-              <a:defRPr sz="1800" kern="1200">
-                <a:solidFill>
-                  <a:schemeClr val="tx1"/>
-                </a:solidFill>
-                <a:latin typeface="+mn-lt"/>
-                <a:ea typeface="+mn-ea"/>
-                <a:cs typeface="+mn-cs"/>
-              </a:defRPr>
-            </a:lvl7pPr>
-            <a:lvl8pPr marL="3429000" indent="-228600" algn="l" defTabSz="914400" rtl="0" eaLnBrk="1" latinLnBrk="0" hangingPunct="1">
-              <a:lnSpc>
-                <a:spcPct val="90000"/>
-              </a:lnSpc>
-              <a:spcBef>
-                <a:spcPts val="500"/>
-              </a:spcBef>
-              <a:buFont typeface="Arial" panose="020B0604020202020204" pitchFamily="34" charset="0"/>
-              <a:buChar char="•"/>
-              <a:defRPr sz="1800" kern="1200">
-                <a:solidFill>
-                  <a:schemeClr val="tx1"/>
-                </a:solidFill>
-                <a:latin typeface="+mn-lt"/>
-                <a:ea typeface="+mn-ea"/>
-                <a:cs typeface="+mn-cs"/>
-              </a:defRPr>
-            </a:lvl8pPr>
-            <a:lvl9pPr marL="3886200" indent="-228600" algn="l" defTabSz="914400" rtl="0" eaLnBrk="1" latinLnBrk="0" hangingPunct="1">
-              <a:lnSpc>
-                <a:spcPct val="90000"/>
-              </a:lnSpc>
-              <a:spcBef>
-                <a:spcPts val="500"/>
-              </a:spcBef>
-              <a:buFont typeface="Arial" panose="020B0604020202020204" pitchFamily="34" charset="0"/>
-              <a:buChar char="•"/>
-              <a:defRPr sz="1800" kern="1200">
-                <a:solidFill>
-                  <a:schemeClr val="tx1"/>
-                </a:solidFill>
-                <a:latin typeface="+mn-lt"/>
-                <a:ea typeface="+mn-ea"/>
-                <a:cs typeface="+mn-cs"/>
-              </a:defRPr>
-            </a:lvl9pPr>
-          </a:lstStyle>
-          <a:p>
-            <a:pPr marL="0" lvl="0" indent="0" eaLnBrk="0" fontAlgn="base" hangingPunct="0">
-              <a:lnSpc>
-                <a:spcPct val="100000"/>
-              </a:lnSpc>
-              <a:spcBef>
-                <a:spcPct val="0"/>
-              </a:spcBef>
-              <a:spcAft>
-                <a:spcPct val="0"/>
-              </a:spcAft>
-              <a:buNone/>
-            </a:pPr>
-            <a:r>
-              <a:rPr lang="en-US" sz="1800" dirty="0">
-                <a:solidFill>
-                  <a:srgbClr val="000000"/>
-                </a:solidFill>
-                <a:latin typeface="Times New Roman" panose="02020603050405020304" pitchFamily="18" charset="0"/>
-                <a:cs typeface="Times New Roman" panose="02020603050405020304" pitchFamily="18" charset="0"/>
-              </a:rPr>
-              <a:t>"We are not camels, we want water" and "water, water" were some of the messages that were repeated in the </a:t>
-            </a:r>
-            <a:r>
-              <a:rPr lang="en-US" sz="1800" dirty="0" smtClean="0">
-                <a:solidFill>
-                  <a:srgbClr val="000000"/>
-                </a:solidFill>
-                <a:latin typeface="Times New Roman" panose="02020603050405020304" pitchFamily="18" charset="0"/>
-                <a:cs typeface="Times New Roman" panose="02020603050405020304" pitchFamily="18" charset="0"/>
-              </a:rPr>
-              <a:t>protest.</a:t>
-            </a:r>
-            <a:r>
-              <a:rPr lang="en-US" sz="1800" dirty="0" smtClean="0">
-                <a:latin typeface="Times New Roman" panose="02020603050405020304" pitchFamily="18" charset="0"/>
-                <a:cs typeface="Times New Roman" panose="02020603050405020304" pitchFamily="18" charset="0"/>
-              </a:rPr>
-              <a:t> </a:t>
-            </a:r>
-            <a:endParaRPr lang="en-US" sz="1800" dirty="0">
-              <a:latin typeface="Times New Roman" panose="02020603050405020304" pitchFamily="18" charset="0"/>
-              <a:cs typeface="Times New Roman" panose="02020603050405020304" pitchFamily="18" charset="0"/>
-            </a:endParaRPr>
-          </a:p>
-        </p:txBody>
-      </p:sp>
       <p:cxnSp>
         <p:nvCxnSpPr>
-          <p:cNvPr id="35" name="Straight Arrow Connector 34"/>
+          <p:cNvPr id="18" name="Straight Arrow Connector 17"/>
           <p:cNvCxnSpPr/>
           <p:nvPr/>
         </p:nvCxnSpPr>
         <p:spPr>
-          <a:xfrm flipH="1">
-            <a:off x="7877073" y="859809"/>
-            <a:ext cx="134163" cy="787410"/>
+          <a:xfrm>
+            <a:off x="6276746" y="1456106"/>
+            <a:ext cx="1216573" cy="1130489"/>
           </a:xfrm>
           <a:prstGeom prst="straightConnector1">
             <a:avLst/>
@@ -15697,16 +16843,766 @@
           </a:fontRef>
         </p:style>
       </p:cxnSp>
+      <p:graphicFrame>
+        <p:nvGraphicFramePr>
+          <p:cNvPr id="5" name="Chart 4"/>
+          <p:cNvGraphicFramePr>
+            <a:graphicFrameLocks/>
+          </p:cNvGraphicFramePr>
+          <p:nvPr>
+            <p:extLst>
+              <p:ext uri="{D42A27DB-BD31-4B8C-83A1-F6EECF244321}">
+                <p14:modId xmlns:p14="http://schemas.microsoft.com/office/powerpoint/2010/main" val="917136685"/>
+              </p:ext>
+            </p:extLst>
+          </p:nvPr>
+        </p:nvGraphicFramePr>
+        <p:xfrm>
+          <a:off x="1337481" y="1037234"/>
+          <a:ext cx="8882844" cy="5399894"/>
+        </p:xfrm>
+        <a:graphic>
+          <a:graphicData uri="http://schemas.openxmlformats.org/drawingml/2006/chart">
+            <c:chart xmlns:c="http://schemas.openxmlformats.org/drawingml/2006/chart" xmlns:r="http://schemas.openxmlformats.org/officeDocument/2006/relationships" r:id="rId2"/>
+          </a:graphicData>
+        </a:graphic>
+      </p:graphicFrame>
+      <p:sp>
+        <p:nvSpPr>
+          <p:cNvPr id="8" name="Subtitle 2"/>
+          <p:cNvSpPr txBox="1">
+            <a:spLocks/>
+          </p:cNvSpPr>
+          <p:nvPr/>
+        </p:nvSpPr>
+        <p:spPr>
+          <a:xfrm>
+            <a:off x="2175549" y="541702"/>
+            <a:ext cx="2743408" cy="1120089"/>
+          </a:xfrm>
+          <a:prstGeom prst="rect">
+            <a:avLst/>
+          </a:prstGeom>
+          <a:ln w="38100">
+            <a:solidFill>
+              <a:srgbClr val="00B050"/>
+            </a:solidFill>
+          </a:ln>
+        </p:spPr>
+        <p:txBody>
+          <a:bodyPr vert="horz" lIns="91440" tIns="45720" rIns="91440" bIns="45720" rtlCol="0">
+            <a:noAutofit/>
+          </a:bodyPr>
+          <a:lstStyle>
+            <a:lvl1pPr marL="228600" indent="-228600" algn="l" defTabSz="914400" rtl="0" eaLnBrk="1" latinLnBrk="0" hangingPunct="1">
+              <a:lnSpc>
+                <a:spcPct val="90000"/>
+              </a:lnSpc>
+              <a:spcBef>
+                <a:spcPts val="1000"/>
+              </a:spcBef>
+              <a:buFont typeface="Arial" panose="020B0604020202020204" pitchFamily="34" charset="0"/>
+              <a:buChar char="•"/>
+              <a:defRPr sz="2800" kern="1200">
+                <a:solidFill>
+                  <a:schemeClr val="tx1"/>
+                </a:solidFill>
+                <a:latin typeface="+mn-lt"/>
+                <a:ea typeface="+mn-ea"/>
+                <a:cs typeface="+mn-cs"/>
+              </a:defRPr>
+            </a:lvl1pPr>
+            <a:lvl2pPr marL="685800" indent="-228600" algn="l" defTabSz="914400" rtl="0" eaLnBrk="1" latinLnBrk="0" hangingPunct="1">
+              <a:lnSpc>
+                <a:spcPct val="90000"/>
+              </a:lnSpc>
+              <a:spcBef>
+                <a:spcPts val="500"/>
+              </a:spcBef>
+              <a:buFont typeface="Arial" panose="020B0604020202020204" pitchFamily="34" charset="0"/>
+              <a:buChar char="•"/>
+              <a:defRPr sz="2400" kern="1200">
+                <a:solidFill>
+                  <a:schemeClr val="tx1"/>
+                </a:solidFill>
+                <a:latin typeface="+mn-lt"/>
+                <a:ea typeface="+mn-ea"/>
+                <a:cs typeface="+mn-cs"/>
+              </a:defRPr>
+            </a:lvl2pPr>
+            <a:lvl3pPr marL="1143000" indent="-228600" algn="l" defTabSz="914400" rtl="0" eaLnBrk="1" latinLnBrk="0" hangingPunct="1">
+              <a:lnSpc>
+                <a:spcPct val="90000"/>
+              </a:lnSpc>
+              <a:spcBef>
+                <a:spcPts val="500"/>
+              </a:spcBef>
+              <a:buFont typeface="Arial" panose="020B0604020202020204" pitchFamily="34" charset="0"/>
+              <a:buChar char="•"/>
+              <a:defRPr sz="2000" kern="1200">
+                <a:solidFill>
+                  <a:schemeClr val="tx1"/>
+                </a:solidFill>
+                <a:latin typeface="+mn-lt"/>
+                <a:ea typeface="+mn-ea"/>
+                <a:cs typeface="+mn-cs"/>
+              </a:defRPr>
+            </a:lvl3pPr>
+            <a:lvl4pPr marL="1600200" indent="-228600" algn="l" defTabSz="914400" rtl="0" eaLnBrk="1" latinLnBrk="0" hangingPunct="1">
+              <a:lnSpc>
+                <a:spcPct val="90000"/>
+              </a:lnSpc>
+              <a:spcBef>
+                <a:spcPts val="500"/>
+              </a:spcBef>
+              <a:buFont typeface="Arial" panose="020B0604020202020204" pitchFamily="34" charset="0"/>
+              <a:buChar char="•"/>
+              <a:defRPr sz="1800" kern="1200">
+                <a:solidFill>
+                  <a:schemeClr val="tx1"/>
+                </a:solidFill>
+                <a:latin typeface="+mn-lt"/>
+                <a:ea typeface="+mn-ea"/>
+                <a:cs typeface="+mn-cs"/>
+              </a:defRPr>
+            </a:lvl4pPr>
+            <a:lvl5pPr marL="2057400" indent="-228600" algn="l" defTabSz="914400" rtl="0" eaLnBrk="1" latinLnBrk="0" hangingPunct="1">
+              <a:lnSpc>
+                <a:spcPct val="90000"/>
+              </a:lnSpc>
+              <a:spcBef>
+                <a:spcPts val="500"/>
+              </a:spcBef>
+              <a:buFont typeface="Arial" panose="020B0604020202020204" pitchFamily="34" charset="0"/>
+              <a:buChar char="•"/>
+              <a:defRPr sz="1800" kern="1200">
+                <a:solidFill>
+                  <a:schemeClr val="tx1"/>
+                </a:solidFill>
+                <a:latin typeface="+mn-lt"/>
+                <a:ea typeface="+mn-ea"/>
+                <a:cs typeface="+mn-cs"/>
+              </a:defRPr>
+            </a:lvl5pPr>
+            <a:lvl6pPr marL="2514600" indent="-228600" algn="l" defTabSz="914400" rtl="0" eaLnBrk="1" latinLnBrk="0" hangingPunct="1">
+              <a:lnSpc>
+                <a:spcPct val="90000"/>
+              </a:lnSpc>
+              <a:spcBef>
+                <a:spcPts val="500"/>
+              </a:spcBef>
+              <a:buFont typeface="Arial" panose="020B0604020202020204" pitchFamily="34" charset="0"/>
+              <a:buChar char="•"/>
+              <a:defRPr sz="1800" kern="1200">
+                <a:solidFill>
+                  <a:schemeClr val="tx1"/>
+                </a:solidFill>
+                <a:latin typeface="+mn-lt"/>
+                <a:ea typeface="+mn-ea"/>
+                <a:cs typeface="+mn-cs"/>
+              </a:defRPr>
+            </a:lvl6pPr>
+            <a:lvl7pPr marL="2971800" indent="-228600" algn="l" defTabSz="914400" rtl="0" eaLnBrk="1" latinLnBrk="0" hangingPunct="1">
+              <a:lnSpc>
+                <a:spcPct val="90000"/>
+              </a:lnSpc>
+              <a:spcBef>
+                <a:spcPts val="500"/>
+              </a:spcBef>
+              <a:buFont typeface="Arial" panose="020B0604020202020204" pitchFamily="34" charset="0"/>
+              <a:buChar char="•"/>
+              <a:defRPr sz="1800" kern="1200">
+                <a:solidFill>
+                  <a:schemeClr val="tx1"/>
+                </a:solidFill>
+                <a:latin typeface="+mn-lt"/>
+                <a:ea typeface="+mn-ea"/>
+                <a:cs typeface="+mn-cs"/>
+              </a:defRPr>
+            </a:lvl7pPr>
+            <a:lvl8pPr marL="3429000" indent="-228600" algn="l" defTabSz="914400" rtl="0" eaLnBrk="1" latinLnBrk="0" hangingPunct="1">
+              <a:lnSpc>
+                <a:spcPct val="90000"/>
+              </a:lnSpc>
+              <a:spcBef>
+                <a:spcPts val="500"/>
+              </a:spcBef>
+              <a:buFont typeface="Arial" panose="020B0604020202020204" pitchFamily="34" charset="0"/>
+              <a:buChar char="•"/>
+              <a:defRPr sz="1800" kern="1200">
+                <a:solidFill>
+                  <a:schemeClr val="tx1"/>
+                </a:solidFill>
+                <a:latin typeface="+mn-lt"/>
+                <a:ea typeface="+mn-ea"/>
+                <a:cs typeface="+mn-cs"/>
+              </a:defRPr>
+            </a:lvl8pPr>
+            <a:lvl9pPr marL="3886200" indent="-228600" algn="l" defTabSz="914400" rtl="0" eaLnBrk="1" latinLnBrk="0" hangingPunct="1">
+              <a:lnSpc>
+                <a:spcPct val="90000"/>
+              </a:lnSpc>
+              <a:spcBef>
+                <a:spcPts val="500"/>
+              </a:spcBef>
+              <a:buFont typeface="Arial" panose="020B0604020202020204" pitchFamily="34" charset="0"/>
+              <a:buChar char="•"/>
+              <a:defRPr sz="1800" kern="1200">
+                <a:solidFill>
+                  <a:schemeClr val="tx1"/>
+                </a:solidFill>
+                <a:latin typeface="+mn-lt"/>
+                <a:ea typeface="+mn-ea"/>
+                <a:cs typeface="+mn-cs"/>
+              </a:defRPr>
+            </a:lvl9pPr>
+          </a:lstStyle>
+          <a:p>
+            <a:pPr marL="0" lvl="0" indent="0">
+              <a:buNone/>
+            </a:pPr>
+            <a:r>
+              <a:rPr lang="en-US" sz="1800" dirty="0">
+                <a:latin typeface="Times New Roman" panose="02020603050405020304" pitchFamily="18" charset="0"/>
+                <a:cs typeface="Times New Roman" panose="02020603050405020304" pitchFamily="18" charset="0"/>
+              </a:rPr>
+              <a:t>A group of neighbors </a:t>
+            </a:r>
+            <a:r>
+              <a:rPr lang="en-US" sz="1800" dirty="0" smtClean="0">
+                <a:latin typeface="Times New Roman" panose="02020603050405020304" pitchFamily="18" charset="0"/>
+                <a:cs typeface="Times New Roman" panose="02020603050405020304" pitchFamily="18" charset="0"/>
+              </a:rPr>
+              <a:t>demanding </a:t>
+            </a:r>
+            <a:r>
+              <a:rPr lang="en-US" sz="1800" dirty="0">
+                <a:latin typeface="Times New Roman" panose="02020603050405020304" pitchFamily="18" charset="0"/>
+                <a:cs typeface="Times New Roman" panose="02020603050405020304" pitchFamily="18" charset="0"/>
+              </a:rPr>
+              <a:t>the execution of channeling the San Pedro River and prevent </a:t>
+            </a:r>
+            <a:r>
+              <a:rPr lang="en-US" sz="1800" dirty="0" smtClean="0">
+                <a:latin typeface="Times New Roman" panose="02020603050405020304" pitchFamily="18" charset="0"/>
+                <a:cs typeface="Times New Roman" panose="02020603050405020304" pitchFamily="18" charset="0"/>
+              </a:rPr>
+              <a:t>flooding.</a:t>
+            </a:r>
+            <a:endParaRPr lang="en-US" sz="1800" dirty="0"/>
+          </a:p>
+        </p:txBody>
+      </p:sp>
+      <p:sp>
+        <p:nvSpPr>
+          <p:cNvPr id="21" name="Subtitle 2"/>
+          <p:cNvSpPr txBox="1">
+            <a:spLocks/>
+          </p:cNvSpPr>
+          <p:nvPr/>
+        </p:nvSpPr>
+        <p:spPr>
+          <a:xfrm>
+            <a:off x="9054316" y="1849275"/>
+            <a:ext cx="2141559" cy="1194034"/>
+          </a:xfrm>
+          <a:prstGeom prst="rect">
+            <a:avLst/>
+          </a:prstGeom>
+          <a:ln w="38100">
+            <a:solidFill>
+              <a:srgbClr val="00B050"/>
+            </a:solidFill>
+          </a:ln>
+        </p:spPr>
+        <p:txBody>
+          <a:bodyPr vert="horz" lIns="91440" tIns="45720" rIns="91440" bIns="45720" rtlCol="0">
+            <a:noAutofit/>
+          </a:bodyPr>
+          <a:lstStyle>
+            <a:lvl1pPr marL="228600" indent="-228600" algn="l" defTabSz="914400" rtl="0" eaLnBrk="1" latinLnBrk="0" hangingPunct="1">
+              <a:lnSpc>
+                <a:spcPct val="90000"/>
+              </a:lnSpc>
+              <a:spcBef>
+                <a:spcPts val="1000"/>
+              </a:spcBef>
+              <a:buFont typeface="Arial" panose="020B0604020202020204" pitchFamily="34" charset="0"/>
+              <a:buChar char="•"/>
+              <a:defRPr sz="2800" kern="1200">
+                <a:solidFill>
+                  <a:schemeClr val="tx1"/>
+                </a:solidFill>
+                <a:latin typeface="+mn-lt"/>
+                <a:ea typeface="+mn-ea"/>
+                <a:cs typeface="+mn-cs"/>
+              </a:defRPr>
+            </a:lvl1pPr>
+            <a:lvl2pPr marL="685800" indent="-228600" algn="l" defTabSz="914400" rtl="0" eaLnBrk="1" latinLnBrk="0" hangingPunct="1">
+              <a:lnSpc>
+                <a:spcPct val="90000"/>
+              </a:lnSpc>
+              <a:spcBef>
+                <a:spcPts val="500"/>
+              </a:spcBef>
+              <a:buFont typeface="Arial" panose="020B0604020202020204" pitchFamily="34" charset="0"/>
+              <a:buChar char="•"/>
+              <a:defRPr sz="2400" kern="1200">
+                <a:solidFill>
+                  <a:schemeClr val="tx1"/>
+                </a:solidFill>
+                <a:latin typeface="+mn-lt"/>
+                <a:ea typeface="+mn-ea"/>
+                <a:cs typeface="+mn-cs"/>
+              </a:defRPr>
+            </a:lvl2pPr>
+            <a:lvl3pPr marL="1143000" indent="-228600" algn="l" defTabSz="914400" rtl="0" eaLnBrk="1" latinLnBrk="0" hangingPunct="1">
+              <a:lnSpc>
+                <a:spcPct val="90000"/>
+              </a:lnSpc>
+              <a:spcBef>
+                <a:spcPts val="500"/>
+              </a:spcBef>
+              <a:buFont typeface="Arial" panose="020B0604020202020204" pitchFamily="34" charset="0"/>
+              <a:buChar char="•"/>
+              <a:defRPr sz="2000" kern="1200">
+                <a:solidFill>
+                  <a:schemeClr val="tx1"/>
+                </a:solidFill>
+                <a:latin typeface="+mn-lt"/>
+                <a:ea typeface="+mn-ea"/>
+                <a:cs typeface="+mn-cs"/>
+              </a:defRPr>
+            </a:lvl3pPr>
+            <a:lvl4pPr marL="1600200" indent="-228600" algn="l" defTabSz="914400" rtl="0" eaLnBrk="1" latinLnBrk="0" hangingPunct="1">
+              <a:lnSpc>
+                <a:spcPct val="90000"/>
+              </a:lnSpc>
+              <a:spcBef>
+                <a:spcPts val="500"/>
+              </a:spcBef>
+              <a:buFont typeface="Arial" panose="020B0604020202020204" pitchFamily="34" charset="0"/>
+              <a:buChar char="•"/>
+              <a:defRPr sz="1800" kern="1200">
+                <a:solidFill>
+                  <a:schemeClr val="tx1"/>
+                </a:solidFill>
+                <a:latin typeface="+mn-lt"/>
+                <a:ea typeface="+mn-ea"/>
+                <a:cs typeface="+mn-cs"/>
+              </a:defRPr>
+            </a:lvl4pPr>
+            <a:lvl5pPr marL="2057400" indent="-228600" algn="l" defTabSz="914400" rtl="0" eaLnBrk="1" latinLnBrk="0" hangingPunct="1">
+              <a:lnSpc>
+                <a:spcPct val="90000"/>
+              </a:lnSpc>
+              <a:spcBef>
+                <a:spcPts val="500"/>
+              </a:spcBef>
+              <a:buFont typeface="Arial" panose="020B0604020202020204" pitchFamily="34" charset="0"/>
+              <a:buChar char="•"/>
+              <a:defRPr sz="1800" kern="1200">
+                <a:solidFill>
+                  <a:schemeClr val="tx1"/>
+                </a:solidFill>
+                <a:latin typeface="+mn-lt"/>
+                <a:ea typeface="+mn-ea"/>
+                <a:cs typeface="+mn-cs"/>
+              </a:defRPr>
+            </a:lvl5pPr>
+            <a:lvl6pPr marL="2514600" indent="-228600" algn="l" defTabSz="914400" rtl="0" eaLnBrk="1" latinLnBrk="0" hangingPunct="1">
+              <a:lnSpc>
+                <a:spcPct val="90000"/>
+              </a:lnSpc>
+              <a:spcBef>
+                <a:spcPts val="500"/>
+              </a:spcBef>
+              <a:buFont typeface="Arial" panose="020B0604020202020204" pitchFamily="34" charset="0"/>
+              <a:buChar char="•"/>
+              <a:defRPr sz="1800" kern="1200">
+                <a:solidFill>
+                  <a:schemeClr val="tx1"/>
+                </a:solidFill>
+                <a:latin typeface="+mn-lt"/>
+                <a:ea typeface="+mn-ea"/>
+                <a:cs typeface="+mn-cs"/>
+              </a:defRPr>
+            </a:lvl6pPr>
+            <a:lvl7pPr marL="2971800" indent="-228600" algn="l" defTabSz="914400" rtl="0" eaLnBrk="1" latinLnBrk="0" hangingPunct="1">
+              <a:lnSpc>
+                <a:spcPct val="90000"/>
+              </a:lnSpc>
+              <a:spcBef>
+                <a:spcPts val="500"/>
+              </a:spcBef>
+              <a:buFont typeface="Arial" panose="020B0604020202020204" pitchFamily="34" charset="0"/>
+              <a:buChar char="•"/>
+              <a:defRPr sz="1800" kern="1200">
+                <a:solidFill>
+                  <a:schemeClr val="tx1"/>
+                </a:solidFill>
+                <a:latin typeface="+mn-lt"/>
+                <a:ea typeface="+mn-ea"/>
+                <a:cs typeface="+mn-cs"/>
+              </a:defRPr>
+            </a:lvl7pPr>
+            <a:lvl8pPr marL="3429000" indent="-228600" algn="l" defTabSz="914400" rtl="0" eaLnBrk="1" latinLnBrk="0" hangingPunct="1">
+              <a:lnSpc>
+                <a:spcPct val="90000"/>
+              </a:lnSpc>
+              <a:spcBef>
+                <a:spcPts val="500"/>
+              </a:spcBef>
+              <a:buFont typeface="Arial" panose="020B0604020202020204" pitchFamily="34" charset="0"/>
+              <a:buChar char="•"/>
+              <a:defRPr sz="1800" kern="1200">
+                <a:solidFill>
+                  <a:schemeClr val="tx1"/>
+                </a:solidFill>
+                <a:latin typeface="+mn-lt"/>
+                <a:ea typeface="+mn-ea"/>
+                <a:cs typeface="+mn-cs"/>
+              </a:defRPr>
+            </a:lvl8pPr>
+            <a:lvl9pPr marL="3886200" indent="-228600" algn="l" defTabSz="914400" rtl="0" eaLnBrk="1" latinLnBrk="0" hangingPunct="1">
+              <a:lnSpc>
+                <a:spcPct val="90000"/>
+              </a:lnSpc>
+              <a:spcBef>
+                <a:spcPts val="500"/>
+              </a:spcBef>
+              <a:buFont typeface="Arial" panose="020B0604020202020204" pitchFamily="34" charset="0"/>
+              <a:buChar char="•"/>
+              <a:defRPr sz="1800" kern="1200">
+                <a:solidFill>
+                  <a:schemeClr val="tx1"/>
+                </a:solidFill>
+                <a:latin typeface="+mn-lt"/>
+                <a:ea typeface="+mn-ea"/>
+                <a:cs typeface="+mn-cs"/>
+              </a:defRPr>
+            </a:lvl9pPr>
+          </a:lstStyle>
+          <a:p>
+            <a:pPr marL="0" lvl="0" indent="0" eaLnBrk="0" fontAlgn="base" hangingPunct="0">
+              <a:lnSpc>
+                <a:spcPct val="100000"/>
+              </a:lnSpc>
+              <a:spcBef>
+                <a:spcPct val="0"/>
+              </a:spcBef>
+              <a:spcAft>
+                <a:spcPct val="0"/>
+              </a:spcAft>
+              <a:buNone/>
+            </a:pPr>
+            <a:r>
+              <a:rPr lang="en-US" sz="1800" dirty="0">
+                <a:latin typeface="Times New Roman" panose="02020603050405020304" pitchFamily="18" charset="0"/>
+                <a:cs typeface="Times New Roman" panose="02020603050405020304" pitchFamily="18" charset="0"/>
+              </a:rPr>
+              <a:t>The water supply in western Vargas state has fallen 30</a:t>
+            </a:r>
+            <a:r>
+              <a:rPr lang="en-US" sz="1800" dirty="0" smtClean="0">
+                <a:latin typeface="Times New Roman" panose="02020603050405020304" pitchFamily="18" charset="0"/>
+                <a:cs typeface="Times New Roman" panose="02020603050405020304" pitchFamily="18" charset="0"/>
+              </a:rPr>
+              <a:t>%. This </a:t>
+            </a:r>
+            <a:r>
+              <a:rPr lang="en-US" sz="1800" dirty="0">
+                <a:latin typeface="Times New Roman" panose="02020603050405020304" pitchFamily="18" charset="0"/>
+                <a:cs typeface="Times New Roman" panose="02020603050405020304" pitchFamily="18" charset="0"/>
+              </a:rPr>
+              <a:t>drought will last. </a:t>
+            </a:r>
+          </a:p>
+        </p:txBody>
+      </p:sp>
       <p:cxnSp>
         <p:nvCxnSpPr>
-          <p:cNvPr id="18" name="Straight Arrow Connector 17"/>
+          <p:cNvPr id="22" name="Straight Arrow Connector 21"/>
           <p:cNvCxnSpPr/>
           <p:nvPr/>
         </p:nvCxnSpPr>
         <p:spPr>
+          <a:xfrm flipH="1" flipV="1">
+            <a:off x="8454157" y="1632317"/>
+            <a:ext cx="600160" cy="394234"/>
+          </a:xfrm>
+          <a:prstGeom prst="straightConnector1">
+            <a:avLst/>
+          </a:prstGeom>
+          <a:ln w="38100">
+            <a:solidFill>
+              <a:srgbClr val="00B050"/>
+            </a:solidFill>
+            <a:tailEnd type="triangle"/>
+          </a:ln>
+        </p:spPr>
+        <p:style>
+          <a:lnRef idx="1">
+            <a:schemeClr val="accent1"/>
+          </a:lnRef>
+          <a:fillRef idx="0">
+            <a:schemeClr val="accent1"/>
+          </a:fillRef>
+          <a:effectRef idx="0">
+            <a:schemeClr val="accent1"/>
+          </a:effectRef>
+          <a:fontRef idx="minor">
+            <a:schemeClr val="tx1"/>
+          </a:fontRef>
+        </p:style>
+      </p:cxnSp>
+      <p:sp>
+        <p:nvSpPr>
+          <p:cNvPr id="34" name="Subtitle 2"/>
+          <p:cNvSpPr txBox="1">
+            <a:spLocks/>
+          </p:cNvSpPr>
+          <p:nvPr/>
+        </p:nvSpPr>
+        <p:spPr>
           <a:xfrm>
-            <a:off x="7243710" y="1815152"/>
-            <a:ext cx="317849" cy="225528"/>
+            <a:off x="6924251" y="541702"/>
+            <a:ext cx="4086935" cy="864022"/>
+          </a:xfrm>
+          <a:prstGeom prst="rect">
+            <a:avLst/>
+          </a:prstGeom>
+          <a:ln w="38100">
+            <a:solidFill>
+              <a:srgbClr val="00B050"/>
+            </a:solidFill>
+          </a:ln>
+        </p:spPr>
+        <p:txBody>
+          <a:bodyPr vert="horz" lIns="91440" tIns="45720" rIns="91440" bIns="45720" rtlCol="0">
+            <a:noAutofit/>
+          </a:bodyPr>
+          <a:lstStyle>
+            <a:lvl1pPr marL="228600" indent="-228600" algn="l" defTabSz="914400" rtl="0" eaLnBrk="1" latinLnBrk="0" hangingPunct="1">
+              <a:lnSpc>
+                <a:spcPct val="90000"/>
+              </a:lnSpc>
+              <a:spcBef>
+                <a:spcPts val="1000"/>
+              </a:spcBef>
+              <a:buFont typeface="Arial" panose="020B0604020202020204" pitchFamily="34" charset="0"/>
+              <a:buChar char="•"/>
+              <a:defRPr sz="2800" kern="1200">
+                <a:solidFill>
+                  <a:schemeClr val="tx1"/>
+                </a:solidFill>
+                <a:latin typeface="+mn-lt"/>
+                <a:ea typeface="+mn-ea"/>
+                <a:cs typeface="+mn-cs"/>
+              </a:defRPr>
+            </a:lvl1pPr>
+            <a:lvl2pPr marL="685800" indent="-228600" algn="l" defTabSz="914400" rtl="0" eaLnBrk="1" latinLnBrk="0" hangingPunct="1">
+              <a:lnSpc>
+                <a:spcPct val="90000"/>
+              </a:lnSpc>
+              <a:spcBef>
+                <a:spcPts val="500"/>
+              </a:spcBef>
+              <a:buFont typeface="Arial" panose="020B0604020202020204" pitchFamily="34" charset="0"/>
+              <a:buChar char="•"/>
+              <a:defRPr sz="2400" kern="1200">
+                <a:solidFill>
+                  <a:schemeClr val="tx1"/>
+                </a:solidFill>
+                <a:latin typeface="+mn-lt"/>
+                <a:ea typeface="+mn-ea"/>
+                <a:cs typeface="+mn-cs"/>
+              </a:defRPr>
+            </a:lvl2pPr>
+            <a:lvl3pPr marL="1143000" indent="-228600" algn="l" defTabSz="914400" rtl="0" eaLnBrk="1" latinLnBrk="0" hangingPunct="1">
+              <a:lnSpc>
+                <a:spcPct val="90000"/>
+              </a:lnSpc>
+              <a:spcBef>
+                <a:spcPts val="500"/>
+              </a:spcBef>
+              <a:buFont typeface="Arial" panose="020B0604020202020204" pitchFamily="34" charset="0"/>
+              <a:buChar char="•"/>
+              <a:defRPr sz="2000" kern="1200">
+                <a:solidFill>
+                  <a:schemeClr val="tx1"/>
+                </a:solidFill>
+                <a:latin typeface="+mn-lt"/>
+                <a:ea typeface="+mn-ea"/>
+                <a:cs typeface="+mn-cs"/>
+              </a:defRPr>
+            </a:lvl3pPr>
+            <a:lvl4pPr marL="1600200" indent="-228600" algn="l" defTabSz="914400" rtl="0" eaLnBrk="1" latinLnBrk="0" hangingPunct="1">
+              <a:lnSpc>
+                <a:spcPct val="90000"/>
+              </a:lnSpc>
+              <a:spcBef>
+                <a:spcPts val="500"/>
+              </a:spcBef>
+              <a:buFont typeface="Arial" panose="020B0604020202020204" pitchFamily="34" charset="0"/>
+              <a:buChar char="•"/>
+              <a:defRPr sz="1800" kern="1200">
+                <a:solidFill>
+                  <a:schemeClr val="tx1"/>
+                </a:solidFill>
+                <a:latin typeface="+mn-lt"/>
+                <a:ea typeface="+mn-ea"/>
+                <a:cs typeface="+mn-cs"/>
+              </a:defRPr>
+            </a:lvl4pPr>
+            <a:lvl5pPr marL="2057400" indent="-228600" algn="l" defTabSz="914400" rtl="0" eaLnBrk="1" latinLnBrk="0" hangingPunct="1">
+              <a:lnSpc>
+                <a:spcPct val="90000"/>
+              </a:lnSpc>
+              <a:spcBef>
+                <a:spcPts val="500"/>
+              </a:spcBef>
+              <a:buFont typeface="Arial" panose="020B0604020202020204" pitchFamily="34" charset="0"/>
+              <a:buChar char="•"/>
+              <a:defRPr sz="1800" kern="1200">
+                <a:solidFill>
+                  <a:schemeClr val="tx1"/>
+                </a:solidFill>
+                <a:latin typeface="+mn-lt"/>
+                <a:ea typeface="+mn-ea"/>
+                <a:cs typeface="+mn-cs"/>
+              </a:defRPr>
+            </a:lvl5pPr>
+            <a:lvl6pPr marL="2514600" indent="-228600" algn="l" defTabSz="914400" rtl="0" eaLnBrk="1" latinLnBrk="0" hangingPunct="1">
+              <a:lnSpc>
+                <a:spcPct val="90000"/>
+              </a:lnSpc>
+              <a:spcBef>
+                <a:spcPts val="500"/>
+              </a:spcBef>
+              <a:buFont typeface="Arial" panose="020B0604020202020204" pitchFamily="34" charset="0"/>
+              <a:buChar char="•"/>
+              <a:defRPr sz="1800" kern="1200">
+                <a:solidFill>
+                  <a:schemeClr val="tx1"/>
+                </a:solidFill>
+                <a:latin typeface="+mn-lt"/>
+                <a:ea typeface="+mn-ea"/>
+                <a:cs typeface="+mn-cs"/>
+              </a:defRPr>
+            </a:lvl6pPr>
+            <a:lvl7pPr marL="2971800" indent="-228600" algn="l" defTabSz="914400" rtl="0" eaLnBrk="1" latinLnBrk="0" hangingPunct="1">
+              <a:lnSpc>
+                <a:spcPct val="90000"/>
+              </a:lnSpc>
+              <a:spcBef>
+                <a:spcPts val="500"/>
+              </a:spcBef>
+              <a:buFont typeface="Arial" panose="020B0604020202020204" pitchFamily="34" charset="0"/>
+              <a:buChar char="•"/>
+              <a:defRPr sz="1800" kern="1200">
+                <a:solidFill>
+                  <a:schemeClr val="tx1"/>
+                </a:solidFill>
+                <a:latin typeface="+mn-lt"/>
+                <a:ea typeface="+mn-ea"/>
+                <a:cs typeface="+mn-cs"/>
+              </a:defRPr>
+            </a:lvl7pPr>
+            <a:lvl8pPr marL="3429000" indent="-228600" algn="l" defTabSz="914400" rtl="0" eaLnBrk="1" latinLnBrk="0" hangingPunct="1">
+              <a:lnSpc>
+                <a:spcPct val="90000"/>
+              </a:lnSpc>
+              <a:spcBef>
+                <a:spcPts val="500"/>
+              </a:spcBef>
+              <a:buFont typeface="Arial" panose="020B0604020202020204" pitchFamily="34" charset="0"/>
+              <a:buChar char="•"/>
+              <a:defRPr sz="1800" kern="1200">
+                <a:solidFill>
+                  <a:schemeClr val="tx1"/>
+                </a:solidFill>
+                <a:latin typeface="+mn-lt"/>
+                <a:ea typeface="+mn-ea"/>
+                <a:cs typeface="+mn-cs"/>
+              </a:defRPr>
+            </a:lvl8pPr>
+            <a:lvl9pPr marL="3886200" indent="-228600" algn="l" defTabSz="914400" rtl="0" eaLnBrk="1" latinLnBrk="0" hangingPunct="1">
+              <a:lnSpc>
+                <a:spcPct val="90000"/>
+              </a:lnSpc>
+              <a:spcBef>
+                <a:spcPts val="500"/>
+              </a:spcBef>
+              <a:buFont typeface="Arial" panose="020B0604020202020204" pitchFamily="34" charset="0"/>
+              <a:buChar char="•"/>
+              <a:defRPr sz="1800" kern="1200">
+                <a:solidFill>
+                  <a:schemeClr val="tx1"/>
+                </a:solidFill>
+                <a:latin typeface="+mn-lt"/>
+                <a:ea typeface="+mn-ea"/>
+                <a:cs typeface="+mn-cs"/>
+              </a:defRPr>
+            </a:lvl9pPr>
+          </a:lstStyle>
+          <a:p>
+            <a:pPr marL="0" lvl="0" indent="0" eaLnBrk="0" fontAlgn="base" hangingPunct="0">
+              <a:lnSpc>
+                <a:spcPct val="100000"/>
+              </a:lnSpc>
+              <a:spcBef>
+                <a:spcPct val="0"/>
+              </a:spcBef>
+              <a:spcAft>
+                <a:spcPct val="0"/>
+              </a:spcAft>
+              <a:buNone/>
+            </a:pPr>
+            <a:r>
+              <a:rPr lang="en-US" sz="1800" dirty="0">
+                <a:solidFill>
+                  <a:srgbClr val="000000"/>
+                </a:solidFill>
+                <a:latin typeface="Times New Roman" panose="02020603050405020304" pitchFamily="18" charset="0"/>
+                <a:cs typeface="Times New Roman" panose="02020603050405020304" pitchFamily="18" charset="0"/>
+              </a:rPr>
+              <a:t>"We are not camels, we want water" and "water, water" were some of the messages that were repeated in the </a:t>
+            </a:r>
+            <a:r>
+              <a:rPr lang="en-US" sz="1800" dirty="0" smtClean="0">
+                <a:solidFill>
+                  <a:srgbClr val="000000"/>
+                </a:solidFill>
+                <a:latin typeface="Times New Roman" panose="02020603050405020304" pitchFamily="18" charset="0"/>
+                <a:cs typeface="Times New Roman" panose="02020603050405020304" pitchFamily="18" charset="0"/>
+              </a:rPr>
+              <a:t>protest.</a:t>
+            </a:r>
+            <a:r>
+              <a:rPr lang="en-US" sz="1800" dirty="0" smtClean="0">
+                <a:latin typeface="Times New Roman" panose="02020603050405020304" pitchFamily="18" charset="0"/>
+                <a:cs typeface="Times New Roman" panose="02020603050405020304" pitchFamily="18" charset="0"/>
+              </a:rPr>
+              <a:t> </a:t>
+            </a:r>
+            <a:endParaRPr lang="en-US" sz="1800" dirty="0">
+              <a:latin typeface="Times New Roman" panose="02020603050405020304" pitchFamily="18" charset="0"/>
+              <a:cs typeface="Times New Roman" panose="02020603050405020304" pitchFamily="18" charset="0"/>
+            </a:endParaRPr>
+          </a:p>
+        </p:txBody>
+      </p:sp>
+      <p:cxnSp>
+        <p:nvCxnSpPr>
+          <p:cNvPr id="35" name="Straight Arrow Connector 34"/>
+          <p:cNvCxnSpPr/>
+          <p:nvPr/>
+        </p:nvCxnSpPr>
+        <p:spPr>
+          <a:xfrm flipH="1">
+            <a:off x="7877073" y="1405724"/>
+            <a:ext cx="134163" cy="787410"/>
           </a:xfrm>
           <a:prstGeom prst="straightConnector1">
             <a:avLst/>
@@ -15746,7 +17642,7 @@
 </p:sld>
 </file>
 
-<file path=ppt/slides/slide6.xml><?xml version="1.0" encoding="utf-8"?>
+<file path=ppt/slides/slide7.xml><?xml version="1.0" encoding="utf-8"?>
 <p:sld xmlns:a="http://schemas.openxmlformats.org/drawingml/2006/main" xmlns:r="http://schemas.openxmlformats.org/officeDocument/2006/relationships" xmlns:p="http://schemas.openxmlformats.org/presentationml/2006/main">
   <p:cSld>
     <p:spTree>
@@ -15952,7 +17848,7 @@
 </p:sld>
 </file>
 
-<file path=ppt/slides/slide7.xml><?xml version="1.0" encoding="utf-8"?>
+<file path=ppt/slides/slide8.xml><?xml version="1.0" encoding="utf-8"?>
 <p:sld xmlns:a="http://schemas.openxmlformats.org/drawingml/2006/main" xmlns:r="http://schemas.openxmlformats.org/officeDocument/2006/relationships" xmlns:p="http://schemas.openxmlformats.org/presentationml/2006/main">
   <p:cSld>
     <p:spTree>
@@ -16118,7 +18014,7 @@
 </p:sld>
 </file>
 
-<file path=ppt/slides/slide8.xml><?xml version="1.0" encoding="utf-8"?>
+<file path=ppt/slides/slide9.xml><?xml version="1.0" encoding="utf-8"?>
 <p:sld xmlns:a="http://schemas.openxmlformats.org/drawingml/2006/main" xmlns:r="http://schemas.openxmlformats.org/officeDocument/2006/relationships" xmlns:p="http://schemas.openxmlformats.org/presentationml/2006/main">
   <p:cSld>
     <p:spTree>
@@ -17133,1068 +19029,6 @@
     <p:extLst>
       <p:ext uri="{BB962C8B-B14F-4D97-AF65-F5344CB8AC3E}">
         <p14:creationId xmlns:p14="http://schemas.microsoft.com/office/powerpoint/2010/main" val="3785584837"/>
-      </p:ext>
-    </p:extLst>
-  </p:cSld>
-  <p:clrMapOvr>
-    <a:masterClrMapping/>
-  </p:clrMapOvr>
-</p:sld>
-</file>
-
-<file path=ppt/slides/slide9.xml><?xml version="1.0" encoding="utf-8"?>
-<p:sld xmlns:a="http://schemas.openxmlformats.org/drawingml/2006/main" xmlns:r="http://schemas.openxmlformats.org/officeDocument/2006/relationships" xmlns:p="http://schemas.openxmlformats.org/presentationml/2006/main">
-  <p:cSld>
-    <p:spTree>
-      <p:nvGrpSpPr>
-        <p:cNvPr id="1" name=""/>
-        <p:cNvGrpSpPr/>
-        <p:nvPr/>
-      </p:nvGrpSpPr>
-      <p:grpSpPr>
-        <a:xfrm>
-          <a:off x="0" y="0"/>
-          <a:ext cx="0" cy="0"/>
-          <a:chOff x="0" y="0"/>
-          <a:chExt cx="0" cy="0"/>
-        </a:xfrm>
-      </p:grpSpPr>
-      <p:pic>
-        <p:nvPicPr>
-          <p:cNvPr id="2" name="Picture 1"/>
-          <p:cNvPicPr>
-            <a:picLocks noChangeAspect="1"/>
-          </p:cNvPicPr>
-          <p:nvPr/>
-        </p:nvPicPr>
-        <p:blipFill>
-          <a:blip r:embed="rId2">
-            <a:extLst>
-              <a:ext uri="{28A0092B-C50C-407E-A947-70E740481C1C}">
-                <a14:useLocalDpi xmlns:a14="http://schemas.microsoft.com/office/drawing/2010/main" val="0"/>
-              </a:ext>
-            </a:extLst>
-          </a:blip>
-          <a:stretch>
-            <a:fillRect/>
-          </a:stretch>
-        </p:blipFill>
-        <p:spPr>
-          <a:xfrm>
-            <a:off x="1680072" y="1113544"/>
-            <a:ext cx="8030696" cy="5191850"/>
-          </a:xfrm>
-          <a:prstGeom prst="rect">
-            <a:avLst/>
-          </a:prstGeom>
-        </p:spPr>
-      </p:pic>
-      <p:sp>
-        <p:nvSpPr>
-          <p:cNvPr id="5" name="Subtitle 2"/>
-          <p:cNvSpPr txBox="1">
-            <a:spLocks/>
-          </p:cNvSpPr>
-          <p:nvPr/>
-        </p:nvSpPr>
-        <p:spPr>
-          <a:xfrm>
-            <a:off x="735754" y="1533044"/>
-            <a:ext cx="1888636" cy="455034"/>
-          </a:xfrm>
-          <a:prstGeom prst="rect">
-            <a:avLst/>
-          </a:prstGeom>
-          <a:solidFill>
-            <a:srgbClr val="F1995D"/>
-          </a:solidFill>
-          <a:ln w="38100">
-            <a:solidFill>
-              <a:srgbClr val="F1995D"/>
-            </a:solidFill>
-          </a:ln>
-        </p:spPr>
-        <p:txBody>
-          <a:bodyPr vert="horz" lIns="91440" tIns="45720" rIns="91440" bIns="45720" rtlCol="0">
-            <a:noAutofit/>
-          </a:bodyPr>
-          <a:lstStyle>
-            <a:lvl1pPr marL="228600" indent="-228600" algn="l" defTabSz="914400" rtl="0" eaLnBrk="1" latinLnBrk="0" hangingPunct="1">
-              <a:lnSpc>
-                <a:spcPct val="90000"/>
-              </a:lnSpc>
-              <a:spcBef>
-                <a:spcPts val="1000"/>
-              </a:spcBef>
-              <a:buFont typeface="Arial" panose="020B0604020202020204" pitchFamily="34" charset="0"/>
-              <a:buChar char="•"/>
-              <a:defRPr sz="2800" kern="1200">
-                <a:solidFill>
-                  <a:schemeClr val="tx1"/>
-                </a:solidFill>
-                <a:latin typeface="+mn-lt"/>
-                <a:ea typeface="+mn-ea"/>
-                <a:cs typeface="+mn-cs"/>
-              </a:defRPr>
-            </a:lvl1pPr>
-            <a:lvl2pPr marL="685800" indent="-228600" algn="l" defTabSz="914400" rtl="0" eaLnBrk="1" latinLnBrk="0" hangingPunct="1">
-              <a:lnSpc>
-                <a:spcPct val="90000"/>
-              </a:lnSpc>
-              <a:spcBef>
-                <a:spcPts val="500"/>
-              </a:spcBef>
-              <a:buFont typeface="Arial" panose="020B0604020202020204" pitchFamily="34" charset="0"/>
-              <a:buChar char="•"/>
-              <a:defRPr sz="2400" kern="1200">
-                <a:solidFill>
-                  <a:schemeClr val="tx1"/>
-                </a:solidFill>
-                <a:latin typeface="+mn-lt"/>
-                <a:ea typeface="+mn-ea"/>
-                <a:cs typeface="+mn-cs"/>
-              </a:defRPr>
-            </a:lvl2pPr>
-            <a:lvl3pPr marL="1143000" indent="-228600" algn="l" defTabSz="914400" rtl="0" eaLnBrk="1" latinLnBrk="0" hangingPunct="1">
-              <a:lnSpc>
-                <a:spcPct val="90000"/>
-              </a:lnSpc>
-              <a:spcBef>
-                <a:spcPts val="500"/>
-              </a:spcBef>
-              <a:buFont typeface="Arial" panose="020B0604020202020204" pitchFamily="34" charset="0"/>
-              <a:buChar char="•"/>
-              <a:defRPr sz="2000" kern="1200">
-                <a:solidFill>
-                  <a:schemeClr val="tx1"/>
-                </a:solidFill>
-                <a:latin typeface="+mn-lt"/>
-                <a:ea typeface="+mn-ea"/>
-                <a:cs typeface="+mn-cs"/>
-              </a:defRPr>
-            </a:lvl3pPr>
-            <a:lvl4pPr marL="1600200" indent="-228600" algn="l" defTabSz="914400" rtl="0" eaLnBrk="1" latinLnBrk="0" hangingPunct="1">
-              <a:lnSpc>
-                <a:spcPct val="90000"/>
-              </a:lnSpc>
-              <a:spcBef>
-                <a:spcPts val="500"/>
-              </a:spcBef>
-              <a:buFont typeface="Arial" panose="020B0604020202020204" pitchFamily="34" charset="0"/>
-              <a:buChar char="•"/>
-              <a:defRPr sz="1800" kern="1200">
-                <a:solidFill>
-                  <a:schemeClr val="tx1"/>
-                </a:solidFill>
-                <a:latin typeface="+mn-lt"/>
-                <a:ea typeface="+mn-ea"/>
-                <a:cs typeface="+mn-cs"/>
-              </a:defRPr>
-            </a:lvl4pPr>
-            <a:lvl5pPr marL="2057400" indent="-228600" algn="l" defTabSz="914400" rtl="0" eaLnBrk="1" latinLnBrk="0" hangingPunct="1">
-              <a:lnSpc>
-                <a:spcPct val="90000"/>
-              </a:lnSpc>
-              <a:spcBef>
-                <a:spcPts val="500"/>
-              </a:spcBef>
-              <a:buFont typeface="Arial" panose="020B0604020202020204" pitchFamily="34" charset="0"/>
-              <a:buChar char="•"/>
-              <a:defRPr sz="1800" kern="1200">
-                <a:solidFill>
-                  <a:schemeClr val="tx1"/>
-                </a:solidFill>
-                <a:latin typeface="+mn-lt"/>
-                <a:ea typeface="+mn-ea"/>
-                <a:cs typeface="+mn-cs"/>
-              </a:defRPr>
-            </a:lvl5pPr>
-            <a:lvl6pPr marL="2514600" indent="-228600" algn="l" defTabSz="914400" rtl="0" eaLnBrk="1" latinLnBrk="0" hangingPunct="1">
-              <a:lnSpc>
-                <a:spcPct val="90000"/>
-              </a:lnSpc>
-              <a:spcBef>
-                <a:spcPts val="500"/>
-              </a:spcBef>
-              <a:buFont typeface="Arial" panose="020B0604020202020204" pitchFamily="34" charset="0"/>
-              <a:buChar char="•"/>
-              <a:defRPr sz="1800" kern="1200">
-                <a:solidFill>
-                  <a:schemeClr val="tx1"/>
-                </a:solidFill>
-                <a:latin typeface="+mn-lt"/>
-                <a:ea typeface="+mn-ea"/>
-                <a:cs typeface="+mn-cs"/>
-              </a:defRPr>
-            </a:lvl6pPr>
-            <a:lvl7pPr marL="2971800" indent="-228600" algn="l" defTabSz="914400" rtl="0" eaLnBrk="1" latinLnBrk="0" hangingPunct="1">
-              <a:lnSpc>
-                <a:spcPct val="90000"/>
-              </a:lnSpc>
-              <a:spcBef>
-                <a:spcPts val="500"/>
-              </a:spcBef>
-              <a:buFont typeface="Arial" panose="020B0604020202020204" pitchFamily="34" charset="0"/>
-              <a:buChar char="•"/>
-              <a:defRPr sz="1800" kern="1200">
-                <a:solidFill>
-                  <a:schemeClr val="tx1"/>
-                </a:solidFill>
-                <a:latin typeface="+mn-lt"/>
-                <a:ea typeface="+mn-ea"/>
-                <a:cs typeface="+mn-cs"/>
-              </a:defRPr>
-            </a:lvl7pPr>
-            <a:lvl8pPr marL="3429000" indent="-228600" algn="l" defTabSz="914400" rtl="0" eaLnBrk="1" latinLnBrk="0" hangingPunct="1">
-              <a:lnSpc>
-                <a:spcPct val="90000"/>
-              </a:lnSpc>
-              <a:spcBef>
-                <a:spcPts val="500"/>
-              </a:spcBef>
-              <a:buFont typeface="Arial" panose="020B0604020202020204" pitchFamily="34" charset="0"/>
-              <a:buChar char="•"/>
-              <a:defRPr sz="1800" kern="1200">
-                <a:solidFill>
-                  <a:schemeClr val="tx1"/>
-                </a:solidFill>
-                <a:latin typeface="+mn-lt"/>
-                <a:ea typeface="+mn-ea"/>
-                <a:cs typeface="+mn-cs"/>
-              </a:defRPr>
-            </a:lvl8pPr>
-            <a:lvl9pPr marL="3886200" indent="-228600" algn="l" defTabSz="914400" rtl="0" eaLnBrk="1" latinLnBrk="0" hangingPunct="1">
-              <a:lnSpc>
-                <a:spcPct val="90000"/>
-              </a:lnSpc>
-              <a:spcBef>
-                <a:spcPts val="500"/>
-              </a:spcBef>
-              <a:buFont typeface="Arial" panose="020B0604020202020204" pitchFamily="34" charset="0"/>
-              <a:buChar char="•"/>
-              <a:defRPr sz="1800" kern="1200">
-                <a:solidFill>
-                  <a:schemeClr val="tx1"/>
-                </a:solidFill>
-                <a:latin typeface="+mn-lt"/>
-                <a:ea typeface="+mn-ea"/>
-                <a:cs typeface="+mn-cs"/>
-              </a:defRPr>
-            </a:lvl9pPr>
-          </a:lstStyle>
-          <a:p>
-            <a:pPr marL="0" indent="0">
-              <a:buNone/>
-            </a:pPr>
-            <a:r>
-              <a:rPr lang="en-US" sz="2400" dirty="0" smtClean="0">
-                <a:latin typeface="Times New Roman" panose="02020603050405020304" pitchFamily="18" charset="0"/>
-                <a:cs typeface="Times New Roman" panose="02020603050405020304" pitchFamily="18" charset="0"/>
-              </a:rPr>
-              <a:t>Lack of water</a:t>
-            </a:r>
-            <a:endParaRPr lang="en-US" sz="2400" dirty="0"/>
-          </a:p>
-        </p:txBody>
-      </p:sp>
-      <p:cxnSp>
-        <p:nvCxnSpPr>
-          <p:cNvPr id="6" name="Straight Arrow Connector 5"/>
-          <p:cNvCxnSpPr/>
-          <p:nvPr/>
-        </p:nvCxnSpPr>
-        <p:spPr>
-          <a:xfrm>
-            <a:off x="1750938" y="1988078"/>
-            <a:ext cx="527536" cy="518185"/>
-          </a:xfrm>
-          <a:prstGeom prst="straightConnector1">
-            <a:avLst/>
-          </a:prstGeom>
-          <a:ln w="38100">
-            <a:solidFill>
-              <a:srgbClr val="F1995D"/>
-            </a:solidFill>
-            <a:tailEnd type="triangle"/>
-          </a:ln>
-        </p:spPr>
-        <p:style>
-          <a:lnRef idx="1">
-            <a:schemeClr val="accent1"/>
-          </a:lnRef>
-          <a:fillRef idx="0">
-            <a:schemeClr val="accent1"/>
-          </a:fillRef>
-          <a:effectRef idx="0">
-            <a:schemeClr val="accent1"/>
-          </a:effectRef>
-          <a:fontRef idx="minor">
-            <a:schemeClr val="tx1"/>
-          </a:fontRef>
-        </p:style>
-      </p:cxnSp>
-      <p:sp>
-        <p:nvSpPr>
-          <p:cNvPr id="9" name="Subtitle 2"/>
-          <p:cNvSpPr txBox="1">
-            <a:spLocks/>
-          </p:cNvSpPr>
-          <p:nvPr/>
-        </p:nvSpPr>
-        <p:spPr>
-          <a:xfrm>
-            <a:off x="5396219" y="777060"/>
-            <a:ext cx="1888636" cy="455034"/>
-          </a:xfrm>
-          <a:prstGeom prst="rect">
-            <a:avLst/>
-          </a:prstGeom>
-          <a:solidFill>
-            <a:schemeClr val="accent5">
-              <a:lumMod val="60000"/>
-              <a:lumOff val="40000"/>
-            </a:schemeClr>
-          </a:solidFill>
-          <a:ln w="38100">
-            <a:solidFill>
-              <a:schemeClr val="accent5">
-                <a:lumMod val="60000"/>
-                <a:lumOff val="40000"/>
-              </a:schemeClr>
-            </a:solidFill>
-          </a:ln>
-        </p:spPr>
-        <p:txBody>
-          <a:bodyPr vert="horz" lIns="91440" tIns="45720" rIns="91440" bIns="45720" rtlCol="0">
-            <a:noAutofit/>
-          </a:bodyPr>
-          <a:lstStyle>
-            <a:lvl1pPr marL="228600" indent="-228600" algn="l" defTabSz="914400" rtl="0" eaLnBrk="1" latinLnBrk="0" hangingPunct="1">
-              <a:lnSpc>
-                <a:spcPct val="90000"/>
-              </a:lnSpc>
-              <a:spcBef>
-                <a:spcPts val="1000"/>
-              </a:spcBef>
-              <a:buFont typeface="Arial" panose="020B0604020202020204" pitchFamily="34" charset="0"/>
-              <a:buChar char="•"/>
-              <a:defRPr sz="2800" kern="1200">
-                <a:solidFill>
-                  <a:schemeClr val="tx1"/>
-                </a:solidFill>
-                <a:latin typeface="+mn-lt"/>
-                <a:ea typeface="+mn-ea"/>
-                <a:cs typeface="+mn-cs"/>
-              </a:defRPr>
-            </a:lvl1pPr>
-            <a:lvl2pPr marL="685800" indent="-228600" algn="l" defTabSz="914400" rtl="0" eaLnBrk="1" latinLnBrk="0" hangingPunct="1">
-              <a:lnSpc>
-                <a:spcPct val="90000"/>
-              </a:lnSpc>
-              <a:spcBef>
-                <a:spcPts val="500"/>
-              </a:spcBef>
-              <a:buFont typeface="Arial" panose="020B0604020202020204" pitchFamily="34" charset="0"/>
-              <a:buChar char="•"/>
-              <a:defRPr sz="2400" kern="1200">
-                <a:solidFill>
-                  <a:schemeClr val="tx1"/>
-                </a:solidFill>
-                <a:latin typeface="+mn-lt"/>
-                <a:ea typeface="+mn-ea"/>
-                <a:cs typeface="+mn-cs"/>
-              </a:defRPr>
-            </a:lvl2pPr>
-            <a:lvl3pPr marL="1143000" indent="-228600" algn="l" defTabSz="914400" rtl="0" eaLnBrk="1" latinLnBrk="0" hangingPunct="1">
-              <a:lnSpc>
-                <a:spcPct val="90000"/>
-              </a:lnSpc>
-              <a:spcBef>
-                <a:spcPts val="500"/>
-              </a:spcBef>
-              <a:buFont typeface="Arial" panose="020B0604020202020204" pitchFamily="34" charset="0"/>
-              <a:buChar char="•"/>
-              <a:defRPr sz="2000" kern="1200">
-                <a:solidFill>
-                  <a:schemeClr val="tx1"/>
-                </a:solidFill>
-                <a:latin typeface="+mn-lt"/>
-                <a:ea typeface="+mn-ea"/>
-                <a:cs typeface="+mn-cs"/>
-              </a:defRPr>
-            </a:lvl3pPr>
-            <a:lvl4pPr marL="1600200" indent="-228600" algn="l" defTabSz="914400" rtl="0" eaLnBrk="1" latinLnBrk="0" hangingPunct="1">
-              <a:lnSpc>
-                <a:spcPct val="90000"/>
-              </a:lnSpc>
-              <a:spcBef>
-                <a:spcPts val="500"/>
-              </a:spcBef>
-              <a:buFont typeface="Arial" panose="020B0604020202020204" pitchFamily="34" charset="0"/>
-              <a:buChar char="•"/>
-              <a:defRPr sz="1800" kern="1200">
-                <a:solidFill>
-                  <a:schemeClr val="tx1"/>
-                </a:solidFill>
-                <a:latin typeface="+mn-lt"/>
-                <a:ea typeface="+mn-ea"/>
-                <a:cs typeface="+mn-cs"/>
-              </a:defRPr>
-            </a:lvl4pPr>
-            <a:lvl5pPr marL="2057400" indent="-228600" algn="l" defTabSz="914400" rtl="0" eaLnBrk="1" latinLnBrk="0" hangingPunct="1">
-              <a:lnSpc>
-                <a:spcPct val="90000"/>
-              </a:lnSpc>
-              <a:spcBef>
-                <a:spcPts val="500"/>
-              </a:spcBef>
-              <a:buFont typeface="Arial" panose="020B0604020202020204" pitchFamily="34" charset="0"/>
-              <a:buChar char="•"/>
-              <a:defRPr sz="1800" kern="1200">
-                <a:solidFill>
-                  <a:schemeClr val="tx1"/>
-                </a:solidFill>
-                <a:latin typeface="+mn-lt"/>
-                <a:ea typeface="+mn-ea"/>
-                <a:cs typeface="+mn-cs"/>
-              </a:defRPr>
-            </a:lvl5pPr>
-            <a:lvl6pPr marL="2514600" indent="-228600" algn="l" defTabSz="914400" rtl="0" eaLnBrk="1" latinLnBrk="0" hangingPunct="1">
-              <a:lnSpc>
-                <a:spcPct val="90000"/>
-              </a:lnSpc>
-              <a:spcBef>
-                <a:spcPts val="500"/>
-              </a:spcBef>
-              <a:buFont typeface="Arial" panose="020B0604020202020204" pitchFamily="34" charset="0"/>
-              <a:buChar char="•"/>
-              <a:defRPr sz="1800" kern="1200">
-                <a:solidFill>
-                  <a:schemeClr val="tx1"/>
-                </a:solidFill>
-                <a:latin typeface="+mn-lt"/>
-                <a:ea typeface="+mn-ea"/>
-                <a:cs typeface="+mn-cs"/>
-              </a:defRPr>
-            </a:lvl6pPr>
-            <a:lvl7pPr marL="2971800" indent="-228600" algn="l" defTabSz="914400" rtl="0" eaLnBrk="1" latinLnBrk="0" hangingPunct="1">
-              <a:lnSpc>
-                <a:spcPct val="90000"/>
-              </a:lnSpc>
-              <a:spcBef>
-                <a:spcPts val="500"/>
-              </a:spcBef>
-              <a:buFont typeface="Arial" panose="020B0604020202020204" pitchFamily="34" charset="0"/>
-              <a:buChar char="•"/>
-              <a:defRPr sz="1800" kern="1200">
-                <a:solidFill>
-                  <a:schemeClr val="tx1"/>
-                </a:solidFill>
-                <a:latin typeface="+mn-lt"/>
-                <a:ea typeface="+mn-ea"/>
-                <a:cs typeface="+mn-cs"/>
-              </a:defRPr>
-            </a:lvl7pPr>
-            <a:lvl8pPr marL="3429000" indent="-228600" algn="l" defTabSz="914400" rtl="0" eaLnBrk="1" latinLnBrk="0" hangingPunct="1">
-              <a:lnSpc>
-                <a:spcPct val="90000"/>
-              </a:lnSpc>
-              <a:spcBef>
-                <a:spcPts val="500"/>
-              </a:spcBef>
-              <a:buFont typeface="Arial" panose="020B0604020202020204" pitchFamily="34" charset="0"/>
-              <a:buChar char="•"/>
-              <a:defRPr sz="1800" kern="1200">
-                <a:solidFill>
-                  <a:schemeClr val="tx1"/>
-                </a:solidFill>
-                <a:latin typeface="+mn-lt"/>
-                <a:ea typeface="+mn-ea"/>
-                <a:cs typeface="+mn-cs"/>
-              </a:defRPr>
-            </a:lvl8pPr>
-            <a:lvl9pPr marL="3886200" indent="-228600" algn="l" defTabSz="914400" rtl="0" eaLnBrk="1" latinLnBrk="0" hangingPunct="1">
-              <a:lnSpc>
-                <a:spcPct val="90000"/>
-              </a:lnSpc>
-              <a:spcBef>
-                <a:spcPts val="500"/>
-              </a:spcBef>
-              <a:buFont typeface="Arial" panose="020B0604020202020204" pitchFamily="34" charset="0"/>
-              <a:buChar char="•"/>
-              <a:defRPr sz="1800" kern="1200">
-                <a:solidFill>
-                  <a:schemeClr val="tx1"/>
-                </a:solidFill>
-                <a:latin typeface="+mn-lt"/>
-                <a:ea typeface="+mn-ea"/>
-                <a:cs typeface="+mn-cs"/>
-              </a:defRPr>
-            </a:lvl9pPr>
-          </a:lstStyle>
-          <a:p>
-            <a:pPr marL="0" indent="0">
-              <a:buNone/>
-            </a:pPr>
-            <a:r>
-              <a:rPr lang="en-US" sz="2400" dirty="0" smtClean="0">
-                <a:latin typeface="Times New Roman" panose="02020603050405020304" pitchFamily="18" charset="0"/>
-                <a:cs typeface="Times New Roman" panose="02020603050405020304" pitchFamily="18" charset="0"/>
-              </a:rPr>
-              <a:t>Gas shortage</a:t>
-            </a:r>
-            <a:endParaRPr lang="en-US" sz="2400" dirty="0"/>
-          </a:p>
-        </p:txBody>
-      </p:sp>
-      <p:cxnSp>
-        <p:nvCxnSpPr>
-          <p:cNvPr id="10" name="Straight Arrow Connector 9"/>
-          <p:cNvCxnSpPr/>
-          <p:nvPr/>
-        </p:nvCxnSpPr>
-        <p:spPr>
-          <a:xfrm flipH="1">
-            <a:off x="6810233" y="1232094"/>
-            <a:ext cx="42190" cy="569410"/>
-          </a:xfrm>
-          <a:prstGeom prst="straightConnector1">
-            <a:avLst/>
-          </a:prstGeom>
-          <a:ln w="38100">
-            <a:solidFill>
-              <a:schemeClr val="accent5">
-                <a:lumMod val="60000"/>
-                <a:lumOff val="40000"/>
-              </a:schemeClr>
-            </a:solidFill>
-            <a:tailEnd type="triangle"/>
-          </a:ln>
-        </p:spPr>
-        <p:style>
-          <a:lnRef idx="1">
-            <a:schemeClr val="accent1"/>
-          </a:lnRef>
-          <a:fillRef idx="0">
-            <a:schemeClr val="accent1"/>
-          </a:fillRef>
-          <a:effectRef idx="0">
-            <a:schemeClr val="accent1"/>
-          </a:effectRef>
-          <a:fontRef idx="minor">
-            <a:schemeClr val="tx1"/>
-          </a:fontRef>
-        </p:style>
-      </p:cxnSp>
-      <p:sp>
-        <p:nvSpPr>
-          <p:cNvPr id="15" name="Subtitle 2"/>
-          <p:cNvSpPr txBox="1">
-            <a:spLocks/>
-          </p:cNvSpPr>
-          <p:nvPr/>
-        </p:nvSpPr>
-        <p:spPr>
-          <a:xfrm>
-            <a:off x="9092039" y="3055948"/>
-            <a:ext cx="1785145" cy="455034"/>
-          </a:xfrm>
-          <a:prstGeom prst="rect">
-            <a:avLst/>
-          </a:prstGeom>
-          <a:solidFill>
-            <a:srgbClr val="D280C0"/>
-          </a:solidFill>
-          <a:ln w="38100">
-            <a:solidFill>
-              <a:srgbClr val="D280C0"/>
-            </a:solidFill>
-          </a:ln>
-        </p:spPr>
-        <p:txBody>
-          <a:bodyPr vert="horz" lIns="91440" tIns="45720" rIns="91440" bIns="45720" rtlCol="0">
-            <a:noAutofit/>
-          </a:bodyPr>
-          <a:lstStyle>
-            <a:lvl1pPr marL="228600" indent="-228600" algn="l" defTabSz="914400" rtl="0" eaLnBrk="1" latinLnBrk="0" hangingPunct="1">
-              <a:lnSpc>
-                <a:spcPct val="90000"/>
-              </a:lnSpc>
-              <a:spcBef>
-                <a:spcPts val="1000"/>
-              </a:spcBef>
-              <a:buFont typeface="Arial" panose="020B0604020202020204" pitchFamily="34" charset="0"/>
-              <a:buChar char="•"/>
-              <a:defRPr sz="2800" kern="1200">
-                <a:solidFill>
-                  <a:schemeClr val="tx1"/>
-                </a:solidFill>
-                <a:latin typeface="+mn-lt"/>
-                <a:ea typeface="+mn-ea"/>
-                <a:cs typeface="+mn-cs"/>
-              </a:defRPr>
-            </a:lvl1pPr>
-            <a:lvl2pPr marL="685800" indent="-228600" algn="l" defTabSz="914400" rtl="0" eaLnBrk="1" latinLnBrk="0" hangingPunct="1">
-              <a:lnSpc>
-                <a:spcPct val="90000"/>
-              </a:lnSpc>
-              <a:spcBef>
-                <a:spcPts val="500"/>
-              </a:spcBef>
-              <a:buFont typeface="Arial" panose="020B0604020202020204" pitchFamily="34" charset="0"/>
-              <a:buChar char="•"/>
-              <a:defRPr sz="2400" kern="1200">
-                <a:solidFill>
-                  <a:schemeClr val="tx1"/>
-                </a:solidFill>
-                <a:latin typeface="+mn-lt"/>
-                <a:ea typeface="+mn-ea"/>
-                <a:cs typeface="+mn-cs"/>
-              </a:defRPr>
-            </a:lvl2pPr>
-            <a:lvl3pPr marL="1143000" indent="-228600" algn="l" defTabSz="914400" rtl="0" eaLnBrk="1" latinLnBrk="0" hangingPunct="1">
-              <a:lnSpc>
-                <a:spcPct val="90000"/>
-              </a:lnSpc>
-              <a:spcBef>
-                <a:spcPts val="500"/>
-              </a:spcBef>
-              <a:buFont typeface="Arial" panose="020B0604020202020204" pitchFamily="34" charset="0"/>
-              <a:buChar char="•"/>
-              <a:defRPr sz="2000" kern="1200">
-                <a:solidFill>
-                  <a:schemeClr val="tx1"/>
-                </a:solidFill>
-                <a:latin typeface="+mn-lt"/>
-                <a:ea typeface="+mn-ea"/>
-                <a:cs typeface="+mn-cs"/>
-              </a:defRPr>
-            </a:lvl3pPr>
-            <a:lvl4pPr marL="1600200" indent="-228600" algn="l" defTabSz="914400" rtl="0" eaLnBrk="1" latinLnBrk="0" hangingPunct="1">
-              <a:lnSpc>
-                <a:spcPct val="90000"/>
-              </a:lnSpc>
-              <a:spcBef>
-                <a:spcPts val="500"/>
-              </a:spcBef>
-              <a:buFont typeface="Arial" panose="020B0604020202020204" pitchFamily="34" charset="0"/>
-              <a:buChar char="•"/>
-              <a:defRPr sz="1800" kern="1200">
-                <a:solidFill>
-                  <a:schemeClr val="tx1"/>
-                </a:solidFill>
-                <a:latin typeface="+mn-lt"/>
-                <a:ea typeface="+mn-ea"/>
-                <a:cs typeface="+mn-cs"/>
-              </a:defRPr>
-            </a:lvl4pPr>
-            <a:lvl5pPr marL="2057400" indent="-228600" algn="l" defTabSz="914400" rtl="0" eaLnBrk="1" latinLnBrk="0" hangingPunct="1">
-              <a:lnSpc>
-                <a:spcPct val="90000"/>
-              </a:lnSpc>
-              <a:spcBef>
-                <a:spcPts val="500"/>
-              </a:spcBef>
-              <a:buFont typeface="Arial" panose="020B0604020202020204" pitchFamily="34" charset="0"/>
-              <a:buChar char="•"/>
-              <a:defRPr sz="1800" kern="1200">
-                <a:solidFill>
-                  <a:schemeClr val="tx1"/>
-                </a:solidFill>
-                <a:latin typeface="+mn-lt"/>
-                <a:ea typeface="+mn-ea"/>
-                <a:cs typeface="+mn-cs"/>
-              </a:defRPr>
-            </a:lvl5pPr>
-            <a:lvl6pPr marL="2514600" indent="-228600" algn="l" defTabSz="914400" rtl="0" eaLnBrk="1" latinLnBrk="0" hangingPunct="1">
-              <a:lnSpc>
-                <a:spcPct val="90000"/>
-              </a:lnSpc>
-              <a:spcBef>
-                <a:spcPts val="500"/>
-              </a:spcBef>
-              <a:buFont typeface="Arial" panose="020B0604020202020204" pitchFamily="34" charset="0"/>
-              <a:buChar char="•"/>
-              <a:defRPr sz="1800" kern="1200">
-                <a:solidFill>
-                  <a:schemeClr val="tx1"/>
-                </a:solidFill>
-                <a:latin typeface="+mn-lt"/>
-                <a:ea typeface="+mn-ea"/>
-                <a:cs typeface="+mn-cs"/>
-              </a:defRPr>
-            </a:lvl6pPr>
-            <a:lvl7pPr marL="2971800" indent="-228600" algn="l" defTabSz="914400" rtl="0" eaLnBrk="1" latinLnBrk="0" hangingPunct="1">
-              <a:lnSpc>
-                <a:spcPct val="90000"/>
-              </a:lnSpc>
-              <a:spcBef>
-                <a:spcPts val="500"/>
-              </a:spcBef>
-              <a:buFont typeface="Arial" panose="020B0604020202020204" pitchFamily="34" charset="0"/>
-              <a:buChar char="•"/>
-              <a:defRPr sz="1800" kern="1200">
-                <a:solidFill>
-                  <a:schemeClr val="tx1"/>
-                </a:solidFill>
-                <a:latin typeface="+mn-lt"/>
-                <a:ea typeface="+mn-ea"/>
-                <a:cs typeface="+mn-cs"/>
-              </a:defRPr>
-            </a:lvl7pPr>
-            <a:lvl8pPr marL="3429000" indent="-228600" algn="l" defTabSz="914400" rtl="0" eaLnBrk="1" latinLnBrk="0" hangingPunct="1">
-              <a:lnSpc>
-                <a:spcPct val="90000"/>
-              </a:lnSpc>
-              <a:spcBef>
-                <a:spcPts val="500"/>
-              </a:spcBef>
-              <a:buFont typeface="Arial" panose="020B0604020202020204" pitchFamily="34" charset="0"/>
-              <a:buChar char="•"/>
-              <a:defRPr sz="1800" kern="1200">
-                <a:solidFill>
-                  <a:schemeClr val="tx1"/>
-                </a:solidFill>
-                <a:latin typeface="+mn-lt"/>
-                <a:ea typeface="+mn-ea"/>
-                <a:cs typeface="+mn-cs"/>
-              </a:defRPr>
-            </a:lvl8pPr>
-            <a:lvl9pPr marL="3886200" indent="-228600" algn="l" defTabSz="914400" rtl="0" eaLnBrk="1" latinLnBrk="0" hangingPunct="1">
-              <a:lnSpc>
-                <a:spcPct val="90000"/>
-              </a:lnSpc>
-              <a:spcBef>
-                <a:spcPts val="500"/>
-              </a:spcBef>
-              <a:buFont typeface="Arial" panose="020B0604020202020204" pitchFamily="34" charset="0"/>
-              <a:buChar char="•"/>
-              <a:defRPr sz="1800" kern="1200">
-                <a:solidFill>
-                  <a:schemeClr val="tx1"/>
-                </a:solidFill>
-                <a:latin typeface="+mn-lt"/>
-                <a:ea typeface="+mn-ea"/>
-                <a:cs typeface="+mn-cs"/>
-              </a:defRPr>
-            </a:lvl9pPr>
-          </a:lstStyle>
-          <a:p>
-            <a:pPr marL="0" indent="0">
-              <a:buNone/>
-            </a:pPr>
-            <a:r>
-              <a:rPr lang="en-US" sz="2400" dirty="0" smtClean="0">
-                <a:latin typeface="Times New Roman" panose="02020603050405020304" pitchFamily="18" charset="0"/>
-                <a:cs typeface="Times New Roman" panose="02020603050405020304" pitchFamily="18" charset="0"/>
-              </a:rPr>
-              <a:t>Other supply</a:t>
-            </a:r>
-            <a:endParaRPr lang="en-US" sz="2400" dirty="0"/>
-          </a:p>
-        </p:txBody>
-      </p:sp>
-      <p:cxnSp>
-        <p:nvCxnSpPr>
-          <p:cNvPr id="16" name="Straight Arrow Connector 15"/>
-          <p:cNvCxnSpPr/>
-          <p:nvPr/>
-        </p:nvCxnSpPr>
-        <p:spPr>
-          <a:xfrm flipH="1" flipV="1">
-            <a:off x="9567080" y="2346773"/>
-            <a:ext cx="146314" cy="709175"/>
-          </a:xfrm>
-          <a:prstGeom prst="straightConnector1">
-            <a:avLst/>
-          </a:prstGeom>
-          <a:ln w="38100">
-            <a:solidFill>
-              <a:srgbClr val="D280C0"/>
-            </a:solidFill>
-            <a:tailEnd type="triangle"/>
-          </a:ln>
-        </p:spPr>
-        <p:style>
-          <a:lnRef idx="1">
-            <a:schemeClr val="accent1"/>
-          </a:lnRef>
-          <a:fillRef idx="0">
-            <a:schemeClr val="accent1"/>
-          </a:fillRef>
-          <a:effectRef idx="0">
-            <a:schemeClr val="accent1"/>
-          </a:effectRef>
-          <a:fontRef idx="minor">
-            <a:schemeClr val="tx1"/>
-          </a:fontRef>
-        </p:style>
-      </p:cxnSp>
-      <p:sp>
-        <p:nvSpPr>
-          <p:cNvPr id="22" name="Subtitle 2"/>
-          <p:cNvSpPr txBox="1">
-            <a:spLocks/>
-          </p:cNvSpPr>
-          <p:nvPr/>
-        </p:nvSpPr>
-        <p:spPr>
-          <a:xfrm>
-            <a:off x="7547833" y="5548375"/>
-            <a:ext cx="2155723" cy="455034"/>
-          </a:xfrm>
-          <a:prstGeom prst="rect">
-            <a:avLst/>
-          </a:prstGeom>
-          <a:solidFill>
-            <a:srgbClr val="21B971"/>
-          </a:solidFill>
-          <a:ln>
-            <a:solidFill>
-              <a:srgbClr val="21B971"/>
-            </a:solidFill>
-          </a:ln>
-        </p:spPr>
-        <p:style>
-          <a:lnRef idx="1">
-            <a:schemeClr val="accent6"/>
-          </a:lnRef>
-          <a:fillRef idx="3">
-            <a:schemeClr val="accent6"/>
-          </a:fillRef>
-          <a:effectRef idx="2">
-            <a:schemeClr val="accent6"/>
-          </a:effectRef>
-          <a:fontRef idx="minor">
-            <a:schemeClr val="lt1"/>
-          </a:fontRef>
-        </p:style>
-        <p:txBody>
-          <a:bodyPr vert="horz" lIns="91440" tIns="45720" rIns="91440" bIns="45720" rtlCol="0">
-            <a:noAutofit/>
-          </a:bodyPr>
-          <a:lstStyle>
-            <a:lvl1pPr marL="228600" indent="-228600" algn="l" defTabSz="914400" rtl="0" eaLnBrk="1" latinLnBrk="0" hangingPunct="1">
-              <a:lnSpc>
-                <a:spcPct val="90000"/>
-              </a:lnSpc>
-              <a:spcBef>
-                <a:spcPts val="1000"/>
-              </a:spcBef>
-              <a:buFont typeface="Arial" panose="020B0604020202020204" pitchFamily="34" charset="0"/>
-              <a:buChar char="•"/>
-              <a:defRPr sz="2800" kern="1200">
-                <a:solidFill>
-                  <a:schemeClr val="tx1"/>
-                </a:solidFill>
-                <a:latin typeface="+mn-lt"/>
-                <a:ea typeface="+mn-ea"/>
-                <a:cs typeface="+mn-cs"/>
-              </a:defRPr>
-            </a:lvl1pPr>
-            <a:lvl2pPr marL="685800" indent="-228600" algn="l" defTabSz="914400" rtl="0" eaLnBrk="1" latinLnBrk="0" hangingPunct="1">
-              <a:lnSpc>
-                <a:spcPct val="90000"/>
-              </a:lnSpc>
-              <a:spcBef>
-                <a:spcPts val="500"/>
-              </a:spcBef>
-              <a:buFont typeface="Arial" panose="020B0604020202020204" pitchFamily="34" charset="0"/>
-              <a:buChar char="•"/>
-              <a:defRPr sz="2400" kern="1200">
-                <a:solidFill>
-                  <a:schemeClr val="tx1"/>
-                </a:solidFill>
-                <a:latin typeface="+mn-lt"/>
-                <a:ea typeface="+mn-ea"/>
-                <a:cs typeface="+mn-cs"/>
-              </a:defRPr>
-            </a:lvl2pPr>
-            <a:lvl3pPr marL="1143000" indent="-228600" algn="l" defTabSz="914400" rtl="0" eaLnBrk="1" latinLnBrk="0" hangingPunct="1">
-              <a:lnSpc>
-                <a:spcPct val="90000"/>
-              </a:lnSpc>
-              <a:spcBef>
-                <a:spcPts val="500"/>
-              </a:spcBef>
-              <a:buFont typeface="Arial" panose="020B0604020202020204" pitchFamily="34" charset="0"/>
-              <a:buChar char="•"/>
-              <a:defRPr sz="2000" kern="1200">
-                <a:solidFill>
-                  <a:schemeClr val="tx1"/>
-                </a:solidFill>
-                <a:latin typeface="+mn-lt"/>
-                <a:ea typeface="+mn-ea"/>
-                <a:cs typeface="+mn-cs"/>
-              </a:defRPr>
-            </a:lvl3pPr>
-            <a:lvl4pPr marL="1600200" indent="-228600" algn="l" defTabSz="914400" rtl="0" eaLnBrk="1" latinLnBrk="0" hangingPunct="1">
-              <a:lnSpc>
-                <a:spcPct val="90000"/>
-              </a:lnSpc>
-              <a:spcBef>
-                <a:spcPts val="500"/>
-              </a:spcBef>
-              <a:buFont typeface="Arial" panose="020B0604020202020204" pitchFamily="34" charset="0"/>
-              <a:buChar char="•"/>
-              <a:defRPr sz="1800" kern="1200">
-                <a:solidFill>
-                  <a:schemeClr val="tx1"/>
-                </a:solidFill>
-                <a:latin typeface="+mn-lt"/>
-                <a:ea typeface="+mn-ea"/>
-                <a:cs typeface="+mn-cs"/>
-              </a:defRPr>
-            </a:lvl4pPr>
-            <a:lvl5pPr marL="2057400" indent="-228600" algn="l" defTabSz="914400" rtl="0" eaLnBrk="1" latinLnBrk="0" hangingPunct="1">
-              <a:lnSpc>
-                <a:spcPct val="90000"/>
-              </a:lnSpc>
-              <a:spcBef>
-                <a:spcPts val="500"/>
-              </a:spcBef>
-              <a:buFont typeface="Arial" panose="020B0604020202020204" pitchFamily="34" charset="0"/>
-              <a:buChar char="•"/>
-              <a:defRPr sz="1800" kern="1200">
-                <a:solidFill>
-                  <a:schemeClr val="tx1"/>
-                </a:solidFill>
-                <a:latin typeface="+mn-lt"/>
-                <a:ea typeface="+mn-ea"/>
-                <a:cs typeface="+mn-cs"/>
-              </a:defRPr>
-            </a:lvl5pPr>
-            <a:lvl6pPr marL="2514600" indent="-228600" algn="l" defTabSz="914400" rtl="0" eaLnBrk="1" latinLnBrk="0" hangingPunct="1">
-              <a:lnSpc>
-                <a:spcPct val="90000"/>
-              </a:lnSpc>
-              <a:spcBef>
-                <a:spcPts val="500"/>
-              </a:spcBef>
-              <a:buFont typeface="Arial" panose="020B0604020202020204" pitchFamily="34" charset="0"/>
-              <a:buChar char="•"/>
-              <a:defRPr sz="1800" kern="1200">
-                <a:solidFill>
-                  <a:schemeClr val="tx1"/>
-                </a:solidFill>
-                <a:latin typeface="+mn-lt"/>
-                <a:ea typeface="+mn-ea"/>
-                <a:cs typeface="+mn-cs"/>
-              </a:defRPr>
-            </a:lvl6pPr>
-            <a:lvl7pPr marL="2971800" indent="-228600" algn="l" defTabSz="914400" rtl="0" eaLnBrk="1" latinLnBrk="0" hangingPunct="1">
-              <a:lnSpc>
-                <a:spcPct val="90000"/>
-              </a:lnSpc>
-              <a:spcBef>
-                <a:spcPts val="500"/>
-              </a:spcBef>
-              <a:buFont typeface="Arial" panose="020B0604020202020204" pitchFamily="34" charset="0"/>
-              <a:buChar char="•"/>
-              <a:defRPr sz="1800" kern="1200">
-                <a:solidFill>
-                  <a:schemeClr val="tx1"/>
-                </a:solidFill>
-                <a:latin typeface="+mn-lt"/>
-                <a:ea typeface="+mn-ea"/>
-                <a:cs typeface="+mn-cs"/>
-              </a:defRPr>
-            </a:lvl7pPr>
-            <a:lvl8pPr marL="3429000" indent="-228600" algn="l" defTabSz="914400" rtl="0" eaLnBrk="1" latinLnBrk="0" hangingPunct="1">
-              <a:lnSpc>
-                <a:spcPct val="90000"/>
-              </a:lnSpc>
-              <a:spcBef>
-                <a:spcPts val="500"/>
-              </a:spcBef>
-              <a:buFont typeface="Arial" panose="020B0604020202020204" pitchFamily="34" charset="0"/>
-              <a:buChar char="•"/>
-              <a:defRPr sz="1800" kern="1200">
-                <a:solidFill>
-                  <a:schemeClr val="tx1"/>
-                </a:solidFill>
-                <a:latin typeface="+mn-lt"/>
-                <a:ea typeface="+mn-ea"/>
-                <a:cs typeface="+mn-cs"/>
-              </a:defRPr>
-            </a:lvl8pPr>
-            <a:lvl9pPr marL="3886200" indent="-228600" algn="l" defTabSz="914400" rtl="0" eaLnBrk="1" latinLnBrk="0" hangingPunct="1">
-              <a:lnSpc>
-                <a:spcPct val="90000"/>
-              </a:lnSpc>
-              <a:spcBef>
-                <a:spcPts val="500"/>
-              </a:spcBef>
-              <a:buFont typeface="Arial" panose="020B0604020202020204" pitchFamily="34" charset="0"/>
-              <a:buChar char="•"/>
-              <a:defRPr sz="1800" kern="1200">
-                <a:solidFill>
-                  <a:schemeClr val="tx1"/>
-                </a:solidFill>
-                <a:latin typeface="+mn-lt"/>
-                <a:ea typeface="+mn-ea"/>
-                <a:cs typeface="+mn-cs"/>
-              </a:defRPr>
-            </a:lvl9pPr>
-          </a:lstStyle>
-          <a:p>
-            <a:pPr marL="0" indent="0" algn="ctr">
-              <a:buNone/>
-            </a:pPr>
-            <a:r>
-              <a:rPr lang="en-US" sz="2400" dirty="0" smtClean="0">
-                <a:latin typeface="Times New Roman" panose="02020603050405020304" pitchFamily="18" charset="0"/>
-                <a:cs typeface="Times New Roman" panose="02020603050405020304" pitchFamily="18" charset="0"/>
-              </a:rPr>
-              <a:t>Power outage</a:t>
-            </a:r>
-            <a:endParaRPr lang="en-US" sz="2400" dirty="0">
-              <a:latin typeface="Times New Roman" panose="02020603050405020304" pitchFamily="18" charset="0"/>
-              <a:cs typeface="Times New Roman" panose="02020603050405020304" pitchFamily="18" charset="0"/>
-            </a:endParaRPr>
-          </a:p>
-        </p:txBody>
-      </p:sp>
-      <p:cxnSp>
-        <p:nvCxnSpPr>
-          <p:cNvPr id="23" name="Straight Arrow Connector 22"/>
-          <p:cNvCxnSpPr/>
-          <p:nvPr/>
-        </p:nvCxnSpPr>
-        <p:spPr>
-          <a:xfrm flipH="1" flipV="1">
-            <a:off x="8417411" y="5013223"/>
-            <a:ext cx="416565" cy="535152"/>
-          </a:xfrm>
-          <a:prstGeom prst="straightConnector1">
-            <a:avLst/>
-          </a:prstGeom>
-          <a:ln w="38100">
-            <a:solidFill>
-              <a:srgbClr val="21B971"/>
-            </a:solidFill>
-            <a:tailEnd type="triangle"/>
-          </a:ln>
-        </p:spPr>
-        <p:style>
-          <a:lnRef idx="1">
-            <a:schemeClr val="accent1"/>
-          </a:lnRef>
-          <a:fillRef idx="0">
-            <a:schemeClr val="accent1"/>
-          </a:fillRef>
-          <a:effectRef idx="0">
-            <a:schemeClr val="accent1"/>
-          </a:effectRef>
-          <a:fontRef idx="minor">
-            <a:schemeClr val="tx1"/>
-          </a:fontRef>
-        </p:style>
-      </p:cxnSp>
-    </p:spTree>
-    <p:extLst>
-      <p:ext uri="{BB962C8B-B14F-4D97-AF65-F5344CB8AC3E}">
-        <p14:creationId xmlns:p14="http://schemas.microsoft.com/office/powerpoint/2010/main" val="3402590578"/>
       </p:ext>
     </p:extLst>
   </p:cSld>

--- a/figures/source-code-plot/timeseries-frame.pptx
+++ b/figures/source-code-plot/timeseries-frame.pptx
@@ -5,7 +5,7 @@
     <p:sldMasterId id="2147483648" r:id="rId1"/>
   </p:sldMasterIdLst>
   <p:notesMasterIdLst>
-    <p:notesMasterId r:id="rId16"/>
+    <p:notesMasterId r:id="rId17"/>
   </p:notesMasterIdLst>
   <p:sldIdLst>
     <p:sldId id="256" r:id="rId2"/>
@@ -22,6 +22,7 @@
     <p:sldId id="266" r:id="rId13"/>
     <p:sldId id="267" r:id="rId14"/>
     <p:sldId id="268" r:id="rId15"/>
+    <p:sldId id="270" r:id="rId16"/>
   </p:sldIdLst>
   <p:sldSz cx="12192000" cy="6858000"/>
   <p:notesSz cx="6858000" cy="9144000"/>
@@ -387,11 +388,11 @@
           <c:showBubbleSize val="0"/>
         </c:dLbls>
         <c:smooth val="0"/>
-        <c:axId val="73547744"/>
-        <c:axId val="73548304"/>
+        <c:axId val="43786720"/>
+        <c:axId val="43787280"/>
       </c:lineChart>
       <c:catAx>
-        <c:axId val="73547744"/>
+        <c:axId val="43786720"/>
         <c:scaling>
           <c:orientation val="minMax"/>
         </c:scaling>
@@ -431,7 +432,7 @@
             <a:endParaRPr lang="en-US"/>
           </a:p>
         </c:txPr>
-        <c:crossAx val="73548304"/>
+        <c:crossAx val="43787280"/>
         <c:crosses val="autoZero"/>
         <c:auto val="1"/>
         <c:lblAlgn val="ctr"/>
@@ -439,7 +440,7 @@
         <c:noMultiLvlLbl val="0"/>
       </c:catAx>
       <c:valAx>
-        <c:axId val="73548304"/>
+        <c:axId val="43787280"/>
         <c:scaling>
           <c:orientation val="minMax"/>
         </c:scaling>
@@ -487,7 +488,7 @@
             <a:endParaRPr lang="en-US"/>
           </a:p>
         </c:txPr>
-        <c:crossAx val="73547744"/>
+        <c:crossAx val="43786720"/>
         <c:crosses val="autoZero"/>
         <c:crossBetween val="between"/>
       </c:valAx>
@@ -799,11 +800,11 @@
         </c:dLbls>
         <c:marker val="1"/>
         <c:smooth val="0"/>
-        <c:axId val="179781296"/>
-        <c:axId val="179781856"/>
+        <c:axId val="109964656"/>
+        <c:axId val="109965216"/>
       </c:lineChart>
       <c:catAx>
-        <c:axId val="179781296"/>
+        <c:axId val="109964656"/>
         <c:scaling>
           <c:orientation val="minMax"/>
         </c:scaling>
@@ -843,7 +844,7 @@
             <a:endParaRPr lang="en-US"/>
           </a:p>
         </c:txPr>
-        <c:crossAx val="179781856"/>
+        <c:crossAx val="109965216"/>
         <c:crosses val="autoZero"/>
         <c:auto val="1"/>
         <c:lblAlgn val="ctr"/>
@@ -853,7 +854,7 @@
         <c:noMultiLvlLbl val="0"/>
       </c:catAx>
       <c:valAx>
-        <c:axId val="179781856"/>
+        <c:axId val="109965216"/>
         <c:scaling>
           <c:orientation val="minMax"/>
         </c:scaling>
@@ -907,7 +908,7 @@
             <a:endParaRPr lang="en-US"/>
           </a:p>
         </c:txPr>
-        <c:crossAx val="179781296"/>
+        <c:crossAx val="109964656"/>
         <c:crossesAt val="1"/>
         <c:crossBetween val="between"/>
       </c:valAx>
@@ -1216,11 +1217,11 @@
         </c:dLbls>
         <c:marker val="1"/>
         <c:smooth val="0"/>
-        <c:axId val="179784096"/>
-        <c:axId val="179784656"/>
+        <c:axId val="109967456"/>
+        <c:axId val="109968016"/>
       </c:lineChart>
       <c:catAx>
-        <c:axId val="179784096"/>
+        <c:axId val="109967456"/>
         <c:scaling>
           <c:orientation val="minMax"/>
         </c:scaling>
@@ -1260,7 +1261,7 @@
             <a:endParaRPr lang="en-US"/>
           </a:p>
         </c:txPr>
-        <c:crossAx val="179784656"/>
+        <c:crossAx val="109968016"/>
         <c:crosses val="autoZero"/>
         <c:auto val="1"/>
         <c:lblAlgn val="ctr"/>
@@ -1269,7 +1270,7 @@
         <c:noMultiLvlLbl val="0"/>
       </c:catAx>
       <c:valAx>
-        <c:axId val="179784656"/>
+        <c:axId val="109968016"/>
         <c:scaling>
           <c:orientation val="minMax"/>
         </c:scaling>
@@ -1317,7 +1318,7 @@
             <a:endParaRPr lang="en-US"/>
           </a:p>
         </c:txPr>
-        <c:crossAx val="179784096"/>
+        <c:crossAx val="109967456"/>
         <c:crosses val="autoZero"/>
         <c:crossBetween val="between"/>
       </c:valAx>
@@ -3111,7 +3112,7 @@
           <a:p>
             <a:fld id="{BD95DEEB-EB1A-4DBE-9A02-CCA516C4307E}" type="datetimeFigureOut">
               <a:rPr lang="en-US" smtClean="0"/>
-              <a:t>5/5/2016</a:t>
+              <a:t>5/13/2016</a:t>
             </a:fld>
             <a:endParaRPr lang="en-US"/>
           </a:p>
@@ -3678,7 +3679,7 @@
           <a:p>
             <a:fld id="{2DD4BC02-C082-4D59-A56C-B836D2E803E4}" type="datetimeFigureOut">
               <a:rPr lang="en-US" smtClean="0"/>
-              <a:t>5/5/2016</a:t>
+              <a:t>5/13/2016</a:t>
             </a:fld>
             <a:endParaRPr lang="en-US"/>
           </a:p>
@@ -3848,7 +3849,7 @@
           <a:p>
             <a:fld id="{2DD4BC02-C082-4D59-A56C-B836D2E803E4}" type="datetimeFigureOut">
               <a:rPr lang="en-US" smtClean="0"/>
-              <a:t>5/5/2016</a:t>
+              <a:t>5/13/2016</a:t>
             </a:fld>
             <a:endParaRPr lang="en-US"/>
           </a:p>
@@ -4028,7 +4029,7 @@
           <a:p>
             <a:fld id="{2DD4BC02-C082-4D59-A56C-B836D2E803E4}" type="datetimeFigureOut">
               <a:rPr lang="en-US" smtClean="0"/>
-              <a:t>5/5/2016</a:t>
+              <a:t>5/13/2016</a:t>
             </a:fld>
             <a:endParaRPr lang="en-US"/>
           </a:p>
@@ -4198,7 +4199,7 @@
           <a:p>
             <a:fld id="{2DD4BC02-C082-4D59-A56C-B836D2E803E4}" type="datetimeFigureOut">
               <a:rPr lang="en-US" smtClean="0"/>
-              <a:t>5/5/2016</a:t>
+              <a:t>5/13/2016</a:t>
             </a:fld>
             <a:endParaRPr lang="en-US"/>
           </a:p>
@@ -4444,7 +4445,7 @@
           <a:p>
             <a:fld id="{2DD4BC02-C082-4D59-A56C-B836D2E803E4}" type="datetimeFigureOut">
               <a:rPr lang="en-US" smtClean="0"/>
-              <a:t>5/5/2016</a:t>
+              <a:t>5/13/2016</a:t>
             </a:fld>
             <a:endParaRPr lang="en-US"/>
           </a:p>
@@ -4676,7 +4677,7 @@
           <a:p>
             <a:fld id="{2DD4BC02-C082-4D59-A56C-B836D2E803E4}" type="datetimeFigureOut">
               <a:rPr lang="en-US" smtClean="0"/>
-              <a:t>5/5/2016</a:t>
+              <a:t>5/13/2016</a:t>
             </a:fld>
             <a:endParaRPr lang="en-US"/>
           </a:p>
@@ -5043,7 +5044,7 @@
           <a:p>
             <a:fld id="{2DD4BC02-C082-4D59-A56C-B836D2E803E4}" type="datetimeFigureOut">
               <a:rPr lang="en-US" smtClean="0"/>
-              <a:t>5/5/2016</a:t>
+              <a:t>5/13/2016</a:t>
             </a:fld>
             <a:endParaRPr lang="en-US"/>
           </a:p>
@@ -5161,7 +5162,7 @@
           <a:p>
             <a:fld id="{2DD4BC02-C082-4D59-A56C-B836D2E803E4}" type="datetimeFigureOut">
               <a:rPr lang="en-US" smtClean="0"/>
-              <a:t>5/5/2016</a:t>
+              <a:t>5/13/2016</a:t>
             </a:fld>
             <a:endParaRPr lang="en-US"/>
           </a:p>
@@ -5256,7 +5257,7 @@
           <a:p>
             <a:fld id="{2DD4BC02-C082-4D59-A56C-B836D2E803E4}" type="datetimeFigureOut">
               <a:rPr lang="en-US" smtClean="0"/>
-              <a:t>5/5/2016</a:t>
+              <a:t>5/13/2016</a:t>
             </a:fld>
             <a:endParaRPr lang="en-US"/>
           </a:p>
@@ -5533,7 +5534,7 @@
           <a:p>
             <a:fld id="{2DD4BC02-C082-4D59-A56C-B836D2E803E4}" type="datetimeFigureOut">
               <a:rPr lang="en-US" smtClean="0"/>
-              <a:t>5/5/2016</a:t>
+              <a:t>5/13/2016</a:t>
             </a:fld>
             <a:endParaRPr lang="en-US"/>
           </a:p>
@@ -5786,7 +5787,7 @@
           <a:p>
             <a:fld id="{2DD4BC02-C082-4D59-A56C-B836D2E803E4}" type="datetimeFigureOut">
               <a:rPr lang="en-US" smtClean="0"/>
-              <a:t>5/5/2016</a:t>
+              <a:t>5/13/2016</a:t>
             </a:fld>
             <a:endParaRPr lang="en-US"/>
           </a:p>
@@ -5999,7 +6000,7 @@
           <a:p>
             <a:fld id="{2DD4BC02-C082-4D59-A56C-B836D2E803E4}" type="datetimeFigureOut">
               <a:rPr lang="en-US" smtClean="0"/>
-              <a:t>5/5/2016</a:t>
+              <a:t>5/13/2016</a:t>
             </a:fld>
             <a:endParaRPr lang="en-US"/>
           </a:p>
@@ -12057,6 +12058,576 @@
     <p:extLst>
       <p:ext uri="{BB962C8B-B14F-4D97-AF65-F5344CB8AC3E}">
         <p14:creationId xmlns:p14="http://schemas.microsoft.com/office/powerpoint/2010/main" val="1788307453"/>
+      </p:ext>
+    </p:extLst>
+  </p:cSld>
+  <p:clrMapOvr>
+    <a:masterClrMapping/>
+  </p:clrMapOvr>
+</p:sld>
+</file>
+
+<file path=ppt/slides/slide15.xml><?xml version="1.0" encoding="utf-8"?>
+<p:sld xmlns:a="http://schemas.openxmlformats.org/drawingml/2006/main" xmlns:r="http://schemas.openxmlformats.org/officeDocument/2006/relationships" xmlns:p="http://schemas.openxmlformats.org/presentationml/2006/main">
+  <p:cSld>
+    <p:spTree>
+      <p:nvGrpSpPr>
+        <p:cNvPr id="1" name=""/>
+        <p:cNvGrpSpPr/>
+        <p:nvPr/>
+      </p:nvGrpSpPr>
+      <p:grpSpPr>
+        <a:xfrm>
+          <a:off x="0" y="0"/>
+          <a:ext cx="0" cy="0"/>
+          <a:chOff x="0" y="0"/>
+          <a:chExt cx="0" cy="0"/>
+        </a:xfrm>
+      </p:grpSpPr>
+      <p:pic>
+        <p:nvPicPr>
+          <p:cNvPr id="5" name="Picture 4"/>
+          <p:cNvPicPr>
+            <a:picLocks noChangeAspect="1"/>
+          </p:cNvPicPr>
+          <p:nvPr/>
+        </p:nvPicPr>
+        <p:blipFill>
+          <a:blip r:embed="rId2">
+            <a:extLst>
+              <a:ext uri="{28A0092B-C50C-407E-A947-70E740481C1C}">
+                <a14:useLocalDpi xmlns:a14="http://schemas.microsoft.com/office/drawing/2010/main" val="0"/>
+              </a:ext>
+            </a:extLst>
+          </a:blip>
+          <a:stretch>
+            <a:fillRect/>
+          </a:stretch>
+        </p:blipFill>
+        <p:spPr>
+          <a:xfrm>
+            <a:off x="900752" y="182328"/>
+            <a:ext cx="10153935" cy="6675672"/>
+          </a:xfrm>
+          <a:prstGeom prst="rect">
+            <a:avLst/>
+          </a:prstGeom>
+        </p:spPr>
+      </p:pic>
+      <p:sp>
+        <p:nvSpPr>
+          <p:cNvPr id="6" name="TextBox 5"/>
+          <p:cNvSpPr txBox="1"/>
+          <p:nvPr/>
+        </p:nvSpPr>
+        <p:spPr>
+          <a:xfrm>
+            <a:off x="2374711" y="4646222"/>
+            <a:ext cx="936347" cy="369332"/>
+          </a:xfrm>
+          <a:prstGeom prst="rect">
+            <a:avLst/>
+          </a:prstGeom>
+          <a:noFill/>
+        </p:spPr>
+        <p:txBody>
+          <a:bodyPr wrap="none" rtlCol="0">
+            <a:spAutoFit/>
+          </a:bodyPr>
+          <a:lstStyle/>
+          <a:p>
+            <a:r>
+              <a:rPr lang="en-US" dirty="0" smtClean="0"/>
+              <a:t>Panama</a:t>
+            </a:r>
+            <a:endParaRPr lang="en-US" dirty="0"/>
+          </a:p>
+        </p:txBody>
+      </p:sp>
+      <p:sp>
+        <p:nvSpPr>
+          <p:cNvPr id="7" name="TextBox 6"/>
+          <p:cNvSpPr txBox="1"/>
+          <p:nvPr/>
+        </p:nvSpPr>
+        <p:spPr>
+          <a:xfrm>
+            <a:off x="2374711" y="3909665"/>
+            <a:ext cx="1139158" cy="369332"/>
+          </a:xfrm>
+          <a:prstGeom prst="rect">
+            <a:avLst/>
+          </a:prstGeom>
+          <a:noFill/>
+        </p:spPr>
+        <p:txBody>
+          <a:bodyPr wrap="none" rtlCol="0">
+            <a:spAutoFit/>
+          </a:bodyPr>
+          <a:lstStyle/>
+          <a:p>
+            <a:r>
+              <a:rPr lang="en-US" dirty="0" smtClean="0"/>
+              <a:t>Costa Rica</a:t>
+            </a:r>
+            <a:endParaRPr lang="en-US" dirty="0"/>
+          </a:p>
+        </p:txBody>
+      </p:sp>
+      <p:sp>
+        <p:nvSpPr>
+          <p:cNvPr id="8" name="TextBox 7"/>
+          <p:cNvSpPr txBox="1"/>
+          <p:nvPr/>
+        </p:nvSpPr>
+        <p:spPr>
+          <a:xfrm>
+            <a:off x="2374711" y="2668982"/>
+            <a:ext cx="1209177" cy="369332"/>
+          </a:xfrm>
+          <a:prstGeom prst="rect">
+            <a:avLst/>
+          </a:prstGeom>
+          <a:noFill/>
+        </p:spPr>
+        <p:txBody>
+          <a:bodyPr wrap="none" rtlCol="0">
+            <a:spAutoFit/>
+          </a:bodyPr>
+          <a:lstStyle/>
+          <a:p>
+            <a:r>
+              <a:rPr lang="en-US" dirty="0" smtClean="0"/>
+              <a:t>Guatemala</a:t>
+            </a:r>
+            <a:endParaRPr lang="en-US" dirty="0"/>
+          </a:p>
+        </p:txBody>
+      </p:sp>
+      <p:sp>
+        <p:nvSpPr>
+          <p:cNvPr id="9" name="TextBox 8"/>
+          <p:cNvSpPr txBox="1"/>
+          <p:nvPr/>
+        </p:nvSpPr>
+        <p:spPr>
+          <a:xfrm>
+            <a:off x="3012530" y="3251159"/>
+            <a:ext cx="1092030" cy="369332"/>
+          </a:xfrm>
+          <a:prstGeom prst="rect">
+            <a:avLst/>
+          </a:prstGeom>
+          <a:noFill/>
+        </p:spPr>
+        <p:txBody>
+          <a:bodyPr wrap="none" rtlCol="0">
+            <a:spAutoFit/>
+          </a:bodyPr>
+          <a:lstStyle/>
+          <a:p>
+            <a:r>
+              <a:rPr lang="en-US" dirty="0" smtClean="0"/>
+              <a:t>Honduras</a:t>
+            </a:r>
+            <a:endParaRPr lang="en-US" dirty="0"/>
+          </a:p>
+        </p:txBody>
+      </p:sp>
+      <p:sp>
+        <p:nvSpPr>
+          <p:cNvPr id="10" name="TextBox 9"/>
+          <p:cNvSpPr txBox="1"/>
+          <p:nvPr/>
+        </p:nvSpPr>
+        <p:spPr>
+          <a:xfrm>
+            <a:off x="3820023" y="3833336"/>
+            <a:ext cx="1120563" cy="369332"/>
+          </a:xfrm>
+          <a:prstGeom prst="rect">
+            <a:avLst/>
+          </a:prstGeom>
+          <a:noFill/>
+        </p:spPr>
+        <p:txBody>
+          <a:bodyPr wrap="none" rtlCol="0">
+            <a:spAutoFit/>
+          </a:bodyPr>
+          <a:lstStyle/>
+          <a:p>
+            <a:r>
+              <a:rPr lang="en-US" dirty="0" smtClean="0"/>
+              <a:t>Nicaragua</a:t>
+            </a:r>
+            <a:endParaRPr lang="en-US" dirty="0"/>
+          </a:p>
+        </p:txBody>
+      </p:sp>
+      <p:sp>
+        <p:nvSpPr>
+          <p:cNvPr id="11" name="TextBox 10"/>
+          <p:cNvSpPr txBox="1"/>
+          <p:nvPr/>
+        </p:nvSpPr>
+        <p:spPr>
+          <a:xfrm>
+            <a:off x="5640117" y="4632574"/>
+            <a:ext cx="975460" cy="369332"/>
+          </a:xfrm>
+          <a:prstGeom prst="rect">
+            <a:avLst/>
+          </a:prstGeom>
+          <a:noFill/>
+        </p:spPr>
+        <p:txBody>
+          <a:bodyPr wrap="none" rtlCol="0">
+            <a:spAutoFit/>
+          </a:bodyPr>
+          <a:lstStyle/>
+          <a:p>
+            <a:r>
+              <a:rPr lang="en-US" dirty="0" smtClean="0"/>
+              <a:t>Uruguay</a:t>
+            </a:r>
+            <a:endParaRPr lang="en-US" dirty="0"/>
+          </a:p>
+        </p:txBody>
+      </p:sp>
+      <p:sp>
+        <p:nvSpPr>
+          <p:cNvPr id="12" name="TextBox 11"/>
+          <p:cNvSpPr txBox="1"/>
+          <p:nvPr/>
+        </p:nvSpPr>
+        <p:spPr>
+          <a:xfrm>
+            <a:off x="5246740" y="3648670"/>
+            <a:ext cx="805029" cy="369332"/>
+          </a:xfrm>
+          <a:prstGeom prst="rect">
+            <a:avLst/>
+          </a:prstGeom>
+          <a:noFill/>
+        </p:spPr>
+        <p:txBody>
+          <a:bodyPr wrap="none" rtlCol="0">
+            <a:spAutoFit/>
+          </a:bodyPr>
+          <a:lstStyle/>
+          <a:p>
+            <a:r>
+              <a:rPr lang="en-US" dirty="0" smtClean="0"/>
+              <a:t>Bolivia</a:t>
+            </a:r>
+            <a:endParaRPr lang="en-US" dirty="0"/>
+          </a:p>
+        </p:txBody>
+      </p:sp>
+      <p:sp>
+        <p:nvSpPr>
+          <p:cNvPr id="13" name="TextBox 12"/>
+          <p:cNvSpPr txBox="1"/>
+          <p:nvPr/>
+        </p:nvSpPr>
+        <p:spPr>
+          <a:xfrm>
+            <a:off x="6356265" y="4094331"/>
+            <a:ext cx="1207190" cy="369332"/>
+          </a:xfrm>
+          <a:prstGeom prst="rect">
+            <a:avLst/>
+          </a:prstGeom>
+          <a:noFill/>
+        </p:spPr>
+        <p:txBody>
+          <a:bodyPr wrap="none" rtlCol="0">
+            <a:spAutoFit/>
+          </a:bodyPr>
+          <a:lstStyle/>
+          <a:p>
+            <a:r>
+              <a:rPr lang="en-US" dirty="0" smtClean="0"/>
+              <a:t>El Salvador</a:t>
+            </a:r>
+            <a:endParaRPr lang="en-US" dirty="0"/>
+          </a:p>
+        </p:txBody>
+      </p:sp>
+      <p:sp>
+        <p:nvSpPr>
+          <p:cNvPr id="14" name="TextBox 13"/>
+          <p:cNvSpPr txBox="1"/>
+          <p:nvPr/>
+        </p:nvSpPr>
+        <p:spPr>
+          <a:xfrm>
+            <a:off x="7441288" y="3464004"/>
+            <a:ext cx="1036309" cy="369332"/>
+          </a:xfrm>
+          <a:prstGeom prst="rect">
+            <a:avLst/>
+          </a:prstGeom>
+          <a:noFill/>
+        </p:spPr>
+        <p:txBody>
+          <a:bodyPr wrap="none" rtlCol="0">
+            <a:spAutoFit/>
+          </a:bodyPr>
+          <a:lstStyle/>
+          <a:p>
+            <a:r>
+              <a:rPr lang="en-US" dirty="0" smtClean="0"/>
+              <a:t>Paraguay</a:t>
+            </a:r>
+            <a:endParaRPr lang="en-US" dirty="0"/>
+          </a:p>
+        </p:txBody>
+      </p:sp>
+      <p:sp>
+        <p:nvSpPr>
+          <p:cNvPr id="15" name="TextBox 14"/>
+          <p:cNvSpPr txBox="1"/>
+          <p:nvPr/>
+        </p:nvSpPr>
+        <p:spPr>
+          <a:xfrm>
+            <a:off x="6171133" y="3169869"/>
+            <a:ext cx="947760" cy="369332"/>
+          </a:xfrm>
+          <a:prstGeom prst="rect">
+            <a:avLst/>
+          </a:prstGeom>
+          <a:noFill/>
+        </p:spPr>
+        <p:txBody>
+          <a:bodyPr wrap="none" rtlCol="0">
+            <a:spAutoFit/>
+          </a:bodyPr>
+          <a:lstStyle/>
+          <a:p>
+            <a:r>
+              <a:rPr lang="en-US" dirty="0" smtClean="0"/>
+              <a:t>Ecuador</a:t>
+            </a:r>
+            <a:endParaRPr lang="en-US" dirty="0"/>
+          </a:p>
+        </p:txBody>
+      </p:sp>
+      <p:sp>
+        <p:nvSpPr>
+          <p:cNvPr id="16" name="TextBox 15"/>
+          <p:cNvSpPr txBox="1"/>
+          <p:nvPr/>
+        </p:nvSpPr>
+        <p:spPr>
+          <a:xfrm>
+            <a:off x="5452842" y="2783649"/>
+            <a:ext cx="651140" cy="369332"/>
+          </a:xfrm>
+          <a:prstGeom prst="rect">
+            <a:avLst/>
+          </a:prstGeom>
+          <a:noFill/>
+        </p:spPr>
+        <p:txBody>
+          <a:bodyPr wrap="none" rtlCol="0">
+            <a:spAutoFit/>
+          </a:bodyPr>
+          <a:lstStyle/>
+          <a:p>
+            <a:r>
+              <a:rPr lang="en-US" dirty="0" smtClean="0"/>
+              <a:t>Chile</a:t>
+            </a:r>
+            <a:endParaRPr lang="en-US" dirty="0"/>
+          </a:p>
+        </p:txBody>
+      </p:sp>
+      <p:sp>
+        <p:nvSpPr>
+          <p:cNvPr id="17" name="TextBox 16"/>
+          <p:cNvSpPr txBox="1"/>
+          <p:nvPr/>
+        </p:nvSpPr>
+        <p:spPr>
+          <a:xfrm>
+            <a:off x="5812431" y="2087577"/>
+            <a:ext cx="616066" cy="369332"/>
+          </a:xfrm>
+          <a:prstGeom prst="rect">
+            <a:avLst/>
+          </a:prstGeom>
+          <a:noFill/>
+        </p:spPr>
+        <p:txBody>
+          <a:bodyPr wrap="none" rtlCol="0">
+            <a:spAutoFit/>
+          </a:bodyPr>
+          <a:lstStyle/>
+          <a:p>
+            <a:r>
+              <a:rPr lang="en-US" dirty="0" smtClean="0"/>
+              <a:t>Peru</a:t>
+            </a:r>
+            <a:endParaRPr lang="en-US" dirty="0"/>
+          </a:p>
+        </p:txBody>
+      </p:sp>
+      <p:sp>
+        <p:nvSpPr>
+          <p:cNvPr id="18" name="TextBox 17"/>
+          <p:cNvSpPr txBox="1"/>
+          <p:nvPr/>
+        </p:nvSpPr>
+        <p:spPr>
+          <a:xfrm>
+            <a:off x="6552820" y="1743949"/>
+            <a:ext cx="1117420" cy="369332"/>
+          </a:xfrm>
+          <a:prstGeom prst="rect">
+            <a:avLst/>
+          </a:prstGeom>
+          <a:noFill/>
+        </p:spPr>
+        <p:txBody>
+          <a:bodyPr wrap="square" rtlCol="0">
+            <a:spAutoFit/>
+          </a:bodyPr>
+          <a:lstStyle/>
+          <a:p>
+            <a:r>
+              <a:rPr lang="en-US" dirty="0" smtClean="0"/>
+              <a:t>Argentina</a:t>
+            </a:r>
+            <a:endParaRPr lang="en-US" dirty="0"/>
+          </a:p>
+        </p:txBody>
+      </p:sp>
+      <p:sp>
+        <p:nvSpPr>
+          <p:cNvPr id="19" name="TextBox 18"/>
+          <p:cNvSpPr txBox="1"/>
+          <p:nvPr/>
+        </p:nvSpPr>
+        <p:spPr>
+          <a:xfrm>
+            <a:off x="7918887" y="1841078"/>
+            <a:ext cx="1117420" cy="369332"/>
+          </a:xfrm>
+          <a:prstGeom prst="rect">
+            <a:avLst/>
+          </a:prstGeom>
+          <a:noFill/>
+        </p:spPr>
+        <p:txBody>
+          <a:bodyPr wrap="square" rtlCol="0">
+            <a:spAutoFit/>
+          </a:bodyPr>
+          <a:lstStyle/>
+          <a:p>
+            <a:r>
+              <a:rPr lang="en-US" dirty="0" smtClean="0"/>
+              <a:t>Colombia</a:t>
+            </a:r>
+            <a:endParaRPr lang="en-US" dirty="0"/>
+          </a:p>
+        </p:txBody>
+      </p:sp>
+      <p:sp>
+        <p:nvSpPr>
+          <p:cNvPr id="20" name="TextBox 19"/>
+          <p:cNvSpPr txBox="1"/>
+          <p:nvPr/>
+        </p:nvSpPr>
+        <p:spPr>
+          <a:xfrm>
+            <a:off x="8070962" y="2579211"/>
+            <a:ext cx="841027" cy="369332"/>
+          </a:xfrm>
+          <a:prstGeom prst="rect">
+            <a:avLst/>
+          </a:prstGeom>
+          <a:noFill/>
+        </p:spPr>
+        <p:txBody>
+          <a:bodyPr wrap="square" rtlCol="0">
+            <a:spAutoFit/>
+          </a:bodyPr>
+          <a:lstStyle/>
+          <a:p>
+            <a:r>
+              <a:rPr lang="en-US" dirty="0" smtClean="0"/>
+              <a:t>Brazil</a:t>
+            </a:r>
+            <a:endParaRPr lang="en-US" dirty="0"/>
+          </a:p>
+        </p:txBody>
+      </p:sp>
+      <p:sp>
+        <p:nvSpPr>
+          <p:cNvPr id="21" name="TextBox 20"/>
+          <p:cNvSpPr txBox="1"/>
+          <p:nvPr/>
+        </p:nvSpPr>
+        <p:spPr>
+          <a:xfrm>
+            <a:off x="9201067" y="1276960"/>
+            <a:ext cx="1117420" cy="369332"/>
+          </a:xfrm>
+          <a:prstGeom prst="rect">
+            <a:avLst/>
+          </a:prstGeom>
+          <a:noFill/>
+        </p:spPr>
+        <p:txBody>
+          <a:bodyPr wrap="square" rtlCol="0">
+            <a:spAutoFit/>
+          </a:bodyPr>
+          <a:lstStyle/>
+          <a:p>
+            <a:r>
+              <a:rPr lang="en-US" dirty="0" smtClean="0"/>
+              <a:t>Mexico</a:t>
+            </a:r>
+            <a:endParaRPr lang="en-US" dirty="0"/>
+          </a:p>
+        </p:txBody>
+      </p:sp>
+      <p:sp>
+        <p:nvSpPr>
+          <p:cNvPr id="22" name="TextBox 21"/>
+          <p:cNvSpPr txBox="1"/>
+          <p:nvPr/>
+        </p:nvSpPr>
+        <p:spPr>
+          <a:xfrm>
+            <a:off x="7672639" y="768681"/>
+            <a:ext cx="1278797" cy="369332"/>
+          </a:xfrm>
+          <a:prstGeom prst="rect">
+            <a:avLst/>
+          </a:prstGeom>
+          <a:noFill/>
+        </p:spPr>
+        <p:txBody>
+          <a:bodyPr wrap="square" rtlCol="0">
+            <a:spAutoFit/>
+          </a:bodyPr>
+          <a:lstStyle/>
+          <a:p>
+            <a:r>
+              <a:rPr lang="en-US" dirty="0" smtClean="0"/>
+              <a:t>Venezuela</a:t>
+            </a:r>
+            <a:endParaRPr lang="en-US" dirty="0"/>
+          </a:p>
+        </p:txBody>
+      </p:sp>
+    </p:spTree>
+    <p:extLst>
+      <p:ext uri="{BB962C8B-B14F-4D97-AF65-F5344CB8AC3E}">
+        <p14:creationId xmlns:p14="http://schemas.microsoft.com/office/powerpoint/2010/main" val="509081459"/>
       </p:ext>
     </p:extLst>
   </p:cSld>
